--- a/mockup work.pptx
+++ b/mockup work.pptx
@@ -7,11 +7,10 @@
   <p:sldIdLst>
     <p:sldId id="256" r:id="rId2"/>
     <p:sldId id="262" r:id="rId3"/>
-    <p:sldId id="264" r:id="rId4"/>
-    <p:sldId id="263" r:id="rId5"/>
-    <p:sldId id="260" r:id="rId6"/>
-    <p:sldId id="259" r:id="rId7"/>
-    <p:sldId id="261" r:id="rId8"/>
+    <p:sldId id="263" r:id="rId4"/>
+    <p:sldId id="260" r:id="rId5"/>
+    <p:sldId id="259" r:id="rId6"/>
+    <p:sldId id="261" r:id="rId7"/>
   </p:sldIdLst>
   <p:sldSz cx="27432000" cy="18288000"/>
   <p:notesSz cx="6858000" cy="9144000"/>
@@ -121,7 +120,7 @@
 <file path=ppt/revisionInfo.xml><?xml version="1.0" encoding="utf-8"?>
 <p1510:revInfo xmlns:a="http://schemas.openxmlformats.org/drawingml/2006/main" xmlns:r="http://schemas.openxmlformats.org/officeDocument/2006/relationships" xmlns:p1510="http://schemas.microsoft.com/office/powerpoint/2015/10/main">
   <p1510:revLst>
-    <p1510:client id="{D1D7216E-4744-4FF3-83B4-44B242F5B4D2}" v="55" dt="2020-10-19T19:45:16.183"/>
+    <p1510:client id="{D1D7216E-4744-4FF3-83B4-44B242F5B4D2}" v="91" dt="2020-10-20T22:25:07.682"/>
   </p1510:revLst>
 </p1510:revInfo>
 </file>
@@ -131,7 +130,7 @@
   <pc:docChgLst>
     <pc:chgData name="Matthew Linden" userId="0bdf84aa4d9a12cb" providerId="LiveId" clId="{D1D7216E-4744-4FF3-83B4-44B242F5B4D2}"/>
     <pc:docChg chg="undo custSel addSld delSld modSld sldOrd">
-      <pc:chgData name="Matthew Linden" userId="0bdf84aa4d9a12cb" providerId="LiveId" clId="{D1D7216E-4744-4FF3-83B4-44B242F5B4D2}" dt="2020-10-19T21:04:27.555" v="1649"/>
+      <pc:chgData name="Matthew Linden" userId="0bdf84aa4d9a12cb" providerId="LiveId" clId="{D1D7216E-4744-4FF3-83B4-44B242F5B4D2}" dt="2020-10-21T00:20:02.085" v="2166" actId="20577"/>
       <pc:docMkLst>
         <pc:docMk/>
       </pc:docMkLst>
@@ -1218,15 +1217,351 @@
           </ac:picMkLst>
         </pc:picChg>
       </pc:sldChg>
-      <pc:sldChg chg="add">
-        <pc:chgData name="Matthew Linden" userId="0bdf84aa4d9a12cb" providerId="LiveId" clId="{D1D7216E-4744-4FF3-83B4-44B242F5B4D2}" dt="2020-10-19T18:48:20.250" v="1059" actId="2890"/>
+      <pc:sldChg chg="addSp delSp modSp add mod">
+        <pc:chgData name="Matthew Linden" userId="0bdf84aa4d9a12cb" providerId="LiveId" clId="{D1D7216E-4744-4FF3-83B4-44B242F5B4D2}" dt="2020-10-21T00:20:02.085" v="2166" actId="20577"/>
         <pc:sldMkLst>
           <pc:docMk/>
           <pc:sldMk cId="937142826" sldId="263"/>
         </pc:sldMkLst>
+        <pc:spChg chg="add del mod ord">
+          <ac:chgData name="Matthew Linden" userId="0bdf84aa4d9a12cb" providerId="LiveId" clId="{D1D7216E-4744-4FF3-83B4-44B242F5B4D2}" dt="2020-10-21T00:13:11.374" v="2143" actId="478"/>
+          <ac:spMkLst>
+            <pc:docMk/>
+            <pc:sldMk cId="937142826" sldId="263"/>
+            <ac:spMk id="3" creationId="{FA710AAF-4738-4EFE-8546-0E5C74D49708}"/>
+          </ac:spMkLst>
+        </pc:spChg>
+        <pc:spChg chg="mod ord">
+          <ac:chgData name="Matthew Linden" userId="0bdf84aa4d9a12cb" providerId="LiveId" clId="{D1D7216E-4744-4FF3-83B4-44B242F5B4D2}" dt="2020-10-20T22:33:35.868" v="2136" actId="167"/>
+          <ac:spMkLst>
+            <pc:docMk/>
+            <pc:sldMk cId="937142826" sldId="263"/>
+            <ac:spMk id="4" creationId="{0FD36C3D-DE2E-4402-B027-EC511F59CF55}"/>
+          </ac:spMkLst>
+        </pc:spChg>
+        <pc:spChg chg="add del mod ord">
+          <ac:chgData name="Matthew Linden" userId="0bdf84aa4d9a12cb" providerId="LiveId" clId="{D1D7216E-4744-4FF3-83B4-44B242F5B4D2}" dt="2020-10-21T00:13:11.374" v="2143" actId="478"/>
+          <ac:spMkLst>
+            <pc:docMk/>
+            <pc:sldMk cId="937142826" sldId="263"/>
+            <ac:spMk id="6" creationId="{AF970A1E-0DD8-4DE5-9139-08E4382A5B48}"/>
+          </ac:spMkLst>
+        </pc:spChg>
+        <pc:spChg chg="add del mod">
+          <ac:chgData name="Matthew Linden" userId="0bdf84aa4d9a12cb" providerId="LiveId" clId="{D1D7216E-4744-4FF3-83B4-44B242F5B4D2}" dt="2020-10-20T22:06:09.990" v="1736" actId="478"/>
+          <ac:spMkLst>
+            <pc:docMk/>
+            <pc:sldMk cId="937142826" sldId="263"/>
+            <ac:spMk id="8" creationId="{7AF31EDB-CB6D-4487-B3E7-590DB5A210BD}"/>
+          </ac:spMkLst>
+        </pc:spChg>
+        <pc:spChg chg="add mod ord">
+          <ac:chgData name="Matthew Linden" userId="0bdf84aa4d9a12cb" providerId="LiveId" clId="{D1D7216E-4744-4FF3-83B4-44B242F5B4D2}" dt="2020-10-21T00:20:02.085" v="2166" actId="20577"/>
+          <ac:spMkLst>
+            <pc:docMk/>
+            <pc:sldMk cId="937142826" sldId="263"/>
+            <ac:spMk id="9" creationId="{7AEDB6B8-D78C-454D-A82B-020120B7B31F}"/>
+          </ac:spMkLst>
+        </pc:spChg>
+        <pc:spChg chg="mod">
+          <ac:chgData name="Matthew Linden" userId="0bdf84aa4d9a12cb" providerId="LiveId" clId="{D1D7216E-4744-4FF3-83B4-44B242F5B4D2}" dt="2020-10-20T22:12:18.960" v="2012" actId="1076"/>
+          <ac:spMkLst>
+            <pc:docMk/>
+            <pc:sldMk cId="937142826" sldId="263"/>
+            <ac:spMk id="11" creationId="{9AF2FF8A-BF09-4D69-9CED-736848A7211A}"/>
+          </ac:spMkLst>
+        </pc:spChg>
+        <pc:spChg chg="add mod">
+          <ac:chgData name="Matthew Linden" userId="0bdf84aa4d9a12cb" providerId="LiveId" clId="{D1D7216E-4744-4FF3-83B4-44B242F5B4D2}" dt="2020-10-20T22:07:30.692" v="1814" actId="1076"/>
+          <ac:spMkLst>
+            <pc:docMk/>
+            <pc:sldMk cId="937142826" sldId="263"/>
+            <ac:spMk id="12" creationId="{FCD7A705-9C11-482A-9F73-799202207B05}"/>
+          </ac:spMkLst>
+        </pc:spChg>
+        <pc:spChg chg="del mod">
+          <ac:chgData name="Matthew Linden" userId="0bdf84aa4d9a12cb" providerId="LiveId" clId="{D1D7216E-4744-4FF3-83B4-44B242F5B4D2}" dt="2020-10-20T22:11:06.066" v="1943" actId="478"/>
+          <ac:spMkLst>
+            <pc:docMk/>
+            <pc:sldMk cId="937142826" sldId="263"/>
+            <ac:spMk id="13" creationId="{97D82890-24A8-49E4-A6A8-5F18D2BDBF95}"/>
+          </ac:spMkLst>
+        </pc:spChg>
+        <pc:spChg chg="mod">
+          <ac:chgData name="Matthew Linden" userId="0bdf84aa4d9a12cb" providerId="LiveId" clId="{D1D7216E-4744-4FF3-83B4-44B242F5B4D2}" dt="2020-10-20T22:03:32.927" v="1693" actId="1076"/>
+          <ac:spMkLst>
+            <pc:docMk/>
+            <pc:sldMk cId="937142826" sldId="263"/>
+            <ac:spMk id="14" creationId="{7A240E62-B66C-4F14-984C-EE8C28D612F4}"/>
+          </ac:spMkLst>
+        </pc:spChg>
+        <pc:spChg chg="add mod">
+          <ac:chgData name="Matthew Linden" userId="0bdf84aa4d9a12cb" providerId="LiveId" clId="{D1D7216E-4744-4FF3-83B4-44B242F5B4D2}" dt="2020-10-20T22:13:15.305" v="2024" actId="120"/>
+          <ac:spMkLst>
+            <pc:docMk/>
+            <pc:sldMk cId="937142826" sldId="263"/>
+            <ac:spMk id="15" creationId="{0AC5117E-9C59-4C1F-8B3D-5DBEF546E720}"/>
+          </ac:spMkLst>
+        </pc:spChg>
+        <pc:spChg chg="add mod">
+          <ac:chgData name="Matthew Linden" userId="0bdf84aa4d9a12cb" providerId="LiveId" clId="{D1D7216E-4744-4FF3-83B4-44B242F5B4D2}" dt="2020-10-20T22:12:11.065" v="2008" actId="1035"/>
+          <ac:spMkLst>
+            <pc:docMk/>
+            <pc:sldMk cId="937142826" sldId="263"/>
+            <ac:spMk id="16" creationId="{2A567434-4984-40D8-A8CC-E2C726633683}"/>
+          </ac:spMkLst>
+        </pc:spChg>
+        <pc:spChg chg="add del mod">
+          <ac:chgData name="Matthew Linden" userId="0bdf84aa4d9a12cb" providerId="LiveId" clId="{D1D7216E-4744-4FF3-83B4-44B242F5B4D2}" dt="2020-10-21T00:13:11.374" v="2143" actId="478"/>
+          <ac:spMkLst>
+            <pc:docMk/>
+            <pc:sldMk cId="937142826" sldId="263"/>
+            <ac:spMk id="17" creationId="{B587BA7C-36D5-491D-8C38-6086B1108E01}"/>
+          </ac:spMkLst>
+        </pc:spChg>
+        <pc:spChg chg="add mod">
+          <ac:chgData name="Matthew Linden" userId="0bdf84aa4d9a12cb" providerId="LiveId" clId="{D1D7216E-4744-4FF3-83B4-44B242F5B4D2}" dt="2020-10-20T22:13:15.049" v="2023" actId="120"/>
+          <ac:spMkLst>
+            <pc:docMk/>
+            <pc:sldMk cId="937142826" sldId="263"/>
+            <ac:spMk id="19" creationId="{88C2EC57-0681-4706-B7E0-DE10CFD10D9C}"/>
+          </ac:spMkLst>
+        </pc:spChg>
+        <pc:spChg chg="add del mod">
+          <ac:chgData name="Matthew Linden" userId="0bdf84aa4d9a12cb" providerId="LiveId" clId="{D1D7216E-4744-4FF3-83B4-44B242F5B4D2}" dt="2020-10-20T22:09:20.844" v="1896" actId="478"/>
+          <ac:spMkLst>
+            <pc:docMk/>
+            <pc:sldMk cId="937142826" sldId="263"/>
+            <ac:spMk id="20" creationId="{CC3DA13F-9D2E-475A-B091-E30D8CBFB198}"/>
+          </ac:spMkLst>
+        </pc:spChg>
+        <pc:spChg chg="add del mod">
+          <ac:chgData name="Matthew Linden" userId="0bdf84aa4d9a12cb" providerId="LiveId" clId="{D1D7216E-4744-4FF3-83B4-44B242F5B4D2}" dt="2020-10-20T22:09:34.292" v="1899" actId="478"/>
+          <ac:spMkLst>
+            <pc:docMk/>
+            <pc:sldMk cId="937142826" sldId="263"/>
+            <ac:spMk id="21" creationId="{2EB464D4-0364-41CA-A7CB-5EAE40A41E1F}"/>
+          </ac:spMkLst>
+        </pc:spChg>
+        <pc:spChg chg="add mod">
+          <ac:chgData name="Matthew Linden" userId="0bdf84aa4d9a12cb" providerId="LiveId" clId="{D1D7216E-4744-4FF3-83B4-44B242F5B4D2}" dt="2020-10-20T22:24:59.630" v="2124" actId="1036"/>
+          <ac:spMkLst>
+            <pc:docMk/>
+            <pc:sldMk cId="937142826" sldId="263"/>
+            <ac:spMk id="23" creationId="{C276A30D-636C-4DEF-8DBD-7C39D7FF2BC7}"/>
+          </ac:spMkLst>
+        </pc:spChg>
+        <pc:spChg chg="add del mod">
+          <ac:chgData name="Matthew Linden" userId="0bdf84aa4d9a12cb" providerId="LiveId" clId="{D1D7216E-4744-4FF3-83B4-44B242F5B4D2}" dt="2020-10-21T00:12:23.639" v="2137" actId="478"/>
+          <ac:spMkLst>
+            <pc:docMk/>
+            <pc:sldMk cId="937142826" sldId="263"/>
+            <ac:spMk id="24" creationId="{24693E10-3D72-4704-B546-180C20EBD50B}"/>
+          </ac:spMkLst>
+        </pc:spChg>
+        <pc:spChg chg="add mod">
+          <ac:chgData name="Matthew Linden" userId="0bdf84aa4d9a12cb" providerId="LiveId" clId="{D1D7216E-4744-4FF3-83B4-44B242F5B4D2}" dt="2020-10-20T22:24:59.630" v="2124" actId="1036"/>
+          <ac:spMkLst>
+            <pc:docMk/>
+            <pc:sldMk cId="937142826" sldId="263"/>
+            <ac:spMk id="25" creationId="{6D7173BA-51BB-47D0-A47C-4B80CEBB962E}"/>
+          </ac:spMkLst>
+        </pc:spChg>
+        <pc:spChg chg="add del mod">
+          <ac:chgData name="Matthew Linden" userId="0bdf84aa4d9a12cb" providerId="LiveId" clId="{D1D7216E-4744-4FF3-83B4-44B242F5B4D2}" dt="2020-10-21T00:12:24.638" v="2138" actId="478"/>
+          <ac:spMkLst>
+            <pc:docMk/>
+            <pc:sldMk cId="937142826" sldId="263"/>
+            <ac:spMk id="26" creationId="{911366AF-0DA1-44AC-BCD8-D18437D943E2}"/>
+          </ac:spMkLst>
+        </pc:spChg>
+        <pc:spChg chg="add mod">
+          <ac:chgData name="Matthew Linden" userId="0bdf84aa4d9a12cb" providerId="LiveId" clId="{D1D7216E-4744-4FF3-83B4-44B242F5B4D2}" dt="2020-10-20T22:24:59.630" v="2124" actId="1036"/>
+          <ac:spMkLst>
+            <pc:docMk/>
+            <pc:sldMk cId="937142826" sldId="263"/>
+            <ac:spMk id="27" creationId="{909A5390-4D7B-423A-816F-7502463EC2C6}"/>
+          </ac:spMkLst>
+        </pc:spChg>
+        <pc:spChg chg="add del mod">
+          <ac:chgData name="Matthew Linden" userId="0bdf84aa4d9a12cb" providerId="LiveId" clId="{D1D7216E-4744-4FF3-83B4-44B242F5B4D2}" dt="2020-10-21T00:12:25.308" v="2139" actId="478"/>
+          <ac:spMkLst>
+            <pc:docMk/>
+            <pc:sldMk cId="937142826" sldId="263"/>
+            <ac:spMk id="28" creationId="{0BC03FB9-171D-4836-A354-33289F989EB6}"/>
+          </ac:spMkLst>
+        </pc:spChg>
+        <pc:spChg chg="add mod">
+          <ac:chgData name="Matthew Linden" userId="0bdf84aa4d9a12cb" providerId="LiveId" clId="{D1D7216E-4744-4FF3-83B4-44B242F5B4D2}" dt="2020-10-20T22:24:59.630" v="2124" actId="1036"/>
+          <ac:spMkLst>
+            <pc:docMk/>
+            <pc:sldMk cId="937142826" sldId="263"/>
+            <ac:spMk id="29" creationId="{CC544EA4-28D3-46F5-BAD0-9D356A16299E}"/>
+          </ac:spMkLst>
+        </pc:spChg>
+        <pc:spChg chg="add del mod">
+          <ac:chgData name="Matthew Linden" userId="0bdf84aa4d9a12cb" providerId="LiveId" clId="{D1D7216E-4744-4FF3-83B4-44B242F5B4D2}" dt="2020-10-21T00:12:26.031" v="2140" actId="478"/>
+          <ac:spMkLst>
+            <pc:docMk/>
+            <pc:sldMk cId="937142826" sldId="263"/>
+            <ac:spMk id="30" creationId="{CB652BE0-3B96-414B-8784-C258FC90AEEB}"/>
+          </ac:spMkLst>
+        </pc:spChg>
+        <pc:spChg chg="add mod">
+          <ac:chgData name="Matthew Linden" userId="0bdf84aa4d9a12cb" providerId="LiveId" clId="{D1D7216E-4744-4FF3-83B4-44B242F5B4D2}" dt="2020-10-20T22:24:59.630" v="2124" actId="1036"/>
+          <ac:spMkLst>
+            <pc:docMk/>
+            <pc:sldMk cId="937142826" sldId="263"/>
+            <ac:spMk id="31" creationId="{5FB4D46D-AE28-40CE-80E8-9D8F650675A3}"/>
+          </ac:spMkLst>
+        </pc:spChg>
+        <pc:spChg chg="add del mod">
+          <ac:chgData name="Matthew Linden" userId="0bdf84aa4d9a12cb" providerId="LiveId" clId="{D1D7216E-4744-4FF3-83B4-44B242F5B4D2}" dt="2020-10-21T00:12:26.710" v="2141" actId="478"/>
+          <ac:spMkLst>
+            <pc:docMk/>
+            <pc:sldMk cId="937142826" sldId="263"/>
+            <ac:spMk id="32" creationId="{D0570B33-4F82-4570-B5B0-821652D8B98C}"/>
+          </ac:spMkLst>
+        </pc:spChg>
+        <pc:spChg chg="add mod">
+          <ac:chgData name="Matthew Linden" userId="0bdf84aa4d9a12cb" providerId="LiveId" clId="{D1D7216E-4744-4FF3-83B4-44B242F5B4D2}" dt="2020-10-20T22:24:59.630" v="2124" actId="1036"/>
+          <ac:spMkLst>
+            <pc:docMk/>
+            <pc:sldMk cId="937142826" sldId="263"/>
+            <ac:spMk id="33" creationId="{987E1B5A-2070-4CDA-8423-1FFD1877C74F}"/>
+          </ac:spMkLst>
+        </pc:spChg>
+        <pc:spChg chg="add del mod">
+          <ac:chgData name="Matthew Linden" userId="0bdf84aa4d9a12cb" providerId="LiveId" clId="{D1D7216E-4744-4FF3-83B4-44B242F5B4D2}" dt="2020-10-20T22:11:35.048" v="1948" actId="478"/>
+          <ac:spMkLst>
+            <pc:docMk/>
+            <pc:sldMk cId="937142826" sldId="263"/>
+            <ac:spMk id="34" creationId="{DAD86D0A-1DAB-4C2B-84C4-086506535EEE}"/>
+          </ac:spMkLst>
+        </pc:spChg>
+        <pc:spChg chg="add mod">
+          <ac:chgData name="Matthew Linden" userId="0bdf84aa4d9a12cb" providerId="LiveId" clId="{D1D7216E-4744-4FF3-83B4-44B242F5B4D2}" dt="2020-10-20T22:14:01.800" v="2064" actId="1035"/>
+          <ac:spMkLst>
+            <pc:docMk/>
+            <pc:sldMk cId="937142826" sldId="263"/>
+            <ac:spMk id="35" creationId="{0A66DFD8-6F2E-4175-A613-38C0A51572CE}"/>
+          </ac:spMkLst>
+        </pc:spChg>
+        <pc:spChg chg="add mod">
+          <ac:chgData name="Matthew Linden" userId="0bdf84aa4d9a12cb" providerId="LiveId" clId="{D1D7216E-4744-4FF3-83B4-44B242F5B4D2}" dt="2020-10-20T22:11:59.252" v="1988" actId="1076"/>
+          <ac:spMkLst>
+            <pc:docMk/>
+            <pc:sldMk cId="937142826" sldId="263"/>
+            <ac:spMk id="36" creationId="{A44B0649-C4E7-4609-AA42-509E66B8C169}"/>
+          </ac:spMkLst>
+        </pc:spChg>
+        <pc:spChg chg="add del mod">
+          <ac:chgData name="Matthew Linden" userId="0bdf84aa4d9a12cb" providerId="LiveId" clId="{D1D7216E-4744-4FF3-83B4-44B242F5B4D2}" dt="2020-10-21T00:13:11.374" v="2143" actId="478"/>
+          <ac:spMkLst>
+            <pc:docMk/>
+            <pc:sldMk cId="937142826" sldId="263"/>
+            <ac:spMk id="37" creationId="{D28A131F-DB54-4797-B607-79CBC70911AE}"/>
+          </ac:spMkLst>
+        </pc:spChg>
+        <pc:spChg chg="add del mod">
+          <ac:chgData name="Matthew Linden" userId="0bdf84aa4d9a12cb" providerId="LiveId" clId="{D1D7216E-4744-4FF3-83B4-44B242F5B4D2}" dt="2020-10-21T00:13:11.374" v="2143" actId="478"/>
+          <ac:spMkLst>
+            <pc:docMk/>
+            <pc:sldMk cId="937142826" sldId="263"/>
+            <ac:spMk id="38" creationId="{96ACF22A-4169-4EA3-BAEA-2F7DFDBC7BE7}"/>
+          </ac:spMkLst>
+        </pc:spChg>
+        <pc:spChg chg="add del mod">
+          <ac:chgData name="Matthew Linden" userId="0bdf84aa4d9a12cb" providerId="LiveId" clId="{D1D7216E-4744-4FF3-83B4-44B242F5B4D2}" dt="2020-10-21T00:13:11.374" v="2143" actId="478"/>
+          <ac:spMkLst>
+            <pc:docMk/>
+            <pc:sldMk cId="937142826" sldId="263"/>
+            <ac:spMk id="39" creationId="{233647BC-DE7F-456B-A268-A63A882B9284}"/>
+          </ac:spMkLst>
+        </pc:spChg>
+        <pc:spChg chg="add del mod">
+          <ac:chgData name="Matthew Linden" userId="0bdf84aa4d9a12cb" providerId="LiveId" clId="{D1D7216E-4744-4FF3-83B4-44B242F5B4D2}" dt="2020-10-21T00:13:11.374" v="2143" actId="478"/>
+          <ac:spMkLst>
+            <pc:docMk/>
+            <pc:sldMk cId="937142826" sldId="263"/>
+            <ac:spMk id="40" creationId="{58B6CF3C-CFB5-44F3-BD0D-0DA5924C2596}"/>
+          </ac:spMkLst>
+        </pc:spChg>
+        <pc:spChg chg="add mod">
+          <ac:chgData name="Matthew Linden" userId="0bdf84aa4d9a12cb" providerId="LiveId" clId="{D1D7216E-4744-4FF3-83B4-44B242F5B4D2}" dt="2020-10-20T22:15:44.620" v="2108" actId="20577"/>
+          <ac:spMkLst>
+            <pc:docMk/>
+            <pc:sldMk cId="937142826" sldId="263"/>
+            <ac:spMk id="41" creationId="{FE170BDB-35DF-4AA9-8856-41235A044171}"/>
+          </ac:spMkLst>
+        </pc:spChg>
+        <pc:spChg chg="add del mod">
+          <ac:chgData name="Matthew Linden" userId="0bdf84aa4d9a12cb" providerId="LiveId" clId="{D1D7216E-4744-4FF3-83B4-44B242F5B4D2}" dt="2020-10-21T00:16:36.697" v="2146" actId="478"/>
+          <ac:spMkLst>
+            <pc:docMk/>
+            <pc:sldMk cId="937142826" sldId="263"/>
+            <ac:spMk id="42" creationId="{3C5B66D5-5531-4973-8EE5-4A6504B0098D}"/>
+          </ac:spMkLst>
+        </pc:spChg>
+        <pc:spChg chg="mod">
+          <ac:chgData name="Matthew Linden" userId="0bdf84aa4d9a12cb" providerId="LiveId" clId="{D1D7216E-4744-4FF3-83B4-44B242F5B4D2}" dt="2020-10-20T22:12:11.065" v="2008" actId="1035"/>
+          <ac:spMkLst>
+            <pc:docMk/>
+            <pc:sldMk cId="937142826" sldId="263"/>
+            <ac:spMk id="67" creationId="{8890F418-A08D-4575-AEE6-1296F9A09E3C}"/>
+          </ac:spMkLst>
+        </pc:spChg>
+        <pc:spChg chg="del">
+          <ac:chgData name="Matthew Linden" userId="0bdf84aa4d9a12cb" providerId="LiveId" clId="{D1D7216E-4744-4FF3-83B4-44B242F5B4D2}" dt="2020-10-20T22:25:07.682" v="2126" actId="478"/>
+          <ac:spMkLst>
+            <pc:docMk/>
+            <pc:sldMk cId="937142826" sldId="263"/>
+            <ac:spMk id="1033" creationId="{F460A77B-3575-4F49-B9AD-7A864086953B}"/>
+          </ac:spMkLst>
+        </pc:spChg>
+        <pc:spChg chg="del">
+          <ac:chgData name="Matthew Linden" userId="0bdf84aa4d9a12cb" providerId="LiveId" clId="{D1D7216E-4744-4FF3-83B4-44B242F5B4D2}" dt="2020-10-20T22:24:40.754" v="2110" actId="478"/>
+          <ac:spMkLst>
+            <pc:docMk/>
+            <pc:sldMk cId="937142826" sldId="263"/>
+            <ac:spMk id="1035" creationId="{F8DE12D7-C655-4F52-94F6-8AFA97B45588}"/>
+          </ac:spMkLst>
+        </pc:spChg>
+        <pc:picChg chg="mod">
+          <ac:chgData name="Matthew Linden" userId="0bdf84aa4d9a12cb" providerId="LiveId" clId="{D1D7216E-4744-4FF3-83B4-44B242F5B4D2}" dt="2020-10-20T22:14:01.800" v="2064" actId="1035"/>
+          <ac:picMkLst>
+            <pc:docMk/>
+            <pc:sldMk cId="937142826" sldId="263"/>
+            <ac:picMk id="62" creationId="{3FC478D1-2EBA-4FC6-AA72-433D7661957C}"/>
+          </ac:picMkLst>
+        </pc:picChg>
+        <pc:picChg chg="mod">
+          <ac:chgData name="Matthew Linden" userId="0bdf84aa4d9a12cb" providerId="LiveId" clId="{D1D7216E-4744-4FF3-83B4-44B242F5B4D2}" dt="2020-10-20T22:25:02.561" v="2125" actId="1076"/>
+          <ac:picMkLst>
+            <pc:docMk/>
+            <pc:sldMk cId="937142826" sldId="263"/>
+            <ac:picMk id="1026" creationId="{F28D1163-40F3-4735-8DE0-B33783B63FA1}"/>
+          </ac:picMkLst>
+        </pc:picChg>
+        <pc:picChg chg="del">
+          <ac:chgData name="Matthew Linden" userId="0bdf84aa4d9a12cb" providerId="LiveId" clId="{D1D7216E-4744-4FF3-83B4-44B242F5B4D2}" dt="2020-10-20T22:25:07.682" v="2126" actId="478"/>
+          <ac:picMkLst>
+            <pc:docMk/>
+            <pc:sldMk cId="937142826" sldId="263"/>
+            <ac:picMk id="1034" creationId="{9275F26A-FAD8-48E2-96F6-33E9E527EC92}"/>
+          </ac:picMkLst>
+        </pc:picChg>
+        <pc:cxnChg chg="del">
+          <ac:chgData name="Matthew Linden" userId="0bdf84aa4d9a12cb" providerId="LiveId" clId="{D1D7216E-4744-4FF3-83B4-44B242F5B4D2}" dt="2020-10-20T22:24:39.245" v="2109" actId="478"/>
+          <ac:cxnSpMkLst>
+            <pc:docMk/>
+            <pc:sldMk cId="937142826" sldId="263"/>
+            <ac:cxnSpMk id="1037" creationId="{F9A6AA9D-EFC0-47FE-BCD9-A1DC75E0D9D3}"/>
+          </ac:cxnSpMkLst>
+        </pc:cxnChg>
       </pc:sldChg>
-      <pc:sldChg chg="add">
-        <pc:chgData name="Matthew Linden" userId="0bdf84aa4d9a12cb" providerId="LiveId" clId="{D1D7216E-4744-4FF3-83B4-44B242F5B4D2}" dt="2020-10-19T18:59:05.047" v="1077" actId="2890"/>
+      <pc:sldChg chg="add del">
+        <pc:chgData name="Matthew Linden" userId="0bdf84aa4d9a12cb" providerId="LiveId" clId="{D1D7216E-4744-4FF3-83B4-44B242F5B4D2}" dt="2020-10-20T22:01:39.686" v="1650" actId="47"/>
         <pc:sldMkLst>
           <pc:docMk/>
           <pc:sldMk cId="1832788336" sldId="264"/>
@@ -1368,7 +1703,7 @@
           <a:p>
             <a:fld id="{45DD9E14-9A03-43E0-B529-57A0D316EA9C}" type="datetimeFigureOut">
               <a:rPr lang="en-US" smtClean="0"/>
-              <a:t>10/19/2020</a:t>
+              <a:t>10/20/2020</a:t>
             </a:fld>
             <a:endParaRPr lang="en-US"/>
           </a:p>
@@ -1538,7 +1873,7 @@
           <a:p>
             <a:fld id="{45DD9E14-9A03-43E0-B529-57A0D316EA9C}" type="datetimeFigureOut">
               <a:rPr lang="en-US" smtClean="0"/>
-              <a:t>10/19/2020</a:t>
+              <a:t>10/20/2020</a:t>
             </a:fld>
             <a:endParaRPr lang="en-US"/>
           </a:p>
@@ -1718,7 +2053,7 @@
           <a:p>
             <a:fld id="{45DD9E14-9A03-43E0-B529-57A0D316EA9C}" type="datetimeFigureOut">
               <a:rPr lang="en-US" smtClean="0"/>
-              <a:t>10/19/2020</a:t>
+              <a:t>10/20/2020</a:t>
             </a:fld>
             <a:endParaRPr lang="en-US"/>
           </a:p>
@@ -1888,7 +2223,7 @@
           <a:p>
             <a:fld id="{45DD9E14-9A03-43E0-B529-57A0D316EA9C}" type="datetimeFigureOut">
               <a:rPr lang="en-US" smtClean="0"/>
-              <a:t>10/19/2020</a:t>
+              <a:t>10/20/2020</a:t>
             </a:fld>
             <a:endParaRPr lang="en-US"/>
           </a:p>
@@ -2132,7 +2467,7 @@
           <a:p>
             <a:fld id="{45DD9E14-9A03-43E0-B529-57A0D316EA9C}" type="datetimeFigureOut">
               <a:rPr lang="en-US" smtClean="0"/>
-              <a:t>10/19/2020</a:t>
+              <a:t>10/20/2020</a:t>
             </a:fld>
             <a:endParaRPr lang="en-US"/>
           </a:p>
@@ -2364,7 +2699,7 @@
           <a:p>
             <a:fld id="{45DD9E14-9A03-43E0-B529-57A0D316EA9C}" type="datetimeFigureOut">
               <a:rPr lang="en-US" smtClean="0"/>
-              <a:t>10/19/2020</a:t>
+              <a:t>10/20/2020</a:t>
             </a:fld>
             <a:endParaRPr lang="en-US"/>
           </a:p>
@@ -2731,7 +3066,7 @@
           <a:p>
             <a:fld id="{45DD9E14-9A03-43E0-B529-57A0D316EA9C}" type="datetimeFigureOut">
               <a:rPr lang="en-US" smtClean="0"/>
-              <a:t>10/19/2020</a:t>
+              <a:t>10/20/2020</a:t>
             </a:fld>
             <a:endParaRPr lang="en-US"/>
           </a:p>
@@ -2849,7 +3184,7 @@
           <a:p>
             <a:fld id="{45DD9E14-9A03-43E0-B529-57A0D316EA9C}" type="datetimeFigureOut">
               <a:rPr lang="en-US" smtClean="0"/>
-              <a:t>10/19/2020</a:t>
+              <a:t>10/20/2020</a:t>
             </a:fld>
             <a:endParaRPr lang="en-US"/>
           </a:p>
@@ -2944,7 +3279,7 @@
           <a:p>
             <a:fld id="{45DD9E14-9A03-43E0-B529-57A0D316EA9C}" type="datetimeFigureOut">
               <a:rPr lang="en-US" smtClean="0"/>
-              <a:t>10/19/2020</a:t>
+              <a:t>10/20/2020</a:t>
             </a:fld>
             <a:endParaRPr lang="en-US"/>
           </a:p>
@@ -3221,7 +3556,7 @@
           <a:p>
             <a:fld id="{45DD9E14-9A03-43E0-B529-57A0D316EA9C}" type="datetimeFigureOut">
               <a:rPr lang="en-US" smtClean="0"/>
-              <a:t>10/19/2020</a:t>
+              <a:t>10/20/2020</a:t>
             </a:fld>
             <a:endParaRPr lang="en-US"/>
           </a:p>
@@ -3478,7 +3813,7 @@
           <a:p>
             <a:fld id="{45DD9E14-9A03-43E0-B529-57A0D316EA9C}" type="datetimeFigureOut">
               <a:rPr lang="en-US" smtClean="0"/>
-              <a:t>10/19/2020</a:t>
+              <a:t>10/20/2020</a:t>
             </a:fld>
             <a:endParaRPr lang="en-US"/>
           </a:p>
@@ -3691,7 +4026,7 @@
           <a:p>
             <a:fld id="{45DD9E14-9A03-43E0-B529-57A0D316EA9C}" type="datetimeFigureOut">
               <a:rPr lang="en-US" smtClean="0"/>
-              <a:t>10/19/2020</a:t>
+              <a:t>10/20/2020</a:t>
             </a:fld>
             <a:endParaRPr lang="en-US"/>
           </a:p>
@@ -10667,10 +11002,10 @@
       </p:sp>
       <p:sp>
         <p:nvSpPr>
-          <p:cNvPr id="72" name="Rectangle 71">
-            <a:extLst>
-              <a:ext uri="{FF2B5EF4-FFF2-40B4-BE49-F238E27FC236}">
-                <a16:creationId xmlns:a16="http://schemas.microsoft.com/office/drawing/2014/main" id="{DD69C602-D2AA-479D-9732-0BFE084C5BF2}"/>
+          <p:cNvPr id="6" name="Rectangle 5">
+            <a:extLst>
+              <a:ext uri="{FF2B5EF4-FFF2-40B4-BE49-F238E27FC236}">
+                <a16:creationId xmlns:a16="http://schemas.microsoft.com/office/drawing/2014/main" id="{AF970A1E-0DD8-4DE5-9139-08E4382A5B48}"/>
               </a:ext>
             </a:extLst>
           </p:cNvPr>
@@ -10679,15 +11014,22 @@
         </p:nvSpPr>
         <p:spPr>
           <a:xfrm>
-            <a:off x="3112141" y="7161207"/>
-            <a:ext cx="2134648" cy="4800971"/>
-          </a:xfrm>
-          <a:prstGeom prst="rect">
-            <a:avLst/>
-          </a:prstGeom>
-          <a:noFill/>
-          <a:ln>
-            <a:noFill/>
+            <a:off x="8713482" y="7266265"/>
+            <a:ext cx="3806626" cy="4596681"/>
+          </a:xfrm>
+          <a:prstGeom prst="rect">
+            <a:avLst/>
+          </a:prstGeom>
+          <a:solidFill>
+            <a:schemeClr val="bg1">
+              <a:lumMod val="75000"/>
+            </a:schemeClr>
+          </a:solidFill>
+          <a:ln w="19050">
+            <a:solidFill>
+              <a:schemeClr val="tx1"/>
+            </a:solidFill>
+            <a:prstDash val="sysDot"/>
           </a:ln>
         </p:spPr>
         <p:style>
@@ -10711,16 +11053,16 @@
           <a:lstStyle/>
           <a:p>
             <a:pPr algn="ctr"/>
-            <a:endParaRPr lang="en-US" sz="5183"/>
-          </a:p>
-        </p:txBody>
-      </p:sp>
-      <p:sp>
-        <p:nvSpPr>
-          <p:cNvPr id="70" name="Rectangle 69">
-            <a:extLst>
-              <a:ext uri="{FF2B5EF4-FFF2-40B4-BE49-F238E27FC236}">
-                <a16:creationId xmlns:a16="http://schemas.microsoft.com/office/drawing/2014/main" id="{40D7BEB8-D715-436F-8DAC-294CF37782C2}"/>
+            <a:endParaRPr lang="en-US"/>
+          </a:p>
+        </p:txBody>
+      </p:sp>
+      <p:sp>
+        <p:nvSpPr>
+          <p:cNvPr id="3" name="Rectangle 2">
+            <a:extLst>
+              <a:ext uri="{FF2B5EF4-FFF2-40B4-BE49-F238E27FC236}">
+                <a16:creationId xmlns:a16="http://schemas.microsoft.com/office/drawing/2014/main" id="{FA710AAF-4738-4EFE-8546-0E5C74D49708}"/>
               </a:ext>
             </a:extLst>
           </p:cNvPr>
@@ -10729,15 +11071,22 @@
         </p:nvSpPr>
         <p:spPr>
           <a:xfrm>
-            <a:off x="3101455" y="11953789"/>
-            <a:ext cx="9982898" cy="907489"/>
-          </a:xfrm>
-          <a:prstGeom prst="rect">
-            <a:avLst/>
-          </a:prstGeom>
-          <a:noFill/>
-          <a:ln>
-            <a:noFill/>
+            <a:off x="3338646" y="7264567"/>
+            <a:ext cx="5333162" cy="4596681"/>
+          </a:xfrm>
+          <a:prstGeom prst="rect">
+            <a:avLst/>
+          </a:prstGeom>
+          <a:solidFill>
+            <a:schemeClr val="bg1">
+              <a:lumMod val="75000"/>
+            </a:schemeClr>
+          </a:solidFill>
+          <a:ln w="19050">
+            <a:solidFill>
+              <a:schemeClr val="tx1"/>
+            </a:solidFill>
+            <a:prstDash val="sysDot"/>
           </a:ln>
         </p:spPr>
         <p:style>
@@ -10761,16 +11110,16 @@
           <a:lstStyle/>
           <a:p>
             <a:pPr algn="ctr"/>
-            <a:endParaRPr lang="en-US" sz="5183"/>
-          </a:p>
-        </p:txBody>
-      </p:sp>
-      <p:sp>
-        <p:nvSpPr>
-          <p:cNvPr id="68" name="Rectangle 67">
-            <a:extLst>
-              <a:ext uri="{FF2B5EF4-FFF2-40B4-BE49-F238E27FC236}">
-                <a16:creationId xmlns:a16="http://schemas.microsoft.com/office/drawing/2014/main" id="{DC011AC1-1F24-4577-8C98-BEF9F9BD21B5}"/>
+            <a:endParaRPr lang="en-US"/>
+          </a:p>
+        </p:txBody>
+      </p:sp>
+      <p:sp>
+        <p:nvSpPr>
+          <p:cNvPr id="72" name="Rectangle 71">
+            <a:extLst>
+              <a:ext uri="{FF2B5EF4-FFF2-40B4-BE49-F238E27FC236}">
+                <a16:creationId xmlns:a16="http://schemas.microsoft.com/office/drawing/2014/main" id="{DD69C602-D2AA-479D-9732-0BFE084C5BF2}"/>
               </a:ext>
             </a:extLst>
           </p:cNvPr>
@@ -10779,8 +11128,8 @@
         </p:nvSpPr>
         <p:spPr>
           <a:xfrm>
-            <a:off x="3112143" y="6240886"/>
-            <a:ext cx="9982898" cy="931178"/>
+            <a:off x="3112141" y="7161207"/>
+            <a:ext cx="2134648" cy="4800971"/>
           </a:xfrm>
           <a:prstGeom prst="rect">
             <a:avLst/>
@@ -10817,10 +11166,10 @@
       </p:sp>
       <p:sp>
         <p:nvSpPr>
-          <p:cNvPr id="22" name="Rectangle 21">
-            <a:extLst>
-              <a:ext uri="{FF2B5EF4-FFF2-40B4-BE49-F238E27FC236}">
-                <a16:creationId xmlns:a16="http://schemas.microsoft.com/office/drawing/2014/main" id="{EE9300C5-95F6-458E-94A4-3C5069852AAC}"/>
+          <p:cNvPr id="70" name="Rectangle 69">
+            <a:extLst>
+              <a:ext uri="{FF2B5EF4-FFF2-40B4-BE49-F238E27FC236}">
+                <a16:creationId xmlns:a16="http://schemas.microsoft.com/office/drawing/2014/main" id="{40D7BEB8-D715-436F-8DAC-294CF37782C2}"/>
               </a:ext>
             </a:extLst>
           </p:cNvPr>
@@ -10829,14 +11178,14 @@
         </p:nvSpPr>
         <p:spPr>
           <a:xfrm>
-            <a:off x="3093066" y="12144377"/>
-            <a:ext cx="9982899" cy="733757"/>
-          </a:xfrm>
-          <a:prstGeom prst="rect">
-            <a:avLst/>
-          </a:prstGeom>
-          <a:noFill/>
-          <a:ln w="9525">
+            <a:off x="3101455" y="11953789"/>
+            <a:ext cx="9982898" cy="907489"/>
+          </a:xfrm>
+          <a:prstGeom prst="rect">
+            <a:avLst/>
+          </a:prstGeom>
+          <a:noFill/>
+          <a:ln>
             <a:noFill/>
           </a:ln>
         </p:spPr>
@@ -10867,10 +11216,10 @@
       </p:sp>
       <p:sp>
         <p:nvSpPr>
-          <p:cNvPr id="10" name="Rectangle 9">
-            <a:extLst>
-              <a:ext uri="{FF2B5EF4-FFF2-40B4-BE49-F238E27FC236}">
-                <a16:creationId xmlns:a16="http://schemas.microsoft.com/office/drawing/2014/main" id="{55A0E9A0-910C-45A7-9A00-989B08368859}"/>
+          <p:cNvPr id="68" name="Rectangle 67">
+            <a:extLst>
+              <a:ext uri="{FF2B5EF4-FFF2-40B4-BE49-F238E27FC236}">
+                <a16:creationId xmlns:a16="http://schemas.microsoft.com/office/drawing/2014/main" id="{DC011AC1-1F24-4577-8C98-BEF9F9BD21B5}"/>
               </a:ext>
             </a:extLst>
           </p:cNvPr>
@@ -10879,14 +11228,14 @@
         </p:nvSpPr>
         <p:spPr>
           <a:xfrm>
-            <a:off x="3112143" y="7064012"/>
-            <a:ext cx="1929468" cy="5797884"/>
-          </a:xfrm>
-          <a:prstGeom prst="rect">
-            <a:avLst/>
-          </a:prstGeom>
-          <a:noFill/>
-          <a:ln w="9525">
+            <a:off x="3112143" y="6240886"/>
+            <a:ext cx="9982898" cy="931178"/>
+          </a:xfrm>
+          <a:prstGeom prst="rect">
+            <a:avLst/>
+          </a:prstGeom>
+          <a:noFill/>
+          <a:ln>
             <a:noFill/>
           </a:ln>
         </p:spPr>
@@ -10917,6 +11266,106 @@
       </p:sp>
       <p:sp>
         <p:nvSpPr>
+          <p:cNvPr id="22" name="Rectangle 21">
+            <a:extLst>
+              <a:ext uri="{FF2B5EF4-FFF2-40B4-BE49-F238E27FC236}">
+                <a16:creationId xmlns:a16="http://schemas.microsoft.com/office/drawing/2014/main" id="{EE9300C5-95F6-458E-94A4-3C5069852AAC}"/>
+              </a:ext>
+            </a:extLst>
+          </p:cNvPr>
+          <p:cNvSpPr/>
+          <p:nvPr/>
+        </p:nvSpPr>
+        <p:spPr>
+          <a:xfrm>
+            <a:off x="3093066" y="12144377"/>
+            <a:ext cx="9982899" cy="733757"/>
+          </a:xfrm>
+          <a:prstGeom prst="rect">
+            <a:avLst/>
+          </a:prstGeom>
+          <a:noFill/>
+          <a:ln w="9525">
+            <a:noFill/>
+          </a:ln>
+        </p:spPr>
+        <p:style>
+          <a:lnRef idx="2">
+            <a:schemeClr val="accent1">
+              <a:shade val="50000"/>
+            </a:schemeClr>
+          </a:lnRef>
+          <a:fillRef idx="1">
+            <a:schemeClr val="accent1"/>
+          </a:fillRef>
+          <a:effectRef idx="0">
+            <a:schemeClr val="accent1"/>
+          </a:effectRef>
+          <a:fontRef idx="minor">
+            <a:schemeClr val="lt1"/>
+          </a:fontRef>
+        </p:style>
+        <p:txBody>
+          <a:bodyPr rtlCol="0" anchor="ctr"/>
+          <a:lstStyle/>
+          <a:p>
+            <a:pPr algn="ctr"/>
+            <a:endParaRPr lang="en-US" sz="5183"/>
+          </a:p>
+        </p:txBody>
+      </p:sp>
+      <p:sp>
+        <p:nvSpPr>
+          <p:cNvPr id="10" name="Rectangle 9">
+            <a:extLst>
+              <a:ext uri="{FF2B5EF4-FFF2-40B4-BE49-F238E27FC236}">
+                <a16:creationId xmlns:a16="http://schemas.microsoft.com/office/drawing/2014/main" id="{55A0E9A0-910C-45A7-9A00-989B08368859}"/>
+              </a:ext>
+            </a:extLst>
+          </p:cNvPr>
+          <p:cNvSpPr/>
+          <p:nvPr/>
+        </p:nvSpPr>
+        <p:spPr>
+          <a:xfrm>
+            <a:off x="3112143" y="7064012"/>
+            <a:ext cx="1929468" cy="5797884"/>
+          </a:xfrm>
+          <a:prstGeom prst="rect">
+            <a:avLst/>
+          </a:prstGeom>
+          <a:noFill/>
+          <a:ln w="9525">
+            <a:noFill/>
+          </a:ln>
+        </p:spPr>
+        <p:style>
+          <a:lnRef idx="2">
+            <a:schemeClr val="accent1">
+              <a:shade val="50000"/>
+            </a:schemeClr>
+          </a:lnRef>
+          <a:fillRef idx="1">
+            <a:schemeClr val="accent1"/>
+          </a:fillRef>
+          <a:effectRef idx="0">
+            <a:schemeClr val="accent1"/>
+          </a:effectRef>
+          <a:fontRef idx="minor">
+            <a:schemeClr val="lt1"/>
+          </a:fontRef>
+        </p:style>
+        <p:txBody>
+          <a:bodyPr rtlCol="0" anchor="ctr"/>
+          <a:lstStyle/>
+          <a:p>
+            <a:pPr algn="ctr"/>
+            <a:endParaRPr lang="en-US" sz="5183"/>
+          </a:p>
+        </p:txBody>
+      </p:sp>
+      <p:sp>
+        <p:nvSpPr>
           <p:cNvPr id="5" name="TextBox 4">
             <a:extLst>
               <a:ext uri="{FF2B5EF4-FFF2-40B4-BE49-F238E27FC236}">
@@ -11025,8 +11474,8 @@
         </p:blipFill>
         <p:spPr bwMode="auto">
           <a:xfrm>
-            <a:off x="8066918" y="11951371"/>
-            <a:ext cx="2872472" cy="603219"/>
+            <a:off x="9785672" y="7792872"/>
+            <a:ext cx="1507715" cy="316620"/>
           </a:xfrm>
           <a:prstGeom prst="rect">
             <a:avLst/>
@@ -11057,8 +11506,8 @@
         </p:nvSpPr>
         <p:spPr>
           <a:xfrm>
-            <a:off x="3298481" y="8993031"/>
-            <a:ext cx="1921078" cy="415498"/>
+            <a:off x="6423811" y="6891200"/>
+            <a:ext cx="3370294" cy="307777"/>
           </a:xfrm>
           <a:prstGeom prst="rect">
             <a:avLst/>
@@ -11073,21 +11522,11 @@
           <a:p>
             <a:pPr algn="ctr"/>
             <a:r>
-              <a:rPr lang="en-US" sz="1050" dirty="0">
+              <a:rPr lang="en-US" sz="1400" dirty="0">
                 <a:latin typeface="Arial Rounded MT Bold" panose="020B0604020202020204" pitchFamily="34" charset="0"/>
                 <a:cs typeface="Aharoni" panose="020B0604020202020204" pitchFamily="2" charset="-79"/>
               </a:rPr>
-              <a:t>Red Hot Chili Peppers</a:t>
-            </a:r>
-          </a:p>
-          <a:p>
-            <a:pPr algn="ctr"/>
-            <a:r>
-              <a:rPr lang="en-US" sz="1050" dirty="0">
-                <a:latin typeface="Arial Rounded MT Bold" panose="020B0604020202020204" pitchFamily="34" charset="0"/>
-                <a:cs typeface="Aharoni" panose="020B0604020202020204" pitchFamily="2" charset="-79"/>
-              </a:rPr>
-              <a:t>Austin, TX</a:t>
+              <a:t>Red Hot Chili Peppers Dashboard</a:t>
             </a:r>
           </a:p>
         </p:txBody>
@@ -11253,8 +11692,8 @@
         </p:blipFill>
         <p:spPr bwMode="auto">
           <a:xfrm>
-            <a:off x="3734489" y="7634988"/>
-            <a:ext cx="1069634" cy="1057099"/>
+            <a:off x="5348153" y="7896311"/>
+            <a:ext cx="1387864" cy="1371600"/>
           </a:xfrm>
           <a:prstGeom prst="rect">
             <a:avLst/>
@@ -11321,185 +11760,6 @@
           </a:p>
         </p:txBody>
       </p:sp>
-      <p:sp>
-        <p:nvSpPr>
-          <p:cNvPr id="1033" name="TextBox 1032">
-            <a:extLst>
-              <a:ext uri="{FF2B5EF4-FFF2-40B4-BE49-F238E27FC236}">
-                <a16:creationId xmlns:a16="http://schemas.microsoft.com/office/drawing/2014/main" id="{F460A77B-3575-4F49-B9AD-7A864086953B}"/>
-              </a:ext>
-            </a:extLst>
-          </p:cNvPr>
-          <p:cNvSpPr txBox="1"/>
-          <p:nvPr/>
-        </p:nvSpPr>
-        <p:spPr>
-          <a:xfrm>
-            <a:off x="6350872" y="12000686"/>
-            <a:ext cx="1535185" cy="384721"/>
-          </a:xfrm>
-          <a:prstGeom prst="rect">
-            <a:avLst/>
-          </a:prstGeom>
-          <a:noFill/>
-        </p:spPr>
-        <p:txBody>
-          <a:bodyPr wrap="square" rtlCol="0">
-            <a:spAutoFit/>
-          </a:bodyPr>
-          <a:lstStyle/>
-          <a:p>
-            <a:pPr algn="ctr"/>
-            <a:r>
-              <a:rPr lang="en-US" sz="1200" dirty="0">
-                <a:latin typeface="Arial Rounded MT Bold" panose="020B0604020202020204" pitchFamily="34" charset="0"/>
-                <a:cs typeface="Aharoni" panose="020B0604020202020204" pitchFamily="2" charset="-79"/>
-              </a:rPr>
-              <a:t>Californication</a:t>
-            </a:r>
-          </a:p>
-          <a:p>
-            <a:pPr algn="ctr"/>
-            <a:r>
-              <a:rPr lang="en-US" sz="700" i="1" dirty="0">
-                <a:latin typeface="Arial Rounded MT Bold" panose="020B0604020202020204" pitchFamily="34" charset="0"/>
-                <a:cs typeface="Aharoni" panose="020B0604020202020204" pitchFamily="2" charset="-79"/>
-              </a:rPr>
-              <a:t>Red Hot Chili Peppers</a:t>
-            </a:r>
-          </a:p>
-        </p:txBody>
-      </p:sp>
-      <p:pic>
-        <p:nvPicPr>
-          <p:cNvPr id="1034" name="Picture 2" descr="kgo.googleusercontent.com/profile_vrt_raw_bytes...">
-            <a:extLst>
-              <a:ext uri="{FF2B5EF4-FFF2-40B4-BE49-F238E27FC236}">
-                <a16:creationId xmlns:a16="http://schemas.microsoft.com/office/drawing/2014/main" id="{9275F26A-FAD8-48E2-96F6-33E9E527EC92}"/>
-              </a:ext>
-            </a:extLst>
-          </p:cNvPr>
-          <p:cNvPicPr>
-            <a:picLocks noChangeAspect="1" noChangeArrowheads="1"/>
-          </p:cNvPicPr>
-          <p:nvPr/>
-        </p:nvPicPr>
-        <p:blipFill>
-          <a:blip r:embed="rId3">
-            <a:extLst>
-              <a:ext uri="{28A0092B-C50C-407E-A947-70E740481C1C}">
-                <a14:useLocalDpi xmlns:a14="http://schemas.microsoft.com/office/drawing/2010/main" val="0"/>
-              </a:ext>
-            </a:extLst>
-          </a:blip>
-          <a:srcRect/>
-          <a:stretch>
-            <a:fillRect/>
-          </a:stretch>
-        </p:blipFill>
-        <p:spPr bwMode="auto">
-          <a:xfrm>
-            <a:off x="6037085" y="11964079"/>
-            <a:ext cx="458267" cy="452897"/>
-          </a:xfrm>
-          <a:prstGeom prst="rect">
-            <a:avLst/>
-          </a:prstGeom>
-          <a:noFill/>
-          <a:extLst>
-            <a:ext uri="{909E8E84-426E-40DD-AFC4-6F175D3DCCD1}">
-              <a14:hiddenFill xmlns:a14="http://schemas.microsoft.com/office/drawing/2010/main">
-                <a:solidFill>
-                  <a:srgbClr val="FFFFFF"/>
-                </a:solidFill>
-              </a14:hiddenFill>
-            </a:ext>
-          </a:extLst>
-        </p:spPr>
-      </p:pic>
-      <p:sp>
-        <p:nvSpPr>
-          <p:cNvPr id="1035" name="TextBox 1034">
-            <a:extLst>
-              <a:ext uri="{FF2B5EF4-FFF2-40B4-BE49-F238E27FC236}">
-                <a16:creationId xmlns:a16="http://schemas.microsoft.com/office/drawing/2014/main" id="{F8DE12D7-C655-4F52-94F6-8AFA97B45588}"/>
-              </a:ext>
-            </a:extLst>
-          </p:cNvPr>
-          <p:cNvSpPr txBox="1"/>
-          <p:nvPr/>
-        </p:nvSpPr>
-        <p:spPr>
-          <a:xfrm>
-            <a:off x="1123950" y="12165114"/>
-            <a:ext cx="1921078" cy="1061829"/>
-          </a:xfrm>
-          <a:prstGeom prst="rect">
-            <a:avLst/>
-          </a:prstGeom>
-          <a:noFill/>
-        </p:spPr>
-        <p:txBody>
-          <a:bodyPr wrap="square" rtlCol="0">
-            <a:spAutoFit/>
-          </a:bodyPr>
-          <a:lstStyle/>
-          <a:p>
-            <a:pPr algn="ctr"/>
-            <a:r>
-              <a:rPr lang="en-US" sz="1050" dirty="0">
-                <a:latin typeface="Arial Rounded MT Bold" panose="020B0604020202020204" pitchFamily="34" charset="0"/>
-                <a:cs typeface="Aharoni" panose="020B0604020202020204" pitchFamily="2" charset="-79"/>
-              </a:rPr>
-              <a:t>Maybe this does not become visible unless something has been selected to play. Or you can click it to play a random song in the DB.</a:t>
-            </a:r>
-          </a:p>
-        </p:txBody>
-      </p:sp>
-      <p:cxnSp>
-        <p:nvCxnSpPr>
-          <p:cNvPr id="1037" name="Straight Arrow Connector 1036">
-            <a:extLst>
-              <a:ext uri="{FF2B5EF4-FFF2-40B4-BE49-F238E27FC236}">
-                <a16:creationId xmlns:a16="http://schemas.microsoft.com/office/drawing/2014/main" id="{F9A6AA9D-EFC0-47FE-BCD9-A1DC75E0D9D3}"/>
-              </a:ext>
-            </a:extLst>
-          </p:cNvPr>
-          <p:cNvCxnSpPr>
-            <a:cxnSpLocks/>
-          </p:cNvCxnSpPr>
-          <p:nvPr/>
-        </p:nvCxnSpPr>
-        <p:spPr>
-          <a:xfrm flipV="1">
-            <a:off x="2822371" y="12511255"/>
-            <a:ext cx="2582242" cy="71708"/>
-          </a:xfrm>
-          <a:prstGeom prst="straightConnector1">
-            <a:avLst/>
-          </a:prstGeom>
-          <a:ln>
-            <a:solidFill>
-              <a:schemeClr val="tx1"/>
-            </a:solidFill>
-            <a:tailEnd type="triangle"/>
-          </a:ln>
-        </p:spPr>
-        <p:style>
-          <a:lnRef idx="1">
-            <a:schemeClr val="accent1"/>
-          </a:lnRef>
-          <a:fillRef idx="0">
-            <a:schemeClr val="accent1"/>
-          </a:fillRef>
-          <a:effectRef idx="0">
-            <a:schemeClr val="accent1"/>
-          </a:effectRef>
-          <a:fontRef idx="minor">
-            <a:schemeClr val="tx1"/>
-          </a:fontRef>
-        </p:style>
-      </p:cxnSp>
       <p:sp>
         <p:nvSpPr>
           <p:cNvPr id="1040" name="Rectangle 1039">
@@ -12748,7 +13008,7 @@
         <p:spPr>
           <a:xfrm>
             <a:off x="8538493" y="4241840"/>
-            <a:ext cx="7826517" cy="523220"/>
+            <a:ext cx="7826517" cy="954107"/>
           </a:xfrm>
           <a:prstGeom prst="rect">
             <a:avLst/>
@@ -12767,7 +13027,7 @@
                 <a:latin typeface="Arial Rounded MT Bold" panose="020B0604020202020204" pitchFamily="34" charset="0"/>
                 <a:cs typeface="Aharoni" panose="020B0604020202020204" pitchFamily="2" charset="-79"/>
               </a:rPr>
-              <a:t>Creator Dashboard (first time, setup)</a:t>
+              <a:t>Creator Dashboard (a creator logs in and lands on their dashboard)</a:t>
             </a:r>
           </a:p>
         </p:txBody>
@@ -12786,7 +13046,7 @@
         </p:nvSpPr>
         <p:spPr>
           <a:xfrm>
-            <a:off x="6591505" y="7816091"/>
+            <a:off x="3442076" y="10052480"/>
             <a:ext cx="5094569" cy="1223412"/>
           </a:xfrm>
           <a:prstGeom prst="rect">
@@ -13180,8 +13440,8 @@
         </p:nvSpPr>
         <p:spPr>
           <a:xfrm>
-            <a:off x="8066918" y="7540464"/>
-            <a:ext cx="1921078" cy="253916"/>
+            <a:off x="3526633" y="9776853"/>
+            <a:ext cx="3311934" cy="253916"/>
           </a:xfrm>
           <a:prstGeom prst="rect">
             <a:avLst/>
@@ -13194,7 +13454,6 @@
           </a:bodyPr>
           <a:lstStyle/>
           <a:p>
-            <a:pPr algn="ctr"/>
             <a:r>
               <a:rPr lang="en-US" sz="1050" dirty="0">
                 <a:latin typeface="Arial Rounded MT Bold" panose="020B0604020202020204" pitchFamily="34" charset="0"/>
@@ -13207,10 +13466,10 @@
       </p:sp>
       <p:sp>
         <p:nvSpPr>
-          <p:cNvPr id="13" name="Rectangle 12">
-            <a:extLst>
-              <a:ext uri="{FF2B5EF4-FFF2-40B4-BE49-F238E27FC236}">
-                <a16:creationId xmlns:a16="http://schemas.microsoft.com/office/drawing/2014/main" id="{97D82890-24A8-49E4-A6A8-5F18D2BDBF95}"/>
+          <p:cNvPr id="12" name="Rectangle 11">
+            <a:extLst>
+              <a:ext uri="{FF2B5EF4-FFF2-40B4-BE49-F238E27FC236}">
+                <a16:creationId xmlns:a16="http://schemas.microsoft.com/office/drawing/2014/main" id="{FCD7A705-9C11-482A-9F73-799202207B05}"/>
               </a:ext>
             </a:extLst>
           </p:cNvPr>
@@ -13219,8 +13478,8 @@
         </p:nvSpPr>
         <p:spPr>
           <a:xfrm>
-            <a:off x="3845341" y="8701864"/>
-            <a:ext cx="855093" cy="191573"/>
+            <a:off x="903389" y="9851411"/>
+            <a:ext cx="1181100" cy="195351"/>
           </a:xfrm>
           <a:prstGeom prst="rect">
             <a:avLst/>
@@ -13261,7 +13520,1010 @@
                   <a:schemeClr val="tx1"/>
                 </a:solidFill>
               </a:rPr>
-              <a:t>Edit Photo</a:t>
+              <a:t>Save Changes</a:t>
+            </a:r>
+          </a:p>
+        </p:txBody>
+      </p:sp>
+      <p:sp>
+        <p:nvSpPr>
+          <p:cNvPr id="15" name="TextBox 14">
+            <a:extLst>
+              <a:ext uri="{FF2B5EF4-FFF2-40B4-BE49-F238E27FC236}">
+                <a16:creationId xmlns:a16="http://schemas.microsoft.com/office/drawing/2014/main" id="{0AC5117E-9C59-4C1F-8B3D-5DBEF546E720}"/>
+              </a:ext>
+            </a:extLst>
+          </p:cNvPr>
+          <p:cNvSpPr txBox="1"/>
+          <p:nvPr/>
+        </p:nvSpPr>
+        <p:spPr>
+          <a:xfrm>
+            <a:off x="3337515" y="7327278"/>
+            <a:ext cx="5333161" cy="307777"/>
+          </a:xfrm>
+          <a:prstGeom prst="rect">
+            <a:avLst/>
+          </a:prstGeom>
+          <a:noFill/>
+        </p:spPr>
+        <p:txBody>
+          <a:bodyPr wrap="square" rtlCol="0">
+            <a:spAutoFit/>
+          </a:bodyPr>
+          <a:lstStyle/>
+          <a:p>
+            <a:pPr algn="ctr"/>
+            <a:r>
+              <a:rPr lang="en-US" sz="1400" dirty="0">
+                <a:latin typeface="Arial Rounded MT Bold" panose="020B0604020202020204" pitchFamily="34" charset="0"/>
+                <a:cs typeface="Aharoni" panose="020B0604020202020204" pitchFamily="2" charset="-79"/>
+              </a:rPr>
+              <a:t>Artist Information</a:t>
+            </a:r>
+          </a:p>
+        </p:txBody>
+      </p:sp>
+      <p:sp>
+        <p:nvSpPr>
+          <p:cNvPr id="16" name="Rectangle 15">
+            <a:extLst>
+              <a:ext uri="{FF2B5EF4-FFF2-40B4-BE49-F238E27FC236}">
+                <a16:creationId xmlns:a16="http://schemas.microsoft.com/office/drawing/2014/main" id="{2A567434-4984-40D8-A8CC-E2C726633683}"/>
+              </a:ext>
+            </a:extLst>
+          </p:cNvPr>
+          <p:cNvSpPr/>
+          <p:nvPr/>
+        </p:nvSpPr>
+        <p:spPr>
+          <a:xfrm>
+            <a:off x="7833443" y="11171839"/>
+            <a:ext cx="571791" cy="239675"/>
+          </a:xfrm>
+          <a:prstGeom prst="rect">
+            <a:avLst/>
+          </a:prstGeom>
+          <a:solidFill>
+            <a:schemeClr val="bg1"/>
+          </a:solidFill>
+          <a:ln w="9525">
+            <a:solidFill>
+              <a:schemeClr val="tx1"/>
+            </a:solidFill>
+          </a:ln>
+        </p:spPr>
+        <p:style>
+          <a:lnRef idx="2">
+            <a:schemeClr val="accent1">
+              <a:shade val="50000"/>
+            </a:schemeClr>
+          </a:lnRef>
+          <a:fillRef idx="1">
+            <a:schemeClr val="accent1"/>
+          </a:fillRef>
+          <a:effectRef idx="0">
+            <a:schemeClr val="accent1"/>
+          </a:effectRef>
+          <a:fontRef idx="minor">
+            <a:schemeClr val="lt1"/>
+          </a:fontRef>
+        </p:style>
+        <p:txBody>
+          <a:bodyPr rtlCol="0" anchor="ctr"/>
+          <a:lstStyle/>
+          <a:p>
+            <a:pPr algn="ctr"/>
+            <a:r>
+              <a:rPr lang="en-US" sz="1200" dirty="0">
+                <a:solidFill>
+                  <a:schemeClr val="tx1"/>
+                </a:solidFill>
+              </a:rPr>
+              <a:t>Edit</a:t>
+            </a:r>
+          </a:p>
+        </p:txBody>
+      </p:sp>
+      <p:sp>
+        <p:nvSpPr>
+          <p:cNvPr id="17" name="Rectangle 16">
+            <a:extLst>
+              <a:ext uri="{FF2B5EF4-FFF2-40B4-BE49-F238E27FC236}">
+                <a16:creationId xmlns:a16="http://schemas.microsoft.com/office/drawing/2014/main" id="{B587BA7C-36D5-491D-8C38-6086B1108E01}"/>
+              </a:ext>
+            </a:extLst>
+          </p:cNvPr>
+          <p:cNvSpPr/>
+          <p:nvPr/>
+        </p:nvSpPr>
+        <p:spPr>
+          <a:xfrm>
+            <a:off x="9067945" y="7727658"/>
+            <a:ext cx="3103110" cy="1941161"/>
+          </a:xfrm>
+          <a:prstGeom prst="rect">
+            <a:avLst/>
+          </a:prstGeom>
+          <a:noFill/>
+          <a:ln w="6350">
+            <a:solidFill>
+              <a:schemeClr val="tx1"/>
+            </a:solidFill>
+            <a:prstDash val="sysDot"/>
+          </a:ln>
+        </p:spPr>
+        <p:style>
+          <a:lnRef idx="2">
+            <a:schemeClr val="accent1">
+              <a:shade val="50000"/>
+            </a:schemeClr>
+          </a:lnRef>
+          <a:fillRef idx="1">
+            <a:schemeClr val="accent1"/>
+          </a:fillRef>
+          <a:effectRef idx="0">
+            <a:schemeClr val="accent1"/>
+          </a:effectRef>
+          <a:fontRef idx="minor">
+            <a:schemeClr val="lt1"/>
+          </a:fontRef>
+        </p:style>
+        <p:txBody>
+          <a:bodyPr rtlCol="0" anchor="ctr"/>
+          <a:lstStyle/>
+          <a:p>
+            <a:pPr algn="ctr"/>
+            <a:endParaRPr lang="en-US"/>
+          </a:p>
+        </p:txBody>
+      </p:sp>
+      <p:sp>
+        <p:nvSpPr>
+          <p:cNvPr id="19" name="TextBox 18">
+            <a:extLst>
+              <a:ext uri="{FF2B5EF4-FFF2-40B4-BE49-F238E27FC236}">
+                <a16:creationId xmlns:a16="http://schemas.microsoft.com/office/drawing/2014/main" id="{88C2EC57-0681-4706-B7E0-DE10CFD10D9C}"/>
+              </a:ext>
+            </a:extLst>
+          </p:cNvPr>
+          <p:cNvSpPr txBox="1"/>
+          <p:nvPr/>
+        </p:nvSpPr>
+        <p:spPr>
+          <a:xfrm>
+            <a:off x="8713482" y="7326734"/>
+            <a:ext cx="3806626" cy="307777"/>
+          </a:xfrm>
+          <a:prstGeom prst="rect">
+            <a:avLst/>
+          </a:prstGeom>
+          <a:noFill/>
+        </p:spPr>
+        <p:txBody>
+          <a:bodyPr wrap="square" rtlCol="0">
+            <a:spAutoFit/>
+          </a:bodyPr>
+          <a:lstStyle/>
+          <a:p>
+            <a:pPr algn="ctr"/>
+            <a:r>
+              <a:rPr lang="en-US" sz="1400" dirty="0">
+                <a:latin typeface="Arial Rounded MT Bold" panose="020B0604020202020204" pitchFamily="34" charset="0"/>
+                <a:cs typeface="Aharoni" panose="020B0604020202020204" pitchFamily="2" charset="-79"/>
+              </a:rPr>
+              <a:t>Music</a:t>
+            </a:r>
+          </a:p>
+        </p:txBody>
+      </p:sp>
+      <p:sp>
+        <p:nvSpPr>
+          <p:cNvPr id="23" name="TextBox 22">
+            <a:extLst>
+              <a:ext uri="{FF2B5EF4-FFF2-40B4-BE49-F238E27FC236}">
+                <a16:creationId xmlns:a16="http://schemas.microsoft.com/office/drawing/2014/main" id="{C276A30D-636C-4DEF-8DBD-7C39D7FF2BC7}"/>
+              </a:ext>
+            </a:extLst>
+          </p:cNvPr>
+          <p:cNvSpPr txBox="1"/>
+          <p:nvPr/>
+        </p:nvSpPr>
+        <p:spPr>
+          <a:xfrm>
+            <a:off x="10128841" y="8222534"/>
+            <a:ext cx="2059086" cy="1200329"/>
+          </a:xfrm>
+          <a:prstGeom prst="rect">
+            <a:avLst/>
+          </a:prstGeom>
+          <a:noFill/>
+        </p:spPr>
+        <p:txBody>
+          <a:bodyPr wrap="square" rtlCol="0">
+            <a:spAutoFit/>
+          </a:bodyPr>
+          <a:lstStyle/>
+          <a:p>
+            <a:r>
+              <a:rPr lang="en-US" sz="1200" dirty="0">
+                <a:latin typeface="Arial Rounded MT Bold" panose="020B0604020202020204" pitchFamily="34" charset="0"/>
+                <a:cs typeface="Aharoni" panose="020B0604020202020204" pitchFamily="2" charset="-79"/>
+              </a:rPr>
+              <a:t>Californication</a:t>
+            </a:r>
+          </a:p>
+          <a:p>
+            <a:r>
+              <a:rPr lang="en-US" sz="1200" dirty="0">
+                <a:latin typeface="Arial Rounded MT Bold" panose="020B0604020202020204" pitchFamily="34" charset="0"/>
+                <a:cs typeface="Aharoni" panose="020B0604020202020204" pitchFamily="2" charset="-79"/>
+              </a:rPr>
+              <a:t>Under the Bridge</a:t>
+            </a:r>
+          </a:p>
+          <a:p>
+            <a:r>
+              <a:rPr lang="en-US" sz="1200" dirty="0" err="1">
+                <a:latin typeface="Arial Rounded MT Bold" panose="020B0604020202020204" pitchFamily="34" charset="0"/>
+                <a:cs typeface="Aharoni" panose="020B0604020202020204" pitchFamily="2" charset="-79"/>
+              </a:rPr>
+              <a:t>Otherside</a:t>
+            </a:r>
+            <a:endParaRPr lang="en-US" sz="1200" dirty="0">
+              <a:latin typeface="Arial Rounded MT Bold" panose="020B0604020202020204" pitchFamily="34" charset="0"/>
+              <a:cs typeface="Aharoni" panose="020B0604020202020204" pitchFamily="2" charset="-79"/>
+            </a:endParaRPr>
+          </a:p>
+          <a:p>
+            <a:r>
+              <a:rPr lang="en-US" sz="1200" dirty="0">
+                <a:latin typeface="Arial Rounded MT Bold" panose="020B0604020202020204" pitchFamily="34" charset="0"/>
+                <a:cs typeface="Aharoni" panose="020B0604020202020204" pitchFamily="2" charset="-79"/>
+              </a:rPr>
+              <a:t>Give It Away</a:t>
+            </a:r>
+          </a:p>
+          <a:p>
+            <a:r>
+              <a:rPr lang="en-US" sz="1200" dirty="0">
+                <a:latin typeface="Arial Rounded MT Bold" panose="020B0604020202020204" pitchFamily="34" charset="0"/>
+                <a:cs typeface="Aharoni" panose="020B0604020202020204" pitchFamily="2" charset="-79"/>
+              </a:rPr>
+              <a:t>Dani California</a:t>
+            </a:r>
+          </a:p>
+          <a:p>
+            <a:pPr algn="ctr"/>
+            <a:endParaRPr lang="en-US" sz="1200" dirty="0">
+              <a:latin typeface="Arial Rounded MT Bold" panose="020B0604020202020204" pitchFamily="34" charset="0"/>
+              <a:cs typeface="Aharoni" panose="020B0604020202020204" pitchFamily="2" charset="-79"/>
+            </a:endParaRPr>
+          </a:p>
+        </p:txBody>
+      </p:sp>
+      <p:sp>
+        <p:nvSpPr>
+          <p:cNvPr id="25" name="Isosceles Triangle 24">
+            <a:extLst>
+              <a:ext uri="{FF2B5EF4-FFF2-40B4-BE49-F238E27FC236}">
+                <a16:creationId xmlns:a16="http://schemas.microsoft.com/office/drawing/2014/main" id="{6D7173BA-51BB-47D0-A47C-4B80CEBB962E}"/>
+              </a:ext>
+            </a:extLst>
+          </p:cNvPr>
+          <p:cNvSpPr/>
+          <p:nvPr/>
+        </p:nvSpPr>
+        <p:spPr>
+          <a:xfrm rot="5400000">
+            <a:off x="9789166" y="8259058"/>
+            <a:ext cx="155448" cy="155448"/>
+          </a:xfrm>
+          <a:prstGeom prst="triangle">
+            <a:avLst/>
+          </a:prstGeom>
+          <a:solidFill>
+            <a:schemeClr val="tx1"/>
+          </a:solidFill>
+          <a:ln>
+            <a:solidFill>
+              <a:schemeClr val="tx1"/>
+            </a:solidFill>
+          </a:ln>
+        </p:spPr>
+        <p:style>
+          <a:lnRef idx="2">
+            <a:schemeClr val="accent1">
+              <a:shade val="50000"/>
+            </a:schemeClr>
+          </a:lnRef>
+          <a:fillRef idx="1">
+            <a:schemeClr val="accent1"/>
+          </a:fillRef>
+          <a:effectRef idx="0">
+            <a:schemeClr val="accent1"/>
+          </a:effectRef>
+          <a:fontRef idx="minor">
+            <a:schemeClr val="lt1"/>
+          </a:fontRef>
+        </p:style>
+        <p:txBody>
+          <a:bodyPr rtlCol="0" anchor="ctr"/>
+          <a:lstStyle/>
+          <a:p>
+            <a:pPr algn="ctr"/>
+            <a:endParaRPr lang="en-US"/>
+          </a:p>
+        </p:txBody>
+      </p:sp>
+      <p:sp>
+        <p:nvSpPr>
+          <p:cNvPr id="27" name="Isosceles Triangle 26">
+            <a:extLst>
+              <a:ext uri="{FF2B5EF4-FFF2-40B4-BE49-F238E27FC236}">
+                <a16:creationId xmlns:a16="http://schemas.microsoft.com/office/drawing/2014/main" id="{909A5390-4D7B-423A-816F-7502463EC2C6}"/>
+              </a:ext>
+            </a:extLst>
+          </p:cNvPr>
+          <p:cNvSpPr/>
+          <p:nvPr/>
+        </p:nvSpPr>
+        <p:spPr>
+          <a:xfrm rot="5400000">
+            <a:off x="9789166" y="8458240"/>
+            <a:ext cx="155448" cy="155448"/>
+          </a:xfrm>
+          <a:prstGeom prst="triangle">
+            <a:avLst/>
+          </a:prstGeom>
+          <a:solidFill>
+            <a:schemeClr val="tx1"/>
+          </a:solidFill>
+          <a:ln>
+            <a:solidFill>
+              <a:schemeClr val="tx1"/>
+            </a:solidFill>
+          </a:ln>
+        </p:spPr>
+        <p:style>
+          <a:lnRef idx="2">
+            <a:schemeClr val="accent1">
+              <a:shade val="50000"/>
+            </a:schemeClr>
+          </a:lnRef>
+          <a:fillRef idx="1">
+            <a:schemeClr val="accent1"/>
+          </a:fillRef>
+          <a:effectRef idx="0">
+            <a:schemeClr val="accent1"/>
+          </a:effectRef>
+          <a:fontRef idx="minor">
+            <a:schemeClr val="lt1"/>
+          </a:fontRef>
+        </p:style>
+        <p:txBody>
+          <a:bodyPr rtlCol="0" anchor="ctr"/>
+          <a:lstStyle/>
+          <a:p>
+            <a:pPr algn="ctr"/>
+            <a:endParaRPr lang="en-US"/>
+          </a:p>
+        </p:txBody>
+      </p:sp>
+      <p:sp>
+        <p:nvSpPr>
+          <p:cNvPr id="29" name="Isosceles Triangle 28">
+            <a:extLst>
+              <a:ext uri="{FF2B5EF4-FFF2-40B4-BE49-F238E27FC236}">
+                <a16:creationId xmlns:a16="http://schemas.microsoft.com/office/drawing/2014/main" id="{CC544EA4-28D3-46F5-BAD0-9D356A16299E}"/>
+              </a:ext>
+            </a:extLst>
+          </p:cNvPr>
+          <p:cNvSpPr/>
+          <p:nvPr/>
+        </p:nvSpPr>
+        <p:spPr>
+          <a:xfrm rot="5400000">
+            <a:off x="9789166" y="8657422"/>
+            <a:ext cx="155448" cy="155448"/>
+          </a:xfrm>
+          <a:prstGeom prst="triangle">
+            <a:avLst/>
+          </a:prstGeom>
+          <a:solidFill>
+            <a:schemeClr val="tx1"/>
+          </a:solidFill>
+          <a:ln>
+            <a:solidFill>
+              <a:schemeClr val="tx1"/>
+            </a:solidFill>
+          </a:ln>
+        </p:spPr>
+        <p:style>
+          <a:lnRef idx="2">
+            <a:schemeClr val="accent1">
+              <a:shade val="50000"/>
+            </a:schemeClr>
+          </a:lnRef>
+          <a:fillRef idx="1">
+            <a:schemeClr val="accent1"/>
+          </a:fillRef>
+          <a:effectRef idx="0">
+            <a:schemeClr val="accent1"/>
+          </a:effectRef>
+          <a:fontRef idx="minor">
+            <a:schemeClr val="lt1"/>
+          </a:fontRef>
+        </p:style>
+        <p:txBody>
+          <a:bodyPr rtlCol="0" anchor="ctr"/>
+          <a:lstStyle/>
+          <a:p>
+            <a:pPr algn="ctr"/>
+            <a:endParaRPr lang="en-US"/>
+          </a:p>
+        </p:txBody>
+      </p:sp>
+      <p:sp>
+        <p:nvSpPr>
+          <p:cNvPr id="31" name="Isosceles Triangle 30">
+            <a:extLst>
+              <a:ext uri="{FF2B5EF4-FFF2-40B4-BE49-F238E27FC236}">
+                <a16:creationId xmlns:a16="http://schemas.microsoft.com/office/drawing/2014/main" id="{5FB4D46D-AE28-40CE-80E8-9D8F650675A3}"/>
+              </a:ext>
+            </a:extLst>
+          </p:cNvPr>
+          <p:cNvSpPr/>
+          <p:nvPr/>
+        </p:nvSpPr>
+        <p:spPr>
+          <a:xfrm rot="5400000">
+            <a:off x="9789166" y="8856604"/>
+            <a:ext cx="155448" cy="155448"/>
+          </a:xfrm>
+          <a:prstGeom prst="triangle">
+            <a:avLst/>
+          </a:prstGeom>
+          <a:solidFill>
+            <a:schemeClr val="tx1"/>
+          </a:solidFill>
+          <a:ln>
+            <a:solidFill>
+              <a:schemeClr val="tx1"/>
+            </a:solidFill>
+          </a:ln>
+        </p:spPr>
+        <p:style>
+          <a:lnRef idx="2">
+            <a:schemeClr val="accent1">
+              <a:shade val="50000"/>
+            </a:schemeClr>
+          </a:lnRef>
+          <a:fillRef idx="1">
+            <a:schemeClr val="accent1"/>
+          </a:fillRef>
+          <a:effectRef idx="0">
+            <a:schemeClr val="accent1"/>
+          </a:effectRef>
+          <a:fontRef idx="minor">
+            <a:schemeClr val="lt1"/>
+          </a:fontRef>
+        </p:style>
+        <p:txBody>
+          <a:bodyPr rtlCol="0" anchor="ctr"/>
+          <a:lstStyle/>
+          <a:p>
+            <a:pPr algn="ctr"/>
+            <a:endParaRPr lang="en-US"/>
+          </a:p>
+        </p:txBody>
+      </p:sp>
+      <p:sp>
+        <p:nvSpPr>
+          <p:cNvPr id="33" name="Isosceles Triangle 32">
+            <a:extLst>
+              <a:ext uri="{FF2B5EF4-FFF2-40B4-BE49-F238E27FC236}">
+                <a16:creationId xmlns:a16="http://schemas.microsoft.com/office/drawing/2014/main" id="{987E1B5A-2070-4CDA-8423-1FFD1877C74F}"/>
+              </a:ext>
+            </a:extLst>
+          </p:cNvPr>
+          <p:cNvSpPr/>
+          <p:nvPr/>
+        </p:nvSpPr>
+        <p:spPr>
+          <a:xfrm rot="5400000">
+            <a:off x="9789166" y="9057069"/>
+            <a:ext cx="155448" cy="155448"/>
+          </a:xfrm>
+          <a:prstGeom prst="triangle">
+            <a:avLst/>
+          </a:prstGeom>
+          <a:solidFill>
+            <a:schemeClr val="tx1"/>
+          </a:solidFill>
+          <a:ln>
+            <a:solidFill>
+              <a:schemeClr val="tx1"/>
+            </a:solidFill>
+          </a:ln>
+        </p:spPr>
+        <p:style>
+          <a:lnRef idx="2">
+            <a:schemeClr val="accent1">
+              <a:shade val="50000"/>
+            </a:schemeClr>
+          </a:lnRef>
+          <a:fillRef idx="1">
+            <a:schemeClr val="accent1"/>
+          </a:fillRef>
+          <a:effectRef idx="0">
+            <a:schemeClr val="accent1"/>
+          </a:effectRef>
+          <a:fontRef idx="minor">
+            <a:schemeClr val="lt1"/>
+          </a:fontRef>
+        </p:style>
+        <p:txBody>
+          <a:bodyPr rtlCol="0" anchor="ctr"/>
+          <a:lstStyle/>
+          <a:p>
+            <a:pPr algn="ctr"/>
+            <a:endParaRPr lang="en-US"/>
+          </a:p>
+        </p:txBody>
+      </p:sp>
+      <p:sp>
+        <p:nvSpPr>
+          <p:cNvPr id="9" name="Rectangle 8">
+            <a:extLst>
+              <a:ext uri="{FF2B5EF4-FFF2-40B4-BE49-F238E27FC236}">
+                <a16:creationId xmlns:a16="http://schemas.microsoft.com/office/drawing/2014/main" id="{7AEDB6B8-D78C-454D-A82B-020120B7B31F}"/>
+              </a:ext>
+            </a:extLst>
+          </p:cNvPr>
+          <p:cNvSpPr/>
+          <p:nvPr/>
+        </p:nvSpPr>
+        <p:spPr>
+          <a:xfrm>
+            <a:off x="9865330" y="10916230"/>
+            <a:ext cx="1497192" cy="204865"/>
+          </a:xfrm>
+          <a:prstGeom prst="rect">
+            <a:avLst/>
+          </a:prstGeom>
+          <a:solidFill>
+            <a:schemeClr val="bg1"/>
+          </a:solidFill>
+          <a:ln w="9525">
+            <a:solidFill>
+              <a:schemeClr val="tx1"/>
+            </a:solidFill>
+          </a:ln>
+        </p:spPr>
+        <p:style>
+          <a:lnRef idx="2">
+            <a:schemeClr val="accent1">
+              <a:shade val="50000"/>
+            </a:schemeClr>
+          </a:lnRef>
+          <a:fillRef idx="1">
+            <a:schemeClr val="accent1"/>
+          </a:fillRef>
+          <a:effectRef idx="0">
+            <a:schemeClr val="accent1"/>
+          </a:effectRef>
+          <a:fontRef idx="minor">
+            <a:schemeClr val="lt1"/>
+          </a:fontRef>
+        </p:style>
+        <p:txBody>
+          <a:bodyPr rtlCol="0" anchor="ctr"/>
+          <a:lstStyle/>
+          <a:p>
+            <a:pPr algn="ctr"/>
+            <a:r>
+              <a:rPr lang="en-US" sz="1200" dirty="0">
+                <a:solidFill>
+                  <a:schemeClr val="tx1"/>
+                </a:solidFill>
+              </a:rPr>
+              <a:t>Enter Payment Info</a:t>
+            </a:r>
+          </a:p>
+        </p:txBody>
+      </p:sp>
+      <p:sp>
+        <p:nvSpPr>
+          <p:cNvPr id="35" name="Rectangle 34">
+            <a:extLst>
+              <a:ext uri="{FF2B5EF4-FFF2-40B4-BE49-F238E27FC236}">
+                <a16:creationId xmlns:a16="http://schemas.microsoft.com/office/drawing/2014/main" id="{0A66DFD8-6F2E-4175-A613-38C0A51572CE}"/>
+              </a:ext>
+            </a:extLst>
+          </p:cNvPr>
+          <p:cNvSpPr/>
+          <p:nvPr/>
+        </p:nvSpPr>
+        <p:spPr>
+          <a:xfrm>
+            <a:off x="5751189" y="9296491"/>
+            <a:ext cx="571791" cy="239675"/>
+          </a:xfrm>
+          <a:prstGeom prst="rect">
+            <a:avLst/>
+          </a:prstGeom>
+          <a:solidFill>
+            <a:schemeClr val="bg1"/>
+          </a:solidFill>
+          <a:ln w="9525">
+            <a:solidFill>
+              <a:schemeClr val="tx1"/>
+            </a:solidFill>
+          </a:ln>
+        </p:spPr>
+        <p:style>
+          <a:lnRef idx="2">
+            <a:schemeClr val="accent1">
+              <a:shade val="50000"/>
+            </a:schemeClr>
+          </a:lnRef>
+          <a:fillRef idx="1">
+            <a:schemeClr val="accent1"/>
+          </a:fillRef>
+          <a:effectRef idx="0">
+            <a:schemeClr val="accent1"/>
+          </a:effectRef>
+          <a:fontRef idx="minor">
+            <a:schemeClr val="lt1"/>
+          </a:fontRef>
+        </p:style>
+        <p:txBody>
+          <a:bodyPr rtlCol="0" anchor="ctr"/>
+          <a:lstStyle/>
+          <a:p>
+            <a:pPr algn="ctr"/>
+            <a:r>
+              <a:rPr lang="en-US" sz="1200" dirty="0">
+                <a:solidFill>
+                  <a:schemeClr val="tx1"/>
+                </a:solidFill>
+              </a:rPr>
+              <a:t>Edit</a:t>
+            </a:r>
+          </a:p>
+        </p:txBody>
+      </p:sp>
+      <p:sp>
+        <p:nvSpPr>
+          <p:cNvPr id="36" name="Rectangle 35">
+            <a:extLst>
+              <a:ext uri="{FF2B5EF4-FFF2-40B4-BE49-F238E27FC236}">
+                <a16:creationId xmlns:a16="http://schemas.microsoft.com/office/drawing/2014/main" id="{A44B0649-C4E7-4609-AA42-509E66B8C169}"/>
+              </a:ext>
+            </a:extLst>
+          </p:cNvPr>
+          <p:cNvSpPr/>
+          <p:nvPr/>
+        </p:nvSpPr>
+        <p:spPr>
+          <a:xfrm>
+            <a:off x="11482263" y="9337628"/>
+            <a:ext cx="571791" cy="239675"/>
+          </a:xfrm>
+          <a:prstGeom prst="rect">
+            <a:avLst/>
+          </a:prstGeom>
+          <a:solidFill>
+            <a:schemeClr val="bg1"/>
+          </a:solidFill>
+          <a:ln w="9525">
+            <a:solidFill>
+              <a:schemeClr val="tx1"/>
+            </a:solidFill>
+          </a:ln>
+        </p:spPr>
+        <p:style>
+          <a:lnRef idx="2">
+            <a:schemeClr val="accent1">
+              <a:shade val="50000"/>
+            </a:schemeClr>
+          </a:lnRef>
+          <a:fillRef idx="1">
+            <a:schemeClr val="accent1"/>
+          </a:fillRef>
+          <a:effectRef idx="0">
+            <a:schemeClr val="accent1"/>
+          </a:effectRef>
+          <a:fontRef idx="minor">
+            <a:schemeClr val="lt1"/>
+          </a:fontRef>
+        </p:style>
+        <p:txBody>
+          <a:bodyPr rtlCol="0" anchor="ctr"/>
+          <a:lstStyle/>
+          <a:p>
+            <a:pPr algn="ctr"/>
+            <a:r>
+              <a:rPr lang="en-US" sz="1200" dirty="0">
+                <a:solidFill>
+                  <a:schemeClr val="tx1"/>
+                </a:solidFill>
+              </a:rPr>
+              <a:t>Edit</a:t>
+            </a:r>
+          </a:p>
+        </p:txBody>
+      </p:sp>
+      <p:sp>
+        <p:nvSpPr>
+          <p:cNvPr id="37" name="Rectangle 36">
+            <a:extLst>
+              <a:ext uri="{FF2B5EF4-FFF2-40B4-BE49-F238E27FC236}">
+                <a16:creationId xmlns:a16="http://schemas.microsoft.com/office/drawing/2014/main" id="{D28A131F-DB54-4797-B607-79CBC70911AE}"/>
+              </a:ext>
+            </a:extLst>
+          </p:cNvPr>
+          <p:cNvSpPr/>
+          <p:nvPr/>
+        </p:nvSpPr>
+        <p:spPr>
+          <a:xfrm>
+            <a:off x="3455099" y="9776759"/>
+            <a:ext cx="5090871" cy="1698742"/>
+          </a:xfrm>
+          <a:prstGeom prst="rect">
+            <a:avLst/>
+          </a:prstGeom>
+          <a:noFill/>
+          <a:ln w="6350">
+            <a:solidFill>
+              <a:schemeClr val="tx1"/>
+            </a:solidFill>
+            <a:prstDash val="sysDot"/>
+          </a:ln>
+        </p:spPr>
+        <p:style>
+          <a:lnRef idx="2">
+            <a:schemeClr val="accent1">
+              <a:shade val="50000"/>
+            </a:schemeClr>
+          </a:lnRef>
+          <a:fillRef idx="1">
+            <a:schemeClr val="accent1"/>
+          </a:fillRef>
+          <a:effectRef idx="0">
+            <a:schemeClr val="accent1"/>
+          </a:effectRef>
+          <a:fontRef idx="minor">
+            <a:schemeClr val="lt1"/>
+          </a:fontRef>
+        </p:style>
+        <p:txBody>
+          <a:bodyPr rtlCol="0" anchor="ctr"/>
+          <a:lstStyle/>
+          <a:p>
+            <a:pPr algn="ctr"/>
+            <a:endParaRPr lang="en-US"/>
+          </a:p>
+        </p:txBody>
+      </p:sp>
+      <p:sp>
+        <p:nvSpPr>
+          <p:cNvPr id="38" name="Rectangle 37">
+            <a:extLst>
+              <a:ext uri="{FF2B5EF4-FFF2-40B4-BE49-F238E27FC236}">
+                <a16:creationId xmlns:a16="http://schemas.microsoft.com/office/drawing/2014/main" id="{96ACF22A-4169-4EA3-BAEA-2F7DFDBC7BE7}"/>
+              </a:ext>
+            </a:extLst>
+          </p:cNvPr>
+          <p:cNvSpPr/>
+          <p:nvPr/>
+        </p:nvSpPr>
+        <p:spPr>
+          <a:xfrm>
+            <a:off x="9067946" y="10684037"/>
+            <a:ext cx="3119982" cy="791464"/>
+          </a:xfrm>
+          <a:prstGeom prst="rect">
+            <a:avLst/>
+          </a:prstGeom>
+          <a:noFill/>
+          <a:ln w="6350">
+            <a:solidFill>
+              <a:schemeClr val="tx1"/>
+            </a:solidFill>
+            <a:prstDash val="sysDot"/>
+          </a:ln>
+        </p:spPr>
+        <p:style>
+          <a:lnRef idx="2">
+            <a:schemeClr val="accent1">
+              <a:shade val="50000"/>
+            </a:schemeClr>
+          </a:lnRef>
+          <a:fillRef idx="1">
+            <a:schemeClr val="accent1"/>
+          </a:fillRef>
+          <a:effectRef idx="0">
+            <a:schemeClr val="accent1"/>
+          </a:effectRef>
+          <a:fontRef idx="minor">
+            <a:schemeClr val="lt1"/>
+          </a:fontRef>
+        </p:style>
+        <p:txBody>
+          <a:bodyPr rtlCol="0" anchor="ctr"/>
+          <a:lstStyle/>
+          <a:p>
+            <a:pPr algn="ctr"/>
+            <a:endParaRPr lang="en-US"/>
+          </a:p>
+        </p:txBody>
+      </p:sp>
+      <p:sp>
+        <p:nvSpPr>
+          <p:cNvPr id="39" name="Rectangle 38">
+            <a:extLst>
+              <a:ext uri="{FF2B5EF4-FFF2-40B4-BE49-F238E27FC236}">
+                <a16:creationId xmlns:a16="http://schemas.microsoft.com/office/drawing/2014/main" id="{233647BC-DE7F-456B-A268-A63A882B9284}"/>
+              </a:ext>
+            </a:extLst>
+          </p:cNvPr>
+          <p:cNvSpPr/>
+          <p:nvPr/>
+        </p:nvSpPr>
+        <p:spPr>
+          <a:xfrm>
+            <a:off x="3455099" y="7758723"/>
+            <a:ext cx="5090871" cy="1910096"/>
+          </a:xfrm>
+          <a:prstGeom prst="rect">
+            <a:avLst/>
+          </a:prstGeom>
+          <a:noFill/>
+          <a:ln w="6350">
+            <a:solidFill>
+              <a:schemeClr val="tx1"/>
+            </a:solidFill>
+            <a:prstDash val="sysDot"/>
+          </a:ln>
+        </p:spPr>
+        <p:style>
+          <a:lnRef idx="2">
+            <a:schemeClr val="accent1">
+              <a:shade val="50000"/>
+            </a:schemeClr>
+          </a:lnRef>
+          <a:fillRef idx="1">
+            <a:schemeClr val="accent1"/>
+          </a:fillRef>
+          <a:effectRef idx="0">
+            <a:schemeClr val="accent1"/>
+          </a:effectRef>
+          <a:fontRef idx="minor">
+            <a:schemeClr val="lt1"/>
+          </a:fontRef>
+        </p:style>
+        <p:txBody>
+          <a:bodyPr rtlCol="0" anchor="ctr"/>
+          <a:lstStyle/>
+          <a:p>
+            <a:pPr algn="ctr"/>
+            <a:endParaRPr lang="en-US"/>
+          </a:p>
+        </p:txBody>
+      </p:sp>
+      <p:sp>
+        <p:nvSpPr>
+          <p:cNvPr id="40" name="Rectangle 39">
+            <a:extLst>
+              <a:ext uri="{FF2B5EF4-FFF2-40B4-BE49-F238E27FC236}">
+                <a16:creationId xmlns:a16="http://schemas.microsoft.com/office/drawing/2014/main" id="{58B6CF3C-CFB5-44F3-BD0D-0DA5924C2596}"/>
+              </a:ext>
+            </a:extLst>
+          </p:cNvPr>
+          <p:cNvSpPr/>
+          <p:nvPr/>
+        </p:nvSpPr>
+        <p:spPr>
+          <a:xfrm>
+            <a:off x="9077439" y="9781861"/>
+            <a:ext cx="3119982" cy="791464"/>
+          </a:xfrm>
+          <a:prstGeom prst="rect">
+            <a:avLst/>
+          </a:prstGeom>
+          <a:noFill/>
+          <a:ln w="6350">
+            <a:solidFill>
+              <a:schemeClr val="tx1"/>
+            </a:solidFill>
+            <a:prstDash val="sysDot"/>
+          </a:ln>
+        </p:spPr>
+        <p:style>
+          <a:lnRef idx="2">
+            <a:schemeClr val="accent1">
+              <a:shade val="50000"/>
+            </a:schemeClr>
+          </a:lnRef>
+          <a:fillRef idx="1">
+            <a:schemeClr val="accent1"/>
+          </a:fillRef>
+          <a:effectRef idx="0">
+            <a:schemeClr val="accent1"/>
+          </a:effectRef>
+          <a:fontRef idx="minor">
+            <a:schemeClr val="lt1"/>
+          </a:fontRef>
+        </p:style>
+        <p:txBody>
+          <a:bodyPr rtlCol="0" anchor="ctr"/>
+          <a:lstStyle/>
+          <a:p>
+            <a:pPr algn="ctr"/>
+            <a:endParaRPr lang="en-US"/>
+          </a:p>
+        </p:txBody>
+      </p:sp>
+      <p:sp>
+        <p:nvSpPr>
+          <p:cNvPr id="41" name="Rectangle 40">
+            <a:extLst>
+              <a:ext uri="{FF2B5EF4-FFF2-40B4-BE49-F238E27FC236}">
+                <a16:creationId xmlns:a16="http://schemas.microsoft.com/office/drawing/2014/main" id="{FE170BDB-35DF-4AA9-8856-41235A044171}"/>
+              </a:ext>
+            </a:extLst>
+          </p:cNvPr>
+          <p:cNvSpPr/>
+          <p:nvPr/>
+        </p:nvSpPr>
+        <p:spPr>
+          <a:xfrm>
+            <a:off x="9865330" y="10030075"/>
+            <a:ext cx="1497192" cy="204865"/>
+          </a:xfrm>
+          <a:prstGeom prst="rect">
+            <a:avLst/>
+          </a:prstGeom>
+          <a:solidFill>
+            <a:schemeClr val="bg1"/>
+          </a:solidFill>
+          <a:ln w="9525">
+            <a:solidFill>
+              <a:schemeClr val="tx1"/>
+            </a:solidFill>
+          </a:ln>
+        </p:spPr>
+        <p:style>
+          <a:lnRef idx="2">
+            <a:schemeClr val="accent1">
+              <a:shade val="50000"/>
+            </a:schemeClr>
+          </a:lnRef>
+          <a:fillRef idx="1">
+            <a:schemeClr val="accent1"/>
+          </a:fillRef>
+          <a:effectRef idx="0">
+            <a:schemeClr val="accent1"/>
+          </a:effectRef>
+          <a:fontRef idx="minor">
+            <a:schemeClr val="lt1"/>
+          </a:fontRef>
+        </p:style>
+        <p:txBody>
+          <a:bodyPr rtlCol="0" anchor="ctr"/>
+          <a:lstStyle/>
+          <a:p>
+            <a:pPr algn="ctr"/>
+            <a:r>
+              <a:rPr lang="en-US" sz="1200" dirty="0">
+                <a:solidFill>
+                  <a:schemeClr val="tx1"/>
+                </a:solidFill>
+              </a:rPr>
+              <a:t>Select Vibes</a:t>
             </a:r>
           </a:p>
         </p:txBody>
@@ -13269,7 +14531,7 @@
     </p:spTree>
     <p:extLst>
       <p:ext uri="{BB962C8B-B14F-4D97-AF65-F5344CB8AC3E}">
-        <p14:creationId xmlns:p14="http://schemas.microsoft.com/office/powerpoint/2010/main" val="1832788336"/>
+        <p14:creationId xmlns:p14="http://schemas.microsoft.com/office/powerpoint/2010/main" val="937142826"/>
       </p:ext>
     </p:extLst>
   </p:cSld>
@@ -13296,399 +14558,12 @@
           <a:chExt cx="0" cy="0"/>
         </a:xfrm>
       </p:grpSpPr>
-      <p:sp>
-        <p:nvSpPr>
-          <p:cNvPr id="4" name="Rectangle 3">
-            <a:extLst>
-              <a:ext uri="{FF2B5EF4-FFF2-40B4-BE49-F238E27FC236}">
-                <a16:creationId xmlns:a16="http://schemas.microsoft.com/office/drawing/2014/main" id="{0FD36C3D-DE2E-4402-B027-EC511F59CF55}"/>
-              </a:ext>
-            </a:extLst>
-          </p:cNvPr>
-          <p:cNvSpPr/>
-          <p:nvPr/>
-        </p:nvSpPr>
-        <p:spPr>
-          <a:xfrm>
-            <a:off x="3095365" y="6222011"/>
-            <a:ext cx="9982899" cy="6644081"/>
-          </a:xfrm>
-          <a:prstGeom prst="rect">
-            <a:avLst/>
-          </a:prstGeom>
-          <a:solidFill>
-            <a:schemeClr val="bg1">
-              <a:lumMod val="85000"/>
-            </a:schemeClr>
-          </a:solidFill>
-          <a:ln w="28575">
-            <a:solidFill>
-              <a:schemeClr val="tx1"/>
-            </a:solidFill>
-          </a:ln>
-        </p:spPr>
-        <p:style>
-          <a:lnRef idx="2">
-            <a:schemeClr val="accent1">
-              <a:shade val="50000"/>
-            </a:schemeClr>
-          </a:lnRef>
-          <a:fillRef idx="1">
-            <a:schemeClr val="accent1"/>
-          </a:fillRef>
-          <a:effectRef idx="0">
-            <a:schemeClr val="accent1"/>
-          </a:effectRef>
-          <a:fontRef idx="minor">
-            <a:schemeClr val="lt1"/>
-          </a:fontRef>
-        </p:style>
-        <p:txBody>
-          <a:bodyPr rtlCol="0" anchor="ctr"/>
-          <a:lstStyle/>
-          <a:p>
-            <a:pPr algn="ctr"/>
-            <a:endParaRPr lang="en-US" sz="5183" dirty="0"/>
-          </a:p>
-        </p:txBody>
-      </p:sp>
-      <p:sp>
-        <p:nvSpPr>
-          <p:cNvPr id="72" name="Rectangle 71">
-            <a:extLst>
-              <a:ext uri="{FF2B5EF4-FFF2-40B4-BE49-F238E27FC236}">
-                <a16:creationId xmlns:a16="http://schemas.microsoft.com/office/drawing/2014/main" id="{DD69C602-D2AA-479D-9732-0BFE084C5BF2}"/>
-              </a:ext>
-            </a:extLst>
-          </p:cNvPr>
-          <p:cNvSpPr/>
-          <p:nvPr/>
-        </p:nvSpPr>
-        <p:spPr>
-          <a:xfrm>
-            <a:off x="3112141" y="7161207"/>
-            <a:ext cx="2134648" cy="4800971"/>
-          </a:xfrm>
-          <a:prstGeom prst="rect">
-            <a:avLst/>
-          </a:prstGeom>
-          <a:noFill/>
-          <a:ln>
-            <a:noFill/>
-          </a:ln>
-        </p:spPr>
-        <p:style>
-          <a:lnRef idx="2">
-            <a:schemeClr val="accent1">
-              <a:shade val="50000"/>
-            </a:schemeClr>
-          </a:lnRef>
-          <a:fillRef idx="1">
-            <a:schemeClr val="accent1"/>
-          </a:fillRef>
-          <a:effectRef idx="0">
-            <a:schemeClr val="accent1"/>
-          </a:effectRef>
-          <a:fontRef idx="minor">
-            <a:schemeClr val="lt1"/>
-          </a:fontRef>
-        </p:style>
-        <p:txBody>
-          <a:bodyPr rtlCol="0" anchor="ctr"/>
-          <a:lstStyle/>
-          <a:p>
-            <a:pPr algn="ctr"/>
-            <a:endParaRPr lang="en-US" sz="5183"/>
-          </a:p>
-        </p:txBody>
-      </p:sp>
-      <p:sp>
-        <p:nvSpPr>
-          <p:cNvPr id="70" name="Rectangle 69">
-            <a:extLst>
-              <a:ext uri="{FF2B5EF4-FFF2-40B4-BE49-F238E27FC236}">
-                <a16:creationId xmlns:a16="http://schemas.microsoft.com/office/drawing/2014/main" id="{40D7BEB8-D715-436F-8DAC-294CF37782C2}"/>
-              </a:ext>
-            </a:extLst>
-          </p:cNvPr>
-          <p:cNvSpPr/>
-          <p:nvPr/>
-        </p:nvSpPr>
-        <p:spPr>
-          <a:xfrm>
-            <a:off x="3101455" y="11953789"/>
-            <a:ext cx="9982898" cy="907489"/>
-          </a:xfrm>
-          <a:prstGeom prst="rect">
-            <a:avLst/>
-          </a:prstGeom>
-          <a:noFill/>
-          <a:ln>
-            <a:noFill/>
-          </a:ln>
-        </p:spPr>
-        <p:style>
-          <a:lnRef idx="2">
-            <a:schemeClr val="accent1">
-              <a:shade val="50000"/>
-            </a:schemeClr>
-          </a:lnRef>
-          <a:fillRef idx="1">
-            <a:schemeClr val="accent1"/>
-          </a:fillRef>
-          <a:effectRef idx="0">
-            <a:schemeClr val="accent1"/>
-          </a:effectRef>
-          <a:fontRef idx="minor">
-            <a:schemeClr val="lt1"/>
-          </a:fontRef>
-        </p:style>
-        <p:txBody>
-          <a:bodyPr rtlCol="0" anchor="ctr"/>
-          <a:lstStyle/>
-          <a:p>
-            <a:pPr algn="ctr"/>
-            <a:endParaRPr lang="en-US" sz="5183"/>
-          </a:p>
-        </p:txBody>
-      </p:sp>
-      <p:sp>
-        <p:nvSpPr>
-          <p:cNvPr id="68" name="Rectangle 67">
-            <a:extLst>
-              <a:ext uri="{FF2B5EF4-FFF2-40B4-BE49-F238E27FC236}">
-                <a16:creationId xmlns:a16="http://schemas.microsoft.com/office/drawing/2014/main" id="{DC011AC1-1F24-4577-8C98-BEF9F9BD21B5}"/>
-              </a:ext>
-            </a:extLst>
-          </p:cNvPr>
-          <p:cNvSpPr/>
-          <p:nvPr/>
-        </p:nvSpPr>
-        <p:spPr>
-          <a:xfrm>
-            <a:off x="3112143" y="6240886"/>
-            <a:ext cx="9982898" cy="931178"/>
-          </a:xfrm>
-          <a:prstGeom prst="rect">
-            <a:avLst/>
-          </a:prstGeom>
-          <a:noFill/>
-          <a:ln>
-            <a:noFill/>
-          </a:ln>
-        </p:spPr>
-        <p:style>
-          <a:lnRef idx="2">
-            <a:schemeClr val="accent1">
-              <a:shade val="50000"/>
-            </a:schemeClr>
-          </a:lnRef>
-          <a:fillRef idx="1">
-            <a:schemeClr val="accent1"/>
-          </a:fillRef>
-          <a:effectRef idx="0">
-            <a:schemeClr val="accent1"/>
-          </a:effectRef>
-          <a:fontRef idx="minor">
-            <a:schemeClr val="lt1"/>
-          </a:fontRef>
-        </p:style>
-        <p:txBody>
-          <a:bodyPr rtlCol="0" anchor="ctr"/>
-          <a:lstStyle/>
-          <a:p>
-            <a:pPr algn="ctr"/>
-            <a:endParaRPr lang="en-US" sz="5183"/>
-          </a:p>
-        </p:txBody>
-      </p:sp>
-      <p:sp>
-        <p:nvSpPr>
-          <p:cNvPr id="22" name="Rectangle 21">
-            <a:extLst>
-              <a:ext uri="{FF2B5EF4-FFF2-40B4-BE49-F238E27FC236}">
-                <a16:creationId xmlns:a16="http://schemas.microsoft.com/office/drawing/2014/main" id="{EE9300C5-95F6-458E-94A4-3C5069852AAC}"/>
-              </a:ext>
-            </a:extLst>
-          </p:cNvPr>
-          <p:cNvSpPr/>
-          <p:nvPr/>
-        </p:nvSpPr>
-        <p:spPr>
-          <a:xfrm>
-            <a:off x="3093066" y="12144377"/>
-            <a:ext cx="9982899" cy="733757"/>
-          </a:xfrm>
-          <a:prstGeom prst="rect">
-            <a:avLst/>
-          </a:prstGeom>
-          <a:noFill/>
-          <a:ln w="9525">
-            <a:noFill/>
-          </a:ln>
-        </p:spPr>
-        <p:style>
-          <a:lnRef idx="2">
-            <a:schemeClr val="accent1">
-              <a:shade val="50000"/>
-            </a:schemeClr>
-          </a:lnRef>
-          <a:fillRef idx="1">
-            <a:schemeClr val="accent1"/>
-          </a:fillRef>
-          <a:effectRef idx="0">
-            <a:schemeClr val="accent1"/>
-          </a:effectRef>
-          <a:fontRef idx="minor">
-            <a:schemeClr val="lt1"/>
-          </a:fontRef>
-        </p:style>
-        <p:txBody>
-          <a:bodyPr rtlCol="0" anchor="ctr"/>
-          <a:lstStyle/>
-          <a:p>
-            <a:pPr algn="ctr"/>
-            <a:endParaRPr lang="en-US" sz="5183"/>
-          </a:p>
-        </p:txBody>
-      </p:sp>
-      <p:sp>
-        <p:nvSpPr>
-          <p:cNvPr id="10" name="Rectangle 9">
-            <a:extLst>
-              <a:ext uri="{FF2B5EF4-FFF2-40B4-BE49-F238E27FC236}">
-                <a16:creationId xmlns:a16="http://schemas.microsoft.com/office/drawing/2014/main" id="{55A0E9A0-910C-45A7-9A00-989B08368859}"/>
-              </a:ext>
-            </a:extLst>
-          </p:cNvPr>
-          <p:cNvSpPr/>
-          <p:nvPr/>
-        </p:nvSpPr>
-        <p:spPr>
-          <a:xfrm>
-            <a:off x="3112143" y="7064012"/>
-            <a:ext cx="1929468" cy="5797884"/>
-          </a:xfrm>
-          <a:prstGeom prst="rect">
-            <a:avLst/>
-          </a:prstGeom>
-          <a:noFill/>
-          <a:ln w="9525">
-            <a:noFill/>
-          </a:ln>
-        </p:spPr>
-        <p:style>
-          <a:lnRef idx="2">
-            <a:schemeClr val="accent1">
-              <a:shade val="50000"/>
-            </a:schemeClr>
-          </a:lnRef>
-          <a:fillRef idx="1">
-            <a:schemeClr val="accent1"/>
-          </a:fillRef>
-          <a:effectRef idx="0">
-            <a:schemeClr val="accent1"/>
-          </a:effectRef>
-          <a:fontRef idx="minor">
-            <a:schemeClr val="lt1"/>
-          </a:fontRef>
-        </p:style>
-        <p:txBody>
-          <a:bodyPr rtlCol="0" anchor="ctr"/>
-          <a:lstStyle/>
-          <a:p>
-            <a:pPr algn="ctr"/>
-            <a:endParaRPr lang="en-US" sz="5183"/>
-          </a:p>
-        </p:txBody>
-      </p:sp>
-      <p:sp>
-        <p:nvSpPr>
-          <p:cNvPr id="5" name="TextBox 4">
-            <a:extLst>
-              <a:ext uri="{FF2B5EF4-FFF2-40B4-BE49-F238E27FC236}">
-                <a16:creationId xmlns:a16="http://schemas.microsoft.com/office/drawing/2014/main" id="{5863CF67-5BD8-4952-AA99-9874F1991F89}"/>
-              </a:ext>
-            </a:extLst>
-          </p:cNvPr>
-          <p:cNvSpPr txBox="1"/>
-          <p:nvPr/>
-        </p:nvSpPr>
-        <p:spPr>
-          <a:xfrm>
-            <a:off x="3338646" y="6381401"/>
-            <a:ext cx="2994869" cy="523220"/>
-          </a:xfrm>
-          <a:prstGeom prst="rect">
-            <a:avLst/>
-          </a:prstGeom>
-          <a:noFill/>
-        </p:spPr>
-        <p:txBody>
-          <a:bodyPr wrap="square" rtlCol="0">
-            <a:spAutoFit/>
-          </a:bodyPr>
-          <a:lstStyle/>
-          <a:p>
-            <a:r>
-              <a:rPr lang="en-US" sz="2800" dirty="0" err="1">
-                <a:latin typeface="Arial Rounded MT Bold" panose="020B0604020202020204" pitchFamily="34" charset="0"/>
-                <a:cs typeface="Aharoni" panose="020B0604020202020204" pitchFamily="2" charset="-79"/>
-              </a:rPr>
-              <a:t>Buskr</a:t>
-            </a:r>
-            <a:endParaRPr lang="en-US" sz="2800" dirty="0">
-              <a:latin typeface="Arial Rounded MT Bold" panose="020B0604020202020204" pitchFamily="34" charset="0"/>
-              <a:cs typeface="Aharoni" panose="020B0604020202020204" pitchFamily="2" charset="-79"/>
-            </a:endParaRPr>
-          </a:p>
-        </p:txBody>
-      </p:sp>
-      <p:sp>
-        <p:nvSpPr>
-          <p:cNvPr id="7" name="TextBox 6">
-            <a:extLst>
-              <a:ext uri="{FF2B5EF4-FFF2-40B4-BE49-F238E27FC236}">
-                <a16:creationId xmlns:a16="http://schemas.microsoft.com/office/drawing/2014/main" id="{B99D6F98-3040-4667-8528-804F5E70CE31}"/>
-              </a:ext>
-            </a:extLst>
-          </p:cNvPr>
-          <p:cNvSpPr txBox="1"/>
-          <p:nvPr/>
-        </p:nvSpPr>
-        <p:spPr>
-          <a:xfrm>
-            <a:off x="10548006" y="6504511"/>
-            <a:ext cx="2453620" cy="276999"/>
-          </a:xfrm>
-          <a:prstGeom prst="rect">
-            <a:avLst/>
-          </a:prstGeom>
-          <a:noFill/>
-        </p:spPr>
-        <p:txBody>
-          <a:bodyPr wrap="square" rtlCol="0">
-            <a:spAutoFit/>
-          </a:bodyPr>
-          <a:lstStyle/>
-          <a:p>
-            <a:pPr algn="ctr"/>
-            <a:r>
-              <a:rPr lang="en-US" sz="1200" dirty="0">
-                <a:latin typeface="Arial Rounded MT Bold" panose="020B0604020202020204" pitchFamily="34" charset="0"/>
-                <a:cs typeface="Aharoni" panose="020B0604020202020204" pitchFamily="2" charset="-79"/>
-              </a:rPr>
-              <a:t>Log Out</a:t>
-            </a:r>
-          </a:p>
-        </p:txBody>
-      </p:sp>
       <p:pic>
         <p:nvPicPr>
-          <p:cNvPr id="1026" name="Picture 2" descr="react-h5-audio-player - npm">
-            <a:extLst>
-              <a:ext uri="{FF2B5EF4-FFF2-40B4-BE49-F238E27FC236}">
-                <a16:creationId xmlns:a16="http://schemas.microsoft.com/office/drawing/2014/main" id="{F28D1163-40F3-4735-8DE0-B33783B63FA1}"/>
+          <p:cNvPr id="80" name="Picture 2" descr="kgo.googleusercontent.com/profile_vrt_raw_bytes...">
+            <a:extLst>
+              <a:ext uri="{FF2B5EF4-FFF2-40B4-BE49-F238E27FC236}">
+                <a16:creationId xmlns:a16="http://schemas.microsoft.com/office/drawing/2014/main" id="{30EE7F99-E7D5-4205-9294-BD262B526CF8}"/>
               </a:ext>
             </a:extLst>
           </p:cNvPr>
@@ -13712,8 +14587,8 @@
         </p:blipFill>
         <p:spPr bwMode="auto">
           <a:xfrm>
-            <a:off x="8066918" y="11951371"/>
-            <a:ext cx="2872472" cy="603219"/>
+            <a:off x="9846842" y="10081252"/>
+            <a:ext cx="457200" cy="451842"/>
           </a:xfrm>
           <a:prstGeom prst="rect">
             <a:avLst/>
@@ -13732,98 +14607,10 @@
       </p:pic>
       <p:sp>
         <p:nvSpPr>
-          <p:cNvPr id="14" name="TextBox 13">
-            <a:extLst>
-              <a:ext uri="{FF2B5EF4-FFF2-40B4-BE49-F238E27FC236}">
-                <a16:creationId xmlns:a16="http://schemas.microsoft.com/office/drawing/2014/main" id="{7A240E62-B66C-4F14-984C-EE8C28D612F4}"/>
-              </a:ext>
-            </a:extLst>
-          </p:cNvPr>
-          <p:cNvSpPr txBox="1"/>
-          <p:nvPr/>
-        </p:nvSpPr>
-        <p:spPr>
-          <a:xfrm>
-            <a:off x="3298481" y="8993031"/>
-            <a:ext cx="1921078" cy="415498"/>
-          </a:xfrm>
-          <a:prstGeom prst="rect">
-            <a:avLst/>
-          </a:prstGeom>
-          <a:noFill/>
-        </p:spPr>
-        <p:txBody>
-          <a:bodyPr wrap="square" rtlCol="0">
-            <a:spAutoFit/>
-          </a:bodyPr>
-          <a:lstStyle/>
-          <a:p>
-            <a:pPr algn="ctr"/>
-            <a:r>
-              <a:rPr lang="en-US" sz="1050" dirty="0">
-                <a:latin typeface="Arial Rounded MT Bold" panose="020B0604020202020204" pitchFamily="34" charset="0"/>
-                <a:cs typeface="Aharoni" panose="020B0604020202020204" pitchFamily="2" charset="-79"/>
-              </a:rPr>
-              <a:t>Red Hot Chili Peppers</a:t>
-            </a:r>
-          </a:p>
-          <a:p>
-            <a:pPr algn="ctr"/>
-            <a:r>
-              <a:rPr lang="en-US" sz="1050" dirty="0">
-                <a:latin typeface="Arial Rounded MT Bold" panose="020B0604020202020204" pitchFamily="34" charset="0"/>
-                <a:cs typeface="Aharoni" panose="020B0604020202020204" pitchFamily="2" charset="-79"/>
-              </a:rPr>
-              <a:t>Austin, TX</a:t>
-            </a:r>
-          </a:p>
-        </p:txBody>
-      </p:sp>
-      <p:sp>
-        <p:nvSpPr>
-          <p:cNvPr id="18" name="TextBox 17">
-            <a:extLst>
-              <a:ext uri="{FF2B5EF4-FFF2-40B4-BE49-F238E27FC236}">
-                <a16:creationId xmlns:a16="http://schemas.microsoft.com/office/drawing/2014/main" id="{B6B3868A-A876-4E9B-95C3-8AE8E8B3B2AF}"/>
-              </a:ext>
-            </a:extLst>
-          </p:cNvPr>
-          <p:cNvSpPr txBox="1"/>
-          <p:nvPr/>
-        </p:nvSpPr>
-        <p:spPr>
-          <a:xfrm>
-            <a:off x="1085851" y="6151277"/>
-            <a:ext cx="2009513" cy="954107"/>
-          </a:xfrm>
-          <a:prstGeom prst="rect">
-            <a:avLst/>
-          </a:prstGeom>
-          <a:noFill/>
-        </p:spPr>
-        <p:txBody>
-          <a:bodyPr wrap="square" rtlCol="0">
-            <a:spAutoFit/>
-          </a:bodyPr>
-          <a:lstStyle/>
-          <a:p>
-            <a:pPr algn="ctr"/>
-            <a:r>
-              <a:rPr lang="en-US" sz="2800" dirty="0">
-                <a:latin typeface="Arial Rounded MT Bold" panose="020B0604020202020204" pitchFamily="34" charset="0"/>
-                <a:cs typeface="Aharoni" panose="020B0604020202020204" pitchFamily="2" charset="-79"/>
-              </a:rPr>
-              <a:t>Large Format</a:t>
-            </a:r>
-          </a:p>
-        </p:txBody>
-      </p:sp>
-      <p:sp>
-        <p:nvSpPr>
-          <p:cNvPr id="58" name="Rectangle 57">
-            <a:extLst>
-              <a:ext uri="{FF2B5EF4-FFF2-40B4-BE49-F238E27FC236}">
-                <a16:creationId xmlns:a16="http://schemas.microsoft.com/office/drawing/2014/main" id="{C05DA291-B37D-41B5-9233-CC224986C73B}"/>
+          <p:cNvPr id="72" name="Rectangle 71">
+            <a:extLst>
+              <a:ext uri="{FF2B5EF4-FFF2-40B4-BE49-F238E27FC236}">
+                <a16:creationId xmlns:a16="http://schemas.microsoft.com/office/drawing/2014/main" id="{DD69C602-D2AA-479D-9732-0BFE084C5BF2}"/>
               </a:ext>
             </a:extLst>
           </p:cNvPr>
@@ -13832,7 +14619,161 @@
         </p:nvSpPr>
         <p:spPr>
           <a:xfrm>
-            <a:off x="7602728" y="14724477"/>
+            <a:off x="9646291" y="6761157"/>
+            <a:ext cx="2134648" cy="4800971"/>
+          </a:xfrm>
+          <a:prstGeom prst="rect">
+            <a:avLst/>
+          </a:prstGeom>
+          <a:noFill/>
+          <a:ln>
+            <a:noFill/>
+          </a:ln>
+        </p:spPr>
+        <p:style>
+          <a:lnRef idx="2">
+            <a:schemeClr val="accent1">
+              <a:shade val="50000"/>
+            </a:schemeClr>
+          </a:lnRef>
+          <a:fillRef idx="1">
+            <a:schemeClr val="accent1"/>
+          </a:fillRef>
+          <a:effectRef idx="0">
+            <a:schemeClr val="accent1"/>
+          </a:effectRef>
+          <a:fontRef idx="minor">
+            <a:schemeClr val="lt1"/>
+          </a:fontRef>
+        </p:style>
+        <p:txBody>
+          <a:bodyPr rtlCol="0" anchor="ctr"/>
+          <a:lstStyle/>
+          <a:p>
+            <a:pPr algn="ctr"/>
+            <a:endParaRPr lang="en-US" sz="5183"/>
+          </a:p>
+        </p:txBody>
+      </p:sp>
+      <p:sp>
+        <p:nvSpPr>
+          <p:cNvPr id="70" name="Rectangle 69">
+            <a:extLst>
+              <a:ext uri="{FF2B5EF4-FFF2-40B4-BE49-F238E27FC236}">
+                <a16:creationId xmlns:a16="http://schemas.microsoft.com/office/drawing/2014/main" id="{40D7BEB8-D715-436F-8DAC-294CF37782C2}"/>
+              </a:ext>
+            </a:extLst>
+          </p:cNvPr>
+          <p:cNvSpPr/>
+          <p:nvPr/>
+        </p:nvSpPr>
+        <p:spPr>
+          <a:xfrm>
+            <a:off x="9635605" y="11553739"/>
+            <a:ext cx="9982898" cy="907489"/>
+          </a:xfrm>
+          <a:prstGeom prst="rect">
+            <a:avLst/>
+          </a:prstGeom>
+          <a:solidFill>
+            <a:schemeClr val="bg1">
+              <a:lumMod val="85000"/>
+            </a:schemeClr>
+          </a:solidFill>
+          <a:ln>
+            <a:noFill/>
+          </a:ln>
+        </p:spPr>
+        <p:style>
+          <a:lnRef idx="2">
+            <a:schemeClr val="accent1">
+              <a:shade val="50000"/>
+            </a:schemeClr>
+          </a:lnRef>
+          <a:fillRef idx="1">
+            <a:schemeClr val="accent1"/>
+          </a:fillRef>
+          <a:effectRef idx="0">
+            <a:schemeClr val="accent1"/>
+          </a:effectRef>
+          <a:fontRef idx="minor">
+            <a:schemeClr val="lt1"/>
+          </a:fontRef>
+        </p:style>
+        <p:txBody>
+          <a:bodyPr rtlCol="0" anchor="ctr"/>
+          <a:lstStyle/>
+          <a:p>
+            <a:pPr algn="ctr"/>
+            <a:endParaRPr lang="en-US" sz="5183"/>
+          </a:p>
+        </p:txBody>
+      </p:sp>
+      <p:sp>
+        <p:nvSpPr>
+          <p:cNvPr id="68" name="Rectangle 67">
+            <a:extLst>
+              <a:ext uri="{FF2B5EF4-FFF2-40B4-BE49-F238E27FC236}">
+                <a16:creationId xmlns:a16="http://schemas.microsoft.com/office/drawing/2014/main" id="{DC011AC1-1F24-4577-8C98-BEF9F9BD21B5}"/>
+              </a:ext>
+            </a:extLst>
+          </p:cNvPr>
+          <p:cNvSpPr/>
+          <p:nvPr/>
+        </p:nvSpPr>
+        <p:spPr>
+          <a:xfrm>
+            <a:off x="9646293" y="5840836"/>
+            <a:ext cx="9982898" cy="931178"/>
+          </a:xfrm>
+          <a:prstGeom prst="rect">
+            <a:avLst/>
+          </a:prstGeom>
+          <a:noFill/>
+          <a:ln>
+            <a:noFill/>
+          </a:ln>
+        </p:spPr>
+        <p:style>
+          <a:lnRef idx="2">
+            <a:schemeClr val="accent1">
+              <a:shade val="50000"/>
+            </a:schemeClr>
+          </a:lnRef>
+          <a:fillRef idx="1">
+            <a:schemeClr val="accent1"/>
+          </a:fillRef>
+          <a:effectRef idx="0">
+            <a:schemeClr val="accent1"/>
+          </a:effectRef>
+          <a:fontRef idx="minor">
+            <a:schemeClr val="lt1"/>
+          </a:fontRef>
+        </p:style>
+        <p:txBody>
+          <a:bodyPr rtlCol="0" anchor="ctr"/>
+          <a:lstStyle/>
+          <a:p>
+            <a:pPr algn="ctr"/>
+            <a:endParaRPr lang="en-US" sz="5183"/>
+          </a:p>
+        </p:txBody>
+      </p:sp>
+      <p:sp>
+        <p:nvSpPr>
+          <p:cNvPr id="12" name="Rectangle 11">
+            <a:extLst>
+              <a:ext uri="{FF2B5EF4-FFF2-40B4-BE49-F238E27FC236}">
+                <a16:creationId xmlns:a16="http://schemas.microsoft.com/office/drawing/2014/main" id="{1E03F97F-6009-445D-B362-E087A082E093}"/>
+              </a:ext>
+            </a:extLst>
+          </p:cNvPr>
+          <p:cNvSpPr/>
+          <p:nvPr/>
+        </p:nvSpPr>
+        <p:spPr>
+          <a:xfrm>
+            <a:off x="10057353" y="7085125"/>
             <a:ext cx="1325461" cy="261610"/>
           </a:xfrm>
           <a:prstGeom prst="rect">
@@ -13874,10 +14815,162 @@
       </p:sp>
       <p:sp>
         <p:nvSpPr>
-          <p:cNvPr id="60" name="TextBox 59">
-            <a:extLst>
-              <a:ext uri="{FF2B5EF4-FFF2-40B4-BE49-F238E27FC236}">
-                <a16:creationId xmlns:a16="http://schemas.microsoft.com/office/drawing/2014/main" id="{B7893FE4-ED9B-4B0E-A724-E68A9388EA9E}"/>
+          <p:cNvPr id="22" name="Rectangle 21">
+            <a:extLst>
+              <a:ext uri="{FF2B5EF4-FFF2-40B4-BE49-F238E27FC236}">
+                <a16:creationId xmlns:a16="http://schemas.microsoft.com/office/drawing/2014/main" id="{EE9300C5-95F6-458E-94A4-3C5069852AAC}"/>
+              </a:ext>
+            </a:extLst>
+          </p:cNvPr>
+          <p:cNvSpPr/>
+          <p:nvPr/>
+        </p:nvSpPr>
+        <p:spPr>
+          <a:xfrm>
+            <a:off x="9627216" y="11744327"/>
+            <a:ext cx="9982899" cy="733757"/>
+          </a:xfrm>
+          <a:prstGeom prst="rect">
+            <a:avLst/>
+          </a:prstGeom>
+          <a:noFill/>
+          <a:ln w="9525">
+            <a:noFill/>
+          </a:ln>
+        </p:spPr>
+        <p:style>
+          <a:lnRef idx="2">
+            <a:schemeClr val="accent1">
+              <a:shade val="50000"/>
+            </a:schemeClr>
+          </a:lnRef>
+          <a:fillRef idx="1">
+            <a:schemeClr val="accent1"/>
+          </a:fillRef>
+          <a:effectRef idx="0">
+            <a:schemeClr val="accent1"/>
+          </a:effectRef>
+          <a:fontRef idx="minor">
+            <a:schemeClr val="lt1"/>
+          </a:fontRef>
+        </p:style>
+        <p:txBody>
+          <a:bodyPr rtlCol="0" anchor="ctr"/>
+          <a:lstStyle/>
+          <a:p>
+            <a:pPr algn="ctr"/>
+            <a:endParaRPr lang="en-US" sz="5183"/>
+          </a:p>
+        </p:txBody>
+      </p:sp>
+      <p:sp>
+        <p:nvSpPr>
+          <p:cNvPr id="10" name="Rectangle 9">
+            <a:extLst>
+              <a:ext uri="{FF2B5EF4-FFF2-40B4-BE49-F238E27FC236}">
+                <a16:creationId xmlns:a16="http://schemas.microsoft.com/office/drawing/2014/main" id="{55A0E9A0-910C-45A7-9A00-989B08368859}"/>
+              </a:ext>
+            </a:extLst>
+          </p:cNvPr>
+          <p:cNvSpPr/>
+          <p:nvPr/>
+        </p:nvSpPr>
+        <p:spPr>
+          <a:xfrm>
+            <a:off x="9646293" y="6663962"/>
+            <a:ext cx="1929468" cy="5797884"/>
+          </a:xfrm>
+          <a:prstGeom prst="rect">
+            <a:avLst/>
+          </a:prstGeom>
+          <a:noFill/>
+          <a:ln w="9525">
+            <a:noFill/>
+          </a:ln>
+        </p:spPr>
+        <p:style>
+          <a:lnRef idx="2">
+            <a:schemeClr val="accent1">
+              <a:shade val="50000"/>
+            </a:schemeClr>
+          </a:lnRef>
+          <a:fillRef idx="1">
+            <a:schemeClr val="accent1"/>
+          </a:fillRef>
+          <a:effectRef idx="0">
+            <a:schemeClr val="accent1"/>
+          </a:effectRef>
+          <a:fontRef idx="minor">
+            <a:schemeClr val="lt1"/>
+          </a:fontRef>
+        </p:style>
+        <p:txBody>
+          <a:bodyPr rtlCol="0" anchor="ctr"/>
+          <a:lstStyle/>
+          <a:p>
+            <a:pPr algn="ctr"/>
+            <a:endParaRPr lang="en-US" sz="5183"/>
+          </a:p>
+        </p:txBody>
+      </p:sp>
+      <p:sp>
+        <p:nvSpPr>
+          <p:cNvPr id="4" name="Rectangle 3">
+            <a:extLst>
+              <a:ext uri="{FF2B5EF4-FFF2-40B4-BE49-F238E27FC236}">
+                <a16:creationId xmlns:a16="http://schemas.microsoft.com/office/drawing/2014/main" id="{0FD36C3D-DE2E-4402-B027-EC511F59CF55}"/>
+              </a:ext>
+            </a:extLst>
+          </p:cNvPr>
+          <p:cNvSpPr/>
+          <p:nvPr/>
+        </p:nvSpPr>
+        <p:spPr>
+          <a:xfrm>
+            <a:off x="9629515" y="5821961"/>
+            <a:ext cx="9982899" cy="6644081"/>
+          </a:xfrm>
+          <a:prstGeom prst="rect">
+            <a:avLst/>
+          </a:prstGeom>
+          <a:noFill/>
+          <a:ln w="28575">
+            <a:solidFill>
+              <a:schemeClr val="tx1"/>
+            </a:solidFill>
+          </a:ln>
+        </p:spPr>
+        <p:style>
+          <a:lnRef idx="2">
+            <a:schemeClr val="accent1">
+              <a:shade val="50000"/>
+            </a:schemeClr>
+          </a:lnRef>
+          <a:fillRef idx="1">
+            <a:schemeClr val="accent1"/>
+          </a:fillRef>
+          <a:effectRef idx="0">
+            <a:schemeClr val="accent1"/>
+          </a:effectRef>
+          <a:fontRef idx="minor">
+            <a:schemeClr val="lt1"/>
+          </a:fontRef>
+        </p:style>
+        <p:txBody>
+          <a:bodyPr rtlCol="0" anchor="ctr"/>
+          <a:lstStyle/>
+          <a:p>
+            <a:pPr algn="ctr"/>
+            <a:endParaRPr lang="en-US" sz="5183"/>
+          </a:p>
+        </p:txBody>
+      </p:sp>
+      <p:sp>
+        <p:nvSpPr>
+          <p:cNvPr id="5" name="TextBox 4">
+            <a:extLst>
+              <a:ext uri="{FF2B5EF4-FFF2-40B4-BE49-F238E27FC236}">
+                <a16:creationId xmlns:a16="http://schemas.microsoft.com/office/drawing/2014/main" id="{5863CF67-5BD8-4952-AA99-9874F1991F89}"/>
               </a:ext>
             </a:extLst>
           </p:cNvPr>
@@ -13886,7 +14979,88 @@
         </p:nvSpPr>
         <p:spPr>
           <a:xfrm>
-            <a:off x="7615311" y="14743762"/>
+            <a:off x="9872796" y="5981351"/>
+            <a:ext cx="2994869" cy="523220"/>
+          </a:xfrm>
+          <a:prstGeom prst="rect">
+            <a:avLst/>
+          </a:prstGeom>
+          <a:noFill/>
+        </p:spPr>
+        <p:txBody>
+          <a:bodyPr wrap="square" rtlCol="0">
+            <a:spAutoFit/>
+          </a:bodyPr>
+          <a:lstStyle/>
+          <a:p>
+            <a:r>
+              <a:rPr lang="en-US" sz="2800" dirty="0" err="1">
+                <a:latin typeface="Arial Rounded MT Bold" panose="020B0604020202020204" pitchFamily="34" charset="0"/>
+                <a:cs typeface="Aharoni" panose="020B0604020202020204" pitchFamily="2" charset="-79"/>
+              </a:rPr>
+              <a:t>Buskr</a:t>
+            </a:r>
+            <a:endParaRPr lang="en-US" sz="2800" dirty="0">
+              <a:latin typeface="Arial Rounded MT Bold" panose="020B0604020202020204" pitchFamily="34" charset="0"/>
+              <a:cs typeface="Aharoni" panose="020B0604020202020204" pitchFamily="2" charset="-79"/>
+            </a:endParaRPr>
+          </a:p>
+        </p:txBody>
+      </p:sp>
+      <p:sp>
+        <p:nvSpPr>
+          <p:cNvPr id="7" name="TextBox 6">
+            <a:extLst>
+              <a:ext uri="{FF2B5EF4-FFF2-40B4-BE49-F238E27FC236}">
+                <a16:creationId xmlns:a16="http://schemas.microsoft.com/office/drawing/2014/main" id="{B99D6F98-3040-4667-8528-804F5E70CE31}"/>
+              </a:ext>
+            </a:extLst>
+          </p:cNvPr>
+          <p:cNvSpPr txBox="1"/>
+          <p:nvPr/>
+        </p:nvSpPr>
+        <p:spPr>
+          <a:xfrm>
+            <a:off x="17082156" y="6104461"/>
+            <a:ext cx="2453620" cy="276999"/>
+          </a:xfrm>
+          <a:prstGeom prst="rect">
+            <a:avLst/>
+          </a:prstGeom>
+          <a:noFill/>
+        </p:spPr>
+        <p:txBody>
+          <a:bodyPr wrap="square" rtlCol="0">
+            <a:spAutoFit/>
+          </a:bodyPr>
+          <a:lstStyle/>
+          <a:p>
+            <a:pPr algn="ctr"/>
+            <a:r>
+              <a:rPr lang="en-US" sz="1200" dirty="0">
+                <a:latin typeface="Arial Rounded MT Bold" panose="020B0604020202020204" pitchFamily="34" charset="0"/>
+                <a:cs typeface="Aharoni" panose="020B0604020202020204" pitchFamily="2" charset="-79"/>
+              </a:rPr>
+              <a:t>Sign Up  |  Log In | View Cart</a:t>
+            </a:r>
+          </a:p>
+        </p:txBody>
+      </p:sp>
+      <p:sp>
+        <p:nvSpPr>
+          <p:cNvPr id="9" name="TextBox 8">
+            <a:extLst>
+              <a:ext uri="{FF2B5EF4-FFF2-40B4-BE49-F238E27FC236}">
+                <a16:creationId xmlns:a16="http://schemas.microsoft.com/office/drawing/2014/main" id="{FB0B49F0-F147-4819-A9A9-47B18B52E8BC}"/>
+              </a:ext>
+            </a:extLst>
+          </p:cNvPr>
+          <p:cNvSpPr txBox="1"/>
+          <p:nvPr/>
+        </p:nvSpPr>
+        <p:spPr>
+          <a:xfrm>
+            <a:off x="10078589" y="7106348"/>
             <a:ext cx="1325461" cy="215444"/>
           </a:xfrm>
           <a:prstGeom prst="rect">
@@ -13906,17 +15080,17 @@
                 <a:latin typeface="Arial Rounded MT Bold" panose="020B0604020202020204" pitchFamily="34" charset="0"/>
                 <a:cs typeface="Aharoni" panose="020B0604020202020204" pitchFamily="2" charset="-79"/>
               </a:rPr>
-              <a:t>Search artist by city</a:t>
+              <a:t>Search artist by name</a:t>
             </a:r>
           </a:p>
         </p:txBody>
       </p:sp>
       <p:pic>
         <p:nvPicPr>
-          <p:cNvPr id="62" name="Picture 2" descr="kgo.googleusercontent.com/profile_vrt_raw_bytes...">
-            <a:extLst>
-              <a:ext uri="{FF2B5EF4-FFF2-40B4-BE49-F238E27FC236}">
-                <a16:creationId xmlns:a16="http://schemas.microsoft.com/office/drawing/2014/main" id="{3FC478D1-2EBA-4FC6-AA72-433D7661957C}"/>
+          <p:cNvPr id="1026" name="Picture 2" descr="react-h5-audio-player - npm">
+            <a:extLst>
+              <a:ext uri="{FF2B5EF4-FFF2-40B4-BE49-F238E27FC236}">
+                <a16:creationId xmlns:a16="http://schemas.microsoft.com/office/drawing/2014/main" id="{F28D1163-40F3-4735-8DE0-B33783B63FA1}"/>
               </a:ext>
             </a:extLst>
           </p:cNvPr>
@@ -13940,8 +15114,8 @@
         </p:blipFill>
         <p:spPr bwMode="auto">
           <a:xfrm>
-            <a:off x="3734489" y="7634988"/>
-            <a:ext cx="1069634" cy="1057099"/>
+            <a:off x="14163701" y="11824325"/>
+            <a:ext cx="2491529" cy="523221"/>
           </a:xfrm>
           <a:prstGeom prst="rect">
             <a:avLst/>
@@ -13960,10 +15134,199 @@
       </p:pic>
       <p:sp>
         <p:nvSpPr>
-          <p:cNvPr id="74" name="Rectangle 73">
-            <a:extLst>
-              <a:ext uri="{FF2B5EF4-FFF2-40B4-BE49-F238E27FC236}">
-                <a16:creationId xmlns:a16="http://schemas.microsoft.com/office/drawing/2014/main" id="{E5C6D2A9-CE79-4FFF-8167-BAD7BF345A7B}"/>
+          <p:cNvPr id="14" name="TextBox 13">
+            <a:extLst>
+              <a:ext uri="{FF2B5EF4-FFF2-40B4-BE49-F238E27FC236}">
+                <a16:creationId xmlns:a16="http://schemas.microsoft.com/office/drawing/2014/main" id="{7A240E62-B66C-4F14-984C-EE8C28D612F4}"/>
+              </a:ext>
+            </a:extLst>
+          </p:cNvPr>
+          <p:cNvSpPr txBox="1"/>
+          <p:nvPr/>
+        </p:nvSpPr>
+        <p:spPr>
+          <a:xfrm>
+            <a:off x="9772126" y="8000782"/>
+            <a:ext cx="1921078" cy="253916"/>
+          </a:xfrm>
+          <a:prstGeom prst="rect">
+            <a:avLst/>
+          </a:prstGeom>
+          <a:noFill/>
+        </p:spPr>
+        <p:txBody>
+          <a:bodyPr wrap="square" rtlCol="0">
+            <a:spAutoFit/>
+          </a:bodyPr>
+          <a:lstStyle/>
+          <a:p>
+            <a:pPr algn="ctr"/>
+            <a:r>
+              <a:rPr lang="en-US" sz="1050" dirty="0">
+                <a:latin typeface="Arial Rounded MT Bold" panose="020B0604020202020204" pitchFamily="34" charset="0"/>
+                <a:cs typeface="Aharoni" panose="020B0604020202020204" pitchFamily="2" charset="-79"/>
+              </a:rPr>
+              <a:t>Browse artists by genre:</a:t>
+            </a:r>
+          </a:p>
+        </p:txBody>
+      </p:sp>
+      <p:sp>
+        <p:nvSpPr>
+          <p:cNvPr id="16" name="TextBox 15">
+            <a:extLst>
+              <a:ext uri="{FF2B5EF4-FFF2-40B4-BE49-F238E27FC236}">
+                <a16:creationId xmlns:a16="http://schemas.microsoft.com/office/drawing/2014/main" id="{CAB8703B-53B4-483F-B985-CFF4EF6E3AAF}"/>
+              </a:ext>
+            </a:extLst>
+          </p:cNvPr>
+          <p:cNvSpPr txBox="1"/>
+          <p:nvPr/>
+        </p:nvSpPr>
+        <p:spPr>
+          <a:xfrm>
+            <a:off x="10015409" y="8244370"/>
+            <a:ext cx="1367405" cy="1384995"/>
+          </a:xfrm>
+          <a:prstGeom prst="rect">
+            <a:avLst/>
+          </a:prstGeom>
+          <a:noFill/>
+        </p:spPr>
+        <p:txBody>
+          <a:bodyPr wrap="square" rtlCol="0">
+            <a:spAutoFit/>
+          </a:bodyPr>
+          <a:lstStyle/>
+          <a:p>
+            <a:r>
+              <a:rPr lang="en-US" sz="1050" dirty="0">
+                <a:latin typeface="Arial Rounded MT Bold" panose="020B0604020202020204" pitchFamily="34" charset="0"/>
+                <a:cs typeface="Aharoni" panose="020B0604020202020204" pitchFamily="2" charset="-79"/>
+              </a:rPr>
+              <a:t>Rap</a:t>
+            </a:r>
+          </a:p>
+          <a:p>
+            <a:r>
+              <a:rPr lang="en-US" sz="1050" dirty="0">
+                <a:latin typeface="Arial Rounded MT Bold" panose="020B0604020202020204" pitchFamily="34" charset="0"/>
+                <a:cs typeface="Aharoni" panose="020B0604020202020204" pitchFamily="2" charset="-79"/>
+              </a:rPr>
+              <a:t>Rock</a:t>
+            </a:r>
+          </a:p>
+          <a:p>
+            <a:r>
+              <a:rPr lang="en-US" sz="1050" dirty="0">
+                <a:latin typeface="Arial Rounded MT Bold" panose="020B0604020202020204" pitchFamily="34" charset="0"/>
+                <a:cs typeface="Aharoni" panose="020B0604020202020204" pitchFamily="2" charset="-79"/>
+              </a:rPr>
+              <a:t>Reggae</a:t>
+            </a:r>
+          </a:p>
+          <a:p>
+            <a:r>
+              <a:rPr lang="en-US" sz="1050" dirty="0">
+                <a:latin typeface="Arial Rounded MT Bold" panose="020B0604020202020204" pitchFamily="34" charset="0"/>
+                <a:cs typeface="Aharoni" panose="020B0604020202020204" pitchFamily="2" charset="-79"/>
+              </a:rPr>
+              <a:t>Pop</a:t>
+            </a:r>
+          </a:p>
+          <a:p>
+            <a:r>
+              <a:rPr lang="en-US" sz="1050" dirty="0">
+                <a:latin typeface="Arial Rounded MT Bold" panose="020B0604020202020204" pitchFamily="34" charset="0"/>
+                <a:cs typeface="Aharoni" panose="020B0604020202020204" pitchFamily="2" charset="-79"/>
+              </a:rPr>
+              <a:t>Blues</a:t>
+            </a:r>
+          </a:p>
+          <a:p>
+            <a:r>
+              <a:rPr lang="en-US" sz="1050" dirty="0">
+                <a:latin typeface="Arial Rounded MT Bold" panose="020B0604020202020204" pitchFamily="34" charset="0"/>
+                <a:cs typeface="Aharoni" panose="020B0604020202020204" pitchFamily="2" charset="-79"/>
+              </a:rPr>
+              <a:t>Country</a:t>
+            </a:r>
+          </a:p>
+          <a:p>
+            <a:r>
+              <a:rPr lang="en-US" sz="1050" dirty="0">
+                <a:latin typeface="Arial Rounded MT Bold" panose="020B0604020202020204" pitchFamily="34" charset="0"/>
+                <a:cs typeface="Aharoni" panose="020B0604020202020204" pitchFamily="2" charset="-79"/>
+              </a:rPr>
+              <a:t>Disco </a:t>
+            </a:r>
+          </a:p>
+          <a:p>
+            <a:r>
+              <a:rPr lang="en-US" sz="1050" dirty="0">
+                <a:latin typeface="Arial Rounded MT Bold" panose="020B0604020202020204" pitchFamily="34" charset="0"/>
+                <a:cs typeface="Aharoni" panose="020B0604020202020204" pitchFamily="2" charset="-79"/>
+              </a:rPr>
+              <a:t>Jazz</a:t>
+            </a:r>
+          </a:p>
+        </p:txBody>
+      </p:sp>
+      <p:sp>
+        <p:nvSpPr>
+          <p:cNvPr id="18" name="TextBox 17">
+            <a:extLst>
+              <a:ext uri="{FF2B5EF4-FFF2-40B4-BE49-F238E27FC236}">
+                <a16:creationId xmlns:a16="http://schemas.microsoft.com/office/drawing/2014/main" id="{B6B3868A-A876-4E9B-95C3-8AE8E8B3B2AF}"/>
+              </a:ext>
+            </a:extLst>
+          </p:cNvPr>
+          <p:cNvSpPr txBox="1"/>
+          <p:nvPr/>
+        </p:nvSpPr>
+        <p:spPr>
+          <a:xfrm>
+            <a:off x="7620001" y="5751227"/>
+            <a:ext cx="2009513" cy="1384995"/>
+          </a:xfrm>
+          <a:prstGeom prst="rect">
+            <a:avLst/>
+          </a:prstGeom>
+          <a:noFill/>
+        </p:spPr>
+        <p:txBody>
+          <a:bodyPr wrap="square" rtlCol="0">
+            <a:spAutoFit/>
+          </a:bodyPr>
+          <a:lstStyle/>
+          <a:p>
+            <a:pPr algn="ctr"/>
+            <a:r>
+              <a:rPr lang="en-US" sz="2800" dirty="0">
+                <a:latin typeface="Arial Rounded MT Bold" panose="020B0604020202020204" pitchFamily="34" charset="0"/>
+                <a:cs typeface="Aharoni" panose="020B0604020202020204" pitchFamily="2" charset="-79"/>
+              </a:rPr>
+              <a:t>Large Format</a:t>
+            </a:r>
+          </a:p>
+          <a:p>
+            <a:pPr algn="ctr"/>
+            <a:r>
+              <a:rPr lang="en-US" sz="2800" dirty="0">
+                <a:latin typeface="Arial Rounded MT Bold" panose="020B0604020202020204" pitchFamily="34" charset="0"/>
+                <a:cs typeface="Aharoni" panose="020B0604020202020204" pitchFamily="2" charset="-79"/>
+              </a:rPr>
+              <a:t>(addons)</a:t>
+            </a:r>
+          </a:p>
+        </p:txBody>
+      </p:sp>
+      <p:sp>
+        <p:nvSpPr>
+          <p:cNvPr id="20" name="Rectangle 19">
+            <a:extLst>
+              <a:ext uri="{FF2B5EF4-FFF2-40B4-BE49-F238E27FC236}">
+                <a16:creationId xmlns:a16="http://schemas.microsoft.com/office/drawing/2014/main" id="{917475EE-F5BE-4528-8363-7ED9A78C4CAB}"/>
               </a:ext>
             </a:extLst>
           </p:cNvPr>
@@ -13972,15 +15335,17 @@
         </p:nvSpPr>
         <p:spPr>
           <a:xfrm>
-            <a:off x="11773424" y="7158131"/>
-            <a:ext cx="1309799" cy="4800971"/>
-          </a:xfrm>
-          <a:prstGeom prst="rect">
-            <a:avLst/>
-          </a:prstGeom>
-          <a:noFill/>
-          <a:ln>
-            <a:noFill/>
+            <a:off x="12316437" y="7246266"/>
+            <a:ext cx="1143000" cy="1143000"/>
+          </a:xfrm>
+          <a:prstGeom prst="rect">
+            <a:avLst/>
+          </a:prstGeom>
+          <a:noFill/>
+          <a:ln w="9525">
+            <a:solidFill>
+              <a:schemeClr val="tx1"/>
+            </a:solidFill>
           </a:ln>
         </p:spPr>
         <p:style>
@@ -14010,10 +15375,636 @@
       </p:sp>
       <p:sp>
         <p:nvSpPr>
-          <p:cNvPr id="1033" name="TextBox 1032">
-            <a:extLst>
-              <a:ext uri="{FF2B5EF4-FFF2-40B4-BE49-F238E27FC236}">
-                <a16:creationId xmlns:a16="http://schemas.microsoft.com/office/drawing/2014/main" id="{F460A77B-3575-4F49-B9AD-7A864086953B}"/>
+          <p:cNvPr id="24" name="Rectangle 23">
+            <a:extLst>
+              <a:ext uri="{FF2B5EF4-FFF2-40B4-BE49-F238E27FC236}">
+                <a16:creationId xmlns:a16="http://schemas.microsoft.com/office/drawing/2014/main" id="{81C18D17-81FD-4679-8573-B1FB027D7BF0}"/>
+              </a:ext>
+            </a:extLst>
+          </p:cNvPr>
+          <p:cNvSpPr/>
+          <p:nvPr/>
+        </p:nvSpPr>
+        <p:spPr>
+          <a:xfrm>
+            <a:off x="13764769" y="7246266"/>
+            <a:ext cx="1143000" cy="1143000"/>
+          </a:xfrm>
+          <a:prstGeom prst="rect">
+            <a:avLst/>
+          </a:prstGeom>
+          <a:noFill/>
+          <a:ln w="9525">
+            <a:solidFill>
+              <a:schemeClr val="tx1"/>
+            </a:solidFill>
+          </a:ln>
+        </p:spPr>
+        <p:style>
+          <a:lnRef idx="2">
+            <a:schemeClr val="accent1">
+              <a:shade val="50000"/>
+            </a:schemeClr>
+          </a:lnRef>
+          <a:fillRef idx="1">
+            <a:schemeClr val="accent1"/>
+          </a:fillRef>
+          <a:effectRef idx="0">
+            <a:schemeClr val="accent1"/>
+          </a:effectRef>
+          <a:fontRef idx="minor">
+            <a:schemeClr val="lt1"/>
+          </a:fontRef>
+        </p:style>
+        <p:txBody>
+          <a:bodyPr rtlCol="0" anchor="ctr"/>
+          <a:lstStyle/>
+          <a:p>
+            <a:pPr algn="ctr"/>
+            <a:endParaRPr lang="en-US" sz="5183"/>
+          </a:p>
+        </p:txBody>
+      </p:sp>
+      <p:sp>
+        <p:nvSpPr>
+          <p:cNvPr id="26" name="Rectangle 25">
+            <a:extLst>
+              <a:ext uri="{FF2B5EF4-FFF2-40B4-BE49-F238E27FC236}">
+                <a16:creationId xmlns:a16="http://schemas.microsoft.com/office/drawing/2014/main" id="{ADD1D5D9-4B2E-4744-9F42-6AC52A7C3CDF}"/>
+              </a:ext>
+            </a:extLst>
+          </p:cNvPr>
+          <p:cNvSpPr/>
+          <p:nvPr/>
+        </p:nvSpPr>
+        <p:spPr>
+          <a:xfrm>
+            <a:off x="15213101" y="7246266"/>
+            <a:ext cx="1143000" cy="1143000"/>
+          </a:xfrm>
+          <a:prstGeom prst="rect">
+            <a:avLst/>
+          </a:prstGeom>
+          <a:noFill/>
+          <a:ln w="9525">
+            <a:solidFill>
+              <a:schemeClr val="tx1"/>
+            </a:solidFill>
+          </a:ln>
+        </p:spPr>
+        <p:style>
+          <a:lnRef idx="2">
+            <a:schemeClr val="accent1">
+              <a:shade val="50000"/>
+            </a:schemeClr>
+          </a:lnRef>
+          <a:fillRef idx="1">
+            <a:schemeClr val="accent1"/>
+          </a:fillRef>
+          <a:effectRef idx="0">
+            <a:schemeClr val="accent1"/>
+          </a:effectRef>
+          <a:fontRef idx="minor">
+            <a:schemeClr val="lt1"/>
+          </a:fontRef>
+        </p:style>
+        <p:txBody>
+          <a:bodyPr rtlCol="0" anchor="ctr"/>
+          <a:lstStyle/>
+          <a:p>
+            <a:pPr algn="ctr"/>
+            <a:endParaRPr lang="en-US" sz="5183"/>
+          </a:p>
+        </p:txBody>
+      </p:sp>
+      <p:sp>
+        <p:nvSpPr>
+          <p:cNvPr id="28" name="Rectangle 27">
+            <a:extLst>
+              <a:ext uri="{FF2B5EF4-FFF2-40B4-BE49-F238E27FC236}">
+                <a16:creationId xmlns:a16="http://schemas.microsoft.com/office/drawing/2014/main" id="{2A0A193A-5157-418E-8445-BA90221772FE}"/>
+              </a:ext>
+            </a:extLst>
+          </p:cNvPr>
+          <p:cNvSpPr/>
+          <p:nvPr/>
+        </p:nvSpPr>
+        <p:spPr>
+          <a:xfrm>
+            <a:off x="16661433" y="7240493"/>
+            <a:ext cx="1143000" cy="1143000"/>
+          </a:xfrm>
+          <a:prstGeom prst="rect">
+            <a:avLst/>
+          </a:prstGeom>
+          <a:noFill/>
+          <a:ln w="9525">
+            <a:solidFill>
+              <a:schemeClr val="tx1"/>
+            </a:solidFill>
+          </a:ln>
+        </p:spPr>
+        <p:style>
+          <a:lnRef idx="2">
+            <a:schemeClr val="accent1">
+              <a:shade val="50000"/>
+            </a:schemeClr>
+          </a:lnRef>
+          <a:fillRef idx="1">
+            <a:schemeClr val="accent1"/>
+          </a:fillRef>
+          <a:effectRef idx="0">
+            <a:schemeClr val="accent1"/>
+          </a:effectRef>
+          <a:fontRef idx="minor">
+            <a:schemeClr val="lt1"/>
+          </a:fontRef>
+        </p:style>
+        <p:txBody>
+          <a:bodyPr rtlCol="0" anchor="ctr"/>
+          <a:lstStyle/>
+          <a:p>
+            <a:pPr algn="ctr"/>
+            <a:endParaRPr lang="en-US" sz="5183"/>
+          </a:p>
+        </p:txBody>
+      </p:sp>
+      <p:sp>
+        <p:nvSpPr>
+          <p:cNvPr id="32" name="Rectangle 31">
+            <a:extLst>
+              <a:ext uri="{FF2B5EF4-FFF2-40B4-BE49-F238E27FC236}">
+                <a16:creationId xmlns:a16="http://schemas.microsoft.com/office/drawing/2014/main" id="{A1926FCE-A577-46C2-80BF-D645139508C9}"/>
+              </a:ext>
+            </a:extLst>
+          </p:cNvPr>
+          <p:cNvSpPr/>
+          <p:nvPr/>
+        </p:nvSpPr>
+        <p:spPr>
+          <a:xfrm>
+            <a:off x="12316437" y="8567751"/>
+            <a:ext cx="1143000" cy="1143000"/>
+          </a:xfrm>
+          <a:prstGeom prst="rect">
+            <a:avLst/>
+          </a:prstGeom>
+          <a:noFill/>
+          <a:ln w="9525">
+            <a:solidFill>
+              <a:schemeClr val="tx1"/>
+            </a:solidFill>
+          </a:ln>
+        </p:spPr>
+        <p:style>
+          <a:lnRef idx="2">
+            <a:schemeClr val="accent1">
+              <a:shade val="50000"/>
+            </a:schemeClr>
+          </a:lnRef>
+          <a:fillRef idx="1">
+            <a:schemeClr val="accent1"/>
+          </a:fillRef>
+          <a:effectRef idx="0">
+            <a:schemeClr val="accent1"/>
+          </a:effectRef>
+          <a:fontRef idx="minor">
+            <a:schemeClr val="lt1"/>
+          </a:fontRef>
+        </p:style>
+        <p:txBody>
+          <a:bodyPr rtlCol="0" anchor="ctr"/>
+          <a:lstStyle/>
+          <a:p>
+            <a:pPr algn="ctr"/>
+            <a:endParaRPr lang="en-US" sz="5183"/>
+          </a:p>
+        </p:txBody>
+      </p:sp>
+      <p:sp>
+        <p:nvSpPr>
+          <p:cNvPr id="34" name="Rectangle 33">
+            <a:extLst>
+              <a:ext uri="{FF2B5EF4-FFF2-40B4-BE49-F238E27FC236}">
+                <a16:creationId xmlns:a16="http://schemas.microsoft.com/office/drawing/2014/main" id="{3663313E-6E9F-4C88-BFA5-95B1ACB4CA89}"/>
+              </a:ext>
+            </a:extLst>
+          </p:cNvPr>
+          <p:cNvSpPr/>
+          <p:nvPr/>
+        </p:nvSpPr>
+        <p:spPr>
+          <a:xfrm>
+            <a:off x="13764769" y="8567751"/>
+            <a:ext cx="1143000" cy="1143000"/>
+          </a:xfrm>
+          <a:prstGeom prst="rect">
+            <a:avLst/>
+          </a:prstGeom>
+          <a:noFill/>
+          <a:ln w="9525">
+            <a:solidFill>
+              <a:schemeClr val="tx1"/>
+            </a:solidFill>
+          </a:ln>
+        </p:spPr>
+        <p:style>
+          <a:lnRef idx="2">
+            <a:schemeClr val="accent1">
+              <a:shade val="50000"/>
+            </a:schemeClr>
+          </a:lnRef>
+          <a:fillRef idx="1">
+            <a:schemeClr val="accent1"/>
+          </a:fillRef>
+          <a:effectRef idx="0">
+            <a:schemeClr val="accent1"/>
+          </a:effectRef>
+          <a:fontRef idx="minor">
+            <a:schemeClr val="lt1"/>
+          </a:fontRef>
+        </p:style>
+        <p:txBody>
+          <a:bodyPr rtlCol="0" anchor="ctr"/>
+          <a:lstStyle/>
+          <a:p>
+            <a:pPr algn="ctr"/>
+            <a:endParaRPr lang="en-US" sz="5183"/>
+          </a:p>
+        </p:txBody>
+      </p:sp>
+      <p:sp>
+        <p:nvSpPr>
+          <p:cNvPr id="36" name="Rectangle 35">
+            <a:extLst>
+              <a:ext uri="{FF2B5EF4-FFF2-40B4-BE49-F238E27FC236}">
+                <a16:creationId xmlns:a16="http://schemas.microsoft.com/office/drawing/2014/main" id="{4DC583F6-5E61-438A-B873-1602043F5FF3}"/>
+              </a:ext>
+            </a:extLst>
+          </p:cNvPr>
+          <p:cNvSpPr/>
+          <p:nvPr/>
+        </p:nvSpPr>
+        <p:spPr>
+          <a:xfrm>
+            <a:off x="15213101" y="8567751"/>
+            <a:ext cx="1143000" cy="1143000"/>
+          </a:xfrm>
+          <a:prstGeom prst="rect">
+            <a:avLst/>
+          </a:prstGeom>
+          <a:noFill/>
+          <a:ln w="9525">
+            <a:solidFill>
+              <a:schemeClr val="tx1"/>
+            </a:solidFill>
+          </a:ln>
+        </p:spPr>
+        <p:style>
+          <a:lnRef idx="2">
+            <a:schemeClr val="accent1">
+              <a:shade val="50000"/>
+            </a:schemeClr>
+          </a:lnRef>
+          <a:fillRef idx="1">
+            <a:schemeClr val="accent1"/>
+          </a:fillRef>
+          <a:effectRef idx="0">
+            <a:schemeClr val="accent1"/>
+          </a:effectRef>
+          <a:fontRef idx="minor">
+            <a:schemeClr val="lt1"/>
+          </a:fontRef>
+        </p:style>
+        <p:txBody>
+          <a:bodyPr rtlCol="0" anchor="ctr"/>
+          <a:lstStyle/>
+          <a:p>
+            <a:pPr algn="ctr"/>
+            <a:endParaRPr lang="en-US" sz="5183"/>
+          </a:p>
+        </p:txBody>
+      </p:sp>
+      <p:sp>
+        <p:nvSpPr>
+          <p:cNvPr id="38" name="Rectangle 37">
+            <a:extLst>
+              <a:ext uri="{FF2B5EF4-FFF2-40B4-BE49-F238E27FC236}">
+                <a16:creationId xmlns:a16="http://schemas.microsoft.com/office/drawing/2014/main" id="{2A56CFFA-4796-4774-BED0-5332F0CEEF99}"/>
+              </a:ext>
+            </a:extLst>
+          </p:cNvPr>
+          <p:cNvSpPr/>
+          <p:nvPr/>
+        </p:nvSpPr>
+        <p:spPr>
+          <a:xfrm>
+            <a:off x="16661433" y="8561978"/>
+            <a:ext cx="1143000" cy="1143000"/>
+          </a:xfrm>
+          <a:prstGeom prst="rect">
+            <a:avLst/>
+          </a:prstGeom>
+          <a:noFill/>
+          <a:ln w="9525">
+            <a:solidFill>
+              <a:schemeClr val="tx1"/>
+            </a:solidFill>
+          </a:ln>
+        </p:spPr>
+        <p:style>
+          <a:lnRef idx="2">
+            <a:schemeClr val="accent1">
+              <a:shade val="50000"/>
+            </a:schemeClr>
+          </a:lnRef>
+          <a:fillRef idx="1">
+            <a:schemeClr val="accent1"/>
+          </a:fillRef>
+          <a:effectRef idx="0">
+            <a:schemeClr val="accent1"/>
+          </a:effectRef>
+          <a:fontRef idx="minor">
+            <a:schemeClr val="lt1"/>
+          </a:fontRef>
+        </p:style>
+        <p:txBody>
+          <a:bodyPr rtlCol="0" anchor="ctr"/>
+          <a:lstStyle/>
+          <a:p>
+            <a:pPr algn="ctr"/>
+            <a:endParaRPr lang="en-US" sz="5183"/>
+          </a:p>
+        </p:txBody>
+      </p:sp>
+      <p:sp>
+        <p:nvSpPr>
+          <p:cNvPr id="42" name="Rectangle 41">
+            <a:extLst>
+              <a:ext uri="{FF2B5EF4-FFF2-40B4-BE49-F238E27FC236}">
+                <a16:creationId xmlns:a16="http://schemas.microsoft.com/office/drawing/2014/main" id="{2FF44A56-392F-41F1-A34F-87D88857FF40}"/>
+              </a:ext>
+            </a:extLst>
+          </p:cNvPr>
+          <p:cNvSpPr/>
+          <p:nvPr/>
+        </p:nvSpPr>
+        <p:spPr>
+          <a:xfrm>
+            <a:off x="12316437" y="9854293"/>
+            <a:ext cx="1143000" cy="1143000"/>
+          </a:xfrm>
+          <a:prstGeom prst="rect">
+            <a:avLst/>
+          </a:prstGeom>
+          <a:noFill/>
+          <a:ln w="9525">
+            <a:solidFill>
+              <a:schemeClr val="tx1"/>
+            </a:solidFill>
+          </a:ln>
+        </p:spPr>
+        <p:style>
+          <a:lnRef idx="2">
+            <a:schemeClr val="accent1">
+              <a:shade val="50000"/>
+            </a:schemeClr>
+          </a:lnRef>
+          <a:fillRef idx="1">
+            <a:schemeClr val="accent1"/>
+          </a:fillRef>
+          <a:effectRef idx="0">
+            <a:schemeClr val="accent1"/>
+          </a:effectRef>
+          <a:fontRef idx="minor">
+            <a:schemeClr val="lt1"/>
+          </a:fontRef>
+        </p:style>
+        <p:txBody>
+          <a:bodyPr rtlCol="0" anchor="ctr"/>
+          <a:lstStyle/>
+          <a:p>
+            <a:pPr algn="ctr"/>
+            <a:endParaRPr lang="en-US" sz="5183"/>
+          </a:p>
+        </p:txBody>
+      </p:sp>
+      <p:sp>
+        <p:nvSpPr>
+          <p:cNvPr id="44" name="Rectangle 43">
+            <a:extLst>
+              <a:ext uri="{FF2B5EF4-FFF2-40B4-BE49-F238E27FC236}">
+                <a16:creationId xmlns:a16="http://schemas.microsoft.com/office/drawing/2014/main" id="{EC8D0E9A-21CF-44E5-8BC9-3026A5A6A712}"/>
+              </a:ext>
+            </a:extLst>
+          </p:cNvPr>
+          <p:cNvSpPr/>
+          <p:nvPr/>
+        </p:nvSpPr>
+        <p:spPr>
+          <a:xfrm>
+            <a:off x="13764769" y="9854293"/>
+            <a:ext cx="1143000" cy="1143000"/>
+          </a:xfrm>
+          <a:prstGeom prst="rect">
+            <a:avLst/>
+          </a:prstGeom>
+          <a:noFill/>
+          <a:ln w="9525">
+            <a:solidFill>
+              <a:schemeClr val="tx1"/>
+            </a:solidFill>
+          </a:ln>
+        </p:spPr>
+        <p:style>
+          <a:lnRef idx="2">
+            <a:schemeClr val="accent1">
+              <a:shade val="50000"/>
+            </a:schemeClr>
+          </a:lnRef>
+          <a:fillRef idx="1">
+            <a:schemeClr val="accent1"/>
+          </a:fillRef>
+          <a:effectRef idx="0">
+            <a:schemeClr val="accent1"/>
+          </a:effectRef>
+          <a:fontRef idx="minor">
+            <a:schemeClr val="lt1"/>
+          </a:fontRef>
+        </p:style>
+        <p:txBody>
+          <a:bodyPr rtlCol="0" anchor="ctr"/>
+          <a:lstStyle/>
+          <a:p>
+            <a:pPr algn="ctr"/>
+            <a:endParaRPr lang="en-US" sz="5183"/>
+          </a:p>
+        </p:txBody>
+      </p:sp>
+      <p:sp>
+        <p:nvSpPr>
+          <p:cNvPr id="46" name="Rectangle 45">
+            <a:extLst>
+              <a:ext uri="{FF2B5EF4-FFF2-40B4-BE49-F238E27FC236}">
+                <a16:creationId xmlns:a16="http://schemas.microsoft.com/office/drawing/2014/main" id="{68EF32FD-E8E9-4F16-8AF3-8CA041927857}"/>
+              </a:ext>
+            </a:extLst>
+          </p:cNvPr>
+          <p:cNvSpPr/>
+          <p:nvPr/>
+        </p:nvSpPr>
+        <p:spPr>
+          <a:xfrm>
+            <a:off x="15213101" y="9854293"/>
+            <a:ext cx="1143000" cy="1143000"/>
+          </a:xfrm>
+          <a:prstGeom prst="rect">
+            <a:avLst/>
+          </a:prstGeom>
+          <a:noFill/>
+          <a:ln w="9525">
+            <a:solidFill>
+              <a:schemeClr val="tx1"/>
+            </a:solidFill>
+          </a:ln>
+        </p:spPr>
+        <p:style>
+          <a:lnRef idx="2">
+            <a:schemeClr val="accent1">
+              <a:shade val="50000"/>
+            </a:schemeClr>
+          </a:lnRef>
+          <a:fillRef idx="1">
+            <a:schemeClr val="accent1"/>
+          </a:fillRef>
+          <a:effectRef idx="0">
+            <a:schemeClr val="accent1"/>
+          </a:effectRef>
+          <a:fontRef idx="minor">
+            <a:schemeClr val="lt1"/>
+          </a:fontRef>
+        </p:style>
+        <p:txBody>
+          <a:bodyPr rtlCol="0" anchor="ctr"/>
+          <a:lstStyle/>
+          <a:p>
+            <a:pPr algn="ctr"/>
+            <a:endParaRPr lang="en-US" sz="5183"/>
+          </a:p>
+        </p:txBody>
+      </p:sp>
+      <p:sp>
+        <p:nvSpPr>
+          <p:cNvPr id="48" name="Rectangle 47">
+            <a:extLst>
+              <a:ext uri="{FF2B5EF4-FFF2-40B4-BE49-F238E27FC236}">
+                <a16:creationId xmlns:a16="http://schemas.microsoft.com/office/drawing/2014/main" id="{6D424A0C-6179-4763-975D-04AAC659A729}"/>
+              </a:ext>
+            </a:extLst>
+          </p:cNvPr>
+          <p:cNvSpPr/>
+          <p:nvPr/>
+        </p:nvSpPr>
+        <p:spPr>
+          <a:xfrm>
+            <a:off x="16661433" y="9848520"/>
+            <a:ext cx="1143000" cy="1143000"/>
+          </a:xfrm>
+          <a:prstGeom prst="rect">
+            <a:avLst/>
+          </a:prstGeom>
+          <a:noFill/>
+          <a:ln w="9525">
+            <a:solidFill>
+              <a:schemeClr val="tx1"/>
+            </a:solidFill>
+          </a:ln>
+        </p:spPr>
+        <p:style>
+          <a:lnRef idx="2">
+            <a:schemeClr val="accent1">
+              <a:shade val="50000"/>
+            </a:schemeClr>
+          </a:lnRef>
+          <a:fillRef idx="1">
+            <a:schemeClr val="accent1"/>
+          </a:fillRef>
+          <a:effectRef idx="0">
+            <a:schemeClr val="accent1"/>
+          </a:effectRef>
+          <a:fontRef idx="minor">
+            <a:schemeClr val="lt1"/>
+          </a:fontRef>
+        </p:style>
+        <p:txBody>
+          <a:bodyPr rtlCol="0" anchor="ctr"/>
+          <a:lstStyle/>
+          <a:p>
+            <a:pPr algn="ctr"/>
+            <a:endParaRPr lang="en-US" sz="5183"/>
+          </a:p>
+        </p:txBody>
+      </p:sp>
+      <p:sp>
+        <p:nvSpPr>
+          <p:cNvPr id="58" name="Rectangle 57">
+            <a:extLst>
+              <a:ext uri="{FF2B5EF4-FFF2-40B4-BE49-F238E27FC236}">
+                <a16:creationId xmlns:a16="http://schemas.microsoft.com/office/drawing/2014/main" id="{C05DA291-B37D-41B5-9233-CC224986C73B}"/>
+              </a:ext>
+            </a:extLst>
+          </p:cNvPr>
+          <p:cNvSpPr/>
+          <p:nvPr/>
+        </p:nvSpPr>
+        <p:spPr>
+          <a:xfrm>
+            <a:off x="10057353" y="7522980"/>
+            <a:ext cx="1325461" cy="261610"/>
+          </a:xfrm>
+          <a:prstGeom prst="rect">
+            <a:avLst/>
+          </a:prstGeom>
+          <a:solidFill>
+            <a:schemeClr val="bg1"/>
+          </a:solidFill>
+          <a:ln w="9525">
+            <a:solidFill>
+              <a:schemeClr val="tx1"/>
+            </a:solidFill>
+          </a:ln>
+        </p:spPr>
+        <p:style>
+          <a:lnRef idx="2">
+            <a:schemeClr val="accent1">
+              <a:shade val="50000"/>
+            </a:schemeClr>
+          </a:lnRef>
+          <a:fillRef idx="1">
+            <a:schemeClr val="accent1"/>
+          </a:fillRef>
+          <a:effectRef idx="0">
+            <a:schemeClr val="accent1"/>
+          </a:effectRef>
+          <a:fontRef idx="minor">
+            <a:schemeClr val="lt1"/>
+          </a:fontRef>
+        </p:style>
+        <p:txBody>
+          <a:bodyPr rtlCol="0" anchor="ctr"/>
+          <a:lstStyle/>
+          <a:p>
+            <a:pPr algn="ctr"/>
+            <a:endParaRPr lang="en-US" sz="5183"/>
+          </a:p>
+        </p:txBody>
+      </p:sp>
+      <p:sp>
+        <p:nvSpPr>
+          <p:cNvPr id="60" name="TextBox 59">
+            <a:extLst>
+              <a:ext uri="{FF2B5EF4-FFF2-40B4-BE49-F238E27FC236}">
+                <a16:creationId xmlns:a16="http://schemas.microsoft.com/office/drawing/2014/main" id="{B7893FE4-ED9B-4B0E-A724-E68A9388EA9E}"/>
               </a:ext>
             </a:extLst>
           </p:cNvPr>
@@ -14022,8 +16013,8 @@
         </p:nvSpPr>
         <p:spPr>
           <a:xfrm>
-            <a:off x="6350872" y="12000686"/>
-            <a:ext cx="1535185" cy="384721"/>
+            <a:off x="10069936" y="7542264"/>
+            <a:ext cx="1325461" cy="215444"/>
           </a:xfrm>
           <a:prstGeom prst="rect">
             <a:avLst/>
@@ -14038,31 +16029,21 @@
           <a:p>
             <a:pPr algn="ctr"/>
             <a:r>
-              <a:rPr lang="en-US" sz="1200" dirty="0">
+              <a:rPr lang="en-US" sz="800" dirty="0">
                 <a:latin typeface="Arial Rounded MT Bold" panose="020B0604020202020204" pitchFamily="34" charset="0"/>
                 <a:cs typeface="Aharoni" panose="020B0604020202020204" pitchFamily="2" charset="-79"/>
               </a:rPr>
-              <a:t>Californication</a:t>
-            </a:r>
-          </a:p>
-          <a:p>
-            <a:pPr algn="ctr"/>
-            <a:r>
-              <a:rPr lang="en-US" sz="700" i="1" dirty="0">
-                <a:latin typeface="Arial Rounded MT Bold" panose="020B0604020202020204" pitchFamily="34" charset="0"/>
-                <a:cs typeface="Aharoni" panose="020B0604020202020204" pitchFamily="2" charset="-79"/>
-              </a:rPr>
-              <a:t>Red Hot Chili Peppers</a:t>
+              <a:t>Search artist by city</a:t>
             </a:r>
           </a:p>
         </p:txBody>
       </p:sp>
       <p:pic>
         <p:nvPicPr>
-          <p:cNvPr id="1034" name="Picture 2" descr="kgo.googleusercontent.com/profile_vrt_raw_bytes...">
-            <a:extLst>
-              <a:ext uri="{FF2B5EF4-FFF2-40B4-BE49-F238E27FC236}">
-                <a16:creationId xmlns:a16="http://schemas.microsoft.com/office/drawing/2014/main" id="{9275F26A-FAD8-48E2-96F6-33E9E527EC92}"/>
+          <p:cNvPr id="62" name="Picture 2" descr="kgo.googleusercontent.com/profile_vrt_raw_bytes...">
+            <a:extLst>
+              <a:ext uri="{FF2B5EF4-FFF2-40B4-BE49-F238E27FC236}">
+                <a16:creationId xmlns:a16="http://schemas.microsoft.com/office/drawing/2014/main" id="{3FC478D1-2EBA-4FC6-AA72-433D7661957C}"/>
               </a:ext>
             </a:extLst>
           </p:cNvPr>
@@ -14072,7 +16053,7 @@
           <p:nvPr/>
         </p:nvPicPr>
         <p:blipFill>
-          <a:blip r:embed="rId3">
+          <a:blip r:embed="rId2">
             <a:extLst>
               <a:ext uri="{28A0092B-C50C-407E-A947-70E740481C1C}">
                 <a14:useLocalDpi xmlns:a14="http://schemas.microsoft.com/office/drawing/2010/main" val="0"/>
@@ -14086,8 +16067,8 @@
         </p:blipFill>
         <p:spPr bwMode="auto">
           <a:xfrm>
-            <a:off x="6037085" y="11964079"/>
-            <a:ext cx="458267" cy="452897"/>
+            <a:off x="12353121" y="7274130"/>
+            <a:ext cx="1069634" cy="1057099"/>
           </a:xfrm>
           <a:prstGeom prst="rect">
             <a:avLst/>
@@ -14104,1107 +16085,12 @@
           </a:extLst>
         </p:spPr>
       </p:pic>
-      <p:sp>
-        <p:nvSpPr>
-          <p:cNvPr id="1035" name="TextBox 1034">
-            <a:extLst>
-              <a:ext uri="{FF2B5EF4-FFF2-40B4-BE49-F238E27FC236}">
-                <a16:creationId xmlns:a16="http://schemas.microsoft.com/office/drawing/2014/main" id="{F8DE12D7-C655-4F52-94F6-8AFA97B45588}"/>
-              </a:ext>
-            </a:extLst>
-          </p:cNvPr>
-          <p:cNvSpPr txBox="1"/>
-          <p:nvPr/>
-        </p:nvSpPr>
-        <p:spPr>
-          <a:xfrm>
-            <a:off x="1123950" y="12165114"/>
-            <a:ext cx="1921078" cy="1061829"/>
-          </a:xfrm>
-          <a:prstGeom prst="rect">
-            <a:avLst/>
-          </a:prstGeom>
-          <a:noFill/>
-        </p:spPr>
-        <p:txBody>
-          <a:bodyPr wrap="square" rtlCol="0">
-            <a:spAutoFit/>
-          </a:bodyPr>
-          <a:lstStyle/>
-          <a:p>
-            <a:pPr algn="ctr"/>
-            <a:r>
-              <a:rPr lang="en-US" sz="1050" dirty="0">
-                <a:latin typeface="Arial Rounded MT Bold" panose="020B0604020202020204" pitchFamily="34" charset="0"/>
-                <a:cs typeface="Aharoni" panose="020B0604020202020204" pitchFamily="2" charset="-79"/>
-              </a:rPr>
-              <a:t>Maybe this does not become visible unless something has been selected to play. Or you can click it to play a random song in the DB.</a:t>
-            </a:r>
-          </a:p>
-        </p:txBody>
-      </p:sp>
-      <p:cxnSp>
-        <p:nvCxnSpPr>
-          <p:cNvPr id="1037" name="Straight Arrow Connector 1036">
-            <a:extLst>
-              <a:ext uri="{FF2B5EF4-FFF2-40B4-BE49-F238E27FC236}">
-                <a16:creationId xmlns:a16="http://schemas.microsoft.com/office/drawing/2014/main" id="{F9A6AA9D-EFC0-47FE-BCD9-A1DC75E0D9D3}"/>
-              </a:ext>
-            </a:extLst>
-          </p:cNvPr>
-          <p:cNvCxnSpPr>
-            <a:cxnSpLocks/>
-          </p:cNvCxnSpPr>
-          <p:nvPr/>
-        </p:nvCxnSpPr>
-        <p:spPr>
-          <a:xfrm flipV="1">
-            <a:off x="2822371" y="12511255"/>
-            <a:ext cx="2582242" cy="71708"/>
-          </a:xfrm>
-          <a:prstGeom prst="straightConnector1">
-            <a:avLst/>
-          </a:prstGeom>
-          <a:ln>
-            <a:solidFill>
-              <a:schemeClr val="tx1"/>
-            </a:solidFill>
-            <a:tailEnd type="triangle"/>
-          </a:ln>
-        </p:spPr>
-        <p:style>
-          <a:lnRef idx="1">
-            <a:schemeClr val="accent1"/>
-          </a:lnRef>
-          <a:fillRef idx="0">
-            <a:schemeClr val="accent1"/>
-          </a:fillRef>
-          <a:effectRef idx="0">
-            <a:schemeClr val="accent1"/>
-          </a:effectRef>
-          <a:fontRef idx="minor">
-            <a:schemeClr val="tx1"/>
-          </a:fontRef>
-        </p:style>
-      </p:cxnSp>
-      <p:sp>
-        <p:nvSpPr>
-          <p:cNvPr id="1040" name="Rectangle 1039">
-            <a:extLst>
-              <a:ext uri="{FF2B5EF4-FFF2-40B4-BE49-F238E27FC236}">
-                <a16:creationId xmlns:a16="http://schemas.microsoft.com/office/drawing/2014/main" id="{D2F59F7C-3B6E-47C6-A8D4-5560461B9CDA}"/>
-              </a:ext>
-            </a:extLst>
-          </p:cNvPr>
-          <p:cNvSpPr/>
-          <p:nvPr/>
-        </p:nvSpPr>
-        <p:spPr>
-          <a:xfrm>
-            <a:off x="15957210" y="6070726"/>
-            <a:ext cx="4572000" cy="6644081"/>
-          </a:xfrm>
-          <a:prstGeom prst="rect">
-            <a:avLst/>
-          </a:prstGeom>
-          <a:solidFill>
-            <a:schemeClr val="bg1">
-              <a:lumMod val="85000"/>
-            </a:schemeClr>
-          </a:solidFill>
-          <a:ln w="28575">
-            <a:solidFill>
-              <a:schemeClr val="tx1"/>
-            </a:solidFill>
-          </a:ln>
-        </p:spPr>
-        <p:style>
-          <a:lnRef idx="2">
-            <a:schemeClr val="accent1">
-              <a:shade val="50000"/>
-            </a:schemeClr>
-          </a:lnRef>
-          <a:fillRef idx="1">
-            <a:schemeClr val="accent1"/>
-          </a:fillRef>
-          <a:effectRef idx="0">
-            <a:schemeClr val="accent1"/>
-          </a:effectRef>
-          <a:fontRef idx="minor">
-            <a:schemeClr val="lt1"/>
-          </a:fontRef>
-        </p:style>
-        <p:txBody>
-          <a:bodyPr rtlCol="0" anchor="ctr"/>
-          <a:lstStyle/>
-          <a:p>
-            <a:pPr algn="ctr"/>
-            <a:endParaRPr lang="en-US" sz="5183"/>
-          </a:p>
-        </p:txBody>
-      </p:sp>
-      <p:sp>
-        <p:nvSpPr>
-          <p:cNvPr id="1042" name="Rectangle 1041">
-            <a:extLst>
-              <a:ext uri="{FF2B5EF4-FFF2-40B4-BE49-F238E27FC236}">
-                <a16:creationId xmlns:a16="http://schemas.microsoft.com/office/drawing/2014/main" id="{38268C26-47D1-4F2A-8AB5-A70360025963}"/>
-              </a:ext>
-            </a:extLst>
-          </p:cNvPr>
-          <p:cNvSpPr/>
-          <p:nvPr/>
-        </p:nvSpPr>
-        <p:spPr>
-          <a:xfrm>
-            <a:off x="15967741" y="6085301"/>
-            <a:ext cx="4552922" cy="1554061"/>
-          </a:xfrm>
-          <a:prstGeom prst="rect">
-            <a:avLst/>
-          </a:prstGeom>
-          <a:solidFill>
-            <a:schemeClr val="bg1">
-              <a:lumMod val="85000"/>
-            </a:schemeClr>
-          </a:solidFill>
-          <a:ln>
-            <a:noFill/>
-          </a:ln>
-        </p:spPr>
-        <p:style>
-          <a:lnRef idx="2">
-            <a:schemeClr val="accent1">
-              <a:shade val="50000"/>
-            </a:schemeClr>
-          </a:lnRef>
-          <a:fillRef idx="1">
-            <a:schemeClr val="accent1"/>
-          </a:fillRef>
-          <a:effectRef idx="0">
-            <a:schemeClr val="accent1"/>
-          </a:effectRef>
-          <a:fontRef idx="minor">
-            <a:schemeClr val="lt1"/>
-          </a:fontRef>
-        </p:style>
-        <p:txBody>
-          <a:bodyPr rtlCol="0" anchor="ctr"/>
-          <a:lstStyle/>
-          <a:p>
-            <a:pPr algn="ctr"/>
-            <a:endParaRPr lang="en-US" sz="5183"/>
-          </a:p>
-        </p:txBody>
-      </p:sp>
-      <p:sp>
-        <p:nvSpPr>
-          <p:cNvPr id="1043" name="TextBox 1042">
-            <a:extLst>
-              <a:ext uri="{FF2B5EF4-FFF2-40B4-BE49-F238E27FC236}">
-                <a16:creationId xmlns:a16="http://schemas.microsoft.com/office/drawing/2014/main" id="{E7955FD5-CBAC-434B-A10E-D2C71673CAAE}"/>
-              </a:ext>
-            </a:extLst>
-          </p:cNvPr>
-          <p:cNvSpPr txBox="1"/>
-          <p:nvPr/>
-        </p:nvSpPr>
-        <p:spPr>
-          <a:xfrm>
-            <a:off x="16194244" y="6269858"/>
-            <a:ext cx="2994869" cy="523220"/>
-          </a:xfrm>
-          <a:prstGeom prst="rect">
-            <a:avLst/>
-          </a:prstGeom>
-          <a:noFill/>
-        </p:spPr>
-        <p:txBody>
-          <a:bodyPr wrap="square" rtlCol="0">
-            <a:spAutoFit/>
-          </a:bodyPr>
-          <a:lstStyle/>
-          <a:p>
-            <a:r>
-              <a:rPr lang="en-US" sz="2800" dirty="0" err="1">
-                <a:latin typeface="Arial Rounded MT Bold" panose="020B0604020202020204" pitchFamily="34" charset="0"/>
-                <a:cs typeface="Aharoni" panose="020B0604020202020204" pitchFamily="2" charset="-79"/>
-              </a:rPr>
-              <a:t>Buskr</a:t>
-            </a:r>
-            <a:endParaRPr lang="en-US" sz="2800" dirty="0">
-              <a:latin typeface="Arial Rounded MT Bold" panose="020B0604020202020204" pitchFamily="34" charset="0"/>
-              <a:cs typeface="Aharoni" panose="020B0604020202020204" pitchFamily="2" charset="-79"/>
-            </a:endParaRPr>
-          </a:p>
-        </p:txBody>
-      </p:sp>
-      <p:sp>
-        <p:nvSpPr>
-          <p:cNvPr id="1044" name="Rectangle 1043">
-            <a:extLst>
-              <a:ext uri="{FF2B5EF4-FFF2-40B4-BE49-F238E27FC236}">
-                <a16:creationId xmlns:a16="http://schemas.microsoft.com/office/drawing/2014/main" id="{72E48CBC-13B4-4BCA-B2E9-97FD48D1F454}"/>
-              </a:ext>
-            </a:extLst>
-          </p:cNvPr>
-          <p:cNvSpPr/>
-          <p:nvPr/>
-        </p:nvSpPr>
-        <p:spPr>
-          <a:xfrm>
-            <a:off x="18258533" y="6921540"/>
-            <a:ext cx="1044080" cy="261610"/>
-          </a:xfrm>
-          <a:prstGeom prst="rect">
-            <a:avLst/>
-          </a:prstGeom>
-          <a:solidFill>
-            <a:schemeClr val="bg1"/>
-          </a:solidFill>
-          <a:ln w="9525">
-            <a:solidFill>
-              <a:schemeClr val="tx1"/>
-            </a:solidFill>
-          </a:ln>
-        </p:spPr>
-        <p:style>
-          <a:lnRef idx="2">
-            <a:schemeClr val="accent1">
-              <a:shade val="50000"/>
-            </a:schemeClr>
-          </a:lnRef>
-          <a:fillRef idx="1">
-            <a:schemeClr val="accent1"/>
-          </a:fillRef>
-          <a:effectRef idx="0">
-            <a:schemeClr val="accent1"/>
-          </a:effectRef>
-          <a:fontRef idx="minor">
-            <a:schemeClr val="lt1"/>
-          </a:fontRef>
-        </p:style>
-        <p:txBody>
-          <a:bodyPr rtlCol="0" anchor="ctr"/>
-          <a:lstStyle/>
-          <a:p>
-            <a:pPr algn="ctr"/>
-            <a:endParaRPr lang="en-US" sz="1600"/>
-          </a:p>
-        </p:txBody>
-      </p:sp>
-      <p:sp>
-        <p:nvSpPr>
-          <p:cNvPr id="1045" name="Rectangle 1044">
-            <a:extLst>
-              <a:ext uri="{FF2B5EF4-FFF2-40B4-BE49-F238E27FC236}">
-                <a16:creationId xmlns:a16="http://schemas.microsoft.com/office/drawing/2014/main" id="{7871C952-B815-4E19-99BD-A360E5B86666}"/>
-              </a:ext>
-            </a:extLst>
-          </p:cNvPr>
-          <p:cNvSpPr/>
-          <p:nvPr/>
-        </p:nvSpPr>
-        <p:spPr>
-          <a:xfrm>
-            <a:off x="15967741" y="6952469"/>
-            <a:ext cx="1929468" cy="5797884"/>
-          </a:xfrm>
-          <a:prstGeom prst="rect">
-            <a:avLst/>
-          </a:prstGeom>
-          <a:noFill/>
-          <a:ln w="9525">
-            <a:noFill/>
-          </a:ln>
-        </p:spPr>
-        <p:style>
-          <a:lnRef idx="2">
-            <a:schemeClr val="accent1">
-              <a:shade val="50000"/>
-            </a:schemeClr>
-          </a:lnRef>
-          <a:fillRef idx="1">
-            <a:schemeClr val="accent1"/>
-          </a:fillRef>
-          <a:effectRef idx="0">
-            <a:schemeClr val="accent1"/>
-          </a:effectRef>
-          <a:fontRef idx="minor">
-            <a:schemeClr val="lt1"/>
-          </a:fontRef>
-        </p:style>
-        <p:txBody>
-          <a:bodyPr rtlCol="0" anchor="ctr"/>
-          <a:lstStyle/>
-          <a:p>
-            <a:pPr algn="ctr"/>
-            <a:endParaRPr lang="en-US" sz="5183"/>
-          </a:p>
-        </p:txBody>
-      </p:sp>
-      <p:sp>
-        <p:nvSpPr>
-          <p:cNvPr id="1046" name="TextBox 1045">
-            <a:extLst>
-              <a:ext uri="{FF2B5EF4-FFF2-40B4-BE49-F238E27FC236}">
-                <a16:creationId xmlns:a16="http://schemas.microsoft.com/office/drawing/2014/main" id="{7BBB21A8-B093-409B-8F40-0D2754562880}"/>
-              </a:ext>
-            </a:extLst>
-          </p:cNvPr>
-          <p:cNvSpPr txBox="1"/>
-          <p:nvPr/>
-        </p:nvSpPr>
-        <p:spPr>
-          <a:xfrm>
-            <a:off x="18486492" y="6423746"/>
-            <a:ext cx="2453620" cy="215444"/>
-          </a:xfrm>
-          <a:prstGeom prst="rect">
-            <a:avLst/>
-          </a:prstGeom>
-          <a:noFill/>
-        </p:spPr>
-        <p:txBody>
-          <a:bodyPr wrap="square" rtlCol="0">
-            <a:spAutoFit/>
-          </a:bodyPr>
-          <a:lstStyle/>
-          <a:p>
-            <a:pPr algn="ctr"/>
-            <a:r>
-              <a:rPr lang="en-US" sz="800" dirty="0">
-                <a:latin typeface="Arial Rounded MT Bold" panose="020B0604020202020204" pitchFamily="34" charset="0"/>
-                <a:cs typeface="Aharoni" panose="020B0604020202020204" pitchFamily="2" charset="-79"/>
-              </a:rPr>
-              <a:t>Sign Up  |  Log In | View Cart</a:t>
-            </a:r>
-          </a:p>
-        </p:txBody>
-      </p:sp>
-      <p:sp>
-        <p:nvSpPr>
-          <p:cNvPr id="1047" name="TextBox 1046">
-            <a:extLst>
-              <a:ext uri="{FF2B5EF4-FFF2-40B4-BE49-F238E27FC236}">
-                <a16:creationId xmlns:a16="http://schemas.microsoft.com/office/drawing/2014/main" id="{1DC6555E-FE1F-4EE7-A88C-CF080E5DAB60}"/>
-              </a:ext>
-            </a:extLst>
-          </p:cNvPr>
-          <p:cNvSpPr txBox="1"/>
-          <p:nvPr/>
-        </p:nvSpPr>
-        <p:spPr>
-          <a:xfrm>
-            <a:off x="18126756" y="6959544"/>
-            <a:ext cx="1325461" cy="200055"/>
-          </a:xfrm>
-          <a:prstGeom prst="rect">
-            <a:avLst/>
-          </a:prstGeom>
-          <a:noFill/>
-        </p:spPr>
-        <p:txBody>
-          <a:bodyPr wrap="square" rtlCol="0">
-            <a:spAutoFit/>
-          </a:bodyPr>
-          <a:lstStyle/>
-          <a:p>
-            <a:pPr algn="ctr"/>
-            <a:r>
-              <a:rPr lang="en-US" sz="700" dirty="0">
-                <a:latin typeface="Arial Rounded MT Bold" panose="020B0604020202020204" pitchFamily="34" charset="0"/>
-                <a:cs typeface="Aharoni" panose="020B0604020202020204" pitchFamily="2" charset="-79"/>
-              </a:rPr>
-              <a:t>Search artist by city</a:t>
-            </a:r>
-          </a:p>
-        </p:txBody>
-      </p:sp>
-      <p:sp>
-        <p:nvSpPr>
-          <p:cNvPr id="1048" name="TextBox 1047">
-            <a:extLst>
-              <a:ext uri="{FF2B5EF4-FFF2-40B4-BE49-F238E27FC236}">
-                <a16:creationId xmlns:a16="http://schemas.microsoft.com/office/drawing/2014/main" id="{C029ADFC-9E4A-4A25-B191-3FBBB8C58525}"/>
-              </a:ext>
-            </a:extLst>
-          </p:cNvPr>
-          <p:cNvSpPr txBox="1"/>
-          <p:nvPr/>
-        </p:nvSpPr>
-        <p:spPr>
-          <a:xfrm>
-            <a:off x="16825006" y="7264567"/>
-            <a:ext cx="3077173" cy="230832"/>
-          </a:xfrm>
-          <a:prstGeom prst="rect">
-            <a:avLst/>
-          </a:prstGeom>
-          <a:noFill/>
-        </p:spPr>
-        <p:txBody>
-          <a:bodyPr wrap="square" rtlCol="0">
-            <a:spAutoFit/>
-          </a:bodyPr>
-          <a:lstStyle/>
-          <a:p>
-            <a:pPr algn="ctr"/>
-            <a:r>
-              <a:rPr lang="en-US" sz="900" dirty="0">
-                <a:latin typeface="Arial Rounded MT Bold" panose="020B0604020202020204" pitchFamily="34" charset="0"/>
-                <a:cs typeface="Aharoni" panose="020B0604020202020204" pitchFamily="2" charset="-79"/>
-              </a:rPr>
-              <a:t>Rap Rock Reggae Pop Blues Country Disco Jazz</a:t>
-            </a:r>
-          </a:p>
-        </p:txBody>
-      </p:sp>
-      <p:sp>
-        <p:nvSpPr>
-          <p:cNvPr id="1049" name="TextBox 1048">
-            <a:extLst>
-              <a:ext uri="{FF2B5EF4-FFF2-40B4-BE49-F238E27FC236}">
-                <a16:creationId xmlns:a16="http://schemas.microsoft.com/office/drawing/2014/main" id="{640A8732-8209-43C4-A2BF-1A821D4EDE6B}"/>
-              </a:ext>
-            </a:extLst>
-          </p:cNvPr>
-          <p:cNvSpPr txBox="1"/>
-          <p:nvPr/>
-        </p:nvSpPr>
-        <p:spPr>
-          <a:xfrm>
-            <a:off x="13941449" y="6039734"/>
-            <a:ext cx="2009513" cy="954107"/>
-          </a:xfrm>
-          <a:prstGeom prst="rect">
-            <a:avLst/>
-          </a:prstGeom>
-          <a:noFill/>
-        </p:spPr>
-        <p:txBody>
-          <a:bodyPr wrap="square" rtlCol="0">
-            <a:spAutoFit/>
-          </a:bodyPr>
-          <a:lstStyle/>
-          <a:p>
-            <a:pPr algn="ctr"/>
-            <a:r>
-              <a:rPr lang="en-US" sz="2800" dirty="0">
-                <a:latin typeface="Arial Rounded MT Bold" panose="020B0604020202020204" pitchFamily="34" charset="0"/>
-                <a:cs typeface="Aharoni" panose="020B0604020202020204" pitchFamily="2" charset="-79"/>
-              </a:rPr>
-              <a:t>Mobile Format</a:t>
-            </a:r>
-          </a:p>
-        </p:txBody>
-      </p:sp>
-      <p:sp>
-        <p:nvSpPr>
-          <p:cNvPr id="1050" name="Rectangle 1049">
-            <a:extLst>
-              <a:ext uri="{FF2B5EF4-FFF2-40B4-BE49-F238E27FC236}">
-                <a16:creationId xmlns:a16="http://schemas.microsoft.com/office/drawing/2014/main" id="{EB495923-116B-422D-988B-7BCD230DB41B}"/>
-              </a:ext>
-            </a:extLst>
-          </p:cNvPr>
-          <p:cNvSpPr/>
-          <p:nvPr/>
-        </p:nvSpPr>
-        <p:spPr>
-          <a:xfrm>
-            <a:off x="16396561" y="7882024"/>
-            <a:ext cx="1143000" cy="1143000"/>
-          </a:xfrm>
-          <a:prstGeom prst="rect">
-            <a:avLst/>
-          </a:prstGeom>
-          <a:noFill/>
-          <a:ln w="9525">
-            <a:solidFill>
-              <a:schemeClr val="tx1"/>
-            </a:solidFill>
-          </a:ln>
-        </p:spPr>
-        <p:style>
-          <a:lnRef idx="2">
-            <a:schemeClr val="accent1">
-              <a:shade val="50000"/>
-            </a:schemeClr>
-          </a:lnRef>
-          <a:fillRef idx="1">
-            <a:schemeClr val="accent1"/>
-          </a:fillRef>
-          <a:effectRef idx="0">
-            <a:schemeClr val="accent1"/>
-          </a:effectRef>
-          <a:fontRef idx="minor">
-            <a:schemeClr val="lt1"/>
-          </a:fontRef>
-        </p:style>
-        <p:txBody>
-          <a:bodyPr rtlCol="0" anchor="ctr"/>
-          <a:lstStyle/>
-          <a:p>
-            <a:pPr algn="ctr"/>
-            <a:endParaRPr lang="en-US" sz="5183"/>
-          </a:p>
-        </p:txBody>
-      </p:sp>
-      <p:sp>
-        <p:nvSpPr>
-          <p:cNvPr id="1051" name="Rectangle 1050">
-            <a:extLst>
-              <a:ext uri="{FF2B5EF4-FFF2-40B4-BE49-F238E27FC236}">
-                <a16:creationId xmlns:a16="http://schemas.microsoft.com/office/drawing/2014/main" id="{7DDBCB2B-AEBE-4096-8AF7-E66490BC11BD}"/>
-              </a:ext>
-            </a:extLst>
-          </p:cNvPr>
-          <p:cNvSpPr/>
-          <p:nvPr/>
-        </p:nvSpPr>
-        <p:spPr>
-          <a:xfrm>
-            <a:off x="17702280" y="7882024"/>
-            <a:ext cx="1143000" cy="1143000"/>
-          </a:xfrm>
-          <a:prstGeom prst="rect">
-            <a:avLst/>
-          </a:prstGeom>
-          <a:noFill/>
-          <a:ln w="9525">
-            <a:solidFill>
-              <a:schemeClr val="tx1"/>
-            </a:solidFill>
-          </a:ln>
-        </p:spPr>
-        <p:style>
-          <a:lnRef idx="2">
-            <a:schemeClr val="accent1">
-              <a:shade val="50000"/>
-            </a:schemeClr>
-          </a:lnRef>
-          <a:fillRef idx="1">
-            <a:schemeClr val="accent1"/>
-          </a:fillRef>
-          <a:effectRef idx="0">
-            <a:schemeClr val="accent1"/>
-          </a:effectRef>
-          <a:fontRef idx="minor">
-            <a:schemeClr val="lt1"/>
-          </a:fontRef>
-        </p:style>
-        <p:txBody>
-          <a:bodyPr rtlCol="0" anchor="ctr"/>
-          <a:lstStyle/>
-          <a:p>
-            <a:pPr algn="ctr"/>
-            <a:endParaRPr lang="en-US" sz="5183"/>
-          </a:p>
-        </p:txBody>
-      </p:sp>
-      <p:sp>
-        <p:nvSpPr>
-          <p:cNvPr id="1052" name="Rectangle 1051">
-            <a:extLst>
-              <a:ext uri="{FF2B5EF4-FFF2-40B4-BE49-F238E27FC236}">
-                <a16:creationId xmlns:a16="http://schemas.microsoft.com/office/drawing/2014/main" id="{CDE959EB-2475-4069-88B1-60BB021A9160}"/>
-              </a:ext>
-            </a:extLst>
-          </p:cNvPr>
-          <p:cNvSpPr/>
-          <p:nvPr/>
-        </p:nvSpPr>
-        <p:spPr>
-          <a:xfrm>
-            <a:off x="19012791" y="7882024"/>
-            <a:ext cx="1143000" cy="1143000"/>
-          </a:xfrm>
-          <a:prstGeom prst="rect">
-            <a:avLst/>
-          </a:prstGeom>
-          <a:noFill/>
-          <a:ln w="9525">
-            <a:solidFill>
-              <a:schemeClr val="tx1"/>
-            </a:solidFill>
-          </a:ln>
-        </p:spPr>
-        <p:style>
-          <a:lnRef idx="2">
-            <a:schemeClr val="accent1">
-              <a:shade val="50000"/>
-            </a:schemeClr>
-          </a:lnRef>
-          <a:fillRef idx="1">
-            <a:schemeClr val="accent1"/>
-          </a:fillRef>
-          <a:effectRef idx="0">
-            <a:schemeClr val="accent1"/>
-          </a:effectRef>
-          <a:fontRef idx="minor">
-            <a:schemeClr val="lt1"/>
-          </a:fontRef>
-        </p:style>
-        <p:txBody>
-          <a:bodyPr rtlCol="0" anchor="ctr"/>
-          <a:lstStyle/>
-          <a:p>
-            <a:pPr algn="ctr"/>
-            <a:endParaRPr lang="en-US" sz="5183"/>
-          </a:p>
-        </p:txBody>
-      </p:sp>
-      <p:sp>
-        <p:nvSpPr>
-          <p:cNvPr id="1053" name="Rectangle 1052">
-            <a:extLst>
-              <a:ext uri="{FF2B5EF4-FFF2-40B4-BE49-F238E27FC236}">
-                <a16:creationId xmlns:a16="http://schemas.microsoft.com/office/drawing/2014/main" id="{0871BF5A-B89F-49D4-B669-6565E085E6CE}"/>
-              </a:ext>
-            </a:extLst>
-          </p:cNvPr>
-          <p:cNvSpPr/>
-          <p:nvPr/>
-        </p:nvSpPr>
-        <p:spPr>
-          <a:xfrm>
-            <a:off x="16396561" y="9203509"/>
-            <a:ext cx="1143000" cy="1143000"/>
-          </a:xfrm>
-          <a:prstGeom prst="rect">
-            <a:avLst/>
-          </a:prstGeom>
-          <a:noFill/>
-          <a:ln w="9525">
-            <a:solidFill>
-              <a:schemeClr val="tx1"/>
-            </a:solidFill>
-          </a:ln>
-        </p:spPr>
-        <p:style>
-          <a:lnRef idx="2">
-            <a:schemeClr val="accent1">
-              <a:shade val="50000"/>
-            </a:schemeClr>
-          </a:lnRef>
-          <a:fillRef idx="1">
-            <a:schemeClr val="accent1"/>
-          </a:fillRef>
-          <a:effectRef idx="0">
-            <a:schemeClr val="accent1"/>
-          </a:effectRef>
-          <a:fontRef idx="minor">
-            <a:schemeClr val="lt1"/>
-          </a:fontRef>
-        </p:style>
-        <p:txBody>
-          <a:bodyPr rtlCol="0" anchor="ctr"/>
-          <a:lstStyle/>
-          <a:p>
-            <a:pPr algn="ctr"/>
-            <a:endParaRPr lang="en-US" sz="5183"/>
-          </a:p>
-        </p:txBody>
-      </p:sp>
-      <p:sp>
-        <p:nvSpPr>
-          <p:cNvPr id="1054" name="Rectangle 1053">
-            <a:extLst>
-              <a:ext uri="{FF2B5EF4-FFF2-40B4-BE49-F238E27FC236}">
-                <a16:creationId xmlns:a16="http://schemas.microsoft.com/office/drawing/2014/main" id="{F1C83D02-B9A8-4E90-9B0A-900353F001D2}"/>
-              </a:ext>
-            </a:extLst>
-          </p:cNvPr>
-          <p:cNvSpPr/>
-          <p:nvPr/>
-        </p:nvSpPr>
-        <p:spPr>
-          <a:xfrm>
-            <a:off x="17702280" y="9203509"/>
-            <a:ext cx="1143000" cy="1143000"/>
-          </a:xfrm>
-          <a:prstGeom prst="rect">
-            <a:avLst/>
-          </a:prstGeom>
-          <a:noFill/>
-          <a:ln w="9525">
-            <a:solidFill>
-              <a:schemeClr val="tx1"/>
-            </a:solidFill>
-          </a:ln>
-        </p:spPr>
-        <p:style>
-          <a:lnRef idx="2">
-            <a:schemeClr val="accent1">
-              <a:shade val="50000"/>
-            </a:schemeClr>
-          </a:lnRef>
-          <a:fillRef idx="1">
-            <a:schemeClr val="accent1"/>
-          </a:fillRef>
-          <a:effectRef idx="0">
-            <a:schemeClr val="accent1"/>
-          </a:effectRef>
-          <a:fontRef idx="minor">
-            <a:schemeClr val="lt1"/>
-          </a:fontRef>
-        </p:style>
-        <p:txBody>
-          <a:bodyPr rtlCol="0" anchor="ctr"/>
-          <a:lstStyle/>
-          <a:p>
-            <a:pPr algn="ctr"/>
-            <a:endParaRPr lang="en-US" sz="5183"/>
-          </a:p>
-        </p:txBody>
-      </p:sp>
-      <p:sp>
-        <p:nvSpPr>
-          <p:cNvPr id="1055" name="Rectangle 1054">
-            <a:extLst>
-              <a:ext uri="{FF2B5EF4-FFF2-40B4-BE49-F238E27FC236}">
-                <a16:creationId xmlns:a16="http://schemas.microsoft.com/office/drawing/2014/main" id="{E854D792-3068-452E-8975-4AFD5706578E}"/>
-              </a:ext>
-            </a:extLst>
-          </p:cNvPr>
-          <p:cNvSpPr/>
-          <p:nvPr/>
-        </p:nvSpPr>
-        <p:spPr>
-          <a:xfrm>
-            <a:off x="19012791" y="9203509"/>
-            <a:ext cx="1143000" cy="1143000"/>
-          </a:xfrm>
-          <a:prstGeom prst="rect">
-            <a:avLst/>
-          </a:prstGeom>
-          <a:noFill/>
-          <a:ln w="9525">
-            <a:solidFill>
-              <a:schemeClr val="tx1"/>
-            </a:solidFill>
-          </a:ln>
-        </p:spPr>
-        <p:style>
-          <a:lnRef idx="2">
-            <a:schemeClr val="accent1">
-              <a:shade val="50000"/>
-            </a:schemeClr>
-          </a:lnRef>
-          <a:fillRef idx="1">
-            <a:schemeClr val="accent1"/>
-          </a:fillRef>
-          <a:effectRef idx="0">
-            <a:schemeClr val="accent1"/>
-          </a:effectRef>
-          <a:fontRef idx="minor">
-            <a:schemeClr val="lt1"/>
-          </a:fontRef>
-        </p:style>
-        <p:txBody>
-          <a:bodyPr rtlCol="0" anchor="ctr"/>
-          <a:lstStyle/>
-          <a:p>
-            <a:pPr algn="ctr"/>
-            <a:endParaRPr lang="en-US" sz="5183"/>
-          </a:p>
-        </p:txBody>
-      </p:sp>
-      <p:sp>
-        <p:nvSpPr>
-          <p:cNvPr id="129" name="Rectangle 128">
-            <a:extLst>
-              <a:ext uri="{FF2B5EF4-FFF2-40B4-BE49-F238E27FC236}">
-                <a16:creationId xmlns:a16="http://schemas.microsoft.com/office/drawing/2014/main" id="{C1054ADE-513B-496E-9E93-B2893F4CB01B}"/>
-              </a:ext>
-            </a:extLst>
-          </p:cNvPr>
-          <p:cNvSpPr/>
-          <p:nvPr/>
-        </p:nvSpPr>
-        <p:spPr>
-          <a:xfrm>
-            <a:off x="16396561" y="10490051"/>
-            <a:ext cx="1143000" cy="1143000"/>
-          </a:xfrm>
-          <a:prstGeom prst="rect">
-            <a:avLst/>
-          </a:prstGeom>
-          <a:noFill/>
-          <a:ln w="9525">
-            <a:solidFill>
-              <a:schemeClr val="tx1"/>
-            </a:solidFill>
-          </a:ln>
-        </p:spPr>
-        <p:style>
-          <a:lnRef idx="2">
-            <a:schemeClr val="accent1">
-              <a:shade val="50000"/>
-            </a:schemeClr>
-          </a:lnRef>
-          <a:fillRef idx="1">
-            <a:schemeClr val="accent1"/>
-          </a:fillRef>
-          <a:effectRef idx="0">
-            <a:schemeClr val="accent1"/>
-          </a:effectRef>
-          <a:fontRef idx="minor">
-            <a:schemeClr val="lt1"/>
-          </a:fontRef>
-        </p:style>
-        <p:txBody>
-          <a:bodyPr rtlCol="0" anchor="ctr"/>
-          <a:lstStyle/>
-          <a:p>
-            <a:pPr algn="ctr"/>
-            <a:endParaRPr lang="en-US" sz="5183"/>
-          </a:p>
-        </p:txBody>
-      </p:sp>
-      <p:sp>
-        <p:nvSpPr>
-          <p:cNvPr id="131" name="Rectangle 130">
-            <a:extLst>
-              <a:ext uri="{FF2B5EF4-FFF2-40B4-BE49-F238E27FC236}">
-                <a16:creationId xmlns:a16="http://schemas.microsoft.com/office/drawing/2014/main" id="{BC992982-02A5-4B9D-8349-818DC8B0F408}"/>
-              </a:ext>
-            </a:extLst>
-          </p:cNvPr>
-          <p:cNvSpPr/>
-          <p:nvPr/>
-        </p:nvSpPr>
-        <p:spPr>
-          <a:xfrm>
-            <a:off x="17702280" y="10490051"/>
-            <a:ext cx="1143000" cy="1143000"/>
-          </a:xfrm>
-          <a:prstGeom prst="rect">
-            <a:avLst/>
-          </a:prstGeom>
-          <a:noFill/>
-          <a:ln w="9525">
-            <a:solidFill>
-              <a:schemeClr val="tx1"/>
-            </a:solidFill>
-          </a:ln>
-        </p:spPr>
-        <p:style>
-          <a:lnRef idx="2">
-            <a:schemeClr val="accent1">
-              <a:shade val="50000"/>
-            </a:schemeClr>
-          </a:lnRef>
-          <a:fillRef idx="1">
-            <a:schemeClr val="accent1"/>
-          </a:fillRef>
-          <a:effectRef idx="0">
-            <a:schemeClr val="accent1"/>
-          </a:effectRef>
-          <a:fontRef idx="minor">
-            <a:schemeClr val="lt1"/>
-          </a:fontRef>
-        </p:style>
-        <p:txBody>
-          <a:bodyPr rtlCol="0" anchor="ctr"/>
-          <a:lstStyle/>
-          <a:p>
-            <a:pPr algn="ctr"/>
-            <a:endParaRPr lang="en-US" sz="5183"/>
-          </a:p>
-        </p:txBody>
-      </p:sp>
-      <p:sp>
-        <p:nvSpPr>
-          <p:cNvPr id="133" name="Rectangle 132">
-            <a:extLst>
-              <a:ext uri="{FF2B5EF4-FFF2-40B4-BE49-F238E27FC236}">
-                <a16:creationId xmlns:a16="http://schemas.microsoft.com/office/drawing/2014/main" id="{404D33B4-EA4E-4122-86E7-EDFDC303FB4E}"/>
-              </a:ext>
-            </a:extLst>
-          </p:cNvPr>
-          <p:cNvSpPr/>
-          <p:nvPr/>
-        </p:nvSpPr>
-        <p:spPr>
-          <a:xfrm>
-            <a:off x="19012791" y="10490051"/>
-            <a:ext cx="1143000" cy="1143000"/>
-          </a:xfrm>
-          <a:prstGeom prst="rect">
-            <a:avLst/>
-          </a:prstGeom>
-          <a:noFill/>
-          <a:ln w="9525">
-            <a:solidFill>
-              <a:schemeClr val="tx1"/>
-            </a:solidFill>
-          </a:ln>
-        </p:spPr>
-        <p:style>
-          <a:lnRef idx="2">
-            <a:schemeClr val="accent1">
-              <a:shade val="50000"/>
-            </a:schemeClr>
-          </a:lnRef>
-          <a:fillRef idx="1">
-            <a:schemeClr val="accent1"/>
-          </a:fillRef>
-          <a:effectRef idx="0">
-            <a:schemeClr val="accent1"/>
-          </a:effectRef>
-          <a:fontRef idx="minor">
-            <a:schemeClr val="lt1"/>
-          </a:fontRef>
-        </p:style>
-        <p:txBody>
-          <a:bodyPr rtlCol="0" anchor="ctr"/>
-          <a:lstStyle/>
-          <a:p>
-            <a:pPr algn="ctr"/>
-            <a:endParaRPr lang="en-US" sz="5183"/>
-          </a:p>
-        </p:txBody>
-      </p:sp>
-      <p:sp>
-        <p:nvSpPr>
-          <p:cNvPr id="135" name="Rectangle 134">
-            <a:extLst>
-              <a:ext uri="{FF2B5EF4-FFF2-40B4-BE49-F238E27FC236}">
-                <a16:creationId xmlns:a16="http://schemas.microsoft.com/office/drawing/2014/main" id="{DDA9B3D2-DB60-416E-980C-37632AE9FD69}"/>
-              </a:ext>
-            </a:extLst>
-          </p:cNvPr>
-          <p:cNvSpPr/>
-          <p:nvPr/>
-        </p:nvSpPr>
-        <p:spPr>
-          <a:xfrm>
-            <a:off x="17137260" y="6921540"/>
-            <a:ext cx="1044080" cy="261610"/>
-          </a:xfrm>
-          <a:prstGeom prst="rect">
-            <a:avLst/>
-          </a:prstGeom>
-          <a:solidFill>
-            <a:schemeClr val="bg1"/>
-          </a:solidFill>
-          <a:ln w="9525">
-            <a:solidFill>
-              <a:schemeClr val="tx1"/>
-            </a:solidFill>
-          </a:ln>
-        </p:spPr>
-        <p:style>
-          <a:lnRef idx="2">
-            <a:schemeClr val="accent1">
-              <a:shade val="50000"/>
-            </a:schemeClr>
-          </a:lnRef>
-          <a:fillRef idx="1">
-            <a:schemeClr val="accent1"/>
-          </a:fillRef>
-          <a:effectRef idx="0">
-            <a:schemeClr val="accent1"/>
-          </a:effectRef>
-          <a:fontRef idx="minor">
-            <a:schemeClr val="lt1"/>
-          </a:fontRef>
-        </p:style>
-        <p:txBody>
-          <a:bodyPr rtlCol="0" anchor="ctr"/>
-          <a:lstStyle/>
-          <a:p>
-            <a:pPr algn="ctr"/>
-            <a:endParaRPr lang="en-US" sz="1600"/>
-          </a:p>
-        </p:txBody>
-      </p:sp>
-      <p:sp>
-        <p:nvSpPr>
-          <p:cNvPr id="137" name="TextBox 136">
-            <a:extLst>
-              <a:ext uri="{FF2B5EF4-FFF2-40B4-BE49-F238E27FC236}">
-                <a16:creationId xmlns:a16="http://schemas.microsoft.com/office/drawing/2014/main" id="{961BD9F5-4CBB-4536-AF78-602E58815937}"/>
-              </a:ext>
-            </a:extLst>
-          </p:cNvPr>
-          <p:cNvSpPr txBox="1"/>
-          <p:nvPr/>
-        </p:nvSpPr>
-        <p:spPr>
-          <a:xfrm>
-            <a:off x="17005483" y="6959544"/>
-            <a:ext cx="1325461" cy="200055"/>
-          </a:xfrm>
-          <a:prstGeom prst="rect">
-            <a:avLst/>
-          </a:prstGeom>
-          <a:noFill/>
-        </p:spPr>
-        <p:txBody>
-          <a:bodyPr wrap="square" rtlCol="0">
-            <a:spAutoFit/>
-          </a:bodyPr>
-          <a:lstStyle/>
-          <a:p>
-            <a:pPr algn="ctr"/>
-            <a:r>
-              <a:rPr lang="en-US" sz="700" dirty="0">
-                <a:latin typeface="Arial Rounded MT Bold" panose="020B0604020202020204" pitchFamily="34" charset="0"/>
-                <a:cs typeface="Aharoni" panose="020B0604020202020204" pitchFamily="2" charset="-79"/>
-              </a:rPr>
-              <a:t>Search artist by name</a:t>
-            </a:r>
-          </a:p>
-        </p:txBody>
-      </p:sp>
-      <p:sp>
-        <p:nvSpPr>
-          <p:cNvPr id="139" name="TextBox 138">
-            <a:extLst>
-              <a:ext uri="{FF2B5EF4-FFF2-40B4-BE49-F238E27FC236}">
-                <a16:creationId xmlns:a16="http://schemas.microsoft.com/office/drawing/2014/main" id="{35ADE867-50FA-4FD6-9E34-442D0ABD7512}"/>
-              </a:ext>
-            </a:extLst>
-          </p:cNvPr>
-          <p:cNvSpPr txBox="1"/>
-          <p:nvPr/>
-        </p:nvSpPr>
-        <p:spPr>
-          <a:xfrm>
-            <a:off x="16365010" y="8268968"/>
-            <a:ext cx="1295596" cy="200055"/>
-          </a:xfrm>
-          <a:prstGeom prst="rect">
-            <a:avLst/>
-          </a:prstGeom>
-          <a:noFill/>
-        </p:spPr>
-        <p:txBody>
-          <a:bodyPr wrap="square" rtlCol="0">
-            <a:spAutoFit/>
-          </a:bodyPr>
-          <a:lstStyle/>
-          <a:p>
-            <a:pPr algn="ctr"/>
-            <a:r>
-              <a:rPr lang="en-US" sz="700" dirty="0">
-                <a:latin typeface="Arial Rounded MT Bold" panose="020B0604020202020204" pitchFamily="34" charset="0"/>
-                <a:cs typeface="Aharoni" panose="020B0604020202020204" pitchFamily="2" charset="-79"/>
-              </a:rPr>
-              <a:t>Red Hot Chili Peppers</a:t>
-            </a:r>
-          </a:p>
-        </p:txBody>
-      </p:sp>
       <p:pic>
         <p:nvPicPr>
-          <p:cNvPr id="140" name="Picture 2" descr="kgo.googleusercontent.com/profile_vrt_raw_bytes...">
-            <a:extLst>
-              <a:ext uri="{FF2B5EF4-FFF2-40B4-BE49-F238E27FC236}">
-                <a16:creationId xmlns:a16="http://schemas.microsoft.com/office/drawing/2014/main" id="{FABC7922-72C2-4A02-8156-CFD055E9A2BB}"/>
+          <p:cNvPr id="64" name="Picture 2" descr="kgo.googleusercontent.com/profile_vrt_raw_bytes...">
+            <a:extLst>
+              <a:ext uri="{FF2B5EF4-FFF2-40B4-BE49-F238E27FC236}">
+                <a16:creationId xmlns:a16="http://schemas.microsoft.com/office/drawing/2014/main" id="{332FA9AE-2D91-49B6-9335-8DD1189C8C49}"/>
               </a:ext>
             </a:extLst>
           </p:cNvPr>
@@ -15214,7 +16100,7 @@
           <p:nvPr/>
         </p:nvPicPr>
         <p:blipFill>
-          <a:blip r:embed="rId3">
+          <a:blip r:embed="rId2">
             <a:extLst>
               <a:ext uri="{28A0092B-C50C-407E-A947-70E740481C1C}">
                 <a14:useLocalDpi xmlns:a14="http://schemas.microsoft.com/office/drawing/2010/main" val="0"/>
@@ -15228,7 +16114,7 @@
         </p:blipFill>
         <p:spPr bwMode="auto">
           <a:xfrm>
-            <a:off x="16439969" y="7923695"/>
+            <a:off x="13801453" y="7280026"/>
             <a:ext cx="1069634" cy="1057099"/>
           </a:xfrm>
           <a:prstGeom prst="rect">
@@ -15248,10 +16134,60 @@
       </p:pic>
       <p:sp>
         <p:nvSpPr>
-          <p:cNvPr id="141" name="TextBox 140">
-            <a:extLst>
-              <a:ext uri="{FF2B5EF4-FFF2-40B4-BE49-F238E27FC236}">
-                <a16:creationId xmlns:a16="http://schemas.microsoft.com/office/drawing/2014/main" id="{13A67CA1-08F0-4DAA-892B-11F37A99B687}"/>
+          <p:cNvPr id="74" name="Rectangle 73">
+            <a:extLst>
+              <a:ext uri="{FF2B5EF4-FFF2-40B4-BE49-F238E27FC236}">
+                <a16:creationId xmlns:a16="http://schemas.microsoft.com/office/drawing/2014/main" id="{E5C6D2A9-CE79-4FFF-8167-BAD7BF345A7B}"/>
+              </a:ext>
+            </a:extLst>
+          </p:cNvPr>
+          <p:cNvSpPr/>
+          <p:nvPr/>
+        </p:nvSpPr>
+        <p:spPr>
+          <a:xfrm>
+            <a:off x="18307574" y="6758081"/>
+            <a:ext cx="1309799" cy="4800971"/>
+          </a:xfrm>
+          <a:prstGeom prst="rect">
+            <a:avLst/>
+          </a:prstGeom>
+          <a:noFill/>
+          <a:ln>
+            <a:noFill/>
+          </a:ln>
+        </p:spPr>
+        <p:style>
+          <a:lnRef idx="2">
+            <a:schemeClr val="accent1">
+              <a:shade val="50000"/>
+            </a:schemeClr>
+          </a:lnRef>
+          <a:fillRef idx="1">
+            <a:schemeClr val="accent1"/>
+          </a:fillRef>
+          <a:effectRef idx="0">
+            <a:schemeClr val="accent1"/>
+          </a:effectRef>
+          <a:fontRef idx="minor">
+            <a:schemeClr val="lt1"/>
+          </a:fontRef>
+        </p:style>
+        <p:txBody>
+          <a:bodyPr rtlCol="0" anchor="ctr"/>
+          <a:lstStyle/>
+          <a:p>
+            <a:pPr algn="ctr"/>
+            <a:endParaRPr lang="en-US" sz="5183"/>
+          </a:p>
+        </p:txBody>
+      </p:sp>
+      <p:sp>
+        <p:nvSpPr>
+          <p:cNvPr id="76" name="TextBox 75">
+            <a:extLst>
+              <a:ext uri="{FF2B5EF4-FFF2-40B4-BE49-F238E27FC236}">
+                <a16:creationId xmlns:a16="http://schemas.microsoft.com/office/drawing/2014/main" id="{82B4A592-590B-4EC8-B5E6-D2D1780E2B1E}"/>
               </a:ext>
             </a:extLst>
           </p:cNvPr>
@@ -15260,8 +16196,8 @@
         </p:nvSpPr>
         <p:spPr>
           <a:xfrm>
-            <a:off x="17967306" y="8324696"/>
-            <a:ext cx="613255" cy="230832"/>
+            <a:off x="9669330" y="9791445"/>
+            <a:ext cx="1921078" cy="253916"/>
           </a:xfrm>
           <a:prstGeom prst="rect">
             <a:avLst/>
@@ -15276,60 +16212,73 @@
           <a:p>
             <a:pPr algn="ctr"/>
             <a:r>
-              <a:rPr lang="en-US" sz="900" dirty="0">
+              <a:rPr lang="en-US" sz="1050" dirty="0">
                 <a:latin typeface="Arial Rounded MT Bold" panose="020B0604020202020204" pitchFamily="34" charset="0"/>
                 <a:cs typeface="Aharoni" panose="020B0604020202020204" pitchFamily="2" charset="-79"/>
               </a:rPr>
-              <a:t>…</a:t>
-            </a:r>
-          </a:p>
-        </p:txBody>
-      </p:sp>
-      <p:sp>
-        <p:nvSpPr>
-          <p:cNvPr id="143" name="TextBox 142">
-            <a:extLst>
-              <a:ext uri="{FF2B5EF4-FFF2-40B4-BE49-F238E27FC236}">
-                <a16:creationId xmlns:a16="http://schemas.microsoft.com/office/drawing/2014/main" id="{A02CFD1A-C302-45D5-B6A2-2758B7489CC0}"/>
-              </a:ext>
-            </a:extLst>
-          </p:cNvPr>
-          <p:cNvSpPr txBox="1"/>
-          <p:nvPr/>
-        </p:nvSpPr>
-        <p:spPr>
-          <a:xfrm>
-            <a:off x="19319333" y="8351261"/>
-            <a:ext cx="613255" cy="230832"/>
-          </a:xfrm>
-          <a:prstGeom prst="rect">
-            <a:avLst/>
-          </a:prstGeom>
-          <a:noFill/>
-        </p:spPr>
-        <p:txBody>
-          <a:bodyPr wrap="square" rtlCol="0">
-            <a:spAutoFit/>
-          </a:bodyPr>
-          <a:lstStyle/>
-          <a:p>
-            <a:pPr algn="ctr"/>
-            <a:r>
-              <a:rPr lang="en-US" sz="900" dirty="0">
-                <a:latin typeface="Arial Rounded MT Bold" panose="020B0604020202020204" pitchFamily="34" charset="0"/>
-                <a:cs typeface="Aharoni" panose="020B0604020202020204" pitchFamily="2" charset="-79"/>
-              </a:rPr>
-              <a:t>…</a:t>
-            </a:r>
+              <a:t>Top Selling Artists:</a:t>
+            </a:r>
+          </a:p>
+        </p:txBody>
+      </p:sp>
+      <p:sp>
+        <p:nvSpPr>
+          <p:cNvPr id="78" name="Rectangle 77">
+            <a:extLst>
+              <a:ext uri="{FF2B5EF4-FFF2-40B4-BE49-F238E27FC236}">
+                <a16:creationId xmlns:a16="http://schemas.microsoft.com/office/drawing/2014/main" id="{0B7A97D0-0352-4D5A-B673-7AED16863C1B}"/>
+              </a:ext>
+            </a:extLst>
+          </p:cNvPr>
+          <p:cNvSpPr/>
+          <p:nvPr/>
+        </p:nvSpPr>
+        <p:spPr>
+          <a:xfrm>
+            <a:off x="9834693" y="10066364"/>
+            <a:ext cx="457200" cy="457200"/>
+          </a:xfrm>
+          <a:prstGeom prst="rect">
+            <a:avLst/>
+          </a:prstGeom>
+          <a:noFill/>
+          <a:ln w="9525">
+            <a:solidFill>
+              <a:schemeClr val="tx1"/>
+            </a:solidFill>
+          </a:ln>
+        </p:spPr>
+        <p:style>
+          <a:lnRef idx="2">
+            <a:schemeClr val="accent1">
+              <a:shade val="50000"/>
+            </a:schemeClr>
+          </a:lnRef>
+          <a:fillRef idx="1">
+            <a:schemeClr val="accent1"/>
+          </a:fillRef>
+          <a:effectRef idx="0">
+            <a:schemeClr val="accent1"/>
+          </a:effectRef>
+          <a:fontRef idx="minor">
+            <a:schemeClr val="lt1"/>
+          </a:fontRef>
+        </p:style>
+        <p:txBody>
+          <a:bodyPr rtlCol="0" anchor="ctr"/>
+          <a:lstStyle/>
+          <a:p>
+            <a:pPr algn="ctr"/>
+            <a:endParaRPr lang="en-US" sz="5183"/>
           </a:p>
         </p:txBody>
       </p:sp>
       <p:pic>
         <p:nvPicPr>
-          <p:cNvPr id="145" name="Picture 2" descr="react-h5-audio-player - npm">
-            <a:extLst>
-              <a:ext uri="{FF2B5EF4-FFF2-40B4-BE49-F238E27FC236}">
-                <a16:creationId xmlns:a16="http://schemas.microsoft.com/office/drawing/2014/main" id="{A48F1B01-E45B-4A5A-B28F-083BE1B7967B}"/>
+          <p:cNvPr id="98" name="Picture 2" descr="kgo.googleusercontent.com/profile_vrt_raw_bytes...">
+            <a:extLst>
+              <a:ext uri="{FF2B5EF4-FFF2-40B4-BE49-F238E27FC236}">
+                <a16:creationId xmlns:a16="http://schemas.microsoft.com/office/drawing/2014/main" id="{1870F46D-06BD-4B22-842D-02A4FC470A9B}"/>
               </a:ext>
             </a:extLst>
           </p:cNvPr>
@@ -15353,8 +16302,8 @@
         </p:blipFill>
         <p:spPr bwMode="auto">
           <a:xfrm>
-            <a:off x="17664262" y="12034835"/>
-            <a:ext cx="2491529" cy="523221"/>
+            <a:off x="9853483" y="10563427"/>
+            <a:ext cx="457200" cy="451842"/>
           </a:xfrm>
           <a:prstGeom prst="rect">
             <a:avLst/>
@@ -15373,531 +16322,10 @@
       </p:pic>
       <p:sp>
         <p:nvSpPr>
-          <p:cNvPr id="147" name="TextBox 146">
-            <a:extLst>
-              <a:ext uri="{FF2B5EF4-FFF2-40B4-BE49-F238E27FC236}">
-                <a16:creationId xmlns:a16="http://schemas.microsoft.com/office/drawing/2014/main" id="{AB35BDFB-F581-46DB-8184-5111E4040CBD}"/>
-              </a:ext>
-            </a:extLst>
-          </p:cNvPr>
-          <p:cNvSpPr txBox="1"/>
-          <p:nvPr/>
-        </p:nvSpPr>
-        <p:spPr>
-          <a:xfrm>
-            <a:off x="16154275" y="12105723"/>
-            <a:ext cx="1535185" cy="384721"/>
-          </a:xfrm>
-          <a:prstGeom prst="rect">
-            <a:avLst/>
-          </a:prstGeom>
-          <a:noFill/>
-        </p:spPr>
-        <p:txBody>
-          <a:bodyPr wrap="square" rtlCol="0">
-            <a:spAutoFit/>
-          </a:bodyPr>
-          <a:lstStyle/>
-          <a:p>
-            <a:pPr algn="ctr"/>
-            <a:r>
-              <a:rPr lang="en-US" sz="1200" dirty="0">
-                <a:latin typeface="Arial Rounded MT Bold" panose="020B0604020202020204" pitchFamily="34" charset="0"/>
-                <a:cs typeface="Aharoni" panose="020B0604020202020204" pitchFamily="2" charset="-79"/>
-              </a:rPr>
-              <a:t>Californication</a:t>
-            </a:r>
-          </a:p>
-          <a:p>
-            <a:pPr algn="ctr"/>
-            <a:r>
-              <a:rPr lang="en-US" sz="700" i="1" dirty="0">
-                <a:latin typeface="Arial Rounded MT Bold" panose="020B0604020202020204" pitchFamily="34" charset="0"/>
-                <a:cs typeface="Aharoni" panose="020B0604020202020204" pitchFamily="2" charset="-79"/>
-              </a:rPr>
-              <a:t>Red Hot Chili Peppers</a:t>
-            </a:r>
-          </a:p>
-        </p:txBody>
-      </p:sp>
-      <p:sp>
-        <p:nvSpPr>
-          <p:cNvPr id="2" name="TextBox 1">
-            <a:extLst>
-              <a:ext uri="{FF2B5EF4-FFF2-40B4-BE49-F238E27FC236}">
-                <a16:creationId xmlns:a16="http://schemas.microsoft.com/office/drawing/2014/main" id="{E9EECE84-D7A5-467F-B8F3-55C668AA195A}"/>
-              </a:ext>
-            </a:extLst>
-          </p:cNvPr>
-          <p:cNvSpPr txBox="1"/>
-          <p:nvPr/>
-        </p:nvSpPr>
-        <p:spPr>
-          <a:xfrm>
-            <a:off x="8538493" y="4241840"/>
-            <a:ext cx="7826517" cy="954107"/>
-          </a:xfrm>
-          <a:prstGeom prst="rect">
-            <a:avLst/>
-          </a:prstGeom>
-          <a:noFill/>
-        </p:spPr>
-        <p:txBody>
-          <a:bodyPr wrap="square" rtlCol="0">
-            <a:spAutoFit/>
-          </a:bodyPr>
-          <a:lstStyle/>
-          <a:p>
-            <a:pPr algn="ctr"/>
-            <a:r>
-              <a:rPr lang="en-US" sz="2800" dirty="0">
-                <a:latin typeface="Arial Rounded MT Bold" panose="020B0604020202020204" pitchFamily="34" charset="0"/>
-                <a:cs typeface="Aharoni" panose="020B0604020202020204" pitchFamily="2" charset="-79"/>
-              </a:rPr>
-              <a:t>Creator Dashboard (a creator logs in and lands on their dashboard)</a:t>
-            </a:r>
-          </a:p>
-        </p:txBody>
-      </p:sp>
-      <p:sp>
-        <p:nvSpPr>
-          <p:cNvPr id="67" name="TextBox 66">
-            <a:extLst>
-              <a:ext uri="{FF2B5EF4-FFF2-40B4-BE49-F238E27FC236}">
-                <a16:creationId xmlns:a16="http://schemas.microsoft.com/office/drawing/2014/main" id="{8890F418-A08D-4575-AEE6-1296F9A09E3C}"/>
-              </a:ext>
-            </a:extLst>
-          </p:cNvPr>
-          <p:cNvSpPr txBox="1"/>
-          <p:nvPr/>
-        </p:nvSpPr>
-        <p:spPr>
-          <a:xfrm>
-            <a:off x="6591505" y="7816091"/>
-            <a:ext cx="5094569" cy="1223412"/>
-          </a:xfrm>
-          <a:prstGeom prst="rect">
-            <a:avLst/>
-          </a:prstGeom>
-          <a:noFill/>
-        </p:spPr>
-        <p:txBody>
-          <a:bodyPr wrap="square" rtlCol="0">
-            <a:spAutoFit/>
-          </a:bodyPr>
-          <a:lstStyle>
-            <a:defPPr>
-              <a:defRPr lang="en-US"/>
-            </a:defPPr>
-            <a:lvl1pPr algn="ctr">
-              <a:defRPr sz="1050">
-                <a:latin typeface="Arial Rounded MT Bold" panose="020B0604020202020204" pitchFamily="34" charset="0"/>
-                <a:cs typeface="Aharoni" panose="020B0604020202020204" pitchFamily="2" charset="-79"/>
-              </a:defRPr>
-            </a:lvl1pPr>
-          </a:lstStyle>
-          <a:p>
-            <a:pPr algn="l"/>
-            <a:r>
-              <a:rPr lang="en-US" dirty="0" err="1"/>
-              <a:t>Quisque</a:t>
-            </a:r>
-            <a:r>
-              <a:rPr lang="en-US" dirty="0"/>
-              <a:t> id magna ac </a:t>
-            </a:r>
-            <a:r>
-              <a:rPr lang="en-US" dirty="0" err="1"/>
-              <a:t>lacus</a:t>
-            </a:r>
-            <a:r>
-              <a:rPr lang="en-US" dirty="0"/>
-              <a:t> auctor </a:t>
-            </a:r>
-            <a:r>
-              <a:rPr lang="en-US" dirty="0" err="1"/>
-              <a:t>viverra</a:t>
-            </a:r>
-            <a:r>
-              <a:rPr lang="en-US" dirty="0"/>
-              <a:t>. </a:t>
-            </a:r>
-            <a:r>
-              <a:rPr lang="en-US" dirty="0" err="1"/>
-              <a:t>Suspendisse</a:t>
-            </a:r>
-            <a:r>
-              <a:rPr lang="en-US" dirty="0"/>
-              <a:t> </a:t>
-            </a:r>
-            <a:r>
-              <a:rPr lang="en-US" dirty="0" err="1"/>
-              <a:t>ornare</a:t>
-            </a:r>
-            <a:r>
-              <a:rPr lang="en-US" dirty="0"/>
-              <a:t> </a:t>
-            </a:r>
-            <a:r>
-              <a:rPr lang="en-US" dirty="0" err="1"/>
-              <a:t>turpis</a:t>
-            </a:r>
-            <a:r>
-              <a:rPr lang="en-US" dirty="0"/>
-              <a:t> </a:t>
-            </a:r>
-            <a:r>
-              <a:rPr lang="en-US" dirty="0" err="1"/>
-              <a:t>eget</a:t>
-            </a:r>
-            <a:r>
-              <a:rPr lang="en-US" dirty="0"/>
-              <a:t> </a:t>
-            </a:r>
-            <a:r>
-              <a:rPr lang="en-US" dirty="0" err="1"/>
-              <a:t>tortor</a:t>
-            </a:r>
-            <a:r>
-              <a:rPr lang="en-US" dirty="0"/>
-              <a:t> </a:t>
-            </a:r>
-            <a:r>
-              <a:rPr lang="en-US" dirty="0" err="1"/>
-              <a:t>egestas</a:t>
-            </a:r>
-            <a:r>
-              <a:rPr lang="en-US" dirty="0"/>
-              <a:t> dictum. Sed convallis </a:t>
-            </a:r>
-            <a:r>
-              <a:rPr lang="en-US" dirty="0" err="1"/>
-              <a:t>tristique</a:t>
-            </a:r>
-            <a:r>
-              <a:rPr lang="en-US" dirty="0"/>
-              <a:t> </a:t>
-            </a:r>
-            <a:r>
-              <a:rPr lang="en-US" dirty="0" err="1"/>
-              <a:t>nulla</a:t>
-            </a:r>
-            <a:r>
-              <a:rPr lang="en-US" dirty="0"/>
-              <a:t>. </a:t>
-            </a:r>
-            <a:r>
-              <a:rPr lang="en-US" dirty="0" err="1"/>
-              <a:t>Nullam</a:t>
-            </a:r>
-            <a:r>
-              <a:rPr lang="en-US" dirty="0"/>
-              <a:t> </a:t>
-            </a:r>
-            <a:r>
-              <a:rPr lang="en-US" dirty="0" err="1"/>
-              <a:t>vehicula</a:t>
-            </a:r>
-            <a:r>
-              <a:rPr lang="en-US" dirty="0"/>
-              <a:t> </a:t>
-            </a:r>
-            <a:r>
-              <a:rPr lang="en-US" dirty="0" err="1"/>
-              <a:t>eu</a:t>
-            </a:r>
-            <a:r>
-              <a:rPr lang="en-US" dirty="0"/>
-              <a:t> </a:t>
-            </a:r>
-            <a:r>
-              <a:rPr lang="en-US" dirty="0" err="1"/>
-              <a:t>orci</a:t>
-            </a:r>
-            <a:r>
-              <a:rPr lang="en-US" dirty="0"/>
-              <a:t> </a:t>
-            </a:r>
-            <a:r>
-              <a:rPr lang="en-US" dirty="0" err="1"/>
-              <a:t>eget</a:t>
-            </a:r>
-            <a:r>
-              <a:rPr lang="en-US" dirty="0"/>
-              <a:t> </a:t>
-            </a:r>
-            <a:r>
-              <a:rPr lang="en-US" dirty="0" err="1"/>
-              <a:t>varius</a:t>
-            </a:r>
-            <a:r>
-              <a:rPr lang="en-US" dirty="0"/>
-              <a:t>. In </a:t>
-            </a:r>
-            <a:r>
-              <a:rPr lang="en-US" dirty="0" err="1"/>
-              <a:t>hac</a:t>
-            </a:r>
-            <a:r>
-              <a:rPr lang="en-US" dirty="0"/>
-              <a:t> </a:t>
-            </a:r>
-            <a:r>
-              <a:rPr lang="en-US" dirty="0" err="1"/>
-              <a:t>habitasse</a:t>
-            </a:r>
-            <a:r>
-              <a:rPr lang="en-US" dirty="0"/>
-              <a:t> </a:t>
-            </a:r>
-            <a:r>
-              <a:rPr lang="en-US" dirty="0" err="1"/>
-              <a:t>platea</a:t>
-            </a:r>
-            <a:r>
-              <a:rPr lang="en-US" dirty="0"/>
-              <a:t> </a:t>
-            </a:r>
-            <a:r>
-              <a:rPr lang="en-US" dirty="0" err="1"/>
-              <a:t>dictumst</a:t>
-            </a:r>
-            <a:r>
-              <a:rPr lang="en-US" dirty="0"/>
-              <a:t>. Morbi et ante nisi. </a:t>
-            </a:r>
-            <a:r>
-              <a:rPr lang="en-US" dirty="0" err="1"/>
-              <a:t>Nullam</a:t>
-            </a:r>
-            <a:r>
-              <a:rPr lang="en-US" dirty="0"/>
-              <a:t> </a:t>
-            </a:r>
-            <a:r>
-              <a:rPr lang="en-US" dirty="0" err="1"/>
-              <a:t>dignissim</a:t>
-            </a:r>
-            <a:r>
-              <a:rPr lang="en-US" dirty="0"/>
-              <a:t> convallis </a:t>
-            </a:r>
-            <a:r>
-              <a:rPr lang="en-US" dirty="0" err="1"/>
-              <a:t>nunc</a:t>
-            </a:r>
-            <a:r>
-              <a:rPr lang="en-US" dirty="0"/>
-              <a:t>, id </a:t>
-            </a:r>
-            <a:r>
-              <a:rPr lang="en-US" dirty="0" err="1"/>
-              <a:t>blandit</a:t>
-            </a:r>
-            <a:r>
-              <a:rPr lang="en-US" dirty="0"/>
-              <a:t> </a:t>
-            </a:r>
-            <a:r>
-              <a:rPr lang="en-US" dirty="0" err="1"/>
-              <a:t>augue</a:t>
-            </a:r>
-            <a:r>
-              <a:rPr lang="en-US" dirty="0"/>
-              <a:t> </a:t>
-            </a:r>
-            <a:r>
-              <a:rPr lang="en-US" dirty="0" err="1"/>
-              <a:t>elementum</a:t>
-            </a:r>
-            <a:r>
-              <a:rPr lang="en-US" dirty="0"/>
-              <a:t> sed. In fermentum </a:t>
-            </a:r>
-            <a:r>
-              <a:rPr lang="en-US" dirty="0" err="1"/>
-              <a:t>neque</a:t>
-            </a:r>
-            <a:r>
-              <a:rPr lang="en-US" dirty="0"/>
-              <a:t> </a:t>
-            </a:r>
-            <a:r>
-              <a:rPr lang="en-US" dirty="0" err="1"/>
-              <a:t>viverra</a:t>
-            </a:r>
-            <a:r>
-              <a:rPr lang="en-US" dirty="0"/>
-              <a:t>, </a:t>
-            </a:r>
-            <a:r>
-              <a:rPr lang="en-US" dirty="0" err="1"/>
-              <a:t>elementum</a:t>
-            </a:r>
-            <a:r>
-              <a:rPr lang="en-US" dirty="0"/>
-              <a:t> </a:t>
-            </a:r>
-            <a:r>
-              <a:rPr lang="en-US" dirty="0" err="1"/>
-              <a:t>est</a:t>
-            </a:r>
-            <a:r>
-              <a:rPr lang="en-US" dirty="0"/>
-              <a:t> ac, </a:t>
-            </a:r>
-            <a:r>
-              <a:rPr lang="en-US" dirty="0" err="1"/>
-              <a:t>molestie</a:t>
-            </a:r>
-            <a:r>
-              <a:rPr lang="en-US" dirty="0"/>
-              <a:t> diam. Maecenas </a:t>
-            </a:r>
-            <a:r>
-              <a:rPr lang="en-US" dirty="0" err="1"/>
-              <a:t>fringilla</a:t>
-            </a:r>
-            <a:r>
-              <a:rPr lang="en-US" dirty="0"/>
-              <a:t> dui </a:t>
-            </a:r>
-            <a:r>
-              <a:rPr lang="en-US" dirty="0" err="1"/>
-              <a:t>metus</a:t>
-            </a:r>
-            <a:r>
-              <a:rPr lang="en-US" dirty="0"/>
-              <a:t>, </a:t>
-            </a:r>
-            <a:r>
-              <a:rPr lang="en-US" dirty="0" err="1"/>
-              <a:t>quis</a:t>
-            </a:r>
-            <a:r>
-              <a:rPr lang="en-US" dirty="0"/>
-              <a:t> </a:t>
-            </a:r>
-            <a:r>
-              <a:rPr lang="en-US" dirty="0" err="1"/>
-              <a:t>accumsan</a:t>
-            </a:r>
-            <a:r>
-              <a:rPr lang="en-US" dirty="0"/>
-              <a:t> </a:t>
-            </a:r>
-            <a:r>
-              <a:rPr lang="en-US" dirty="0" err="1"/>
-              <a:t>nisl</a:t>
-            </a:r>
-            <a:r>
-              <a:rPr lang="en-US" dirty="0"/>
-              <a:t> </a:t>
-            </a:r>
-            <a:r>
-              <a:rPr lang="en-US" dirty="0" err="1"/>
-              <a:t>pretium</a:t>
-            </a:r>
-            <a:r>
-              <a:rPr lang="en-US" dirty="0"/>
-              <a:t> </a:t>
-            </a:r>
-            <a:r>
-              <a:rPr lang="en-US" dirty="0" err="1"/>
-              <a:t>nec</a:t>
-            </a:r>
-            <a:r>
-              <a:rPr lang="en-US" dirty="0"/>
-              <a:t>. </a:t>
-            </a:r>
-            <a:r>
-              <a:rPr lang="en-US" dirty="0" err="1"/>
-              <a:t>Curabitur</a:t>
-            </a:r>
-            <a:r>
-              <a:rPr lang="en-US" dirty="0"/>
-              <a:t> </a:t>
-            </a:r>
-            <a:r>
-              <a:rPr lang="en-US" dirty="0" err="1"/>
-              <a:t>posuere</a:t>
-            </a:r>
-            <a:r>
-              <a:rPr lang="en-US" dirty="0"/>
-              <a:t> </a:t>
-            </a:r>
-            <a:r>
-              <a:rPr lang="en-US" dirty="0" err="1"/>
-              <a:t>nec</a:t>
-            </a:r>
-            <a:r>
-              <a:rPr lang="en-US" dirty="0"/>
-              <a:t> </a:t>
-            </a:r>
-            <a:r>
-              <a:rPr lang="en-US" dirty="0" err="1"/>
-              <a:t>est</a:t>
-            </a:r>
-            <a:r>
-              <a:rPr lang="en-US" dirty="0"/>
-              <a:t> non </a:t>
-            </a:r>
-            <a:r>
-              <a:rPr lang="en-US" dirty="0" err="1"/>
-              <a:t>lobortis</a:t>
-            </a:r>
-            <a:r>
-              <a:rPr lang="en-US" dirty="0"/>
-              <a:t>.</a:t>
-            </a:r>
-          </a:p>
-        </p:txBody>
-      </p:sp>
-      <p:sp>
-        <p:nvSpPr>
-          <p:cNvPr id="11" name="TextBox 10">
-            <a:extLst>
-              <a:ext uri="{FF2B5EF4-FFF2-40B4-BE49-F238E27FC236}">
-                <a16:creationId xmlns:a16="http://schemas.microsoft.com/office/drawing/2014/main" id="{9AF2FF8A-BF09-4D69-9CED-736848A7211A}"/>
-              </a:ext>
-            </a:extLst>
-          </p:cNvPr>
-          <p:cNvSpPr txBox="1"/>
-          <p:nvPr/>
-        </p:nvSpPr>
-        <p:spPr>
-          <a:xfrm>
-            <a:off x="8066918" y="7540464"/>
-            <a:ext cx="1921078" cy="253916"/>
-          </a:xfrm>
-          <a:prstGeom prst="rect">
-            <a:avLst/>
-          </a:prstGeom>
-          <a:noFill/>
-        </p:spPr>
-        <p:txBody>
-          <a:bodyPr wrap="square" rtlCol="0">
-            <a:spAutoFit/>
-          </a:bodyPr>
-          <a:lstStyle/>
-          <a:p>
-            <a:pPr algn="ctr"/>
-            <a:r>
-              <a:rPr lang="en-US" sz="1050" dirty="0">
-                <a:latin typeface="Arial Rounded MT Bold" panose="020B0604020202020204" pitchFamily="34" charset="0"/>
-                <a:cs typeface="Aharoni" panose="020B0604020202020204" pitchFamily="2" charset="-79"/>
-              </a:rPr>
-              <a:t>Biography</a:t>
-            </a:r>
-          </a:p>
-        </p:txBody>
-      </p:sp>
-      <p:sp>
-        <p:nvSpPr>
-          <p:cNvPr id="13" name="Rectangle 12">
-            <a:extLst>
-              <a:ext uri="{FF2B5EF4-FFF2-40B4-BE49-F238E27FC236}">
-                <a16:creationId xmlns:a16="http://schemas.microsoft.com/office/drawing/2014/main" id="{97D82890-24A8-49E4-A6A8-5F18D2BDBF95}"/>
+          <p:cNvPr id="100" name="Rectangle 99">
+            <a:extLst>
+              <a:ext uri="{FF2B5EF4-FFF2-40B4-BE49-F238E27FC236}">
+                <a16:creationId xmlns:a16="http://schemas.microsoft.com/office/drawing/2014/main" id="{B20DF589-7554-4457-BCD8-90C5F7334A80}"/>
               </a:ext>
             </a:extLst>
           </p:cNvPr>
@@ -15906,15 +16334,13 @@
         </p:nvSpPr>
         <p:spPr>
           <a:xfrm>
-            <a:off x="3845341" y="8701864"/>
-            <a:ext cx="855093" cy="191573"/>
-          </a:xfrm>
-          <a:prstGeom prst="rect">
-            <a:avLst/>
-          </a:prstGeom>
-          <a:solidFill>
-            <a:schemeClr val="bg1"/>
-          </a:solidFill>
+            <a:off x="9841334" y="10548539"/>
+            <a:ext cx="457200" cy="457200"/>
+          </a:xfrm>
+          <a:prstGeom prst="rect">
+            <a:avLst/>
+          </a:prstGeom>
+          <a:noFill/>
           <a:ln w="9525">
             <a:solidFill>
               <a:schemeClr val="tx1"/>
@@ -15942,13 +16368,701 @@
           <a:lstStyle/>
           <a:p>
             <a:pPr algn="ctr"/>
-            <a:r>
-              <a:rPr lang="en-US" sz="1200" dirty="0">
+            <a:endParaRPr lang="en-US" sz="5183"/>
+          </a:p>
+        </p:txBody>
+      </p:sp>
+      <p:sp>
+        <p:nvSpPr>
+          <p:cNvPr id="102" name="Isosceles Triangle 101">
+            <a:extLst>
+              <a:ext uri="{FF2B5EF4-FFF2-40B4-BE49-F238E27FC236}">
+                <a16:creationId xmlns:a16="http://schemas.microsoft.com/office/drawing/2014/main" id="{1FA71AA8-E0A8-4978-9498-D4E7EE1A1141}"/>
+              </a:ext>
+            </a:extLst>
+          </p:cNvPr>
+          <p:cNvSpPr/>
+          <p:nvPr/>
+        </p:nvSpPr>
+        <p:spPr>
+          <a:xfrm rot="5400000">
+            <a:off x="11852227" y="11654003"/>
+            <a:ext cx="457200" cy="457200"/>
+          </a:xfrm>
+          <a:prstGeom prst="triangle">
+            <a:avLst/>
+          </a:prstGeom>
+        </p:spPr>
+        <p:style>
+          <a:lnRef idx="2">
+            <a:schemeClr val="accent1">
+              <a:shade val="50000"/>
+            </a:schemeClr>
+          </a:lnRef>
+          <a:fillRef idx="1">
+            <a:schemeClr val="accent1"/>
+          </a:fillRef>
+          <a:effectRef idx="0">
+            <a:schemeClr val="accent1"/>
+          </a:effectRef>
+          <a:fontRef idx="minor">
+            <a:schemeClr val="lt1"/>
+          </a:fontRef>
+        </p:style>
+        <p:txBody>
+          <a:bodyPr rtlCol="0" anchor="ctr"/>
+          <a:lstStyle/>
+          <a:p>
+            <a:pPr algn="ctr"/>
+            <a:endParaRPr lang="en-US" sz="5183"/>
+          </a:p>
+        </p:txBody>
+      </p:sp>
+      <p:pic>
+        <p:nvPicPr>
+          <p:cNvPr id="103" name="Picture 2" descr="kgo.googleusercontent.com/profile_vrt_raw_bytes...">
+            <a:extLst>
+              <a:ext uri="{FF2B5EF4-FFF2-40B4-BE49-F238E27FC236}">
+                <a16:creationId xmlns:a16="http://schemas.microsoft.com/office/drawing/2014/main" id="{A1FFA6C6-535E-4268-A05E-CD143940DDE0}"/>
+              </a:ext>
+            </a:extLst>
+          </p:cNvPr>
+          <p:cNvPicPr>
+            <a:picLocks noChangeAspect="1" noChangeArrowheads="1"/>
+          </p:cNvPicPr>
+          <p:nvPr/>
+        </p:nvPicPr>
+        <p:blipFill>
+          <a:blip r:embed="rId2">
+            <a:extLst>
+              <a:ext uri="{28A0092B-C50C-407E-A947-70E740481C1C}">
+                <a14:useLocalDpi xmlns:a14="http://schemas.microsoft.com/office/drawing/2010/main" val="0"/>
+              </a:ext>
+            </a:extLst>
+          </a:blip>
+          <a:srcRect/>
+          <a:stretch>
+            <a:fillRect/>
+          </a:stretch>
+        </p:blipFill>
+        <p:spPr bwMode="auto">
+          <a:xfrm>
+            <a:off x="9846842" y="11056517"/>
+            <a:ext cx="457200" cy="451842"/>
+          </a:xfrm>
+          <a:prstGeom prst="rect">
+            <a:avLst/>
+          </a:prstGeom>
+          <a:noFill/>
+          <a:extLst>
+            <a:ext uri="{909E8E84-426E-40DD-AFC4-6F175D3DCCD1}">
+              <a14:hiddenFill xmlns:a14="http://schemas.microsoft.com/office/drawing/2010/main">
                 <a:solidFill>
-                  <a:schemeClr val="tx1"/>
+                  <a:srgbClr val="FFFFFF"/>
                 </a:solidFill>
+              </a14:hiddenFill>
+            </a:ext>
+          </a:extLst>
+        </p:spPr>
+      </p:pic>
+      <p:sp>
+        <p:nvSpPr>
+          <p:cNvPr id="105" name="Rectangle 104">
+            <a:extLst>
+              <a:ext uri="{FF2B5EF4-FFF2-40B4-BE49-F238E27FC236}">
+                <a16:creationId xmlns:a16="http://schemas.microsoft.com/office/drawing/2014/main" id="{EB4B11DF-274A-4EC5-98EA-75CD2727761E}"/>
+              </a:ext>
+            </a:extLst>
+          </p:cNvPr>
+          <p:cNvSpPr/>
+          <p:nvPr/>
+        </p:nvSpPr>
+        <p:spPr>
+          <a:xfrm>
+            <a:off x="9834693" y="11041630"/>
+            <a:ext cx="457200" cy="457200"/>
+          </a:xfrm>
+          <a:prstGeom prst="rect">
+            <a:avLst/>
+          </a:prstGeom>
+          <a:noFill/>
+          <a:ln w="9525">
+            <a:solidFill>
+              <a:schemeClr val="tx1"/>
+            </a:solidFill>
+          </a:ln>
+        </p:spPr>
+        <p:style>
+          <a:lnRef idx="2">
+            <a:schemeClr val="accent1">
+              <a:shade val="50000"/>
+            </a:schemeClr>
+          </a:lnRef>
+          <a:fillRef idx="1">
+            <a:schemeClr val="accent1"/>
+          </a:fillRef>
+          <a:effectRef idx="0">
+            <a:schemeClr val="accent1"/>
+          </a:effectRef>
+          <a:fontRef idx="minor">
+            <a:schemeClr val="lt1"/>
+          </a:fontRef>
+        </p:style>
+        <p:txBody>
+          <a:bodyPr rtlCol="0" anchor="ctr"/>
+          <a:lstStyle/>
+          <a:p>
+            <a:pPr algn="ctr"/>
+            <a:endParaRPr lang="en-US" sz="5183"/>
+          </a:p>
+        </p:txBody>
+      </p:sp>
+      <p:sp>
+        <p:nvSpPr>
+          <p:cNvPr id="109" name="TextBox 108">
+            <a:extLst>
+              <a:ext uri="{FF2B5EF4-FFF2-40B4-BE49-F238E27FC236}">
+                <a16:creationId xmlns:a16="http://schemas.microsoft.com/office/drawing/2014/main" id="{BEB5AE47-6805-40AD-BE24-9D5B18A48669}"/>
+              </a:ext>
+            </a:extLst>
+          </p:cNvPr>
+          <p:cNvSpPr txBox="1"/>
+          <p:nvPr/>
+        </p:nvSpPr>
+        <p:spPr>
+          <a:xfrm>
+            <a:off x="10015209" y="10169644"/>
+            <a:ext cx="1921078" cy="230832"/>
+          </a:xfrm>
+          <a:prstGeom prst="rect">
+            <a:avLst/>
+          </a:prstGeom>
+          <a:noFill/>
+        </p:spPr>
+        <p:txBody>
+          <a:bodyPr wrap="square" rtlCol="0">
+            <a:spAutoFit/>
+          </a:bodyPr>
+          <a:lstStyle/>
+          <a:p>
+            <a:pPr algn="ctr"/>
+            <a:r>
+              <a:rPr lang="en-US" sz="900" dirty="0">
+                <a:latin typeface="Arial Rounded MT Bold" panose="020B0604020202020204" pitchFamily="34" charset="0"/>
+                <a:cs typeface="Aharoni" panose="020B0604020202020204" pitchFamily="2" charset="-79"/>
               </a:rPr>
-              <a:t>Edit Photo</a:t>
+              <a:t>Red Hot Chili Peppers</a:t>
+            </a:r>
+          </a:p>
+        </p:txBody>
+      </p:sp>
+      <p:sp>
+        <p:nvSpPr>
+          <p:cNvPr id="111" name="TextBox 110">
+            <a:extLst>
+              <a:ext uri="{FF2B5EF4-FFF2-40B4-BE49-F238E27FC236}">
+                <a16:creationId xmlns:a16="http://schemas.microsoft.com/office/drawing/2014/main" id="{8C35A663-FB8D-4AD7-BF40-BDF71182CBBF}"/>
+              </a:ext>
+            </a:extLst>
+          </p:cNvPr>
+          <p:cNvSpPr txBox="1"/>
+          <p:nvPr/>
+        </p:nvSpPr>
+        <p:spPr>
+          <a:xfrm>
+            <a:off x="10048262" y="10643522"/>
+            <a:ext cx="1921078" cy="230832"/>
+          </a:xfrm>
+          <a:prstGeom prst="rect">
+            <a:avLst/>
+          </a:prstGeom>
+          <a:noFill/>
+        </p:spPr>
+        <p:txBody>
+          <a:bodyPr wrap="square" rtlCol="0">
+            <a:spAutoFit/>
+          </a:bodyPr>
+          <a:lstStyle/>
+          <a:p>
+            <a:pPr algn="ctr"/>
+            <a:r>
+              <a:rPr lang="en-US" sz="900" dirty="0">
+                <a:latin typeface="Arial Rounded MT Bold" panose="020B0604020202020204" pitchFamily="34" charset="0"/>
+                <a:cs typeface="Aharoni" panose="020B0604020202020204" pitchFamily="2" charset="-79"/>
+              </a:rPr>
+              <a:t>Red Hot Chili Peppers</a:t>
+            </a:r>
+          </a:p>
+        </p:txBody>
+      </p:sp>
+      <p:sp>
+        <p:nvSpPr>
+          <p:cNvPr id="113" name="TextBox 112">
+            <a:extLst>
+              <a:ext uri="{FF2B5EF4-FFF2-40B4-BE49-F238E27FC236}">
+                <a16:creationId xmlns:a16="http://schemas.microsoft.com/office/drawing/2014/main" id="{06EB2758-BBA8-48AE-8797-82551AAF5431}"/>
+              </a:ext>
+            </a:extLst>
+          </p:cNvPr>
+          <p:cNvSpPr txBox="1"/>
+          <p:nvPr/>
+        </p:nvSpPr>
+        <p:spPr>
+          <a:xfrm>
+            <a:off x="10078587" y="11165131"/>
+            <a:ext cx="1921078" cy="230832"/>
+          </a:xfrm>
+          <a:prstGeom prst="rect">
+            <a:avLst/>
+          </a:prstGeom>
+          <a:noFill/>
+        </p:spPr>
+        <p:txBody>
+          <a:bodyPr wrap="square" rtlCol="0">
+            <a:spAutoFit/>
+          </a:bodyPr>
+          <a:lstStyle/>
+          <a:p>
+            <a:pPr algn="ctr"/>
+            <a:r>
+              <a:rPr lang="en-US" sz="900" dirty="0">
+                <a:latin typeface="Arial Rounded MT Bold" panose="020B0604020202020204" pitchFamily="34" charset="0"/>
+                <a:cs typeface="Aharoni" panose="020B0604020202020204" pitchFamily="2" charset="-79"/>
+              </a:rPr>
+              <a:t>Red Hot Chili Peppers</a:t>
+            </a:r>
+          </a:p>
+        </p:txBody>
+      </p:sp>
+      <p:pic>
+        <p:nvPicPr>
+          <p:cNvPr id="115" name="Picture 2" descr="kgo.googleusercontent.com/profile_vrt_raw_bytes...">
+            <a:extLst>
+              <a:ext uri="{FF2B5EF4-FFF2-40B4-BE49-F238E27FC236}">
+                <a16:creationId xmlns:a16="http://schemas.microsoft.com/office/drawing/2014/main" id="{911F8869-4356-40E3-881F-0007F21C830B}"/>
+              </a:ext>
+            </a:extLst>
+          </p:cNvPr>
+          <p:cNvPicPr>
+            <a:picLocks noChangeAspect="1" noChangeArrowheads="1"/>
+          </p:cNvPicPr>
+          <p:nvPr/>
+        </p:nvPicPr>
+        <p:blipFill>
+          <a:blip r:embed="rId2">
+            <a:extLst>
+              <a:ext uri="{28A0092B-C50C-407E-A947-70E740481C1C}">
+                <a14:useLocalDpi xmlns:a14="http://schemas.microsoft.com/office/drawing/2010/main" val="0"/>
+              </a:ext>
+            </a:extLst>
+          </a:blip>
+          <a:srcRect/>
+          <a:stretch>
+            <a:fillRect/>
+          </a:stretch>
+        </p:blipFill>
+        <p:spPr bwMode="auto">
+          <a:xfrm>
+            <a:off x="18716849" y="7328137"/>
+            <a:ext cx="457200" cy="451842"/>
+          </a:xfrm>
+          <a:prstGeom prst="rect">
+            <a:avLst/>
+          </a:prstGeom>
+          <a:noFill/>
+          <a:extLst>
+            <a:ext uri="{909E8E84-426E-40DD-AFC4-6F175D3DCCD1}">
+              <a14:hiddenFill xmlns:a14="http://schemas.microsoft.com/office/drawing/2010/main">
+                <a:solidFill>
+                  <a:srgbClr val="FFFFFF"/>
+                </a:solidFill>
+              </a14:hiddenFill>
+            </a:ext>
+          </a:extLst>
+        </p:spPr>
+      </p:pic>
+      <p:sp>
+        <p:nvSpPr>
+          <p:cNvPr id="117" name="TextBox 116">
+            <a:extLst>
+              <a:ext uri="{FF2B5EF4-FFF2-40B4-BE49-F238E27FC236}">
+                <a16:creationId xmlns:a16="http://schemas.microsoft.com/office/drawing/2014/main" id="{10697D5E-879A-459F-A86A-561485548BB6}"/>
+              </a:ext>
+            </a:extLst>
+          </p:cNvPr>
+          <p:cNvSpPr txBox="1"/>
+          <p:nvPr/>
+        </p:nvSpPr>
+        <p:spPr>
+          <a:xfrm>
+            <a:off x="18010830" y="7038330"/>
+            <a:ext cx="1921078" cy="215444"/>
+          </a:xfrm>
+          <a:prstGeom prst="rect">
+            <a:avLst/>
+          </a:prstGeom>
+          <a:noFill/>
+        </p:spPr>
+        <p:txBody>
+          <a:bodyPr wrap="square" rtlCol="0">
+            <a:spAutoFit/>
+          </a:bodyPr>
+          <a:lstStyle/>
+          <a:p>
+            <a:pPr algn="ctr"/>
+            <a:r>
+              <a:rPr lang="en-US" sz="800" dirty="0">
+                <a:latin typeface="Arial Rounded MT Bold" panose="020B0604020202020204" pitchFamily="34" charset="0"/>
+                <a:cs typeface="Aharoni" panose="020B0604020202020204" pitchFamily="2" charset="-79"/>
+              </a:rPr>
+              <a:t>Upcoming Performances:</a:t>
+            </a:r>
+          </a:p>
+        </p:txBody>
+      </p:sp>
+      <p:sp>
+        <p:nvSpPr>
+          <p:cNvPr id="119" name="Rectangle 118">
+            <a:extLst>
+              <a:ext uri="{FF2B5EF4-FFF2-40B4-BE49-F238E27FC236}">
+                <a16:creationId xmlns:a16="http://schemas.microsoft.com/office/drawing/2014/main" id="{0834CA2A-795C-4FBE-B012-AEDFE041BEC7}"/>
+              </a:ext>
+            </a:extLst>
+          </p:cNvPr>
+          <p:cNvSpPr/>
+          <p:nvPr/>
+        </p:nvSpPr>
+        <p:spPr>
+          <a:xfrm>
+            <a:off x="18512752" y="7313249"/>
+            <a:ext cx="914400" cy="914400"/>
+          </a:xfrm>
+          <a:prstGeom prst="rect">
+            <a:avLst/>
+          </a:prstGeom>
+          <a:noFill/>
+          <a:ln w="9525">
+            <a:solidFill>
+              <a:schemeClr val="tx1"/>
+            </a:solidFill>
+          </a:ln>
+        </p:spPr>
+        <p:style>
+          <a:lnRef idx="2">
+            <a:schemeClr val="accent1">
+              <a:shade val="50000"/>
+            </a:schemeClr>
+          </a:lnRef>
+          <a:fillRef idx="1">
+            <a:schemeClr val="accent1"/>
+          </a:fillRef>
+          <a:effectRef idx="0">
+            <a:schemeClr val="accent1"/>
+          </a:effectRef>
+          <a:fontRef idx="minor">
+            <a:schemeClr val="lt1"/>
+          </a:fontRef>
+        </p:style>
+        <p:txBody>
+          <a:bodyPr rtlCol="0" anchor="ctr"/>
+          <a:lstStyle/>
+          <a:p>
+            <a:pPr algn="ctr"/>
+            <a:endParaRPr lang="en-US" sz="5183"/>
+          </a:p>
+        </p:txBody>
+      </p:sp>
+      <p:sp>
+        <p:nvSpPr>
+          <p:cNvPr id="121" name="TextBox 120">
+            <a:extLst>
+              <a:ext uri="{FF2B5EF4-FFF2-40B4-BE49-F238E27FC236}">
+                <a16:creationId xmlns:a16="http://schemas.microsoft.com/office/drawing/2014/main" id="{A4178849-1630-46B6-A6EF-D06C96D8166E}"/>
+              </a:ext>
+            </a:extLst>
+          </p:cNvPr>
+          <p:cNvSpPr txBox="1"/>
+          <p:nvPr/>
+        </p:nvSpPr>
+        <p:spPr>
+          <a:xfrm>
+            <a:off x="18017486" y="7792599"/>
+            <a:ext cx="1921078" cy="184666"/>
+          </a:xfrm>
+          <a:prstGeom prst="rect">
+            <a:avLst/>
+          </a:prstGeom>
+          <a:noFill/>
+        </p:spPr>
+        <p:txBody>
+          <a:bodyPr wrap="square" rtlCol="0">
+            <a:spAutoFit/>
+          </a:bodyPr>
+          <a:lstStyle/>
+          <a:p>
+            <a:pPr algn="ctr"/>
+            <a:r>
+              <a:rPr lang="en-US" sz="600" dirty="0">
+                <a:latin typeface="Arial Rounded MT Bold" panose="020B0604020202020204" pitchFamily="34" charset="0"/>
+                <a:cs typeface="Aharoni" panose="020B0604020202020204" pitchFamily="2" charset="-79"/>
+              </a:rPr>
+              <a:t>Red Hot Chili Peppers</a:t>
+            </a:r>
+          </a:p>
+        </p:txBody>
+      </p:sp>
+      <p:sp>
+        <p:nvSpPr>
+          <p:cNvPr id="123" name="TextBox 122">
+            <a:extLst>
+              <a:ext uri="{FF2B5EF4-FFF2-40B4-BE49-F238E27FC236}">
+                <a16:creationId xmlns:a16="http://schemas.microsoft.com/office/drawing/2014/main" id="{10FB7E70-4BAC-4FAA-A8B8-076ADDF837CD}"/>
+              </a:ext>
+            </a:extLst>
+          </p:cNvPr>
+          <p:cNvSpPr txBox="1"/>
+          <p:nvPr/>
+        </p:nvSpPr>
+        <p:spPr>
+          <a:xfrm>
+            <a:off x="18027273" y="7894666"/>
+            <a:ext cx="1921078" cy="369332"/>
+          </a:xfrm>
+          <a:prstGeom prst="rect">
+            <a:avLst/>
+          </a:prstGeom>
+          <a:noFill/>
+        </p:spPr>
+        <p:txBody>
+          <a:bodyPr wrap="square" rtlCol="0">
+            <a:spAutoFit/>
+          </a:bodyPr>
+          <a:lstStyle/>
+          <a:p>
+            <a:pPr algn="ctr"/>
+            <a:r>
+              <a:rPr lang="en-US" sz="600" dirty="0">
+                <a:latin typeface="Arial Rounded MT Bold" panose="020B0604020202020204" pitchFamily="34" charset="0"/>
+                <a:cs typeface="Aharoni" panose="020B0604020202020204" pitchFamily="2" charset="-79"/>
+              </a:rPr>
+              <a:t>Austin, Texas</a:t>
+            </a:r>
+          </a:p>
+          <a:p>
+            <a:pPr algn="ctr"/>
+            <a:r>
+              <a:rPr lang="en-US" sz="600" dirty="0">
+                <a:latin typeface="Arial Rounded MT Bold" panose="020B0604020202020204" pitchFamily="34" charset="0"/>
+                <a:cs typeface="Aharoni" panose="020B0604020202020204" pitchFamily="2" charset="-79"/>
+              </a:rPr>
+              <a:t>7pm</a:t>
+            </a:r>
+          </a:p>
+          <a:p>
+            <a:pPr algn="ctr"/>
+            <a:r>
+              <a:rPr lang="en-US" sz="600" dirty="0">
+                <a:latin typeface="Arial Rounded MT Bold" panose="020B0604020202020204" pitchFamily="34" charset="0"/>
+                <a:cs typeface="Aharoni" panose="020B0604020202020204" pitchFamily="2" charset="-79"/>
+              </a:rPr>
+              <a:t>10/17/2020</a:t>
+            </a:r>
+          </a:p>
+        </p:txBody>
+      </p:sp>
+      <p:pic>
+        <p:nvPicPr>
+          <p:cNvPr id="125" name="Picture 2" descr="kgo.googleusercontent.com/profile_vrt_raw_bytes...">
+            <a:extLst>
+              <a:ext uri="{FF2B5EF4-FFF2-40B4-BE49-F238E27FC236}">
+                <a16:creationId xmlns:a16="http://schemas.microsoft.com/office/drawing/2014/main" id="{7B5CCBD7-A371-4542-887D-63820121BDBC}"/>
+              </a:ext>
+            </a:extLst>
+          </p:cNvPr>
+          <p:cNvPicPr>
+            <a:picLocks noChangeAspect="1" noChangeArrowheads="1"/>
+          </p:cNvPicPr>
+          <p:nvPr/>
+        </p:nvPicPr>
+        <p:blipFill>
+          <a:blip r:embed="rId2">
+            <a:extLst>
+              <a:ext uri="{28A0092B-C50C-407E-A947-70E740481C1C}">
+                <a14:useLocalDpi xmlns:a14="http://schemas.microsoft.com/office/drawing/2010/main" val="0"/>
+              </a:ext>
+            </a:extLst>
+          </a:blip>
+          <a:srcRect/>
+          <a:stretch>
+            <a:fillRect/>
+          </a:stretch>
+        </p:blipFill>
+        <p:spPr bwMode="auto">
+          <a:xfrm>
+            <a:off x="18710193" y="8310104"/>
+            <a:ext cx="457200" cy="451842"/>
+          </a:xfrm>
+          <a:prstGeom prst="rect">
+            <a:avLst/>
+          </a:prstGeom>
+          <a:noFill/>
+          <a:extLst>
+            <a:ext uri="{909E8E84-426E-40DD-AFC4-6F175D3DCCD1}">
+              <a14:hiddenFill xmlns:a14="http://schemas.microsoft.com/office/drawing/2010/main">
+                <a:solidFill>
+                  <a:srgbClr val="FFFFFF"/>
+                </a:solidFill>
+              </a14:hiddenFill>
+            </a:ext>
+          </a:extLst>
+        </p:spPr>
+      </p:pic>
+      <p:sp>
+        <p:nvSpPr>
+          <p:cNvPr id="127" name="Rectangle 126">
+            <a:extLst>
+              <a:ext uri="{FF2B5EF4-FFF2-40B4-BE49-F238E27FC236}">
+                <a16:creationId xmlns:a16="http://schemas.microsoft.com/office/drawing/2014/main" id="{B21EB536-B5E6-4DD7-BBD3-4724713C182A}"/>
+              </a:ext>
+            </a:extLst>
+          </p:cNvPr>
+          <p:cNvSpPr/>
+          <p:nvPr/>
+        </p:nvSpPr>
+        <p:spPr>
+          <a:xfrm>
+            <a:off x="18506096" y="8295216"/>
+            <a:ext cx="914400" cy="914400"/>
+          </a:xfrm>
+          <a:prstGeom prst="rect">
+            <a:avLst/>
+          </a:prstGeom>
+          <a:noFill/>
+          <a:ln w="9525">
+            <a:solidFill>
+              <a:schemeClr val="tx1"/>
+            </a:solidFill>
+          </a:ln>
+        </p:spPr>
+        <p:style>
+          <a:lnRef idx="2">
+            <a:schemeClr val="accent1">
+              <a:shade val="50000"/>
+            </a:schemeClr>
+          </a:lnRef>
+          <a:fillRef idx="1">
+            <a:schemeClr val="accent1"/>
+          </a:fillRef>
+          <a:effectRef idx="0">
+            <a:schemeClr val="accent1"/>
+          </a:effectRef>
+          <a:fontRef idx="minor">
+            <a:schemeClr val="lt1"/>
+          </a:fontRef>
+        </p:style>
+        <p:txBody>
+          <a:bodyPr rtlCol="0" anchor="ctr"/>
+          <a:lstStyle/>
+          <a:p>
+            <a:pPr algn="ctr"/>
+            <a:endParaRPr lang="en-US" sz="5183"/>
+          </a:p>
+        </p:txBody>
+      </p:sp>
+      <p:sp>
+        <p:nvSpPr>
+          <p:cNvPr id="1024" name="TextBox 1023">
+            <a:extLst>
+              <a:ext uri="{FF2B5EF4-FFF2-40B4-BE49-F238E27FC236}">
+                <a16:creationId xmlns:a16="http://schemas.microsoft.com/office/drawing/2014/main" id="{B860D0CA-017F-4B59-8057-B664B7961352}"/>
+              </a:ext>
+            </a:extLst>
+          </p:cNvPr>
+          <p:cNvSpPr txBox="1"/>
+          <p:nvPr/>
+        </p:nvSpPr>
+        <p:spPr>
+          <a:xfrm>
+            <a:off x="18010830" y="8774567"/>
+            <a:ext cx="1921078" cy="184666"/>
+          </a:xfrm>
+          <a:prstGeom prst="rect">
+            <a:avLst/>
+          </a:prstGeom>
+          <a:noFill/>
+        </p:spPr>
+        <p:txBody>
+          <a:bodyPr wrap="square" rtlCol="0">
+            <a:spAutoFit/>
+          </a:bodyPr>
+          <a:lstStyle/>
+          <a:p>
+            <a:pPr algn="ctr"/>
+            <a:r>
+              <a:rPr lang="en-US" sz="600" dirty="0">
+                <a:latin typeface="Arial Rounded MT Bold" panose="020B0604020202020204" pitchFamily="34" charset="0"/>
+                <a:cs typeface="Aharoni" panose="020B0604020202020204" pitchFamily="2" charset="-79"/>
+              </a:rPr>
+              <a:t>Red Hot Chili Peppers</a:t>
+            </a:r>
+          </a:p>
+        </p:txBody>
+      </p:sp>
+      <p:sp>
+        <p:nvSpPr>
+          <p:cNvPr id="1025" name="TextBox 1024">
+            <a:extLst>
+              <a:ext uri="{FF2B5EF4-FFF2-40B4-BE49-F238E27FC236}">
+                <a16:creationId xmlns:a16="http://schemas.microsoft.com/office/drawing/2014/main" id="{EA2ADDE4-CCD1-4115-9DD9-74A1832CAE0A}"/>
+              </a:ext>
+            </a:extLst>
+          </p:cNvPr>
+          <p:cNvSpPr txBox="1"/>
+          <p:nvPr/>
+        </p:nvSpPr>
+        <p:spPr>
+          <a:xfrm>
+            <a:off x="18020617" y="8876632"/>
+            <a:ext cx="1921078" cy="369332"/>
+          </a:xfrm>
+          <a:prstGeom prst="rect">
+            <a:avLst/>
+          </a:prstGeom>
+          <a:noFill/>
+        </p:spPr>
+        <p:txBody>
+          <a:bodyPr wrap="square" rtlCol="0">
+            <a:spAutoFit/>
+          </a:bodyPr>
+          <a:lstStyle/>
+          <a:p>
+            <a:pPr algn="ctr"/>
+            <a:r>
+              <a:rPr lang="en-US" sz="600" dirty="0">
+                <a:latin typeface="Arial Rounded MT Bold" panose="020B0604020202020204" pitchFamily="34" charset="0"/>
+                <a:cs typeface="Aharoni" panose="020B0604020202020204" pitchFamily="2" charset="-79"/>
+              </a:rPr>
+              <a:t>Austin, Texas</a:t>
+            </a:r>
+          </a:p>
+          <a:p>
+            <a:pPr algn="ctr"/>
+            <a:r>
+              <a:rPr lang="en-US" sz="600" dirty="0">
+                <a:latin typeface="Arial Rounded MT Bold" panose="020B0604020202020204" pitchFamily="34" charset="0"/>
+                <a:cs typeface="Aharoni" panose="020B0604020202020204" pitchFamily="2" charset="-79"/>
+              </a:rPr>
+              <a:t>7pm</a:t>
+            </a:r>
+          </a:p>
+          <a:p>
+            <a:pPr algn="ctr"/>
+            <a:r>
+              <a:rPr lang="en-US" sz="600" dirty="0">
+                <a:latin typeface="Arial Rounded MT Bold" panose="020B0604020202020204" pitchFamily="34" charset="0"/>
+                <a:cs typeface="Aharoni" panose="020B0604020202020204" pitchFamily="2" charset="-79"/>
+              </a:rPr>
+              <a:t>10/17/2020</a:t>
             </a:r>
           </a:p>
         </p:txBody>
@@ -15956,7 +17070,7 @@
     </p:spTree>
     <p:extLst>
       <p:ext uri="{BB962C8B-B14F-4D97-AF65-F5344CB8AC3E}">
-        <p14:creationId xmlns:p14="http://schemas.microsoft.com/office/powerpoint/2010/main" val="937142826"/>
+        <p14:creationId xmlns:p14="http://schemas.microsoft.com/office/powerpoint/2010/main" val="2070697815"/>
       </p:ext>
     </p:extLst>
   </p:cSld>
@@ -15983,2545 +17097,6 @@
           <a:chExt cx="0" cy="0"/>
         </a:xfrm>
       </p:grpSpPr>
-      <p:pic>
-        <p:nvPicPr>
-          <p:cNvPr id="80" name="Picture 2" descr="kgo.googleusercontent.com/profile_vrt_raw_bytes...">
-            <a:extLst>
-              <a:ext uri="{FF2B5EF4-FFF2-40B4-BE49-F238E27FC236}">
-                <a16:creationId xmlns:a16="http://schemas.microsoft.com/office/drawing/2014/main" id="{30EE7F99-E7D5-4205-9294-BD262B526CF8}"/>
-              </a:ext>
-            </a:extLst>
-          </p:cNvPr>
-          <p:cNvPicPr>
-            <a:picLocks noChangeAspect="1" noChangeArrowheads="1"/>
-          </p:cNvPicPr>
-          <p:nvPr/>
-        </p:nvPicPr>
-        <p:blipFill>
-          <a:blip r:embed="rId2">
-            <a:extLst>
-              <a:ext uri="{28A0092B-C50C-407E-A947-70E740481C1C}">
-                <a14:useLocalDpi xmlns:a14="http://schemas.microsoft.com/office/drawing/2010/main" val="0"/>
-              </a:ext>
-            </a:extLst>
-          </a:blip>
-          <a:srcRect/>
-          <a:stretch>
-            <a:fillRect/>
-          </a:stretch>
-        </p:blipFill>
-        <p:spPr bwMode="auto">
-          <a:xfrm>
-            <a:off x="9846842" y="10081252"/>
-            <a:ext cx="457200" cy="451842"/>
-          </a:xfrm>
-          <a:prstGeom prst="rect">
-            <a:avLst/>
-          </a:prstGeom>
-          <a:noFill/>
-          <a:extLst>
-            <a:ext uri="{909E8E84-426E-40DD-AFC4-6F175D3DCCD1}">
-              <a14:hiddenFill xmlns:a14="http://schemas.microsoft.com/office/drawing/2010/main">
-                <a:solidFill>
-                  <a:srgbClr val="FFFFFF"/>
-                </a:solidFill>
-              </a14:hiddenFill>
-            </a:ext>
-          </a:extLst>
-        </p:spPr>
-      </p:pic>
-      <p:sp>
-        <p:nvSpPr>
-          <p:cNvPr id="72" name="Rectangle 71">
-            <a:extLst>
-              <a:ext uri="{FF2B5EF4-FFF2-40B4-BE49-F238E27FC236}">
-                <a16:creationId xmlns:a16="http://schemas.microsoft.com/office/drawing/2014/main" id="{DD69C602-D2AA-479D-9732-0BFE084C5BF2}"/>
-              </a:ext>
-            </a:extLst>
-          </p:cNvPr>
-          <p:cNvSpPr/>
-          <p:nvPr/>
-        </p:nvSpPr>
-        <p:spPr>
-          <a:xfrm>
-            <a:off x="9646291" y="6761157"/>
-            <a:ext cx="2134648" cy="4800971"/>
-          </a:xfrm>
-          <a:prstGeom prst="rect">
-            <a:avLst/>
-          </a:prstGeom>
-          <a:noFill/>
-          <a:ln>
-            <a:noFill/>
-          </a:ln>
-        </p:spPr>
-        <p:style>
-          <a:lnRef idx="2">
-            <a:schemeClr val="accent1">
-              <a:shade val="50000"/>
-            </a:schemeClr>
-          </a:lnRef>
-          <a:fillRef idx="1">
-            <a:schemeClr val="accent1"/>
-          </a:fillRef>
-          <a:effectRef idx="0">
-            <a:schemeClr val="accent1"/>
-          </a:effectRef>
-          <a:fontRef idx="minor">
-            <a:schemeClr val="lt1"/>
-          </a:fontRef>
-        </p:style>
-        <p:txBody>
-          <a:bodyPr rtlCol="0" anchor="ctr"/>
-          <a:lstStyle/>
-          <a:p>
-            <a:pPr algn="ctr"/>
-            <a:endParaRPr lang="en-US" sz="5183"/>
-          </a:p>
-        </p:txBody>
-      </p:sp>
-      <p:sp>
-        <p:nvSpPr>
-          <p:cNvPr id="70" name="Rectangle 69">
-            <a:extLst>
-              <a:ext uri="{FF2B5EF4-FFF2-40B4-BE49-F238E27FC236}">
-                <a16:creationId xmlns:a16="http://schemas.microsoft.com/office/drawing/2014/main" id="{40D7BEB8-D715-436F-8DAC-294CF37782C2}"/>
-              </a:ext>
-            </a:extLst>
-          </p:cNvPr>
-          <p:cNvSpPr/>
-          <p:nvPr/>
-        </p:nvSpPr>
-        <p:spPr>
-          <a:xfrm>
-            <a:off x="9635605" y="11553739"/>
-            <a:ext cx="9982898" cy="907489"/>
-          </a:xfrm>
-          <a:prstGeom prst="rect">
-            <a:avLst/>
-          </a:prstGeom>
-          <a:solidFill>
-            <a:schemeClr val="bg1">
-              <a:lumMod val="85000"/>
-            </a:schemeClr>
-          </a:solidFill>
-          <a:ln>
-            <a:noFill/>
-          </a:ln>
-        </p:spPr>
-        <p:style>
-          <a:lnRef idx="2">
-            <a:schemeClr val="accent1">
-              <a:shade val="50000"/>
-            </a:schemeClr>
-          </a:lnRef>
-          <a:fillRef idx="1">
-            <a:schemeClr val="accent1"/>
-          </a:fillRef>
-          <a:effectRef idx="0">
-            <a:schemeClr val="accent1"/>
-          </a:effectRef>
-          <a:fontRef idx="minor">
-            <a:schemeClr val="lt1"/>
-          </a:fontRef>
-        </p:style>
-        <p:txBody>
-          <a:bodyPr rtlCol="0" anchor="ctr"/>
-          <a:lstStyle/>
-          <a:p>
-            <a:pPr algn="ctr"/>
-            <a:endParaRPr lang="en-US" sz="5183"/>
-          </a:p>
-        </p:txBody>
-      </p:sp>
-      <p:sp>
-        <p:nvSpPr>
-          <p:cNvPr id="68" name="Rectangle 67">
-            <a:extLst>
-              <a:ext uri="{FF2B5EF4-FFF2-40B4-BE49-F238E27FC236}">
-                <a16:creationId xmlns:a16="http://schemas.microsoft.com/office/drawing/2014/main" id="{DC011AC1-1F24-4577-8C98-BEF9F9BD21B5}"/>
-              </a:ext>
-            </a:extLst>
-          </p:cNvPr>
-          <p:cNvSpPr/>
-          <p:nvPr/>
-        </p:nvSpPr>
-        <p:spPr>
-          <a:xfrm>
-            <a:off x="9646293" y="5840836"/>
-            <a:ext cx="9982898" cy="931178"/>
-          </a:xfrm>
-          <a:prstGeom prst="rect">
-            <a:avLst/>
-          </a:prstGeom>
-          <a:noFill/>
-          <a:ln>
-            <a:noFill/>
-          </a:ln>
-        </p:spPr>
-        <p:style>
-          <a:lnRef idx="2">
-            <a:schemeClr val="accent1">
-              <a:shade val="50000"/>
-            </a:schemeClr>
-          </a:lnRef>
-          <a:fillRef idx="1">
-            <a:schemeClr val="accent1"/>
-          </a:fillRef>
-          <a:effectRef idx="0">
-            <a:schemeClr val="accent1"/>
-          </a:effectRef>
-          <a:fontRef idx="minor">
-            <a:schemeClr val="lt1"/>
-          </a:fontRef>
-        </p:style>
-        <p:txBody>
-          <a:bodyPr rtlCol="0" anchor="ctr"/>
-          <a:lstStyle/>
-          <a:p>
-            <a:pPr algn="ctr"/>
-            <a:endParaRPr lang="en-US" sz="5183"/>
-          </a:p>
-        </p:txBody>
-      </p:sp>
-      <p:sp>
-        <p:nvSpPr>
-          <p:cNvPr id="12" name="Rectangle 11">
-            <a:extLst>
-              <a:ext uri="{FF2B5EF4-FFF2-40B4-BE49-F238E27FC236}">
-                <a16:creationId xmlns:a16="http://schemas.microsoft.com/office/drawing/2014/main" id="{1E03F97F-6009-445D-B362-E087A082E093}"/>
-              </a:ext>
-            </a:extLst>
-          </p:cNvPr>
-          <p:cNvSpPr/>
-          <p:nvPr/>
-        </p:nvSpPr>
-        <p:spPr>
-          <a:xfrm>
-            <a:off x="10057353" y="7085125"/>
-            <a:ext cx="1325461" cy="261610"/>
-          </a:xfrm>
-          <a:prstGeom prst="rect">
-            <a:avLst/>
-          </a:prstGeom>
-          <a:solidFill>
-            <a:schemeClr val="bg1"/>
-          </a:solidFill>
-          <a:ln w="9525">
-            <a:solidFill>
-              <a:schemeClr val="tx1"/>
-            </a:solidFill>
-          </a:ln>
-        </p:spPr>
-        <p:style>
-          <a:lnRef idx="2">
-            <a:schemeClr val="accent1">
-              <a:shade val="50000"/>
-            </a:schemeClr>
-          </a:lnRef>
-          <a:fillRef idx="1">
-            <a:schemeClr val="accent1"/>
-          </a:fillRef>
-          <a:effectRef idx="0">
-            <a:schemeClr val="accent1"/>
-          </a:effectRef>
-          <a:fontRef idx="minor">
-            <a:schemeClr val="lt1"/>
-          </a:fontRef>
-        </p:style>
-        <p:txBody>
-          <a:bodyPr rtlCol="0" anchor="ctr"/>
-          <a:lstStyle/>
-          <a:p>
-            <a:pPr algn="ctr"/>
-            <a:endParaRPr lang="en-US" sz="5183"/>
-          </a:p>
-        </p:txBody>
-      </p:sp>
-      <p:sp>
-        <p:nvSpPr>
-          <p:cNvPr id="22" name="Rectangle 21">
-            <a:extLst>
-              <a:ext uri="{FF2B5EF4-FFF2-40B4-BE49-F238E27FC236}">
-                <a16:creationId xmlns:a16="http://schemas.microsoft.com/office/drawing/2014/main" id="{EE9300C5-95F6-458E-94A4-3C5069852AAC}"/>
-              </a:ext>
-            </a:extLst>
-          </p:cNvPr>
-          <p:cNvSpPr/>
-          <p:nvPr/>
-        </p:nvSpPr>
-        <p:spPr>
-          <a:xfrm>
-            <a:off x="9627216" y="11744327"/>
-            <a:ext cx="9982899" cy="733757"/>
-          </a:xfrm>
-          <a:prstGeom prst="rect">
-            <a:avLst/>
-          </a:prstGeom>
-          <a:noFill/>
-          <a:ln w="9525">
-            <a:noFill/>
-          </a:ln>
-        </p:spPr>
-        <p:style>
-          <a:lnRef idx="2">
-            <a:schemeClr val="accent1">
-              <a:shade val="50000"/>
-            </a:schemeClr>
-          </a:lnRef>
-          <a:fillRef idx="1">
-            <a:schemeClr val="accent1"/>
-          </a:fillRef>
-          <a:effectRef idx="0">
-            <a:schemeClr val="accent1"/>
-          </a:effectRef>
-          <a:fontRef idx="minor">
-            <a:schemeClr val="lt1"/>
-          </a:fontRef>
-        </p:style>
-        <p:txBody>
-          <a:bodyPr rtlCol="0" anchor="ctr"/>
-          <a:lstStyle/>
-          <a:p>
-            <a:pPr algn="ctr"/>
-            <a:endParaRPr lang="en-US" sz="5183"/>
-          </a:p>
-        </p:txBody>
-      </p:sp>
-      <p:sp>
-        <p:nvSpPr>
-          <p:cNvPr id="10" name="Rectangle 9">
-            <a:extLst>
-              <a:ext uri="{FF2B5EF4-FFF2-40B4-BE49-F238E27FC236}">
-                <a16:creationId xmlns:a16="http://schemas.microsoft.com/office/drawing/2014/main" id="{55A0E9A0-910C-45A7-9A00-989B08368859}"/>
-              </a:ext>
-            </a:extLst>
-          </p:cNvPr>
-          <p:cNvSpPr/>
-          <p:nvPr/>
-        </p:nvSpPr>
-        <p:spPr>
-          <a:xfrm>
-            <a:off x="9646293" y="6663962"/>
-            <a:ext cx="1929468" cy="5797884"/>
-          </a:xfrm>
-          <a:prstGeom prst="rect">
-            <a:avLst/>
-          </a:prstGeom>
-          <a:noFill/>
-          <a:ln w="9525">
-            <a:noFill/>
-          </a:ln>
-        </p:spPr>
-        <p:style>
-          <a:lnRef idx="2">
-            <a:schemeClr val="accent1">
-              <a:shade val="50000"/>
-            </a:schemeClr>
-          </a:lnRef>
-          <a:fillRef idx="1">
-            <a:schemeClr val="accent1"/>
-          </a:fillRef>
-          <a:effectRef idx="0">
-            <a:schemeClr val="accent1"/>
-          </a:effectRef>
-          <a:fontRef idx="minor">
-            <a:schemeClr val="lt1"/>
-          </a:fontRef>
-        </p:style>
-        <p:txBody>
-          <a:bodyPr rtlCol="0" anchor="ctr"/>
-          <a:lstStyle/>
-          <a:p>
-            <a:pPr algn="ctr"/>
-            <a:endParaRPr lang="en-US" sz="5183"/>
-          </a:p>
-        </p:txBody>
-      </p:sp>
-      <p:sp>
-        <p:nvSpPr>
-          <p:cNvPr id="4" name="Rectangle 3">
-            <a:extLst>
-              <a:ext uri="{FF2B5EF4-FFF2-40B4-BE49-F238E27FC236}">
-                <a16:creationId xmlns:a16="http://schemas.microsoft.com/office/drawing/2014/main" id="{0FD36C3D-DE2E-4402-B027-EC511F59CF55}"/>
-              </a:ext>
-            </a:extLst>
-          </p:cNvPr>
-          <p:cNvSpPr/>
-          <p:nvPr/>
-        </p:nvSpPr>
-        <p:spPr>
-          <a:xfrm>
-            <a:off x="9629515" y="5821961"/>
-            <a:ext cx="9982899" cy="6644081"/>
-          </a:xfrm>
-          <a:prstGeom prst="rect">
-            <a:avLst/>
-          </a:prstGeom>
-          <a:noFill/>
-          <a:ln w="28575">
-            <a:solidFill>
-              <a:schemeClr val="tx1"/>
-            </a:solidFill>
-          </a:ln>
-        </p:spPr>
-        <p:style>
-          <a:lnRef idx="2">
-            <a:schemeClr val="accent1">
-              <a:shade val="50000"/>
-            </a:schemeClr>
-          </a:lnRef>
-          <a:fillRef idx="1">
-            <a:schemeClr val="accent1"/>
-          </a:fillRef>
-          <a:effectRef idx="0">
-            <a:schemeClr val="accent1"/>
-          </a:effectRef>
-          <a:fontRef idx="minor">
-            <a:schemeClr val="lt1"/>
-          </a:fontRef>
-        </p:style>
-        <p:txBody>
-          <a:bodyPr rtlCol="0" anchor="ctr"/>
-          <a:lstStyle/>
-          <a:p>
-            <a:pPr algn="ctr"/>
-            <a:endParaRPr lang="en-US" sz="5183"/>
-          </a:p>
-        </p:txBody>
-      </p:sp>
-      <p:sp>
-        <p:nvSpPr>
-          <p:cNvPr id="5" name="TextBox 4">
-            <a:extLst>
-              <a:ext uri="{FF2B5EF4-FFF2-40B4-BE49-F238E27FC236}">
-                <a16:creationId xmlns:a16="http://schemas.microsoft.com/office/drawing/2014/main" id="{5863CF67-5BD8-4952-AA99-9874F1991F89}"/>
-              </a:ext>
-            </a:extLst>
-          </p:cNvPr>
-          <p:cNvSpPr txBox="1"/>
-          <p:nvPr/>
-        </p:nvSpPr>
-        <p:spPr>
-          <a:xfrm>
-            <a:off x="9872796" y="5981351"/>
-            <a:ext cx="2994869" cy="523220"/>
-          </a:xfrm>
-          <a:prstGeom prst="rect">
-            <a:avLst/>
-          </a:prstGeom>
-          <a:noFill/>
-        </p:spPr>
-        <p:txBody>
-          <a:bodyPr wrap="square" rtlCol="0">
-            <a:spAutoFit/>
-          </a:bodyPr>
-          <a:lstStyle/>
-          <a:p>
-            <a:r>
-              <a:rPr lang="en-US" sz="2800" dirty="0" err="1">
-                <a:latin typeface="Arial Rounded MT Bold" panose="020B0604020202020204" pitchFamily="34" charset="0"/>
-                <a:cs typeface="Aharoni" panose="020B0604020202020204" pitchFamily="2" charset="-79"/>
-              </a:rPr>
-              <a:t>Buskr</a:t>
-            </a:r>
-            <a:endParaRPr lang="en-US" sz="2800" dirty="0">
-              <a:latin typeface="Arial Rounded MT Bold" panose="020B0604020202020204" pitchFamily="34" charset="0"/>
-              <a:cs typeface="Aharoni" panose="020B0604020202020204" pitchFamily="2" charset="-79"/>
-            </a:endParaRPr>
-          </a:p>
-        </p:txBody>
-      </p:sp>
-      <p:sp>
-        <p:nvSpPr>
-          <p:cNvPr id="7" name="TextBox 6">
-            <a:extLst>
-              <a:ext uri="{FF2B5EF4-FFF2-40B4-BE49-F238E27FC236}">
-                <a16:creationId xmlns:a16="http://schemas.microsoft.com/office/drawing/2014/main" id="{B99D6F98-3040-4667-8528-804F5E70CE31}"/>
-              </a:ext>
-            </a:extLst>
-          </p:cNvPr>
-          <p:cNvSpPr txBox="1"/>
-          <p:nvPr/>
-        </p:nvSpPr>
-        <p:spPr>
-          <a:xfrm>
-            <a:off x="17082156" y="6104461"/>
-            <a:ext cx="2453620" cy="276999"/>
-          </a:xfrm>
-          <a:prstGeom prst="rect">
-            <a:avLst/>
-          </a:prstGeom>
-          <a:noFill/>
-        </p:spPr>
-        <p:txBody>
-          <a:bodyPr wrap="square" rtlCol="0">
-            <a:spAutoFit/>
-          </a:bodyPr>
-          <a:lstStyle/>
-          <a:p>
-            <a:pPr algn="ctr"/>
-            <a:r>
-              <a:rPr lang="en-US" sz="1200" dirty="0">
-                <a:latin typeface="Arial Rounded MT Bold" panose="020B0604020202020204" pitchFamily="34" charset="0"/>
-                <a:cs typeface="Aharoni" panose="020B0604020202020204" pitchFamily="2" charset="-79"/>
-              </a:rPr>
-              <a:t>Sign Up  |  Log In | View Cart</a:t>
-            </a:r>
-          </a:p>
-        </p:txBody>
-      </p:sp>
-      <p:sp>
-        <p:nvSpPr>
-          <p:cNvPr id="9" name="TextBox 8">
-            <a:extLst>
-              <a:ext uri="{FF2B5EF4-FFF2-40B4-BE49-F238E27FC236}">
-                <a16:creationId xmlns:a16="http://schemas.microsoft.com/office/drawing/2014/main" id="{FB0B49F0-F147-4819-A9A9-47B18B52E8BC}"/>
-              </a:ext>
-            </a:extLst>
-          </p:cNvPr>
-          <p:cNvSpPr txBox="1"/>
-          <p:nvPr/>
-        </p:nvSpPr>
-        <p:spPr>
-          <a:xfrm>
-            <a:off x="10078589" y="7106348"/>
-            <a:ext cx="1325461" cy="215444"/>
-          </a:xfrm>
-          <a:prstGeom prst="rect">
-            <a:avLst/>
-          </a:prstGeom>
-          <a:noFill/>
-        </p:spPr>
-        <p:txBody>
-          <a:bodyPr wrap="square" rtlCol="0">
-            <a:spAutoFit/>
-          </a:bodyPr>
-          <a:lstStyle/>
-          <a:p>
-            <a:pPr algn="ctr"/>
-            <a:r>
-              <a:rPr lang="en-US" sz="800" dirty="0">
-                <a:latin typeface="Arial Rounded MT Bold" panose="020B0604020202020204" pitchFamily="34" charset="0"/>
-                <a:cs typeface="Aharoni" panose="020B0604020202020204" pitchFamily="2" charset="-79"/>
-              </a:rPr>
-              <a:t>Search artist by name</a:t>
-            </a:r>
-          </a:p>
-        </p:txBody>
-      </p:sp>
-      <p:pic>
-        <p:nvPicPr>
-          <p:cNvPr id="1026" name="Picture 2" descr="react-h5-audio-player - npm">
-            <a:extLst>
-              <a:ext uri="{FF2B5EF4-FFF2-40B4-BE49-F238E27FC236}">
-                <a16:creationId xmlns:a16="http://schemas.microsoft.com/office/drawing/2014/main" id="{F28D1163-40F3-4735-8DE0-B33783B63FA1}"/>
-              </a:ext>
-            </a:extLst>
-          </p:cNvPr>
-          <p:cNvPicPr>
-            <a:picLocks noChangeAspect="1" noChangeArrowheads="1"/>
-          </p:cNvPicPr>
-          <p:nvPr/>
-        </p:nvPicPr>
-        <p:blipFill>
-          <a:blip r:embed="rId3">
-            <a:extLst>
-              <a:ext uri="{28A0092B-C50C-407E-A947-70E740481C1C}">
-                <a14:useLocalDpi xmlns:a14="http://schemas.microsoft.com/office/drawing/2010/main" val="0"/>
-              </a:ext>
-            </a:extLst>
-          </a:blip>
-          <a:srcRect/>
-          <a:stretch>
-            <a:fillRect/>
-          </a:stretch>
-        </p:blipFill>
-        <p:spPr bwMode="auto">
-          <a:xfrm>
-            <a:off x="14163701" y="11824325"/>
-            <a:ext cx="2491529" cy="523221"/>
-          </a:xfrm>
-          <a:prstGeom prst="rect">
-            <a:avLst/>
-          </a:prstGeom>
-          <a:noFill/>
-          <a:extLst>
-            <a:ext uri="{909E8E84-426E-40DD-AFC4-6F175D3DCCD1}">
-              <a14:hiddenFill xmlns:a14="http://schemas.microsoft.com/office/drawing/2010/main">
-                <a:solidFill>
-                  <a:srgbClr val="FFFFFF"/>
-                </a:solidFill>
-              </a14:hiddenFill>
-            </a:ext>
-          </a:extLst>
-        </p:spPr>
-      </p:pic>
-      <p:sp>
-        <p:nvSpPr>
-          <p:cNvPr id="14" name="TextBox 13">
-            <a:extLst>
-              <a:ext uri="{FF2B5EF4-FFF2-40B4-BE49-F238E27FC236}">
-                <a16:creationId xmlns:a16="http://schemas.microsoft.com/office/drawing/2014/main" id="{7A240E62-B66C-4F14-984C-EE8C28D612F4}"/>
-              </a:ext>
-            </a:extLst>
-          </p:cNvPr>
-          <p:cNvSpPr txBox="1"/>
-          <p:nvPr/>
-        </p:nvSpPr>
-        <p:spPr>
-          <a:xfrm>
-            <a:off x="9772126" y="8000782"/>
-            <a:ext cx="1921078" cy="253916"/>
-          </a:xfrm>
-          <a:prstGeom prst="rect">
-            <a:avLst/>
-          </a:prstGeom>
-          <a:noFill/>
-        </p:spPr>
-        <p:txBody>
-          <a:bodyPr wrap="square" rtlCol="0">
-            <a:spAutoFit/>
-          </a:bodyPr>
-          <a:lstStyle/>
-          <a:p>
-            <a:pPr algn="ctr"/>
-            <a:r>
-              <a:rPr lang="en-US" sz="1050" dirty="0">
-                <a:latin typeface="Arial Rounded MT Bold" panose="020B0604020202020204" pitchFamily="34" charset="0"/>
-                <a:cs typeface="Aharoni" panose="020B0604020202020204" pitchFamily="2" charset="-79"/>
-              </a:rPr>
-              <a:t>Browse artists by genre:</a:t>
-            </a:r>
-          </a:p>
-        </p:txBody>
-      </p:sp>
-      <p:sp>
-        <p:nvSpPr>
-          <p:cNvPr id="16" name="TextBox 15">
-            <a:extLst>
-              <a:ext uri="{FF2B5EF4-FFF2-40B4-BE49-F238E27FC236}">
-                <a16:creationId xmlns:a16="http://schemas.microsoft.com/office/drawing/2014/main" id="{CAB8703B-53B4-483F-B985-CFF4EF6E3AAF}"/>
-              </a:ext>
-            </a:extLst>
-          </p:cNvPr>
-          <p:cNvSpPr txBox="1"/>
-          <p:nvPr/>
-        </p:nvSpPr>
-        <p:spPr>
-          <a:xfrm>
-            <a:off x="10015409" y="8244370"/>
-            <a:ext cx="1367405" cy="1384995"/>
-          </a:xfrm>
-          <a:prstGeom prst="rect">
-            <a:avLst/>
-          </a:prstGeom>
-          <a:noFill/>
-        </p:spPr>
-        <p:txBody>
-          <a:bodyPr wrap="square" rtlCol="0">
-            <a:spAutoFit/>
-          </a:bodyPr>
-          <a:lstStyle/>
-          <a:p>
-            <a:r>
-              <a:rPr lang="en-US" sz="1050" dirty="0">
-                <a:latin typeface="Arial Rounded MT Bold" panose="020B0604020202020204" pitchFamily="34" charset="0"/>
-                <a:cs typeface="Aharoni" panose="020B0604020202020204" pitchFamily="2" charset="-79"/>
-              </a:rPr>
-              <a:t>Rap</a:t>
-            </a:r>
-          </a:p>
-          <a:p>
-            <a:r>
-              <a:rPr lang="en-US" sz="1050" dirty="0">
-                <a:latin typeface="Arial Rounded MT Bold" panose="020B0604020202020204" pitchFamily="34" charset="0"/>
-                <a:cs typeface="Aharoni" panose="020B0604020202020204" pitchFamily="2" charset="-79"/>
-              </a:rPr>
-              <a:t>Rock</a:t>
-            </a:r>
-          </a:p>
-          <a:p>
-            <a:r>
-              <a:rPr lang="en-US" sz="1050" dirty="0">
-                <a:latin typeface="Arial Rounded MT Bold" panose="020B0604020202020204" pitchFamily="34" charset="0"/>
-                <a:cs typeface="Aharoni" panose="020B0604020202020204" pitchFamily="2" charset="-79"/>
-              </a:rPr>
-              <a:t>Reggae</a:t>
-            </a:r>
-          </a:p>
-          <a:p>
-            <a:r>
-              <a:rPr lang="en-US" sz="1050" dirty="0">
-                <a:latin typeface="Arial Rounded MT Bold" panose="020B0604020202020204" pitchFamily="34" charset="0"/>
-                <a:cs typeface="Aharoni" panose="020B0604020202020204" pitchFamily="2" charset="-79"/>
-              </a:rPr>
-              <a:t>Pop</a:t>
-            </a:r>
-          </a:p>
-          <a:p>
-            <a:r>
-              <a:rPr lang="en-US" sz="1050" dirty="0">
-                <a:latin typeface="Arial Rounded MT Bold" panose="020B0604020202020204" pitchFamily="34" charset="0"/>
-                <a:cs typeface="Aharoni" panose="020B0604020202020204" pitchFamily="2" charset="-79"/>
-              </a:rPr>
-              <a:t>Blues</a:t>
-            </a:r>
-          </a:p>
-          <a:p>
-            <a:r>
-              <a:rPr lang="en-US" sz="1050" dirty="0">
-                <a:latin typeface="Arial Rounded MT Bold" panose="020B0604020202020204" pitchFamily="34" charset="0"/>
-                <a:cs typeface="Aharoni" panose="020B0604020202020204" pitchFamily="2" charset="-79"/>
-              </a:rPr>
-              <a:t>Country</a:t>
-            </a:r>
-          </a:p>
-          <a:p>
-            <a:r>
-              <a:rPr lang="en-US" sz="1050" dirty="0">
-                <a:latin typeface="Arial Rounded MT Bold" panose="020B0604020202020204" pitchFamily="34" charset="0"/>
-                <a:cs typeface="Aharoni" panose="020B0604020202020204" pitchFamily="2" charset="-79"/>
-              </a:rPr>
-              <a:t>Disco </a:t>
-            </a:r>
-          </a:p>
-          <a:p>
-            <a:r>
-              <a:rPr lang="en-US" sz="1050" dirty="0">
-                <a:latin typeface="Arial Rounded MT Bold" panose="020B0604020202020204" pitchFamily="34" charset="0"/>
-                <a:cs typeface="Aharoni" panose="020B0604020202020204" pitchFamily="2" charset="-79"/>
-              </a:rPr>
-              <a:t>Jazz</a:t>
-            </a:r>
-          </a:p>
-        </p:txBody>
-      </p:sp>
-      <p:sp>
-        <p:nvSpPr>
-          <p:cNvPr id="18" name="TextBox 17">
-            <a:extLst>
-              <a:ext uri="{FF2B5EF4-FFF2-40B4-BE49-F238E27FC236}">
-                <a16:creationId xmlns:a16="http://schemas.microsoft.com/office/drawing/2014/main" id="{B6B3868A-A876-4E9B-95C3-8AE8E8B3B2AF}"/>
-              </a:ext>
-            </a:extLst>
-          </p:cNvPr>
-          <p:cNvSpPr txBox="1"/>
-          <p:nvPr/>
-        </p:nvSpPr>
-        <p:spPr>
-          <a:xfrm>
-            <a:off x="7620001" y="5751227"/>
-            <a:ext cx="2009513" cy="1384995"/>
-          </a:xfrm>
-          <a:prstGeom prst="rect">
-            <a:avLst/>
-          </a:prstGeom>
-          <a:noFill/>
-        </p:spPr>
-        <p:txBody>
-          <a:bodyPr wrap="square" rtlCol="0">
-            <a:spAutoFit/>
-          </a:bodyPr>
-          <a:lstStyle/>
-          <a:p>
-            <a:pPr algn="ctr"/>
-            <a:r>
-              <a:rPr lang="en-US" sz="2800" dirty="0">
-                <a:latin typeface="Arial Rounded MT Bold" panose="020B0604020202020204" pitchFamily="34" charset="0"/>
-                <a:cs typeface="Aharoni" panose="020B0604020202020204" pitchFamily="2" charset="-79"/>
-              </a:rPr>
-              <a:t>Large Format</a:t>
-            </a:r>
-          </a:p>
-          <a:p>
-            <a:pPr algn="ctr"/>
-            <a:r>
-              <a:rPr lang="en-US" sz="2800" dirty="0">
-                <a:latin typeface="Arial Rounded MT Bold" panose="020B0604020202020204" pitchFamily="34" charset="0"/>
-                <a:cs typeface="Aharoni" panose="020B0604020202020204" pitchFamily="2" charset="-79"/>
-              </a:rPr>
-              <a:t>(addons)</a:t>
-            </a:r>
-          </a:p>
-        </p:txBody>
-      </p:sp>
-      <p:sp>
-        <p:nvSpPr>
-          <p:cNvPr id="20" name="Rectangle 19">
-            <a:extLst>
-              <a:ext uri="{FF2B5EF4-FFF2-40B4-BE49-F238E27FC236}">
-                <a16:creationId xmlns:a16="http://schemas.microsoft.com/office/drawing/2014/main" id="{917475EE-F5BE-4528-8363-7ED9A78C4CAB}"/>
-              </a:ext>
-            </a:extLst>
-          </p:cNvPr>
-          <p:cNvSpPr/>
-          <p:nvPr/>
-        </p:nvSpPr>
-        <p:spPr>
-          <a:xfrm>
-            <a:off x="12316437" y="7246266"/>
-            <a:ext cx="1143000" cy="1143000"/>
-          </a:xfrm>
-          <a:prstGeom prst="rect">
-            <a:avLst/>
-          </a:prstGeom>
-          <a:noFill/>
-          <a:ln w="9525">
-            <a:solidFill>
-              <a:schemeClr val="tx1"/>
-            </a:solidFill>
-          </a:ln>
-        </p:spPr>
-        <p:style>
-          <a:lnRef idx="2">
-            <a:schemeClr val="accent1">
-              <a:shade val="50000"/>
-            </a:schemeClr>
-          </a:lnRef>
-          <a:fillRef idx="1">
-            <a:schemeClr val="accent1"/>
-          </a:fillRef>
-          <a:effectRef idx="0">
-            <a:schemeClr val="accent1"/>
-          </a:effectRef>
-          <a:fontRef idx="minor">
-            <a:schemeClr val="lt1"/>
-          </a:fontRef>
-        </p:style>
-        <p:txBody>
-          <a:bodyPr rtlCol="0" anchor="ctr"/>
-          <a:lstStyle/>
-          <a:p>
-            <a:pPr algn="ctr"/>
-            <a:endParaRPr lang="en-US" sz="5183"/>
-          </a:p>
-        </p:txBody>
-      </p:sp>
-      <p:sp>
-        <p:nvSpPr>
-          <p:cNvPr id="24" name="Rectangle 23">
-            <a:extLst>
-              <a:ext uri="{FF2B5EF4-FFF2-40B4-BE49-F238E27FC236}">
-                <a16:creationId xmlns:a16="http://schemas.microsoft.com/office/drawing/2014/main" id="{81C18D17-81FD-4679-8573-B1FB027D7BF0}"/>
-              </a:ext>
-            </a:extLst>
-          </p:cNvPr>
-          <p:cNvSpPr/>
-          <p:nvPr/>
-        </p:nvSpPr>
-        <p:spPr>
-          <a:xfrm>
-            <a:off x="13764769" y="7246266"/>
-            <a:ext cx="1143000" cy="1143000"/>
-          </a:xfrm>
-          <a:prstGeom prst="rect">
-            <a:avLst/>
-          </a:prstGeom>
-          <a:noFill/>
-          <a:ln w="9525">
-            <a:solidFill>
-              <a:schemeClr val="tx1"/>
-            </a:solidFill>
-          </a:ln>
-        </p:spPr>
-        <p:style>
-          <a:lnRef idx="2">
-            <a:schemeClr val="accent1">
-              <a:shade val="50000"/>
-            </a:schemeClr>
-          </a:lnRef>
-          <a:fillRef idx="1">
-            <a:schemeClr val="accent1"/>
-          </a:fillRef>
-          <a:effectRef idx="0">
-            <a:schemeClr val="accent1"/>
-          </a:effectRef>
-          <a:fontRef idx="minor">
-            <a:schemeClr val="lt1"/>
-          </a:fontRef>
-        </p:style>
-        <p:txBody>
-          <a:bodyPr rtlCol="0" anchor="ctr"/>
-          <a:lstStyle/>
-          <a:p>
-            <a:pPr algn="ctr"/>
-            <a:endParaRPr lang="en-US" sz="5183"/>
-          </a:p>
-        </p:txBody>
-      </p:sp>
-      <p:sp>
-        <p:nvSpPr>
-          <p:cNvPr id="26" name="Rectangle 25">
-            <a:extLst>
-              <a:ext uri="{FF2B5EF4-FFF2-40B4-BE49-F238E27FC236}">
-                <a16:creationId xmlns:a16="http://schemas.microsoft.com/office/drawing/2014/main" id="{ADD1D5D9-4B2E-4744-9F42-6AC52A7C3CDF}"/>
-              </a:ext>
-            </a:extLst>
-          </p:cNvPr>
-          <p:cNvSpPr/>
-          <p:nvPr/>
-        </p:nvSpPr>
-        <p:spPr>
-          <a:xfrm>
-            <a:off x="15213101" y="7246266"/>
-            <a:ext cx="1143000" cy="1143000"/>
-          </a:xfrm>
-          <a:prstGeom prst="rect">
-            <a:avLst/>
-          </a:prstGeom>
-          <a:noFill/>
-          <a:ln w="9525">
-            <a:solidFill>
-              <a:schemeClr val="tx1"/>
-            </a:solidFill>
-          </a:ln>
-        </p:spPr>
-        <p:style>
-          <a:lnRef idx="2">
-            <a:schemeClr val="accent1">
-              <a:shade val="50000"/>
-            </a:schemeClr>
-          </a:lnRef>
-          <a:fillRef idx="1">
-            <a:schemeClr val="accent1"/>
-          </a:fillRef>
-          <a:effectRef idx="0">
-            <a:schemeClr val="accent1"/>
-          </a:effectRef>
-          <a:fontRef idx="minor">
-            <a:schemeClr val="lt1"/>
-          </a:fontRef>
-        </p:style>
-        <p:txBody>
-          <a:bodyPr rtlCol="0" anchor="ctr"/>
-          <a:lstStyle/>
-          <a:p>
-            <a:pPr algn="ctr"/>
-            <a:endParaRPr lang="en-US" sz="5183"/>
-          </a:p>
-        </p:txBody>
-      </p:sp>
-      <p:sp>
-        <p:nvSpPr>
-          <p:cNvPr id="28" name="Rectangle 27">
-            <a:extLst>
-              <a:ext uri="{FF2B5EF4-FFF2-40B4-BE49-F238E27FC236}">
-                <a16:creationId xmlns:a16="http://schemas.microsoft.com/office/drawing/2014/main" id="{2A0A193A-5157-418E-8445-BA90221772FE}"/>
-              </a:ext>
-            </a:extLst>
-          </p:cNvPr>
-          <p:cNvSpPr/>
-          <p:nvPr/>
-        </p:nvSpPr>
-        <p:spPr>
-          <a:xfrm>
-            <a:off x="16661433" y="7240493"/>
-            <a:ext cx="1143000" cy="1143000"/>
-          </a:xfrm>
-          <a:prstGeom prst="rect">
-            <a:avLst/>
-          </a:prstGeom>
-          <a:noFill/>
-          <a:ln w="9525">
-            <a:solidFill>
-              <a:schemeClr val="tx1"/>
-            </a:solidFill>
-          </a:ln>
-        </p:spPr>
-        <p:style>
-          <a:lnRef idx="2">
-            <a:schemeClr val="accent1">
-              <a:shade val="50000"/>
-            </a:schemeClr>
-          </a:lnRef>
-          <a:fillRef idx="1">
-            <a:schemeClr val="accent1"/>
-          </a:fillRef>
-          <a:effectRef idx="0">
-            <a:schemeClr val="accent1"/>
-          </a:effectRef>
-          <a:fontRef idx="minor">
-            <a:schemeClr val="lt1"/>
-          </a:fontRef>
-        </p:style>
-        <p:txBody>
-          <a:bodyPr rtlCol="0" anchor="ctr"/>
-          <a:lstStyle/>
-          <a:p>
-            <a:pPr algn="ctr"/>
-            <a:endParaRPr lang="en-US" sz="5183"/>
-          </a:p>
-        </p:txBody>
-      </p:sp>
-      <p:sp>
-        <p:nvSpPr>
-          <p:cNvPr id="32" name="Rectangle 31">
-            <a:extLst>
-              <a:ext uri="{FF2B5EF4-FFF2-40B4-BE49-F238E27FC236}">
-                <a16:creationId xmlns:a16="http://schemas.microsoft.com/office/drawing/2014/main" id="{A1926FCE-A577-46C2-80BF-D645139508C9}"/>
-              </a:ext>
-            </a:extLst>
-          </p:cNvPr>
-          <p:cNvSpPr/>
-          <p:nvPr/>
-        </p:nvSpPr>
-        <p:spPr>
-          <a:xfrm>
-            <a:off x="12316437" y="8567751"/>
-            <a:ext cx="1143000" cy="1143000"/>
-          </a:xfrm>
-          <a:prstGeom prst="rect">
-            <a:avLst/>
-          </a:prstGeom>
-          <a:noFill/>
-          <a:ln w="9525">
-            <a:solidFill>
-              <a:schemeClr val="tx1"/>
-            </a:solidFill>
-          </a:ln>
-        </p:spPr>
-        <p:style>
-          <a:lnRef idx="2">
-            <a:schemeClr val="accent1">
-              <a:shade val="50000"/>
-            </a:schemeClr>
-          </a:lnRef>
-          <a:fillRef idx="1">
-            <a:schemeClr val="accent1"/>
-          </a:fillRef>
-          <a:effectRef idx="0">
-            <a:schemeClr val="accent1"/>
-          </a:effectRef>
-          <a:fontRef idx="minor">
-            <a:schemeClr val="lt1"/>
-          </a:fontRef>
-        </p:style>
-        <p:txBody>
-          <a:bodyPr rtlCol="0" anchor="ctr"/>
-          <a:lstStyle/>
-          <a:p>
-            <a:pPr algn="ctr"/>
-            <a:endParaRPr lang="en-US" sz="5183"/>
-          </a:p>
-        </p:txBody>
-      </p:sp>
-      <p:sp>
-        <p:nvSpPr>
-          <p:cNvPr id="34" name="Rectangle 33">
-            <a:extLst>
-              <a:ext uri="{FF2B5EF4-FFF2-40B4-BE49-F238E27FC236}">
-                <a16:creationId xmlns:a16="http://schemas.microsoft.com/office/drawing/2014/main" id="{3663313E-6E9F-4C88-BFA5-95B1ACB4CA89}"/>
-              </a:ext>
-            </a:extLst>
-          </p:cNvPr>
-          <p:cNvSpPr/>
-          <p:nvPr/>
-        </p:nvSpPr>
-        <p:spPr>
-          <a:xfrm>
-            <a:off x="13764769" y="8567751"/>
-            <a:ext cx="1143000" cy="1143000"/>
-          </a:xfrm>
-          <a:prstGeom prst="rect">
-            <a:avLst/>
-          </a:prstGeom>
-          <a:noFill/>
-          <a:ln w="9525">
-            <a:solidFill>
-              <a:schemeClr val="tx1"/>
-            </a:solidFill>
-          </a:ln>
-        </p:spPr>
-        <p:style>
-          <a:lnRef idx="2">
-            <a:schemeClr val="accent1">
-              <a:shade val="50000"/>
-            </a:schemeClr>
-          </a:lnRef>
-          <a:fillRef idx="1">
-            <a:schemeClr val="accent1"/>
-          </a:fillRef>
-          <a:effectRef idx="0">
-            <a:schemeClr val="accent1"/>
-          </a:effectRef>
-          <a:fontRef idx="minor">
-            <a:schemeClr val="lt1"/>
-          </a:fontRef>
-        </p:style>
-        <p:txBody>
-          <a:bodyPr rtlCol="0" anchor="ctr"/>
-          <a:lstStyle/>
-          <a:p>
-            <a:pPr algn="ctr"/>
-            <a:endParaRPr lang="en-US" sz="5183"/>
-          </a:p>
-        </p:txBody>
-      </p:sp>
-      <p:sp>
-        <p:nvSpPr>
-          <p:cNvPr id="36" name="Rectangle 35">
-            <a:extLst>
-              <a:ext uri="{FF2B5EF4-FFF2-40B4-BE49-F238E27FC236}">
-                <a16:creationId xmlns:a16="http://schemas.microsoft.com/office/drawing/2014/main" id="{4DC583F6-5E61-438A-B873-1602043F5FF3}"/>
-              </a:ext>
-            </a:extLst>
-          </p:cNvPr>
-          <p:cNvSpPr/>
-          <p:nvPr/>
-        </p:nvSpPr>
-        <p:spPr>
-          <a:xfrm>
-            <a:off x="15213101" y="8567751"/>
-            <a:ext cx="1143000" cy="1143000"/>
-          </a:xfrm>
-          <a:prstGeom prst="rect">
-            <a:avLst/>
-          </a:prstGeom>
-          <a:noFill/>
-          <a:ln w="9525">
-            <a:solidFill>
-              <a:schemeClr val="tx1"/>
-            </a:solidFill>
-          </a:ln>
-        </p:spPr>
-        <p:style>
-          <a:lnRef idx="2">
-            <a:schemeClr val="accent1">
-              <a:shade val="50000"/>
-            </a:schemeClr>
-          </a:lnRef>
-          <a:fillRef idx="1">
-            <a:schemeClr val="accent1"/>
-          </a:fillRef>
-          <a:effectRef idx="0">
-            <a:schemeClr val="accent1"/>
-          </a:effectRef>
-          <a:fontRef idx="minor">
-            <a:schemeClr val="lt1"/>
-          </a:fontRef>
-        </p:style>
-        <p:txBody>
-          <a:bodyPr rtlCol="0" anchor="ctr"/>
-          <a:lstStyle/>
-          <a:p>
-            <a:pPr algn="ctr"/>
-            <a:endParaRPr lang="en-US" sz="5183"/>
-          </a:p>
-        </p:txBody>
-      </p:sp>
-      <p:sp>
-        <p:nvSpPr>
-          <p:cNvPr id="38" name="Rectangle 37">
-            <a:extLst>
-              <a:ext uri="{FF2B5EF4-FFF2-40B4-BE49-F238E27FC236}">
-                <a16:creationId xmlns:a16="http://schemas.microsoft.com/office/drawing/2014/main" id="{2A56CFFA-4796-4774-BED0-5332F0CEEF99}"/>
-              </a:ext>
-            </a:extLst>
-          </p:cNvPr>
-          <p:cNvSpPr/>
-          <p:nvPr/>
-        </p:nvSpPr>
-        <p:spPr>
-          <a:xfrm>
-            <a:off x="16661433" y="8561978"/>
-            <a:ext cx="1143000" cy="1143000"/>
-          </a:xfrm>
-          <a:prstGeom prst="rect">
-            <a:avLst/>
-          </a:prstGeom>
-          <a:noFill/>
-          <a:ln w="9525">
-            <a:solidFill>
-              <a:schemeClr val="tx1"/>
-            </a:solidFill>
-          </a:ln>
-        </p:spPr>
-        <p:style>
-          <a:lnRef idx="2">
-            <a:schemeClr val="accent1">
-              <a:shade val="50000"/>
-            </a:schemeClr>
-          </a:lnRef>
-          <a:fillRef idx="1">
-            <a:schemeClr val="accent1"/>
-          </a:fillRef>
-          <a:effectRef idx="0">
-            <a:schemeClr val="accent1"/>
-          </a:effectRef>
-          <a:fontRef idx="minor">
-            <a:schemeClr val="lt1"/>
-          </a:fontRef>
-        </p:style>
-        <p:txBody>
-          <a:bodyPr rtlCol="0" anchor="ctr"/>
-          <a:lstStyle/>
-          <a:p>
-            <a:pPr algn="ctr"/>
-            <a:endParaRPr lang="en-US" sz="5183"/>
-          </a:p>
-        </p:txBody>
-      </p:sp>
-      <p:sp>
-        <p:nvSpPr>
-          <p:cNvPr id="42" name="Rectangle 41">
-            <a:extLst>
-              <a:ext uri="{FF2B5EF4-FFF2-40B4-BE49-F238E27FC236}">
-                <a16:creationId xmlns:a16="http://schemas.microsoft.com/office/drawing/2014/main" id="{2FF44A56-392F-41F1-A34F-87D88857FF40}"/>
-              </a:ext>
-            </a:extLst>
-          </p:cNvPr>
-          <p:cNvSpPr/>
-          <p:nvPr/>
-        </p:nvSpPr>
-        <p:spPr>
-          <a:xfrm>
-            <a:off x="12316437" y="9854293"/>
-            <a:ext cx="1143000" cy="1143000"/>
-          </a:xfrm>
-          <a:prstGeom prst="rect">
-            <a:avLst/>
-          </a:prstGeom>
-          <a:noFill/>
-          <a:ln w="9525">
-            <a:solidFill>
-              <a:schemeClr val="tx1"/>
-            </a:solidFill>
-          </a:ln>
-        </p:spPr>
-        <p:style>
-          <a:lnRef idx="2">
-            <a:schemeClr val="accent1">
-              <a:shade val="50000"/>
-            </a:schemeClr>
-          </a:lnRef>
-          <a:fillRef idx="1">
-            <a:schemeClr val="accent1"/>
-          </a:fillRef>
-          <a:effectRef idx="0">
-            <a:schemeClr val="accent1"/>
-          </a:effectRef>
-          <a:fontRef idx="minor">
-            <a:schemeClr val="lt1"/>
-          </a:fontRef>
-        </p:style>
-        <p:txBody>
-          <a:bodyPr rtlCol="0" anchor="ctr"/>
-          <a:lstStyle/>
-          <a:p>
-            <a:pPr algn="ctr"/>
-            <a:endParaRPr lang="en-US" sz="5183"/>
-          </a:p>
-        </p:txBody>
-      </p:sp>
-      <p:sp>
-        <p:nvSpPr>
-          <p:cNvPr id="44" name="Rectangle 43">
-            <a:extLst>
-              <a:ext uri="{FF2B5EF4-FFF2-40B4-BE49-F238E27FC236}">
-                <a16:creationId xmlns:a16="http://schemas.microsoft.com/office/drawing/2014/main" id="{EC8D0E9A-21CF-44E5-8BC9-3026A5A6A712}"/>
-              </a:ext>
-            </a:extLst>
-          </p:cNvPr>
-          <p:cNvSpPr/>
-          <p:nvPr/>
-        </p:nvSpPr>
-        <p:spPr>
-          <a:xfrm>
-            <a:off x="13764769" y="9854293"/>
-            <a:ext cx="1143000" cy="1143000"/>
-          </a:xfrm>
-          <a:prstGeom prst="rect">
-            <a:avLst/>
-          </a:prstGeom>
-          <a:noFill/>
-          <a:ln w="9525">
-            <a:solidFill>
-              <a:schemeClr val="tx1"/>
-            </a:solidFill>
-          </a:ln>
-        </p:spPr>
-        <p:style>
-          <a:lnRef idx="2">
-            <a:schemeClr val="accent1">
-              <a:shade val="50000"/>
-            </a:schemeClr>
-          </a:lnRef>
-          <a:fillRef idx="1">
-            <a:schemeClr val="accent1"/>
-          </a:fillRef>
-          <a:effectRef idx="0">
-            <a:schemeClr val="accent1"/>
-          </a:effectRef>
-          <a:fontRef idx="minor">
-            <a:schemeClr val="lt1"/>
-          </a:fontRef>
-        </p:style>
-        <p:txBody>
-          <a:bodyPr rtlCol="0" anchor="ctr"/>
-          <a:lstStyle/>
-          <a:p>
-            <a:pPr algn="ctr"/>
-            <a:endParaRPr lang="en-US" sz="5183"/>
-          </a:p>
-        </p:txBody>
-      </p:sp>
-      <p:sp>
-        <p:nvSpPr>
-          <p:cNvPr id="46" name="Rectangle 45">
-            <a:extLst>
-              <a:ext uri="{FF2B5EF4-FFF2-40B4-BE49-F238E27FC236}">
-                <a16:creationId xmlns:a16="http://schemas.microsoft.com/office/drawing/2014/main" id="{68EF32FD-E8E9-4F16-8AF3-8CA041927857}"/>
-              </a:ext>
-            </a:extLst>
-          </p:cNvPr>
-          <p:cNvSpPr/>
-          <p:nvPr/>
-        </p:nvSpPr>
-        <p:spPr>
-          <a:xfrm>
-            <a:off x="15213101" y="9854293"/>
-            <a:ext cx="1143000" cy="1143000"/>
-          </a:xfrm>
-          <a:prstGeom prst="rect">
-            <a:avLst/>
-          </a:prstGeom>
-          <a:noFill/>
-          <a:ln w="9525">
-            <a:solidFill>
-              <a:schemeClr val="tx1"/>
-            </a:solidFill>
-          </a:ln>
-        </p:spPr>
-        <p:style>
-          <a:lnRef idx="2">
-            <a:schemeClr val="accent1">
-              <a:shade val="50000"/>
-            </a:schemeClr>
-          </a:lnRef>
-          <a:fillRef idx="1">
-            <a:schemeClr val="accent1"/>
-          </a:fillRef>
-          <a:effectRef idx="0">
-            <a:schemeClr val="accent1"/>
-          </a:effectRef>
-          <a:fontRef idx="minor">
-            <a:schemeClr val="lt1"/>
-          </a:fontRef>
-        </p:style>
-        <p:txBody>
-          <a:bodyPr rtlCol="0" anchor="ctr"/>
-          <a:lstStyle/>
-          <a:p>
-            <a:pPr algn="ctr"/>
-            <a:endParaRPr lang="en-US" sz="5183"/>
-          </a:p>
-        </p:txBody>
-      </p:sp>
-      <p:sp>
-        <p:nvSpPr>
-          <p:cNvPr id="48" name="Rectangle 47">
-            <a:extLst>
-              <a:ext uri="{FF2B5EF4-FFF2-40B4-BE49-F238E27FC236}">
-                <a16:creationId xmlns:a16="http://schemas.microsoft.com/office/drawing/2014/main" id="{6D424A0C-6179-4763-975D-04AAC659A729}"/>
-              </a:ext>
-            </a:extLst>
-          </p:cNvPr>
-          <p:cNvSpPr/>
-          <p:nvPr/>
-        </p:nvSpPr>
-        <p:spPr>
-          <a:xfrm>
-            <a:off x="16661433" y="9848520"/>
-            <a:ext cx="1143000" cy="1143000"/>
-          </a:xfrm>
-          <a:prstGeom prst="rect">
-            <a:avLst/>
-          </a:prstGeom>
-          <a:noFill/>
-          <a:ln w="9525">
-            <a:solidFill>
-              <a:schemeClr val="tx1"/>
-            </a:solidFill>
-          </a:ln>
-        </p:spPr>
-        <p:style>
-          <a:lnRef idx="2">
-            <a:schemeClr val="accent1">
-              <a:shade val="50000"/>
-            </a:schemeClr>
-          </a:lnRef>
-          <a:fillRef idx="1">
-            <a:schemeClr val="accent1"/>
-          </a:fillRef>
-          <a:effectRef idx="0">
-            <a:schemeClr val="accent1"/>
-          </a:effectRef>
-          <a:fontRef idx="minor">
-            <a:schemeClr val="lt1"/>
-          </a:fontRef>
-        </p:style>
-        <p:txBody>
-          <a:bodyPr rtlCol="0" anchor="ctr"/>
-          <a:lstStyle/>
-          <a:p>
-            <a:pPr algn="ctr"/>
-            <a:endParaRPr lang="en-US" sz="5183"/>
-          </a:p>
-        </p:txBody>
-      </p:sp>
-      <p:sp>
-        <p:nvSpPr>
-          <p:cNvPr id="58" name="Rectangle 57">
-            <a:extLst>
-              <a:ext uri="{FF2B5EF4-FFF2-40B4-BE49-F238E27FC236}">
-                <a16:creationId xmlns:a16="http://schemas.microsoft.com/office/drawing/2014/main" id="{C05DA291-B37D-41B5-9233-CC224986C73B}"/>
-              </a:ext>
-            </a:extLst>
-          </p:cNvPr>
-          <p:cNvSpPr/>
-          <p:nvPr/>
-        </p:nvSpPr>
-        <p:spPr>
-          <a:xfrm>
-            <a:off x="10057353" y="7522980"/>
-            <a:ext cx="1325461" cy="261610"/>
-          </a:xfrm>
-          <a:prstGeom prst="rect">
-            <a:avLst/>
-          </a:prstGeom>
-          <a:solidFill>
-            <a:schemeClr val="bg1"/>
-          </a:solidFill>
-          <a:ln w="9525">
-            <a:solidFill>
-              <a:schemeClr val="tx1"/>
-            </a:solidFill>
-          </a:ln>
-        </p:spPr>
-        <p:style>
-          <a:lnRef idx="2">
-            <a:schemeClr val="accent1">
-              <a:shade val="50000"/>
-            </a:schemeClr>
-          </a:lnRef>
-          <a:fillRef idx="1">
-            <a:schemeClr val="accent1"/>
-          </a:fillRef>
-          <a:effectRef idx="0">
-            <a:schemeClr val="accent1"/>
-          </a:effectRef>
-          <a:fontRef idx="minor">
-            <a:schemeClr val="lt1"/>
-          </a:fontRef>
-        </p:style>
-        <p:txBody>
-          <a:bodyPr rtlCol="0" anchor="ctr"/>
-          <a:lstStyle/>
-          <a:p>
-            <a:pPr algn="ctr"/>
-            <a:endParaRPr lang="en-US" sz="5183"/>
-          </a:p>
-        </p:txBody>
-      </p:sp>
-      <p:sp>
-        <p:nvSpPr>
-          <p:cNvPr id="60" name="TextBox 59">
-            <a:extLst>
-              <a:ext uri="{FF2B5EF4-FFF2-40B4-BE49-F238E27FC236}">
-                <a16:creationId xmlns:a16="http://schemas.microsoft.com/office/drawing/2014/main" id="{B7893FE4-ED9B-4B0E-A724-E68A9388EA9E}"/>
-              </a:ext>
-            </a:extLst>
-          </p:cNvPr>
-          <p:cNvSpPr txBox="1"/>
-          <p:nvPr/>
-        </p:nvSpPr>
-        <p:spPr>
-          <a:xfrm>
-            <a:off x="10069936" y="7542264"/>
-            <a:ext cx="1325461" cy="215444"/>
-          </a:xfrm>
-          <a:prstGeom prst="rect">
-            <a:avLst/>
-          </a:prstGeom>
-          <a:noFill/>
-        </p:spPr>
-        <p:txBody>
-          <a:bodyPr wrap="square" rtlCol="0">
-            <a:spAutoFit/>
-          </a:bodyPr>
-          <a:lstStyle/>
-          <a:p>
-            <a:pPr algn="ctr"/>
-            <a:r>
-              <a:rPr lang="en-US" sz="800" dirty="0">
-                <a:latin typeface="Arial Rounded MT Bold" panose="020B0604020202020204" pitchFamily="34" charset="0"/>
-                <a:cs typeface="Aharoni" panose="020B0604020202020204" pitchFamily="2" charset="-79"/>
-              </a:rPr>
-              <a:t>Search artist by city</a:t>
-            </a:r>
-          </a:p>
-        </p:txBody>
-      </p:sp>
-      <p:pic>
-        <p:nvPicPr>
-          <p:cNvPr id="62" name="Picture 2" descr="kgo.googleusercontent.com/profile_vrt_raw_bytes...">
-            <a:extLst>
-              <a:ext uri="{FF2B5EF4-FFF2-40B4-BE49-F238E27FC236}">
-                <a16:creationId xmlns:a16="http://schemas.microsoft.com/office/drawing/2014/main" id="{3FC478D1-2EBA-4FC6-AA72-433D7661957C}"/>
-              </a:ext>
-            </a:extLst>
-          </p:cNvPr>
-          <p:cNvPicPr>
-            <a:picLocks noChangeAspect="1" noChangeArrowheads="1"/>
-          </p:cNvPicPr>
-          <p:nvPr/>
-        </p:nvPicPr>
-        <p:blipFill>
-          <a:blip r:embed="rId2">
-            <a:extLst>
-              <a:ext uri="{28A0092B-C50C-407E-A947-70E740481C1C}">
-                <a14:useLocalDpi xmlns:a14="http://schemas.microsoft.com/office/drawing/2010/main" val="0"/>
-              </a:ext>
-            </a:extLst>
-          </a:blip>
-          <a:srcRect/>
-          <a:stretch>
-            <a:fillRect/>
-          </a:stretch>
-        </p:blipFill>
-        <p:spPr bwMode="auto">
-          <a:xfrm>
-            <a:off x="12353121" y="7274130"/>
-            <a:ext cx="1069634" cy="1057099"/>
-          </a:xfrm>
-          <a:prstGeom prst="rect">
-            <a:avLst/>
-          </a:prstGeom>
-          <a:noFill/>
-          <a:extLst>
-            <a:ext uri="{909E8E84-426E-40DD-AFC4-6F175D3DCCD1}">
-              <a14:hiddenFill xmlns:a14="http://schemas.microsoft.com/office/drawing/2010/main">
-                <a:solidFill>
-                  <a:srgbClr val="FFFFFF"/>
-                </a:solidFill>
-              </a14:hiddenFill>
-            </a:ext>
-          </a:extLst>
-        </p:spPr>
-      </p:pic>
-      <p:pic>
-        <p:nvPicPr>
-          <p:cNvPr id="64" name="Picture 2" descr="kgo.googleusercontent.com/profile_vrt_raw_bytes...">
-            <a:extLst>
-              <a:ext uri="{FF2B5EF4-FFF2-40B4-BE49-F238E27FC236}">
-                <a16:creationId xmlns:a16="http://schemas.microsoft.com/office/drawing/2014/main" id="{332FA9AE-2D91-49B6-9335-8DD1189C8C49}"/>
-              </a:ext>
-            </a:extLst>
-          </p:cNvPr>
-          <p:cNvPicPr>
-            <a:picLocks noChangeAspect="1" noChangeArrowheads="1"/>
-          </p:cNvPicPr>
-          <p:nvPr/>
-        </p:nvPicPr>
-        <p:blipFill>
-          <a:blip r:embed="rId2">
-            <a:extLst>
-              <a:ext uri="{28A0092B-C50C-407E-A947-70E740481C1C}">
-                <a14:useLocalDpi xmlns:a14="http://schemas.microsoft.com/office/drawing/2010/main" val="0"/>
-              </a:ext>
-            </a:extLst>
-          </a:blip>
-          <a:srcRect/>
-          <a:stretch>
-            <a:fillRect/>
-          </a:stretch>
-        </p:blipFill>
-        <p:spPr bwMode="auto">
-          <a:xfrm>
-            <a:off x="13801453" y="7280026"/>
-            <a:ext cx="1069634" cy="1057099"/>
-          </a:xfrm>
-          <a:prstGeom prst="rect">
-            <a:avLst/>
-          </a:prstGeom>
-          <a:noFill/>
-          <a:extLst>
-            <a:ext uri="{909E8E84-426E-40DD-AFC4-6F175D3DCCD1}">
-              <a14:hiddenFill xmlns:a14="http://schemas.microsoft.com/office/drawing/2010/main">
-                <a:solidFill>
-                  <a:srgbClr val="FFFFFF"/>
-                </a:solidFill>
-              </a14:hiddenFill>
-            </a:ext>
-          </a:extLst>
-        </p:spPr>
-      </p:pic>
-      <p:sp>
-        <p:nvSpPr>
-          <p:cNvPr id="74" name="Rectangle 73">
-            <a:extLst>
-              <a:ext uri="{FF2B5EF4-FFF2-40B4-BE49-F238E27FC236}">
-                <a16:creationId xmlns:a16="http://schemas.microsoft.com/office/drawing/2014/main" id="{E5C6D2A9-CE79-4FFF-8167-BAD7BF345A7B}"/>
-              </a:ext>
-            </a:extLst>
-          </p:cNvPr>
-          <p:cNvSpPr/>
-          <p:nvPr/>
-        </p:nvSpPr>
-        <p:spPr>
-          <a:xfrm>
-            <a:off x="18307574" y="6758081"/>
-            <a:ext cx="1309799" cy="4800971"/>
-          </a:xfrm>
-          <a:prstGeom prst="rect">
-            <a:avLst/>
-          </a:prstGeom>
-          <a:noFill/>
-          <a:ln>
-            <a:noFill/>
-          </a:ln>
-        </p:spPr>
-        <p:style>
-          <a:lnRef idx="2">
-            <a:schemeClr val="accent1">
-              <a:shade val="50000"/>
-            </a:schemeClr>
-          </a:lnRef>
-          <a:fillRef idx="1">
-            <a:schemeClr val="accent1"/>
-          </a:fillRef>
-          <a:effectRef idx="0">
-            <a:schemeClr val="accent1"/>
-          </a:effectRef>
-          <a:fontRef idx="minor">
-            <a:schemeClr val="lt1"/>
-          </a:fontRef>
-        </p:style>
-        <p:txBody>
-          <a:bodyPr rtlCol="0" anchor="ctr"/>
-          <a:lstStyle/>
-          <a:p>
-            <a:pPr algn="ctr"/>
-            <a:endParaRPr lang="en-US" sz="5183"/>
-          </a:p>
-        </p:txBody>
-      </p:sp>
-      <p:sp>
-        <p:nvSpPr>
-          <p:cNvPr id="76" name="TextBox 75">
-            <a:extLst>
-              <a:ext uri="{FF2B5EF4-FFF2-40B4-BE49-F238E27FC236}">
-                <a16:creationId xmlns:a16="http://schemas.microsoft.com/office/drawing/2014/main" id="{82B4A592-590B-4EC8-B5E6-D2D1780E2B1E}"/>
-              </a:ext>
-            </a:extLst>
-          </p:cNvPr>
-          <p:cNvSpPr txBox="1"/>
-          <p:nvPr/>
-        </p:nvSpPr>
-        <p:spPr>
-          <a:xfrm>
-            <a:off x="9669330" y="9791445"/>
-            <a:ext cx="1921078" cy="253916"/>
-          </a:xfrm>
-          <a:prstGeom prst="rect">
-            <a:avLst/>
-          </a:prstGeom>
-          <a:noFill/>
-        </p:spPr>
-        <p:txBody>
-          <a:bodyPr wrap="square" rtlCol="0">
-            <a:spAutoFit/>
-          </a:bodyPr>
-          <a:lstStyle/>
-          <a:p>
-            <a:pPr algn="ctr"/>
-            <a:r>
-              <a:rPr lang="en-US" sz="1050" dirty="0">
-                <a:latin typeface="Arial Rounded MT Bold" panose="020B0604020202020204" pitchFamily="34" charset="0"/>
-                <a:cs typeface="Aharoni" panose="020B0604020202020204" pitchFamily="2" charset="-79"/>
-              </a:rPr>
-              <a:t>Top Selling Artists:</a:t>
-            </a:r>
-          </a:p>
-        </p:txBody>
-      </p:sp>
-      <p:sp>
-        <p:nvSpPr>
-          <p:cNvPr id="78" name="Rectangle 77">
-            <a:extLst>
-              <a:ext uri="{FF2B5EF4-FFF2-40B4-BE49-F238E27FC236}">
-                <a16:creationId xmlns:a16="http://schemas.microsoft.com/office/drawing/2014/main" id="{0B7A97D0-0352-4D5A-B673-7AED16863C1B}"/>
-              </a:ext>
-            </a:extLst>
-          </p:cNvPr>
-          <p:cNvSpPr/>
-          <p:nvPr/>
-        </p:nvSpPr>
-        <p:spPr>
-          <a:xfrm>
-            <a:off x="9834693" y="10066364"/>
-            <a:ext cx="457200" cy="457200"/>
-          </a:xfrm>
-          <a:prstGeom prst="rect">
-            <a:avLst/>
-          </a:prstGeom>
-          <a:noFill/>
-          <a:ln w="9525">
-            <a:solidFill>
-              <a:schemeClr val="tx1"/>
-            </a:solidFill>
-          </a:ln>
-        </p:spPr>
-        <p:style>
-          <a:lnRef idx="2">
-            <a:schemeClr val="accent1">
-              <a:shade val="50000"/>
-            </a:schemeClr>
-          </a:lnRef>
-          <a:fillRef idx="1">
-            <a:schemeClr val="accent1"/>
-          </a:fillRef>
-          <a:effectRef idx="0">
-            <a:schemeClr val="accent1"/>
-          </a:effectRef>
-          <a:fontRef idx="minor">
-            <a:schemeClr val="lt1"/>
-          </a:fontRef>
-        </p:style>
-        <p:txBody>
-          <a:bodyPr rtlCol="0" anchor="ctr"/>
-          <a:lstStyle/>
-          <a:p>
-            <a:pPr algn="ctr"/>
-            <a:endParaRPr lang="en-US" sz="5183"/>
-          </a:p>
-        </p:txBody>
-      </p:sp>
-      <p:pic>
-        <p:nvPicPr>
-          <p:cNvPr id="98" name="Picture 2" descr="kgo.googleusercontent.com/profile_vrt_raw_bytes...">
-            <a:extLst>
-              <a:ext uri="{FF2B5EF4-FFF2-40B4-BE49-F238E27FC236}">
-                <a16:creationId xmlns:a16="http://schemas.microsoft.com/office/drawing/2014/main" id="{1870F46D-06BD-4B22-842D-02A4FC470A9B}"/>
-              </a:ext>
-            </a:extLst>
-          </p:cNvPr>
-          <p:cNvPicPr>
-            <a:picLocks noChangeAspect="1" noChangeArrowheads="1"/>
-          </p:cNvPicPr>
-          <p:nvPr/>
-        </p:nvPicPr>
-        <p:blipFill>
-          <a:blip r:embed="rId2">
-            <a:extLst>
-              <a:ext uri="{28A0092B-C50C-407E-A947-70E740481C1C}">
-                <a14:useLocalDpi xmlns:a14="http://schemas.microsoft.com/office/drawing/2010/main" val="0"/>
-              </a:ext>
-            </a:extLst>
-          </a:blip>
-          <a:srcRect/>
-          <a:stretch>
-            <a:fillRect/>
-          </a:stretch>
-        </p:blipFill>
-        <p:spPr bwMode="auto">
-          <a:xfrm>
-            <a:off x="9853483" y="10563427"/>
-            <a:ext cx="457200" cy="451842"/>
-          </a:xfrm>
-          <a:prstGeom prst="rect">
-            <a:avLst/>
-          </a:prstGeom>
-          <a:noFill/>
-          <a:extLst>
-            <a:ext uri="{909E8E84-426E-40DD-AFC4-6F175D3DCCD1}">
-              <a14:hiddenFill xmlns:a14="http://schemas.microsoft.com/office/drawing/2010/main">
-                <a:solidFill>
-                  <a:srgbClr val="FFFFFF"/>
-                </a:solidFill>
-              </a14:hiddenFill>
-            </a:ext>
-          </a:extLst>
-        </p:spPr>
-      </p:pic>
-      <p:sp>
-        <p:nvSpPr>
-          <p:cNvPr id="100" name="Rectangle 99">
-            <a:extLst>
-              <a:ext uri="{FF2B5EF4-FFF2-40B4-BE49-F238E27FC236}">
-                <a16:creationId xmlns:a16="http://schemas.microsoft.com/office/drawing/2014/main" id="{B20DF589-7554-4457-BCD8-90C5F7334A80}"/>
-              </a:ext>
-            </a:extLst>
-          </p:cNvPr>
-          <p:cNvSpPr/>
-          <p:nvPr/>
-        </p:nvSpPr>
-        <p:spPr>
-          <a:xfrm>
-            <a:off x="9841334" y="10548539"/>
-            <a:ext cx="457200" cy="457200"/>
-          </a:xfrm>
-          <a:prstGeom prst="rect">
-            <a:avLst/>
-          </a:prstGeom>
-          <a:noFill/>
-          <a:ln w="9525">
-            <a:solidFill>
-              <a:schemeClr val="tx1"/>
-            </a:solidFill>
-          </a:ln>
-        </p:spPr>
-        <p:style>
-          <a:lnRef idx="2">
-            <a:schemeClr val="accent1">
-              <a:shade val="50000"/>
-            </a:schemeClr>
-          </a:lnRef>
-          <a:fillRef idx="1">
-            <a:schemeClr val="accent1"/>
-          </a:fillRef>
-          <a:effectRef idx="0">
-            <a:schemeClr val="accent1"/>
-          </a:effectRef>
-          <a:fontRef idx="minor">
-            <a:schemeClr val="lt1"/>
-          </a:fontRef>
-        </p:style>
-        <p:txBody>
-          <a:bodyPr rtlCol="0" anchor="ctr"/>
-          <a:lstStyle/>
-          <a:p>
-            <a:pPr algn="ctr"/>
-            <a:endParaRPr lang="en-US" sz="5183"/>
-          </a:p>
-        </p:txBody>
-      </p:sp>
-      <p:sp>
-        <p:nvSpPr>
-          <p:cNvPr id="102" name="Isosceles Triangle 101">
-            <a:extLst>
-              <a:ext uri="{FF2B5EF4-FFF2-40B4-BE49-F238E27FC236}">
-                <a16:creationId xmlns:a16="http://schemas.microsoft.com/office/drawing/2014/main" id="{1FA71AA8-E0A8-4978-9498-D4E7EE1A1141}"/>
-              </a:ext>
-            </a:extLst>
-          </p:cNvPr>
-          <p:cNvSpPr/>
-          <p:nvPr/>
-        </p:nvSpPr>
-        <p:spPr>
-          <a:xfrm rot="5400000">
-            <a:off x="11852227" y="11654003"/>
-            <a:ext cx="457200" cy="457200"/>
-          </a:xfrm>
-          <a:prstGeom prst="triangle">
-            <a:avLst/>
-          </a:prstGeom>
-        </p:spPr>
-        <p:style>
-          <a:lnRef idx="2">
-            <a:schemeClr val="accent1">
-              <a:shade val="50000"/>
-            </a:schemeClr>
-          </a:lnRef>
-          <a:fillRef idx="1">
-            <a:schemeClr val="accent1"/>
-          </a:fillRef>
-          <a:effectRef idx="0">
-            <a:schemeClr val="accent1"/>
-          </a:effectRef>
-          <a:fontRef idx="minor">
-            <a:schemeClr val="lt1"/>
-          </a:fontRef>
-        </p:style>
-        <p:txBody>
-          <a:bodyPr rtlCol="0" anchor="ctr"/>
-          <a:lstStyle/>
-          <a:p>
-            <a:pPr algn="ctr"/>
-            <a:endParaRPr lang="en-US" sz="5183"/>
-          </a:p>
-        </p:txBody>
-      </p:sp>
-      <p:pic>
-        <p:nvPicPr>
-          <p:cNvPr id="103" name="Picture 2" descr="kgo.googleusercontent.com/profile_vrt_raw_bytes...">
-            <a:extLst>
-              <a:ext uri="{FF2B5EF4-FFF2-40B4-BE49-F238E27FC236}">
-                <a16:creationId xmlns:a16="http://schemas.microsoft.com/office/drawing/2014/main" id="{A1FFA6C6-535E-4268-A05E-CD143940DDE0}"/>
-              </a:ext>
-            </a:extLst>
-          </p:cNvPr>
-          <p:cNvPicPr>
-            <a:picLocks noChangeAspect="1" noChangeArrowheads="1"/>
-          </p:cNvPicPr>
-          <p:nvPr/>
-        </p:nvPicPr>
-        <p:blipFill>
-          <a:blip r:embed="rId2">
-            <a:extLst>
-              <a:ext uri="{28A0092B-C50C-407E-A947-70E740481C1C}">
-                <a14:useLocalDpi xmlns:a14="http://schemas.microsoft.com/office/drawing/2010/main" val="0"/>
-              </a:ext>
-            </a:extLst>
-          </a:blip>
-          <a:srcRect/>
-          <a:stretch>
-            <a:fillRect/>
-          </a:stretch>
-        </p:blipFill>
-        <p:spPr bwMode="auto">
-          <a:xfrm>
-            <a:off x="9846842" y="11056517"/>
-            <a:ext cx="457200" cy="451842"/>
-          </a:xfrm>
-          <a:prstGeom prst="rect">
-            <a:avLst/>
-          </a:prstGeom>
-          <a:noFill/>
-          <a:extLst>
-            <a:ext uri="{909E8E84-426E-40DD-AFC4-6F175D3DCCD1}">
-              <a14:hiddenFill xmlns:a14="http://schemas.microsoft.com/office/drawing/2010/main">
-                <a:solidFill>
-                  <a:srgbClr val="FFFFFF"/>
-                </a:solidFill>
-              </a14:hiddenFill>
-            </a:ext>
-          </a:extLst>
-        </p:spPr>
-      </p:pic>
-      <p:sp>
-        <p:nvSpPr>
-          <p:cNvPr id="105" name="Rectangle 104">
-            <a:extLst>
-              <a:ext uri="{FF2B5EF4-FFF2-40B4-BE49-F238E27FC236}">
-                <a16:creationId xmlns:a16="http://schemas.microsoft.com/office/drawing/2014/main" id="{EB4B11DF-274A-4EC5-98EA-75CD2727761E}"/>
-              </a:ext>
-            </a:extLst>
-          </p:cNvPr>
-          <p:cNvSpPr/>
-          <p:nvPr/>
-        </p:nvSpPr>
-        <p:spPr>
-          <a:xfrm>
-            <a:off x="9834693" y="11041630"/>
-            <a:ext cx="457200" cy="457200"/>
-          </a:xfrm>
-          <a:prstGeom prst="rect">
-            <a:avLst/>
-          </a:prstGeom>
-          <a:noFill/>
-          <a:ln w="9525">
-            <a:solidFill>
-              <a:schemeClr val="tx1"/>
-            </a:solidFill>
-          </a:ln>
-        </p:spPr>
-        <p:style>
-          <a:lnRef idx="2">
-            <a:schemeClr val="accent1">
-              <a:shade val="50000"/>
-            </a:schemeClr>
-          </a:lnRef>
-          <a:fillRef idx="1">
-            <a:schemeClr val="accent1"/>
-          </a:fillRef>
-          <a:effectRef idx="0">
-            <a:schemeClr val="accent1"/>
-          </a:effectRef>
-          <a:fontRef idx="minor">
-            <a:schemeClr val="lt1"/>
-          </a:fontRef>
-        </p:style>
-        <p:txBody>
-          <a:bodyPr rtlCol="0" anchor="ctr"/>
-          <a:lstStyle/>
-          <a:p>
-            <a:pPr algn="ctr"/>
-            <a:endParaRPr lang="en-US" sz="5183"/>
-          </a:p>
-        </p:txBody>
-      </p:sp>
-      <p:sp>
-        <p:nvSpPr>
-          <p:cNvPr id="109" name="TextBox 108">
-            <a:extLst>
-              <a:ext uri="{FF2B5EF4-FFF2-40B4-BE49-F238E27FC236}">
-                <a16:creationId xmlns:a16="http://schemas.microsoft.com/office/drawing/2014/main" id="{BEB5AE47-6805-40AD-BE24-9D5B18A48669}"/>
-              </a:ext>
-            </a:extLst>
-          </p:cNvPr>
-          <p:cNvSpPr txBox="1"/>
-          <p:nvPr/>
-        </p:nvSpPr>
-        <p:spPr>
-          <a:xfrm>
-            <a:off x="10015209" y="10169644"/>
-            <a:ext cx="1921078" cy="230832"/>
-          </a:xfrm>
-          <a:prstGeom prst="rect">
-            <a:avLst/>
-          </a:prstGeom>
-          <a:noFill/>
-        </p:spPr>
-        <p:txBody>
-          <a:bodyPr wrap="square" rtlCol="0">
-            <a:spAutoFit/>
-          </a:bodyPr>
-          <a:lstStyle/>
-          <a:p>
-            <a:pPr algn="ctr"/>
-            <a:r>
-              <a:rPr lang="en-US" sz="900" dirty="0">
-                <a:latin typeface="Arial Rounded MT Bold" panose="020B0604020202020204" pitchFamily="34" charset="0"/>
-                <a:cs typeface="Aharoni" panose="020B0604020202020204" pitchFamily="2" charset="-79"/>
-              </a:rPr>
-              <a:t>Red Hot Chili Peppers</a:t>
-            </a:r>
-          </a:p>
-        </p:txBody>
-      </p:sp>
-      <p:sp>
-        <p:nvSpPr>
-          <p:cNvPr id="111" name="TextBox 110">
-            <a:extLst>
-              <a:ext uri="{FF2B5EF4-FFF2-40B4-BE49-F238E27FC236}">
-                <a16:creationId xmlns:a16="http://schemas.microsoft.com/office/drawing/2014/main" id="{8C35A663-FB8D-4AD7-BF40-BDF71182CBBF}"/>
-              </a:ext>
-            </a:extLst>
-          </p:cNvPr>
-          <p:cNvSpPr txBox="1"/>
-          <p:nvPr/>
-        </p:nvSpPr>
-        <p:spPr>
-          <a:xfrm>
-            <a:off x="10048262" y="10643522"/>
-            <a:ext cx="1921078" cy="230832"/>
-          </a:xfrm>
-          <a:prstGeom prst="rect">
-            <a:avLst/>
-          </a:prstGeom>
-          <a:noFill/>
-        </p:spPr>
-        <p:txBody>
-          <a:bodyPr wrap="square" rtlCol="0">
-            <a:spAutoFit/>
-          </a:bodyPr>
-          <a:lstStyle/>
-          <a:p>
-            <a:pPr algn="ctr"/>
-            <a:r>
-              <a:rPr lang="en-US" sz="900" dirty="0">
-                <a:latin typeface="Arial Rounded MT Bold" panose="020B0604020202020204" pitchFamily="34" charset="0"/>
-                <a:cs typeface="Aharoni" panose="020B0604020202020204" pitchFamily="2" charset="-79"/>
-              </a:rPr>
-              <a:t>Red Hot Chili Peppers</a:t>
-            </a:r>
-          </a:p>
-        </p:txBody>
-      </p:sp>
-      <p:sp>
-        <p:nvSpPr>
-          <p:cNvPr id="113" name="TextBox 112">
-            <a:extLst>
-              <a:ext uri="{FF2B5EF4-FFF2-40B4-BE49-F238E27FC236}">
-                <a16:creationId xmlns:a16="http://schemas.microsoft.com/office/drawing/2014/main" id="{06EB2758-BBA8-48AE-8797-82551AAF5431}"/>
-              </a:ext>
-            </a:extLst>
-          </p:cNvPr>
-          <p:cNvSpPr txBox="1"/>
-          <p:nvPr/>
-        </p:nvSpPr>
-        <p:spPr>
-          <a:xfrm>
-            <a:off x="10078587" y="11165131"/>
-            <a:ext cx="1921078" cy="230832"/>
-          </a:xfrm>
-          <a:prstGeom prst="rect">
-            <a:avLst/>
-          </a:prstGeom>
-          <a:noFill/>
-        </p:spPr>
-        <p:txBody>
-          <a:bodyPr wrap="square" rtlCol="0">
-            <a:spAutoFit/>
-          </a:bodyPr>
-          <a:lstStyle/>
-          <a:p>
-            <a:pPr algn="ctr"/>
-            <a:r>
-              <a:rPr lang="en-US" sz="900" dirty="0">
-                <a:latin typeface="Arial Rounded MT Bold" panose="020B0604020202020204" pitchFamily="34" charset="0"/>
-                <a:cs typeface="Aharoni" panose="020B0604020202020204" pitchFamily="2" charset="-79"/>
-              </a:rPr>
-              <a:t>Red Hot Chili Peppers</a:t>
-            </a:r>
-          </a:p>
-        </p:txBody>
-      </p:sp>
-      <p:pic>
-        <p:nvPicPr>
-          <p:cNvPr id="115" name="Picture 2" descr="kgo.googleusercontent.com/profile_vrt_raw_bytes...">
-            <a:extLst>
-              <a:ext uri="{FF2B5EF4-FFF2-40B4-BE49-F238E27FC236}">
-                <a16:creationId xmlns:a16="http://schemas.microsoft.com/office/drawing/2014/main" id="{911F8869-4356-40E3-881F-0007F21C830B}"/>
-              </a:ext>
-            </a:extLst>
-          </p:cNvPr>
-          <p:cNvPicPr>
-            <a:picLocks noChangeAspect="1" noChangeArrowheads="1"/>
-          </p:cNvPicPr>
-          <p:nvPr/>
-        </p:nvPicPr>
-        <p:blipFill>
-          <a:blip r:embed="rId2">
-            <a:extLst>
-              <a:ext uri="{28A0092B-C50C-407E-A947-70E740481C1C}">
-                <a14:useLocalDpi xmlns:a14="http://schemas.microsoft.com/office/drawing/2010/main" val="0"/>
-              </a:ext>
-            </a:extLst>
-          </a:blip>
-          <a:srcRect/>
-          <a:stretch>
-            <a:fillRect/>
-          </a:stretch>
-        </p:blipFill>
-        <p:spPr bwMode="auto">
-          <a:xfrm>
-            <a:off x="18716849" y="7328137"/>
-            <a:ext cx="457200" cy="451842"/>
-          </a:xfrm>
-          <a:prstGeom prst="rect">
-            <a:avLst/>
-          </a:prstGeom>
-          <a:noFill/>
-          <a:extLst>
-            <a:ext uri="{909E8E84-426E-40DD-AFC4-6F175D3DCCD1}">
-              <a14:hiddenFill xmlns:a14="http://schemas.microsoft.com/office/drawing/2010/main">
-                <a:solidFill>
-                  <a:srgbClr val="FFFFFF"/>
-                </a:solidFill>
-              </a14:hiddenFill>
-            </a:ext>
-          </a:extLst>
-        </p:spPr>
-      </p:pic>
-      <p:sp>
-        <p:nvSpPr>
-          <p:cNvPr id="117" name="TextBox 116">
-            <a:extLst>
-              <a:ext uri="{FF2B5EF4-FFF2-40B4-BE49-F238E27FC236}">
-                <a16:creationId xmlns:a16="http://schemas.microsoft.com/office/drawing/2014/main" id="{10697D5E-879A-459F-A86A-561485548BB6}"/>
-              </a:ext>
-            </a:extLst>
-          </p:cNvPr>
-          <p:cNvSpPr txBox="1"/>
-          <p:nvPr/>
-        </p:nvSpPr>
-        <p:spPr>
-          <a:xfrm>
-            <a:off x="18010830" y="7038330"/>
-            <a:ext cx="1921078" cy="215444"/>
-          </a:xfrm>
-          <a:prstGeom prst="rect">
-            <a:avLst/>
-          </a:prstGeom>
-          <a:noFill/>
-        </p:spPr>
-        <p:txBody>
-          <a:bodyPr wrap="square" rtlCol="0">
-            <a:spAutoFit/>
-          </a:bodyPr>
-          <a:lstStyle/>
-          <a:p>
-            <a:pPr algn="ctr"/>
-            <a:r>
-              <a:rPr lang="en-US" sz="800" dirty="0">
-                <a:latin typeface="Arial Rounded MT Bold" panose="020B0604020202020204" pitchFamily="34" charset="0"/>
-                <a:cs typeface="Aharoni" panose="020B0604020202020204" pitchFamily="2" charset="-79"/>
-              </a:rPr>
-              <a:t>Upcoming Performances:</a:t>
-            </a:r>
-          </a:p>
-        </p:txBody>
-      </p:sp>
-      <p:sp>
-        <p:nvSpPr>
-          <p:cNvPr id="119" name="Rectangle 118">
-            <a:extLst>
-              <a:ext uri="{FF2B5EF4-FFF2-40B4-BE49-F238E27FC236}">
-                <a16:creationId xmlns:a16="http://schemas.microsoft.com/office/drawing/2014/main" id="{0834CA2A-795C-4FBE-B012-AEDFE041BEC7}"/>
-              </a:ext>
-            </a:extLst>
-          </p:cNvPr>
-          <p:cNvSpPr/>
-          <p:nvPr/>
-        </p:nvSpPr>
-        <p:spPr>
-          <a:xfrm>
-            <a:off x="18512752" y="7313249"/>
-            <a:ext cx="914400" cy="914400"/>
-          </a:xfrm>
-          <a:prstGeom prst="rect">
-            <a:avLst/>
-          </a:prstGeom>
-          <a:noFill/>
-          <a:ln w="9525">
-            <a:solidFill>
-              <a:schemeClr val="tx1"/>
-            </a:solidFill>
-          </a:ln>
-        </p:spPr>
-        <p:style>
-          <a:lnRef idx="2">
-            <a:schemeClr val="accent1">
-              <a:shade val="50000"/>
-            </a:schemeClr>
-          </a:lnRef>
-          <a:fillRef idx="1">
-            <a:schemeClr val="accent1"/>
-          </a:fillRef>
-          <a:effectRef idx="0">
-            <a:schemeClr val="accent1"/>
-          </a:effectRef>
-          <a:fontRef idx="minor">
-            <a:schemeClr val="lt1"/>
-          </a:fontRef>
-        </p:style>
-        <p:txBody>
-          <a:bodyPr rtlCol="0" anchor="ctr"/>
-          <a:lstStyle/>
-          <a:p>
-            <a:pPr algn="ctr"/>
-            <a:endParaRPr lang="en-US" sz="5183"/>
-          </a:p>
-        </p:txBody>
-      </p:sp>
-      <p:sp>
-        <p:nvSpPr>
-          <p:cNvPr id="121" name="TextBox 120">
-            <a:extLst>
-              <a:ext uri="{FF2B5EF4-FFF2-40B4-BE49-F238E27FC236}">
-                <a16:creationId xmlns:a16="http://schemas.microsoft.com/office/drawing/2014/main" id="{A4178849-1630-46B6-A6EF-D06C96D8166E}"/>
-              </a:ext>
-            </a:extLst>
-          </p:cNvPr>
-          <p:cNvSpPr txBox="1"/>
-          <p:nvPr/>
-        </p:nvSpPr>
-        <p:spPr>
-          <a:xfrm>
-            <a:off x="18017486" y="7792599"/>
-            <a:ext cx="1921078" cy="184666"/>
-          </a:xfrm>
-          <a:prstGeom prst="rect">
-            <a:avLst/>
-          </a:prstGeom>
-          <a:noFill/>
-        </p:spPr>
-        <p:txBody>
-          <a:bodyPr wrap="square" rtlCol="0">
-            <a:spAutoFit/>
-          </a:bodyPr>
-          <a:lstStyle/>
-          <a:p>
-            <a:pPr algn="ctr"/>
-            <a:r>
-              <a:rPr lang="en-US" sz="600" dirty="0">
-                <a:latin typeface="Arial Rounded MT Bold" panose="020B0604020202020204" pitchFamily="34" charset="0"/>
-                <a:cs typeface="Aharoni" panose="020B0604020202020204" pitchFamily="2" charset="-79"/>
-              </a:rPr>
-              <a:t>Red Hot Chili Peppers</a:t>
-            </a:r>
-          </a:p>
-        </p:txBody>
-      </p:sp>
-      <p:sp>
-        <p:nvSpPr>
-          <p:cNvPr id="123" name="TextBox 122">
-            <a:extLst>
-              <a:ext uri="{FF2B5EF4-FFF2-40B4-BE49-F238E27FC236}">
-                <a16:creationId xmlns:a16="http://schemas.microsoft.com/office/drawing/2014/main" id="{10FB7E70-4BAC-4FAA-A8B8-076ADDF837CD}"/>
-              </a:ext>
-            </a:extLst>
-          </p:cNvPr>
-          <p:cNvSpPr txBox="1"/>
-          <p:nvPr/>
-        </p:nvSpPr>
-        <p:spPr>
-          <a:xfrm>
-            <a:off x="18027273" y="7894666"/>
-            <a:ext cx="1921078" cy="369332"/>
-          </a:xfrm>
-          <a:prstGeom prst="rect">
-            <a:avLst/>
-          </a:prstGeom>
-          <a:noFill/>
-        </p:spPr>
-        <p:txBody>
-          <a:bodyPr wrap="square" rtlCol="0">
-            <a:spAutoFit/>
-          </a:bodyPr>
-          <a:lstStyle/>
-          <a:p>
-            <a:pPr algn="ctr"/>
-            <a:r>
-              <a:rPr lang="en-US" sz="600" dirty="0">
-                <a:latin typeface="Arial Rounded MT Bold" panose="020B0604020202020204" pitchFamily="34" charset="0"/>
-                <a:cs typeface="Aharoni" panose="020B0604020202020204" pitchFamily="2" charset="-79"/>
-              </a:rPr>
-              <a:t>Austin, Texas</a:t>
-            </a:r>
-          </a:p>
-          <a:p>
-            <a:pPr algn="ctr"/>
-            <a:r>
-              <a:rPr lang="en-US" sz="600" dirty="0">
-                <a:latin typeface="Arial Rounded MT Bold" panose="020B0604020202020204" pitchFamily="34" charset="0"/>
-                <a:cs typeface="Aharoni" panose="020B0604020202020204" pitchFamily="2" charset="-79"/>
-              </a:rPr>
-              <a:t>7pm</a:t>
-            </a:r>
-          </a:p>
-          <a:p>
-            <a:pPr algn="ctr"/>
-            <a:r>
-              <a:rPr lang="en-US" sz="600" dirty="0">
-                <a:latin typeface="Arial Rounded MT Bold" panose="020B0604020202020204" pitchFamily="34" charset="0"/>
-                <a:cs typeface="Aharoni" panose="020B0604020202020204" pitchFamily="2" charset="-79"/>
-              </a:rPr>
-              <a:t>10/17/2020</a:t>
-            </a:r>
-          </a:p>
-        </p:txBody>
-      </p:sp>
-      <p:pic>
-        <p:nvPicPr>
-          <p:cNvPr id="125" name="Picture 2" descr="kgo.googleusercontent.com/profile_vrt_raw_bytes...">
-            <a:extLst>
-              <a:ext uri="{FF2B5EF4-FFF2-40B4-BE49-F238E27FC236}">
-                <a16:creationId xmlns:a16="http://schemas.microsoft.com/office/drawing/2014/main" id="{7B5CCBD7-A371-4542-887D-63820121BDBC}"/>
-              </a:ext>
-            </a:extLst>
-          </p:cNvPr>
-          <p:cNvPicPr>
-            <a:picLocks noChangeAspect="1" noChangeArrowheads="1"/>
-          </p:cNvPicPr>
-          <p:nvPr/>
-        </p:nvPicPr>
-        <p:blipFill>
-          <a:blip r:embed="rId2">
-            <a:extLst>
-              <a:ext uri="{28A0092B-C50C-407E-A947-70E740481C1C}">
-                <a14:useLocalDpi xmlns:a14="http://schemas.microsoft.com/office/drawing/2010/main" val="0"/>
-              </a:ext>
-            </a:extLst>
-          </a:blip>
-          <a:srcRect/>
-          <a:stretch>
-            <a:fillRect/>
-          </a:stretch>
-        </p:blipFill>
-        <p:spPr bwMode="auto">
-          <a:xfrm>
-            <a:off x="18710193" y="8310104"/>
-            <a:ext cx="457200" cy="451842"/>
-          </a:xfrm>
-          <a:prstGeom prst="rect">
-            <a:avLst/>
-          </a:prstGeom>
-          <a:noFill/>
-          <a:extLst>
-            <a:ext uri="{909E8E84-426E-40DD-AFC4-6F175D3DCCD1}">
-              <a14:hiddenFill xmlns:a14="http://schemas.microsoft.com/office/drawing/2010/main">
-                <a:solidFill>
-                  <a:srgbClr val="FFFFFF"/>
-                </a:solidFill>
-              </a14:hiddenFill>
-            </a:ext>
-          </a:extLst>
-        </p:spPr>
-      </p:pic>
-      <p:sp>
-        <p:nvSpPr>
-          <p:cNvPr id="127" name="Rectangle 126">
-            <a:extLst>
-              <a:ext uri="{FF2B5EF4-FFF2-40B4-BE49-F238E27FC236}">
-                <a16:creationId xmlns:a16="http://schemas.microsoft.com/office/drawing/2014/main" id="{B21EB536-B5E6-4DD7-BBD3-4724713C182A}"/>
-              </a:ext>
-            </a:extLst>
-          </p:cNvPr>
-          <p:cNvSpPr/>
-          <p:nvPr/>
-        </p:nvSpPr>
-        <p:spPr>
-          <a:xfrm>
-            <a:off x="18506096" y="8295216"/>
-            <a:ext cx="914400" cy="914400"/>
-          </a:xfrm>
-          <a:prstGeom prst="rect">
-            <a:avLst/>
-          </a:prstGeom>
-          <a:noFill/>
-          <a:ln w="9525">
-            <a:solidFill>
-              <a:schemeClr val="tx1"/>
-            </a:solidFill>
-          </a:ln>
-        </p:spPr>
-        <p:style>
-          <a:lnRef idx="2">
-            <a:schemeClr val="accent1">
-              <a:shade val="50000"/>
-            </a:schemeClr>
-          </a:lnRef>
-          <a:fillRef idx="1">
-            <a:schemeClr val="accent1"/>
-          </a:fillRef>
-          <a:effectRef idx="0">
-            <a:schemeClr val="accent1"/>
-          </a:effectRef>
-          <a:fontRef idx="minor">
-            <a:schemeClr val="lt1"/>
-          </a:fontRef>
-        </p:style>
-        <p:txBody>
-          <a:bodyPr rtlCol="0" anchor="ctr"/>
-          <a:lstStyle/>
-          <a:p>
-            <a:pPr algn="ctr"/>
-            <a:endParaRPr lang="en-US" sz="5183"/>
-          </a:p>
-        </p:txBody>
-      </p:sp>
-      <p:sp>
-        <p:nvSpPr>
-          <p:cNvPr id="1024" name="TextBox 1023">
-            <a:extLst>
-              <a:ext uri="{FF2B5EF4-FFF2-40B4-BE49-F238E27FC236}">
-                <a16:creationId xmlns:a16="http://schemas.microsoft.com/office/drawing/2014/main" id="{B860D0CA-017F-4B59-8057-B664B7961352}"/>
-              </a:ext>
-            </a:extLst>
-          </p:cNvPr>
-          <p:cNvSpPr txBox="1"/>
-          <p:nvPr/>
-        </p:nvSpPr>
-        <p:spPr>
-          <a:xfrm>
-            <a:off x="18010830" y="8774567"/>
-            <a:ext cx="1921078" cy="184666"/>
-          </a:xfrm>
-          <a:prstGeom prst="rect">
-            <a:avLst/>
-          </a:prstGeom>
-          <a:noFill/>
-        </p:spPr>
-        <p:txBody>
-          <a:bodyPr wrap="square" rtlCol="0">
-            <a:spAutoFit/>
-          </a:bodyPr>
-          <a:lstStyle/>
-          <a:p>
-            <a:pPr algn="ctr"/>
-            <a:r>
-              <a:rPr lang="en-US" sz="600" dirty="0">
-                <a:latin typeface="Arial Rounded MT Bold" panose="020B0604020202020204" pitchFamily="34" charset="0"/>
-                <a:cs typeface="Aharoni" panose="020B0604020202020204" pitchFamily="2" charset="-79"/>
-              </a:rPr>
-              <a:t>Red Hot Chili Peppers</a:t>
-            </a:r>
-          </a:p>
-        </p:txBody>
-      </p:sp>
-      <p:sp>
-        <p:nvSpPr>
-          <p:cNvPr id="1025" name="TextBox 1024">
-            <a:extLst>
-              <a:ext uri="{FF2B5EF4-FFF2-40B4-BE49-F238E27FC236}">
-                <a16:creationId xmlns:a16="http://schemas.microsoft.com/office/drawing/2014/main" id="{EA2ADDE4-CCD1-4115-9DD9-74A1832CAE0A}"/>
-              </a:ext>
-            </a:extLst>
-          </p:cNvPr>
-          <p:cNvSpPr txBox="1"/>
-          <p:nvPr/>
-        </p:nvSpPr>
-        <p:spPr>
-          <a:xfrm>
-            <a:off x="18020617" y="8876632"/>
-            <a:ext cx="1921078" cy="369332"/>
-          </a:xfrm>
-          <a:prstGeom prst="rect">
-            <a:avLst/>
-          </a:prstGeom>
-          <a:noFill/>
-        </p:spPr>
-        <p:txBody>
-          <a:bodyPr wrap="square" rtlCol="0">
-            <a:spAutoFit/>
-          </a:bodyPr>
-          <a:lstStyle/>
-          <a:p>
-            <a:pPr algn="ctr"/>
-            <a:r>
-              <a:rPr lang="en-US" sz="600" dirty="0">
-                <a:latin typeface="Arial Rounded MT Bold" panose="020B0604020202020204" pitchFamily="34" charset="0"/>
-                <a:cs typeface="Aharoni" panose="020B0604020202020204" pitchFamily="2" charset="-79"/>
-              </a:rPr>
-              <a:t>Austin, Texas</a:t>
-            </a:r>
-          </a:p>
-          <a:p>
-            <a:pPr algn="ctr"/>
-            <a:r>
-              <a:rPr lang="en-US" sz="600" dirty="0">
-                <a:latin typeface="Arial Rounded MT Bold" panose="020B0604020202020204" pitchFamily="34" charset="0"/>
-                <a:cs typeface="Aharoni" panose="020B0604020202020204" pitchFamily="2" charset="-79"/>
-              </a:rPr>
-              <a:t>7pm</a:t>
-            </a:r>
-          </a:p>
-          <a:p>
-            <a:pPr algn="ctr"/>
-            <a:r>
-              <a:rPr lang="en-US" sz="600" dirty="0">
-                <a:latin typeface="Arial Rounded MT Bold" panose="020B0604020202020204" pitchFamily="34" charset="0"/>
-                <a:cs typeface="Aharoni" panose="020B0604020202020204" pitchFamily="2" charset="-79"/>
-              </a:rPr>
-              <a:t>10/17/2020</a:t>
-            </a:r>
-          </a:p>
-        </p:txBody>
-      </p:sp>
-    </p:spTree>
-    <p:extLst>
-      <p:ext uri="{BB962C8B-B14F-4D97-AF65-F5344CB8AC3E}">
-        <p14:creationId xmlns:p14="http://schemas.microsoft.com/office/powerpoint/2010/main" val="2070697815"/>
-      </p:ext>
-    </p:extLst>
-  </p:cSld>
-  <p:clrMapOvr>
-    <a:masterClrMapping/>
-  </p:clrMapOvr>
-</p:sld>
-</file>
-
-<file path=ppt/slides/slide6.xml><?xml version="1.0" encoding="utf-8"?>
-<p:sld xmlns:a="http://schemas.openxmlformats.org/drawingml/2006/main" xmlns:r="http://schemas.openxmlformats.org/officeDocument/2006/relationships" xmlns:p="http://schemas.openxmlformats.org/presentationml/2006/main">
-  <p:cSld>
-    <p:spTree>
-      <p:nvGrpSpPr>
-        <p:cNvPr id="1" name=""/>
-        <p:cNvGrpSpPr/>
-        <p:nvPr/>
-      </p:nvGrpSpPr>
-      <p:grpSpPr>
-        <a:xfrm>
-          <a:off x="0" y="0"/>
-          <a:ext cx="0" cy="0"/>
-          <a:chOff x="0" y="0"/>
-          <a:chExt cx="0" cy="0"/>
-        </a:xfrm>
-      </p:grpSpPr>
       <p:sp>
         <p:nvSpPr>
           <p:cNvPr id="22" name="Rectangle 21">
@@ -18718,7 +17293,7 @@
 </p:sld>
 </file>
 
-<file path=ppt/slides/slide7.xml><?xml version="1.0" encoding="utf-8"?>
+<file path=ppt/slides/slide6.xml><?xml version="1.0" encoding="utf-8"?>
 <p:sld xmlns:a="http://schemas.openxmlformats.org/drawingml/2006/main" xmlns:r="http://schemas.openxmlformats.org/officeDocument/2006/relationships" xmlns:p="http://schemas.openxmlformats.org/presentationml/2006/main" show="0">
   <p:cSld>
     <p:spTree>

--- a/mockup work.pptx
+++ b/mockup work.pptx
@@ -120,7 +120,7 @@
 <file path=ppt/revisionInfo.xml><?xml version="1.0" encoding="utf-8"?>
 <p1510:revInfo xmlns:a="http://schemas.openxmlformats.org/drawingml/2006/main" xmlns:r="http://schemas.openxmlformats.org/officeDocument/2006/relationships" xmlns:p1510="http://schemas.microsoft.com/office/powerpoint/2015/10/main">
   <p1510:revLst>
-    <p1510:client id="{D1D7216E-4744-4FF3-83B4-44B242F5B4D2}" v="91" dt="2020-10-20T22:25:07.682"/>
+    <p1510:client id="{D1D7216E-4744-4FF3-83B4-44B242F5B4D2}" v="108" dt="2020-10-21T14:08:23.367"/>
   </p1510:revLst>
 </p1510:revInfo>
 </file>
@@ -130,7 +130,7 @@
   <pc:docChgLst>
     <pc:chgData name="Matthew Linden" userId="0bdf84aa4d9a12cb" providerId="LiveId" clId="{D1D7216E-4744-4FF3-83B4-44B242F5B4D2}"/>
     <pc:docChg chg="undo custSel addSld delSld modSld sldOrd">
-      <pc:chgData name="Matthew Linden" userId="0bdf84aa4d9a12cb" providerId="LiveId" clId="{D1D7216E-4744-4FF3-83B4-44B242F5B4D2}" dt="2020-10-21T00:20:02.085" v="2166" actId="20577"/>
+      <pc:chgData name="Matthew Linden" userId="0bdf84aa4d9a12cb" providerId="LiveId" clId="{D1D7216E-4744-4FF3-83B4-44B242F5B4D2}" dt="2020-10-21T14:08:23.366" v="2448" actId="1076"/>
       <pc:docMkLst>
         <pc:docMk/>
       </pc:docMkLst>
@@ -1218,7 +1218,7 @@
         </pc:picChg>
       </pc:sldChg>
       <pc:sldChg chg="addSp delSp modSp add mod">
-        <pc:chgData name="Matthew Linden" userId="0bdf84aa4d9a12cb" providerId="LiveId" clId="{D1D7216E-4744-4FF3-83B4-44B242F5B4D2}" dt="2020-10-21T00:20:02.085" v="2166" actId="20577"/>
+        <pc:chgData name="Matthew Linden" userId="0bdf84aa4d9a12cb" providerId="LiveId" clId="{D1D7216E-4744-4FF3-83B4-44B242F5B4D2}" dt="2020-10-21T14:08:23.366" v="2448" actId="1076"/>
         <pc:sldMkLst>
           <pc:docMk/>
           <pc:sldMk cId="937142826" sldId="263"/>
@@ -1264,7 +1264,15 @@
           </ac:spMkLst>
         </pc:spChg>
         <pc:spChg chg="mod">
-          <ac:chgData name="Matthew Linden" userId="0bdf84aa4d9a12cb" providerId="LiveId" clId="{D1D7216E-4744-4FF3-83B4-44B242F5B4D2}" dt="2020-10-20T22:12:18.960" v="2012" actId="1076"/>
+          <ac:chgData name="Matthew Linden" userId="0bdf84aa4d9a12cb" providerId="LiveId" clId="{D1D7216E-4744-4FF3-83B4-44B242F5B4D2}" dt="2020-10-21T14:06:45.166" v="2338" actId="1076"/>
+          <ac:spMkLst>
+            <pc:docMk/>
+            <pc:sldMk cId="937142826" sldId="263"/>
+            <ac:spMk id="10" creationId="{55A0E9A0-910C-45A7-9A00-989B08368859}"/>
+          </ac:spMkLst>
+        </pc:spChg>
+        <pc:spChg chg="mod">
+          <ac:chgData name="Matthew Linden" userId="0bdf84aa4d9a12cb" providerId="LiveId" clId="{D1D7216E-4744-4FF3-83B4-44B242F5B4D2}" dt="2020-10-21T14:04:08.763" v="2274" actId="1036"/>
           <ac:spMkLst>
             <pc:docMk/>
             <pc:sldMk cId="937142826" sldId="263"/>
@@ -1272,7 +1280,7 @@
           </ac:spMkLst>
         </pc:spChg>
         <pc:spChg chg="add mod">
-          <ac:chgData name="Matthew Linden" userId="0bdf84aa4d9a12cb" providerId="LiveId" clId="{D1D7216E-4744-4FF3-83B4-44B242F5B4D2}" dt="2020-10-20T22:07:30.692" v="1814" actId="1076"/>
+          <ac:chgData name="Matthew Linden" userId="0bdf84aa4d9a12cb" providerId="LiveId" clId="{D1D7216E-4744-4FF3-83B4-44B242F5B4D2}" dt="2020-10-21T14:00:02.861" v="2192" actId="1076"/>
           <ac:spMkLst>
             <pc:docMk/>
             <pc:sldMk cId="937142826" sldId="263"/>
@@ -1312,7 +1320,7 @@
           </ac:spMkLst>
         </pc:spChg>
         <pc:spChg chg="add del mod">
-          <ac:chgData name="Matthew Linden" userId="0bdf84aa4d9a12cb" providerId="LiveId" clId="{D1D7216E-4744-4FF3-83B4-44B242F5B4D2}" dt="2020-10-21T00:13:11.374" v="2143" actId="478"/>
+          <ac:chgData name="Matthew Linden" userId="0bdf84aa4d9a12cb" providerId="LiveId" clId="{D1D7216E-4744-4FF3-83B4-44B242F5B4D2}" dt="2020-10-21T14:04:17.131" v="2275" actId="14100"/>
           <ac:spMkLst>
             <pc:docMk/>
             <pc:sldMk cId="937142826" sldId="263"/>
@@ -1344,7 +1352,7 @@
           </ac:spMkLst>
         </pc:spChg>
         <pc:spChg chg="add mod">
-          <ac:chgData name="Matthew Linden" userId="0bdf84aa4d9a12cb" providerId="LiveId" clId="{D1D7216E-4744-4FF3-83B4-44B242F5B4D2}" dt="2020-10-20T22:24:59.630" v="2124" actId="1036"/>
+          <ac:chgData name="Matthew Linden" userId="0bdf84aa4d9a12cb" providerId="LiveId" clId="{D1D7216E-4744-4FF3-83B4-44B242F5B4D2}" dt="2020-10-21T14:08:03.845" v="2447" actId="20577"/>
           <ac:spMkLst>
             <pc:docMk/>
             <pc:sldMk cId="937142826" sldId="263"/>
@@ -1376,6 +1384,14 @@
           </ac:spMkLst>
         </pc:spChg>
         <pc:spChg chg="add mod">
+          <ac:chgData name="Matthew Linden" userId="0bdf84aa4d9a12cb" providerId="LiveId" clId="{D1D7216E-4744-4FF3-83B4-44B242F5B4D2}" dt="2020-10-21T14:06:54.288" v="2378" actId="1038"/>
+          <ac:spMkLst>
+            <pc:docMk/>
+            <pc:sldMk cId="937142826" sldId="263"/>
+            <ac:spMk id="26" creationId="{B636D2D3-53BD-41B1-A46E-2D50B4D98A87}"/>
+          </ac:spMkLst>
+        </pc:spChg>
+        <pc:spChg chg="add mod">
           <ac:chgData name="Matthew Linden" userId="0bdf84aa4d9a12cb" providerId="LiveId" clId="{D1D7216E-4744-4FF3-83B4-44B242F5B4D2}" dt="2020-10-20T22:24:59.630" v="2124" actId="1036"/>
           <ac:spMkLst>
             <pc:docMk/>
@@ -1392,11 +1408,27 @@
           </ac:spMkLst>
         </pc:spChg>
         <pc:spChg chg="add mod">
+          <ac:chgData name="Matthew Linden" userId="0bdf84aa4d9a12cb" providerId="LiveId" clId="{D1D7216E-4744-4FF3-83B4-44B242F5B4D2}" dt="2020-10-21T14:06:54.288" v="2378" actId="1038"/>
+          <ac:spMkLst>
+            <pc:docMk/>
+            <pc:sldMk cId="937142826" sldId="263"/>
+            <ac:spMk id="28" creationId="{770CD173-1C47-4F68-ABEF-32B03BF4C2BA}"/>
+          </ac:spMkLst>
+        </pc:spChg>
+        <pc:spChg chg="add mod">
           <ac:chgData name="Matthew Linden" userId="0bdf84aa4d9a12cb" providerId="LiveId" clId="{D1D7216E-4744-4FF3-83B4-44B242F5B4D2}" dt="2020-10-20T22:24:59.630" v="2124" actId="1036"/>
           <ac:spMkLst>
             <pc:docMk/>
             <pc:sldMk cId="937142826" sldId="263"/>
             <ac:spMk id="29" creationId="{CC544EA4-28D3-46F5-BAD0-9D356A16299E}"/>
+          </ac:spMkLst>
+        </pc:spChg>
+        <pc:spChg chg="add mod">
+          <ac:chgData name="Matthew Linden" userId="0bdf84aa4d9a12cb" providerId="LiveId" clId="{D1D7216E-4744-4FF3-83B4-44B242F5B4D2}" dt="2020-10-21T14:06:54.288" v="2378" actId="1038"/>
+          <ac:spMkLst>
+            <pc:docMk/>
+            <pc:sldMk cId="937142826" sldId="263"/>
+            <ac:spMk id="30" creationId="{71A056CD-90A6-4151-B7BD-ED9E0870D9E9}"/>
           </ac:spMkLst>
         </pc:spChg>
         <pc:spChg chg="add del mod">
@@ -1415,6 +1447,14 @@
             <ac:spMk id="31" creationId="{5FB4D46D-AE28-40CE-80E8-9D8F650675A3}"/>
           </ac:spMkLst>
         </pc:spChg>
+        <pc:spChg chg="add del">
+          <ac:chgData name="Matthew Linden" userId="0bdf84aa4d9a12cb" providerId="LiveId" clId="{D1D7216E-4744-4FF3-83B4-44B242F5B4D2}" dt="2020-10-21T14:06:04.872" v="2326" actId="22"/>
+          <ac:spMkLst>
+            <pc:docMk/>
+            <pc:sldMk cId="937142826" sldId="263"/>
+            <ac:spMk id="32" creationId="{29747A79-18E6-4CD0-B97C-BD5916AB91CA}"/>
+          </ac:spMkLst>
+        </pc:spChg>
         <pc:spChg chg="add del mod">
           <ac:chgData name="Matthew Linden" userId="0bdf84aa4d9a12cb" providerId="LiveId" clId="{D1D7216E-4744-4FF3-83B4-44B242F5B4D2}" dt="2020-10-21T00:12:26.710" v="2141" actId="478"/>
           <ac:spMkLst>
@@ -1429,6 +1469,14 @@
             <pc:docMk/>
             <pc:sldMk cId="937142826" sldId="263"/>
             <ac:spMk id="33" creationId="{987E1B5A-2070-4CDA-8423-1FFD1877C74F}"/>
+          </ac:spMkLst>
+        </pc:spChg>
+        <pc:spChg chg="add mod">
+          <ac:chgData name="Matthew Linden" userId="0bdf84aa4d9a12cb" providerId="LiveId" clId="{D1D7216E-4744-4FF3-83B4-44B242F5B4D2}" dt="2020-10-21T14:06:54.288" v="2378" actId="1038"/>
+          <ac:spMkLst>
+            <pc:docMk/>
+            <pc:sldMk cId="937142826" sldId="263"/>
+            <ac:spMk id="34" creationId="{D96384E3-4200-4F11-8302-734E8B3BF39C}"/>
           </ac:spMkLst>
         </pc:spChg>
         <pc:spChg chg="add del mod">
@@ -1448,7 +1496,7 @@
           </ac:spMkLst>
         </pc:spChg>
         <pc:spChg chg="add mod">
-          <ac:chgData name="Matthew Linden" userId="0bdf84aa4d9a12cb" providerId="LiveId" clId="{D1D7216E-4744-4FF3-83B4-44B242F5B4D2}" dt="2020-10-20T22:11:59.252" v="1988" actId="1076"/>
+          <ac:chgData name="Matthew Linden" userId="0bdf84aa4d9a12cb" providerId="LiveId" clId="{D1D7216E-4744-4FF3-83B4-44B242F5B4D2}" dt="2020-10-21T14:08:02.678" v="2446" actId="1076"/>
           <ac:spMkLst>
             <pc:docMk/>
             <pc:sldMk cId="937142826" sldId="263"/>
@@ -1456,7 +1504,7 @@
           </ac:spMkLst>
         </pc:spChg>
         <pc:spChg chg="add del mod">
-          <ac:chgData name="Matthew Linden" userId="0bdf84aa4d9a12cb" providerId="LiveId" clId="{D1D7216E-4744-4FF3-83B4-44B242F5B4D2}" dt="2020-10-21T00:13:11.374" v="2143" actId="478"/>
+          <ac:chgData name="Matthew Linden" userId="0bdf84aa4d9a12cb" providerId="LiveId" clId="{D1D7216E-4744-4FF3-83B4-44B242F5B4D2}" dt="2020-10-21T14:01:13.761" v="2194" actId="14100"/>
           <ac:spMkLst>
             <pc:docMk/>
             <pc:sldMk cId="937142826" sldId="263"/>
@@ -1480,7 +1528,7 @@
           </ac:spMkLst>
         </pc:spChg>
         <pc:spChg chg="add del mod">
-          <ac:chgData name="Matthew Linden" userId="0bdf84aa4d9a12cb" providerId="LiveId" clId="{D1D7216E-4744-4FF3-83B4-44B242F5B4D2}" dt="2020-10-21T00:13:11.374" v="2143" actId="478"/>
+          <ac:chgData name="Matthew Linden" userId="0bdf84aa4d9a12cb" providerId="LiveId" clId="{D1D7216E-4744-4FF3-83B4-44B242F5B4D2}" dt="2020-10-21T14:03:51.976" v="2260" actId="14100"/>
           <ac:spMkLst>
             <pc:docMk/>
             <pc:sldMk cId="937142826" sldId="263"/>
@@ -1488,7 +1536,7 @@
           </ac:spMkLst>
         </pc:spChg>
         <pc:spChg chg="add mod">
-          <ac:chgData name="Matthew Linden" userId="0bdf84aa4d9a12cb" providerId="LiveId" clId="{D1D7216E-4744-4FF3-83B4-44B242F5B4D2}" dt="2020-10-20T22:15:44.620" v="2108" actId="20577"/>
+          <ac:chgData name="Matthew Linden" userId="0bdf84aa4d9a12cb" providerId="LiveId" clId="{D1D7216E-4744-4FF3-83B4-44B242F5B4D2}" dt="2020-10-21T14:07:00.073" v="2379" actId="1076"/>
           <ac:spMkLst>
             <pc:docMk/>
             <pc:sldMk cId="937142826" sldId="263"/>
@@ -1503,12 +1551,44 @@
             <ac:spMk id="42" creationId="{3C5B66D5-5531-4973-8EE5-4A6504B0098D}"/>
           </ac:spMkLst>
         </pc:spChg>
+        <pc:spChg chg="add mod">
+          <ac:chgData name="Matthew Linden" userId="0bdf84aa4d9a12cb" providerId="LiveId" clId="{D1D7216E-4744-4FF3-83B4-44B242F5B4D2}" dt="2020-10-21T14:06:54.288" v="2378" actId="1038"/>
+          <ac:spMkLst>
+            <pc:docMk/>
+            <pc:sldMk cId="937142826" sldId="263"/>
+            <ac:spMk id="42" creationId="{8E4AF7E6-6F0F-471F-BE9B-D1901DACB8E1}"/>
+          </ac:spMkLst>
+        </pc:spChg>
+        <pc:spChg chg="add mod">
+          <ac:chgData name="Matthew Linden" userId="0bdf84aa4d9a12cb" providerId="LiveId" clId="{D1D7216E-4744-4FF3-83B4-44B242F5B4D2}" dt="2020-10-21T14:06:54.288" v="2378" actId="1038"/>
+          <ac:spMkLst>
+            <pc:docMk/>
+            <pc:sldMk cId="937142826" sldId="263"/>
+            <ac:spMk id="43" creationId="{12A4D7EC-C348-4B29-8C27-7EE30C1BDA8F}"/>
+          </ac:spMkLst>
+        </pc:spChg>
+        <pc:spChg chg="add mod">
+          <ac:chgData name="Matthew Linden" userId="0bdf84aa4d9a12cb" providerId="LiveId" clId="{D1D7216E-4744-4FF3-83B4-44B242F5B4D2}" dt="2020-10-21T14:06:54.288" v="2378" actId="1038"/>
+          <ac:spMkLst>
+            <pc:docMk/>
+            <pc:sldMk cId="937142826" sldId="263"/>
+            <ac:spMk id="44" creationId="{E7E937A8-4C00-40EE-A5DF-659A5E6FF554}"/>
+          </ac:spMkLst>
+        </pc:spChg>
         <pc:spChg chg="mod">
-          <ac:chgData name="Matthew Linden" userId="0bdf84aa4d9a12cb" providerId="LiveId" clId="{D1D7216E-4744-4FF3-83B4-44B242F5B4D2}" dt="2020-10-20T22:12:11.065" v="2008" actId="1035"/>
+          <ac:chgData name="Matthew Linden" userId="0bdf84aa4d9a12cb" providerId="LiveId" clId="{D1D7216E-4744-4FF3-83B4-44B242F5B4D2}" dt="2020-10-21T14:04:06.354" v="2269" actId="1036"/>
           <ac:spMkLst>
             <pc:docMk/>
             <pc:sldMk cId="937142826" sldId="263"/>
             <ac:spMk id="67" creationId="{8890F418-A08D-4575-AEE6-1296F9A09E3C}"/>
+          </ac:spMkLst>
+        </pc:spChg>
+        <pc:spChg chg="add mod">
+          <ac:chgData name="Matthew Linden" userId="0bdf84aa4d9a12cb" providerId="LiveId" clId="{D1D7216E-4744-4FF3-83B4-44B242F5B4D2}" dt="2020-10-21T14:02:59.129" v="2256" actId="1076"/>
+          <ac:spMkLst>
+            <pc:docMk/>
+            <pc:sldMk cId="937142826" sldId="263"/>
+            <ac:spMk id="71" creationId="{87C0CAA8-6020-4331-9081-FABC1A8E1A9A}"/>
           </ac:spMkLst>
         </pc:spChg>
         <pc:spChg chg="del">
@@ -1527,8 +1607,24 @@
             <ac:spMk id="1035" creationId="{F8DE12D7-C655-4F52-94F6-8AFA97B45588}"/>
           </ac:spMkLst>
         </pc:spChg>
+        <pc:picChg chg="add mod">
+          <ac:chgData name="Matthew Linden" userId="0bdf84aa4d9a12cb" providerId="LiveId" clId="{D1D7216E-4744-4FF3-83B4-44B242F5B4D2}" dt="2020-10-21T14:00:07.990" v="2193" actId="1076"/>
+          <ac:picMkLst>
+            <pc:docMk/>
+            <pc:sldMk cId="937142826" sldId="263"/>
+            <ac:picMk id="8" creationId="{F9FB350D-AFEC-4A84-94B4-847C31F2E18E}"/>
+          </ac:picMkLst>
+        </pc:picChg>
+        <pc:picChg chg="add mod">
+          <ac:chgData name="Matthew Linden" userId="0bdf84aa4d9a12cb" providerId="LiveId" clId="{D1D7216E-4744-4FF3-83B4-44B242F5B4D2}" dt="2020-10-21T14:02:37.892" v="2245" actId="1076"/>
+          <ac:picMkLst>
+            <pc:docMk/>
+            <pc:sldMk cId="937142826" sldId="263"/>
+            <ac:picMk id="13" creationId="{56C286B0-48A6-47B6-93AE-36779AD8E10A}"/>
+          </ac:picMkLst>
+        </pc:picChg>
         <pc:picChg chg="mod">
-          <ac:chgData name="Matthew Linden" userId="0bdf84aa4d9a12cb" providerId="LiveId" clId="{D1D7216E-4744-4FF3-83B4-44B242F5B4D2}" dt="2020-10-20T22:14:01.800" v="2064" actId="1035"/>
+          <ac:chgData name="Matthew Linden" userId="0bdf84aa4d9a12cb" providerId="LiveId" clId="{D1D7216E-4744-4FF3-83B4-44B242F5B4D2}" dt="2020-10-21T13:59:44.226" v="2180" actId="1076"/>
           <ac:picMkLst>
             <pc:docMk/>
             <pc:sldMk cId="937142826" sldId="263"/>
@@ -1536,7 +1632,7 @@
           </ac:picMkLst>
         </pc:picChg>
         <pc:picChg chg="mod">
-          <ac:chgData name="Matthew Linden" userId="0bdf84aa4d9a12cb" providerId="LiveId" clId="{D1D7216E-4744-4FF3-83B4-44B242F5B4D2}" dt="2020-10-20T22:25:02.561" v="2125" actId="1076"/>
+          <ac:chgData name="Matthew Linden" userId="0bdf84aa4d9a12cb" providerId="LiveId" clId="{D1D7216E-4744-4FF3-83B4-44B242F5B4D2}" dt="2020-10-21T14:08:23.366" v="2448" actId="1076"/>
           <ac:picMkLst>
             <pc:docMk/>
             <pc:sldMk cId="937142826" sldId="263"/>
@@ -1551,6 +1647,14 @@
             <ac:picMk id="1034" creationId="{9275F26A-FAD8-48E2-96F6-33E9E527EC92}"/>
           </ac:picMkLst>
         </pc:picChg>
+        <pc:cxnChg chg="add mod">
+          <ac:chgData name="Matthew Linden" userId="0bdf84aa4d9a12cb" providerId="LiveId" clId="{D1D7216E-4744-4FF3-83B4-44B242F5B4D2}" dt="2020-10-21T14:03:06.645" v="2258" actId="208"/>
+          <ac:cxnSpMkLst>
+            <pc:docMk/>
+            <pc:sldMk cId="937142826" sldId="263"/>
+            <ac:cxnSpMk id="24" creationId="{AFEA1173-856B-4504-AAAC-5DA563EC631E}"/>
+          </ac:cxnSpMkLst>
+        </pc:cxnChg>
         <pc:cxnChg chg="del">
           <ac:chgData name="Matthew Linden" userId="0bdf84aa4d9a12cb" providerId="LiveId" clId="{D1D7216E-4744-4FF3-83B4-44B242F5B4D2}" dt="2020-10-20T22:24:39.245" v="2109" actId="478"/>
           <ac:cxnSpMkLst>
@@ -1703,7 +1807,7 @@
           <a:p>
             <a:fld id="{45DD9E14-9A03-43E0-B529-57A0D316EA9C}" type="datetimeFigureOut">
               <a:rPr lang="en-US" smtClean="0"/>
-              <a:t>10/20/2020</a:t>
+              <a:t>10/21/2020</a:t>
             </a:fld>
             <a:endParaRPr lang="en-US"/>
           </a:p>
@@ -1873,7 +1977,7 @@
           <a:p>
             <a:fld id="{45DD9E14-9A03-43E0-B529-57A0D316EA9C}" type="datetimeFigureOut">
               <a:rPr lang="en-US" smtClean="0"/>
-              <a:t>10/20/2020</a:t>
+              <a:t>10/21/2020</a:t>
             </a:fld>
             <a:endParaRPr lang="en-US"/>
           </a:p>
@@ -2053,7 +2157,7 @@
           <a:p>
             <a:fld id="{45DD9E14-9A03-43E0-B529-57A0D316EA9C}" type="datetimeFigureOut">
               <a:rPr lang="en-US" smtClean="0"/>
-              <a:t>10/20/2020</a:t>
+              <a:t>10/21/2020</a:t>
             </a:fld>
             <a:endParaRPr lang="en-US"/>
           </a:p>
@@ -2223,7 +2327,7 @@
           <a:p>
             <a:fld id="{45DD9E14-9A03-43E0-B529-57A0D316EA9C}" type="datetimeFigureOut">
               <a:rPr lang="en-US" smtClean="0"/>
-              <a:t>10/20/2020</a:t>
+              <a:t>10/21/2020</a:t>
             </a:fld>
             <a:endParaRPr lang="en-US"/>
           </a:p>
@@ -2467,7 +2571,7 @@
           <a:p>
             <a:fld id="{45DD9E14-9A03-43E0-B529-57A0D316EA9C}" type="datetimeFigureOut">
               <a:rPr lang="en-US" smtClean="0"/>
-              <a:t>10/20/2020</a:t>
+              <a:t>10/21/2020</a:t>
             </a:fld>
             <a:endParaRPr lang="en-US"/>
           </a:p>
@@ -2699,7 +2803,7 @@
           <a:p>
             <a:fld id="{45DD9E14-9A03-43E0-B529-57A0D316EA9C}" type="datetimeFigureOut">
               <a:rPr lang="en-US" smtClean="0"/>
-              <a:t>10/20/2020</a:t>
+              <a:t>10/21/2020</a:t>
             </a:fld>
             <a:endParaRPr lang="en-US"/>
           </a:p>
@@ -3066,7 +3170,7 @@
           <a:p>
             <a:fld id="{45DD9E14-9A03-43E0-B529-57A0D316EA9C}" type="datetimeFigureOut">
               <a:rPr lang="en-US" smtClean="0"/>
-              <a:t>10/20/2020</a:t>
+              <a:t>10/21/2020</a:t>
             </a:fld>
             <a:endParaRPr lang="en-US"/>
           </a:p>
@@ -3184,7 +3288,7 @@
           <a:p>
             <a:fld id="{45DD9E14-9A03-43E0-B529-57A0D316EA9C}" type="datetimeFigureOut">
               <a:rPr lang="en-US" smtClean="0"/>
-              <a:t>10/20/2020</a:t>
+              <a:t>10/21/2020</a:t>
             </a:fld>
             <a:endParaRPr lang="en-US"/>
           </a:p>
@@ -3279,7 +3383,7 @@
           <a:p>
             <a:fld id="{45DD9E14-9A03-43E0-B529-57A0D316EA9C}" type="datetimeFigureOut">
               <a:rPr lang="en-US" smtClean="0"/>
-              <a:t>10/20/2020</a:t>
+              <a:t>10/21/2020</a:t>
             </a:fld>
             <a:endParaRPr lang="en-US"/>
           </a:p>
@@ -3556,7 +3660,7 @@
           <a:p>
             <a:fld id="{45DD9E14-9A03-43E0-B529-57A0D316EA9C}" type="datetimeFigureOut">
               <a:rPr lang="en-US" smtClean="0"/>
-              <a:t>10/20/2020</a:t>
+              <a:t>10/21/2020</a:t>
             </a:fld>
             <a:endParaRPr lang="en-US"/>
           </a:p>
@@ -3813,7 +3917,7 @@
           <a:p>
             <a:fld id="{45DD9E14-9A03-43E0-B529-57A0D316EA9C}" type="datetimeFigureOut">
               <a:rPr lang="en-US" smtClean="0"/>
-              <a:t>10/20/2020</a:t>
+              <a:t>10/21/2020</a:t>
             </a:fld>
             <a:endParaRPr lang="en-US"/>
           </a:p>
@@ -4026,7 +4130,7 @@
           <a:p>
             <a:fld id="{45DD9E14-9A03-43E0-B529-57A0D316EA9C}" type="datetimeFigureOut">
               <a:rPr lang="en-US" smtClean="0"/>
-              <a:t>10/20/2020</a:t>
+              <a:t>10/21/2020</a:t>
             </a:fld>
             <a:endParaRPr lang="en-US"/>
           </a:p>
@@ -11110,7 +11214,7 @@
           <a:lstStyle/>
           <a:p>
             <a:pPr algn="ctr"/>
-            <a:endParaRPr lang="en-US"/>
+            <a:endParaRPr lang="en-US" dirty="0"/>
           </a:p>
         </p:txBody>
       </p:sp>
@@ -11474,7 +11578,7 @@
         </p:blipFill>
         <p:spPr bwMode="auto">
           <a:xfrm>
-            <a:off x="9785672" y="7792872"/>
+            <a:off x="9933952" y="7838752"/>
             <a:ext cx="1507715" cy="316620"/>
           </a:xfrm>
           <a:prstGeom prst="rect">
@@ -11692,8 +11796,8 @@
         </p:blipFill>
         <p:spPr bwMode="auto">
           <a:xfrm>
-            <a:off x="5348153" y="7896311"/>
-            <a:ext cx="1387864" cy="1371600"/>
+            <a:off x="5409508" y="7867353"/>
+            <a:ext cx="925532" cy="914686"/>
           </a:xfrm>
           <a:prstGeom prst="rect">
             <a:avLst/>
@@ -13046,8 +13150,8 @@
         </p:nvSpPr>
         <p:spPr>
           <a:xfrm>
-            <a:off x="3442076" y="10052480"/>
-            <a:ext cx="5094569" cy="1223412"/>
+            <a:off x="3442076" y="10705895"/>
+            <a:ext cx="5094569" cy="738664"/>
           </a:xfrm>
           <a:prstGeom prst="rect">
             <a:avLst/>
@@ -13285,143 +13389,7 @@
             </a:r>
             <a:r>
               <a:rPr lang="en-US" dirty="0"/>
-              <a:t> sed. In fermentum </a:t>
-            </a:r>
-            <a:r>
-              <a:rPr lang="en-US" dirty="0" err="1"/>
-              <a:t>neque</a:t>
-            </a:r>
-            <a:r>
-              <a:rPr lang="en-US" dirty="0"/>
-              <a:t> </a:t>
-            </a:r>
-            <a:r>
-              <a:rPr lang="en-US" dirty="0" err="1"/>
-              <a:t>viverra</a:t>
-            </a:r>
-            <a:r>
-              <a:rPr lang="en-US" dirty="0"/>
-              <a:t>, </a:t>
-            </a:r>
-            <a:r>
-              <a:rPr lang="en-US" dirty="0" err="1"/>
-              <a:t>elementum</a:t>
-            </a:r>
-            <a:r>
-              <a:rPr lang="en-US" dirty="0"/>
-              <a:t> </a:t>
-            </a:r>
-            <a:r>
-              <a:rPr lang="en-US" dirty="0" err="1"/>
-              <a:t>est</a:t>
-            </a:r>
-            <a:r>
-              <a:rPr lang="en-US" dirty="0"/>
-              <a:t> ac, </a:t>
-            </a:r>
-            <a:r>
-              <a:rPr lang="en-US" dirty="0" err="1"/>
-              <a:t>molestie</a:t>
-            </a:r>
-            <a:r>
-              <a:rPr lang="en-US" dirty="0"/>
-              <a:t> diam. Maecenas </a:t>
-            </a:r>
-            <a:r>
-              <a:rPr lang="en-US" dirty="0" err="1"/>
-              <a:t>fringilla</a:t>
-            </a:r>
-            <a:r>
-              <a:rPr lang="en-US" dirty="0"/>
-              <a:t> dui </a:t>
-            </a:r>
-            <a:r>
-              <a:rPr lang="en-US" dirty="0" err="1"/>
-              <a:t>metus</a:t>
-            </a:r>
-            <a:r>
-              <a:rPr lang="en-US" dirty="0"/>
-              <a:t>, </a:t>
-            </a:r>
-            <a:r>
-              <a:rPr lang="en-US" dirty="0" err="1"/>
-              <a:t>quis</a:t>
-            </a:r>
-            <a:r>
-              <a:rPr lang="en-US" dirty="0"/>
-              <a:t> </a:t>
-            </a:r>
-            <a:r>
-              <a:rPr lang="en-US" dirty="0" err="1"/>
-              <a:t>accumsan</a:t>
-            </a:r>
-            <a:r>
-              <a:rPr lang="en-US" dirty="0"/>
-              <a:t> </a:t>
-            </a:r>
-            <a:r>
-              <a:rPr lang="en-US" dirty="0" err="1"/>
-              <a:t>nisl</a:t>
-            </a:r>
-            <a:r>
-              <a:rPr lang="en-US" dirty="0"/>
-              <a:t> </a:t>
-            </a:r>
-            <a:r>
-              <a:rPr lang="en-US" dirty="0" err="1"/>
-              <a:t>pretium</a:t>
-            </a:r>
-            <a:r>
-              <a:rPr lang="en-US" dirty="0"/>
-              <a:t> </a:t>
-            </a:r>
-            <a:r>
-              <a:rPr lang="en-US" dirty="0" err="1"/>
-              <a:t>nec</a:t>
-            </a:r>
-            <a:r>
-              <a:rPr lang="en-US" dirty="0"/>
-              <a:t>. </a:t>
-            </a:r>
-            <a:r>
-              <a:rPr lang="en-US" dirty="0" err="1"/>
-              <a:t>Curabitur</a:t>
-            </a:r>
-            <a:r>
-              <a:rPr lang="en-US" dirty="0"/>
-              <a:t> </a:t>
-            </a:r>
-            <a:r>
-              <a:rPr lang="en-US" dirty="0" err="1"/>
-              <a:t>posuere</a:t>
-            </a:r>
-            <a:r>
-              <a:rPr lang="en-US" dirty="0"/>
-              <a:t> </a:t>
-            </a:r>
-            <a:r>
-              <a:rPr lang="en-US" dirty="0" err="1"/>
-              <a:t>nec</a:t>
-            </a:r>
-            <a:r>
-              <a:rPr lang="en-US" dirty="0"/>
-              <a:t> </a:t>
-            </a:r>
-            <a:r>
-              <a:rPr lang="en-US" dirty="0" err="1"/>
-              <a:t>est</a:t>
-            </a:r>
-            <a:r>
-              <a:rPr lang="en-US" dirty="0"/>
-              <a:t> non </a:t>
-            </a:r>
-            <a:r>
-              <a:rPr lang="en-US" dirty="0" err="1"/>
-              <a:t>lobortis</a:t>
-            </a:r>
-            <a:r>
-              <a:rPr lang="en-US" dirty="0"/>
-              <a:t>.</a:t>
+              <a:t> sed.</a:t>
             </a:r>
           </a:p>
         </p:txBody>
@@ -13440,7 +13408,7 @@
         </p:nvSpPr>
         <p:spPr>
           <a:xfrm>
-            <a:off x="3526633" y="9776853"/>
+            <a:off x="3496371" y="10559684"/>
             <a:ext cx="3311934" cy="253916"/>
           </a:xfrm>
           <a:prstGeom prst="rect">
@@ -13478,8 +13446,106 @@
         </p:nvSpPr>
         <p:spPr>
           <a:xfrm>
-            <a:off x="903389" y="9851411"/>
-            <a:ext cx="1181100" cy="195351"/>
+            <a:off x="5496938" y="8237699"/>
+            <a:ext cx="748709" cy="189879"/>
+          </a:xfrm>
+          <a:prstGeom prst="rect">
+            <a:avLst/>
+          </a:prstGeom>
+          <a:solidFill>
+            <a:schemeClr val="bg1"/>
+          </a:solidFill>
+          <a:ln w="9525">
+            <a:noFill/>
+          </a:ln>
+        </p:spPr>
+        <p:style>
+          <a:lnRef idx="2">
+            <a:schemeClr val="accent1">
+              <a:shade val="50000"/>
+            </a:schemeClr>
+          </a:lnRef>
+          <a:fillRef idx="1">
+            <a:schemeClr val="accent1"/>
+          </a:fillRef>
+          <a:effectRef idx="0">
+            <a:schemeClr val="accent1"/>
+          </a:effectRef>
+          <a:fontRef idx="minor">
+            <a:schemeClr val="lt1"/>
+          </a:fontRef>
+        </p:style>
+        <p:txBody>
+          <a:bodyPr rtlCol="0" anchor="ctr"/>
+          <a:lstStyle/>
+          <a:p>
+            <a:pPr algn="ctr"/>
+            <a:r>
+              <a:rPr lang="en-US" sz="1200" dirty="0">
+                <a:solidFill>
+                  <a:schemeClr val="tx1"/>
+                </a:solidFill>
+              </a:rPr>
+              <a:t>Preview</a:t>
+            </a:r>
+          </a:p>
+        </p:txBody>
+      </p:sp>
+      <p:sp>
+        <p:nvSpPr>
+          <p:cNvPr id="15" name="TextBox 14">
+            <a:extLst>
+              <a:ext uri="{FF2B5EF4-FFF2-40B4-BE49-F238E27FC236}">
+                <a16:creationId xmlns:a16="http://schemas.microsoft.com/office/drawing/2014/main" id="{0AC5117E-9C59-4C1F-8B3D-5DBEF546E720}"/>
+              </a:ext>
+            </a:extLst>
+          </p:cNvPr>
+          <p:cNvSpPr txBox="1"/>
+          <p:nvPr/>
+        </p:nvSpPr>
+        <p:spPr>
+          <a:xfrm>
+            <a:off x="3337515" y="7327278"/>
+            <a:ext cx="5333161" cy="307777"/>
+          </a:xfrm>
+          <a:prstGeom prst="rect">
+            <a:avLst/>
+          </a:prstGeom>
+          <a:noFill/>
+        </p:spPr>
+        <p:txBody>
+          <a:bodyPr wrap="square" rtlCol="0">
+            <a:spAutoFit/>
+          </a:bodyPr>
+          <a:lstStyle/>
+          <a:p>
+            <a:pPr algn="ctr"/>
+            <a:r>
+              <a:rPr lang="en-US" sz="1400" dirty="0">
+                <a:latin typeface="Arial Rounded MT Bold" panose="020B0604020202020204" pitchFamily="34" charset="0"/>
+                <a:cs typeface="Aharoni" panose="020B0604020202020204" pitchFamily="2" charset="-79"/>
+              </a:rPr>
+              <a:t>Artist Information</a:t>
+            </a:r>
+          </a:p>
+        </p:txBody>
+      </p:sp>
+      <p:sp>
+        <p:nvSpPr>
+          <p:cNvPr id="16" name="Rectangle 15">
+            <a:extLst>
+              <a:ext uri="{FF2B5EF4-FFF2-40B4-BE49-F238E27FC236}">
+                <a16:creationId xmlns:a16="http://schemas.microsoft.com/office/drawing/2014/main" id="{2A567434-4984-40D8-A8CC-E2C726633683}"/>
+              </a:ext>
+            </a:extLst>
+          </p:cNvPr>
+          <p:cNvSpPr/>
+          <p:nvPr/>
+        </p:nvSpPr>
+        <p:spPr>
+          <a:xfrm>
+            <a:off x="7833443" y="11171839"/>
+            <a:ext cx="571791" cy="239675"/>
           </a:xfrm>
           <a:prstGeom prst="rect">
             <a:avLst/>
@@ -13520,17 +13586,70 @@
                   <a:schemeClr val="tx1"/>
                 </a:solidFill>
               </a:rPr>
-              <a:t>Save Changes</a:t>
-            </a:r>
-          </a:p>
-        </p:txBody>
-      </p:sp>
-      <p:sp>
-        <p:nvSpPr>
-          <p:cNvPr id="15" name="TextBox 14">
-            <a:extLst>
-              <a:ext uri="{FF2B5EF4-FFF2-40B4-BE49-F238E27FC236}">
-                <a16:creationId xmlns:a16="http://schemas.microsoft.com/office/drawing/2014/main" id="{0AC5117E-9C59-4C1F-8B3D-5DBEF546E720}"/>
+              <a:t>Edit</a:t>
+            </a:r>
+          </a:p>
+        </p:txBody>
+      </p:sp>
+      <p:sp>
+        <p:nvSpPr>
+          <p:cNvPr id="17" name="Rectangle 16">
+            <a:extLst>
+              <a:ext uri="{FF2B5EF4-FFF2-40B4-BE49-F238E27FC236}">
+                <a16:creationId xmlns:a16="http://schemas.microsoft.com/office/drawing/2014/main" id="{B587BA7C-36D5-491D-8C38-6086B1108E01}"/>
+              </a:ext>
+            </a:extLst>
+          </p:cNvPr>
+          <p:cNvSpPr/>
+          <p:nvPr/>
+        </p:nvSpPr>
+        <p:spPr>
+          <a:xfrm>
+            <a:off x="9067945" y="7727658"/>
+            <a:ext cx="3103110" cy="2865536"/>
+          </a:xfrm>
+          <a:prstGeom prst="rect">
+            <a:avLst/>
+          </a:prstGeom>
+          <a:noFill/>
+          <a:ln w="6350">
+            <a:solidFill>
+              <a:schemeClr val="tx1"/>
+            </a:solidFill>
+            <a:prstDash val="sysDot"/>
+          </a:ln>
+        </p:spPr>
+        <p:style>
+          <a:lnRef idx="2">
+            <a:schemeClr val="accent1">
+              <a:shade val="50000"/>
+            </a:schemeClr>
+          </a:lnRef>
+          <a:fillRef idx="1">
+            <a:schemeClr val="accent1"/>
+          </a:fillRef>
+          <a:effectRef idx="0">
+            <a:schemeClr val="accent1"/>
+          </a:effectRef>
+          <a:fontRef idx="minor">
+            <a:schemeClr val="lt1"/>
+          </a:fontRef>
+        </p:style>
+        <p:txBody>
+          <a:bodyPr rtlCol="0" anchor="ctr"/>
+          <a:lstStyle/>
+          <a:p>
+            <a:pPr algn="ctr"/>
+            <a:endParaRPr lang="en-US"/>
+          </a:p>
+        </p:txBody>
+      </p:sp>
+      <p:sp>
+        <p:nvSpPr>
+          <p:cNvPr id="19" name="TextBox 18">
+            <a:extLst>
+              <a:ext uri="{FF2B5EF4-FFF2-40B4-BE49-F238E27FC236}">
+                <a16:creationId xmlns:a16="http://schemas.microsoft.com/office/drawing/2014/main" id="{88C2EC57-0681-4706-B7E0-DE10CFD10D9C}"/>
               </a:ext>
             </a:extLst>
           </p:cNvPr>
@@ -13539,8 +13658,8 @@
         </p:nvSpPr>
         <p:spPr>
           <a:xfrm>
-            <a:off x="3337515" y="7327278"/>
-            <a:ext cx="5333161" cy="307777"/>
+            <a:off x="8713482" y="7326734"/>
+            <a:ext cx="3806626" cy="307777"/>
           </a:xfrm>
           <a:prstGeom prst="rect">
             <a:avLst/>
@@ -13559,17 +13678,180 @@
                 <a:latin typeface="Arial Rounded MT Bold" panose="020B0604020202020204" pitchFamily="34" charset="0"/>
                 <a:cs typeface="Aharoni" panose="020B0604020202020204" pitchFamily="2" charset="-79"/>
               </a:rPr>
-              <a:t>Artist Information</a:t>
-            </a:r>
-          </a:p>
-        </p:txBody>
-      </p:sp>
-      <p:sp>
-        <p:nvSpPr>
-          <p:cNvPr id="16" name="Rectangle 15">
-            <a:extLst>
-              <a:ext uri="{FF2B5EF4-FFF2-40B4-BE49-F238E27FC236}">
-                <a16:creationId xmlns:a16="http://schemas.microsoft.com/office/drawing/2014/main" id="{2A567434-4984-40D8-A8CC-E2C726633683}"/>
+              <a:t>Music</a:t>
+            </a:r>
+          </a:p>
+        </p:txBody>
+      </p:sp>
+      <p:sp>
+        <p:nvSpPr>
+          <p:cNvPr id="23" name="TextBox 22">
+            <a:extLst>
+              <a:ext uri="{FF2B5EF4-FFF2-40B4-BE49-F238E27FC236}">
+                <a16:creationId xmlns:a16="http://schemas.microsoft.com/office/drawing/2014/main" id="{C276A30D-636C-4DEF-8DBD-7C39D7FF2BC7}"/>
+              </a:ext>
+            </a:extLst>
+          </p:cNvPr>
+          <p:cNvSpPr txBox="1"/>
+          <p:nvPr/>
+        </p:nvSpPr>
+        <p:spPr>
+          <a:xfrm>
+            <a:off x="10128841" y="8222534"/>
+            <a:ext cx="2059086" cy="2308324"/>
+          </a:xfrm>
+          <a:prstGeom prst="rect">
+            <a:avLst/>
+          </a:prstGeom>
+          <a:noFill/>
+        </p:spPr>
+        <p:txBody>
+          <a:bodyPr wrap="square" rtlCol="0">
+            <a:spAutoFit/>
+          </a:bodyPr>
+          <a:lstStyle/>
+          <a:p>
+            <a:r>
+              <a:rPr lang="en-US" sz="1200" dirty="0">
+                <a:latin typeface="Arial Rounded MT Bold" panose="020B0604020202020204" pitchFamily="34" charset="0"/>
+                <a:cs typeface="Aharoni" panose="020B0604020202020204" pitchFamily="2" charset="-79"/>
+              </a:rPr>
+              <a:t>Californication</a:t>
+            </a:r>
+          </a:p>
+          <a:p>
+            <a:r>
+              <a:rPr lang="en-US" sz="1200" dirty="0">
+                <a:latin typeface="Arial Rounded MT Bold" panose="020B0604020202020204" pitchFamily="34" charset="0"/>
+                <a:cs typeface="Aharoni" panose="020B0604020202020204" pitchFamily="2" charset="-79"/>
+              </a:rPr>
+              <a:t>Under the Bridge</a:t>
+            </a:r>
+          </a:p>
+          <a:p>
+            <a:r>
+              <a:rPr lang="en-US" sz="1200" dirty="0" err="1">
+                <a:latin typeface="Arial Rounded MT Bold" panose="020B0604020202020204" pitchFamily="34" charset="0"/>
+                <a:cs typeface="Aharoni" panose="020B0604020202020204" pitchFamily="2" charset="-79"/>
+              </a:rPr>
+              <a:t>Otherside</a:t>
+            </a:r>
+            <a:endParaRPr lang="en-US" sz="1200" dirty="0">
+              <a:latin typeface="Arial Rounded MT Bold" panose="020B0604020202020204" pitchFamily="34" charset="0"/>
+              <a:cs typeface="Aharoni" panose="020B0604020202020204" pitchFamily="2" charset="-79"/>
+            </a:endParaRPr>
+          </a:p>
+          <a:p>
+            <a:r>
+              <a:rPr lang="en-US" sz="1200" dirty="0">
+                <a:latin typeface="Arial Rounded MT Bold" panose="020B0604020202020204" pitchFamily="34" charset="0"/>
+                <a:cs typeface="Aharoni" panose="020B0604020202020204" pitchFamily="2" charset="-79"/>
+              </a:rPr>
+              <a:t>Give It Away</a:t>
+            </a:r>
+          </a:p>
+          <a:p>
+            <a:r>
+              <a:rPr lang="en-US" sz="1200" dirty="0">
+                <a:latin typeface="Arial Rounded MT Bold" panose="020B0604020202020204" pitchFamily="34" charset="0"/>
+                <a:cs typeface="Aharoni" panose="020B0604020202020204" pitchFamily="2" charset="-79"/>
+              </a:rPr>
+              <a:t>Dani California</a:t>
+            </a:r>
+          </a:p>
+          <a:p>
+            <a:r>
+              <a:rPr lang="en-US" sz="1200" dirty="0" err="1">
+                <a:latin typeface="Arial Rounded MT Bold" panose="020B0604020202020204" pitchFamily="34" charset="0"/>
+                <a:cs typeface="Aharoni" panose="020B0604020202020204" pitchFamily="2" charset="-79"/>
+              </a:rPr>
+              <a:t>Adfadfda</a:t>
+            </a:r>
+            <a:endParaRPr lang="en-US" sz="1200" dirty="0">
+              <a:latin typeface="Arial Rounded MT Bold" panose="020B0604020202020204" pitchFamily="34" charset="0"/>
+              <a:cs typeface="Aharoni" panose="020B0604020202020204" pitchFamily="2" charset="-79"/>
+            </a:endParaRPr>
+          </a:p>
+          <a:p>
+            <a:r>
+              <a:rPr lang="en-US" sz="1200" dirty="0" err="1">
+                <a:latin typeface="Arial Rounded MT Bold" panose="020B0604020202020204" pitchFamily="34" charset="0"/>
+                <a:cs typeface="Aharoni" panose="020B0604020202020204" pitchFamily="2" charset="-79"/>
+              </a:rPr>
+              <a:t>Daf</a:t>
+            </a:r>
+            <a:endParaRPr lang="en-US" sz="1200" dirty="0">
+              <a:latin typeface="Arial Rounded MT Bold" panose="020B0604020202020204" pitchFamily="34" charset="0"/>
+              <a:cs typeface="Aharoni" panose="020B0604020202020204" pitchFamily="2" charset="-79"/>
+            </a:endParaRPr>
+          </a:p>
+          <a:p>
+            <a:r>
+              <a:rPr lang="en-US" sz="1200" dirty="0" err="1">
+                <a:latin typeface="Arial Rounded MT Bold" panose="020B0604020202020204" pitchFamily="34" charset="0"/>
+                <a:cs typeface="Aharoni" panose="020B0604020202020204" pitchFamily="2" charset="-79"/>
+              </a:rPr>
+              <a:t>Adsf</a:t>
+            </a:r>
+            <a:endParaRPr lang="en-US" sz="1200" dirty="0">
+              <a:latin typeface="Arial Rounded MT Bold" panose="020B0604020202020204" pitchFamily="34" charset="0"/>
+              <a:cs typeface="Aharoni" panose="020B0604020202020204" pitchFamily="2" charset="-79"/>
+            </a:endParaRPr>
+          </a:p>
+          <a:p>
+            <a:r>
+              <a:rPr lang="en-US" sz="1200" dirty="0" err="1">
+                <a:latin typeface="Arial Rounded MT Bold" panose="020B0604020202020204" pitchFamily="34" charset="0"/>
+                <a:cs typeface="Aharoni" panose="020B0604020202020204" pitchFamily="2" charset="-79"/>
+              </a:rPr>
+              <a:t>Sadf</a:t>
+            </a:r>
+            <a:endParaRPr lang="en-US" sz="1200" dirty="0">
+              <a:latin typeface="Arial Rounded MT Bold" panose="020B0604020202020204" pitchFamily="34" charset="0"/>
+              <a:cs typeface="Aharoni" panose="020B0604020202020204" pitchFamily="2" charset="-79"/>
+            </a:endParaRPr>
+          </a:p>
+          <a:p>
+            <a:r>
+              <a:rPr lang="en-US" sz="1200" dirty="0" err="1">
+                <a:latin typeface="Arial Rounded MT Bold" panose="020B0604020202020204" pitchFamily="34" charset="0"/>
+                <a:cs typeface="Aharoni" panose="020B0604020202020204" pitchFamily="2" charset="-79"/>
+              </a:rPr>
+              <a:t>Dsaf</a:t>
+            </a:r>
+            <a:endParaRPr lang="en-US" sz="1200" dirty="0">
+              <a:latin typeface="Arial Rounded MT Bold" panose="020B0604020202020204" pitchFamily="34" charset="0"/>
+              <a:cs typeface="Aharoni" panose="020B0604020202020204" pitchFamily="2" charset="-79"/>
+            </a:endParaRPr>
+          </a:p>
+          <a:p>
+            <a:r>
+              <a:rPr lang="en-US" sz="1200" dirty="0" err="1">
+                <a:latin typeface="Arial Rounded MT Bold" panose="020B0604020202020204" pitchFamily="34" charset="0"/>
+                <a:cs typeface="Aharoni" panose="020B0604020202020204" pitchFamily="2" charset="-79"/>
+              </a:rPr>
+              <a:t>Adfadf</a:t>
+            </a:r>
+            <a:endParaRPr lang="en-US" sz="1200" dirty="0">
+              <a:latin typeface="Arial Rounded MT Bold" panose="020B0604020202020204" pitchFamily="34" charset="0"/>
+              <a:cs typeface="Aharoni" panose="020B0604020202020204" pitchFamily="2" charset="-79"/>
+            </a:endParaRPr>
+          </a:p>
+          <a:p>
+            <a:pPr algn="ctr"/>
+            <a:endParaRPr lang="en-US" sz="1200" dirty="0">
+              <a:latin typeface="Arial Rounded MT Bold" panose="020B0604020202020204" pitchFamily="34" charset="0"/>
+              <a:cs typeface="Aharoni" panose="020B0604020202020204" pitchFamily="2" charset="-79"/>
+            </a:endParaRPr>
+          </a:p>
+        </p:txBody>
+      </p:sp>
+      <p:sp>
+        <p:nvSpPr>
+          <p:cNvPr id="25" name="Isosceles Triangle 24">
+            <a:extLst>
+              <a:ext uri="{FF2B5EF4-FFF2-40B4-BE49-F238E27FC236}">
+                <a16:creationId xmlns:a16="http://schemas.microsoft.com/office/drawing/2014/main" id="{6D7173BA-51BB-47D0-A47C-4B80CEBB962E}"/>
               </a:ext>
             </a:extLst>
           </p:cNvPr>
@@ -13577,9 +13859,279 @@
           <p:nvPr/>
         </p:nvSpPr>
         <p:spPr>
-          <a:xfrm>
-            <a:off x="7833443" y="11171839"/>
-            <a:ext cx="571791" cy="239675"/>
+          <a:xfrm rot="5400000">
+            <a:off x="9789166" y="8259058"/>
+            <a:ext cx="155448" cy="155448"/>
+          </a:xfrm>
+          <a:prstGeom prst="triangle">
+            <a:avLst/>
+          </a:prstGeom>
+          <a:solidFill>
+            <a:schemeClr val="tx1"/>
+          </a:solidFill>
+          <a:ln>
+            <a:solidFill>
+              <a:schemeClr val="tx1"/>
+            </a:solidFill>
+          </a:ln>
+        </p:spPr>
+        <p:style>
+          <a:lnRef idx="2">
+            <a:schemeClr val="accent1">
+              <a:shade val="50000"/>
+            </a:schemeClr>
+          </a:lnRef>
+          <a:fillRef idx="1">
+            <a:schemeClr val="accent1"/>
+          </a:fillRef>
+          <a:effectRef idx="0">
+            <a:schemeClr val="accent1"/>
+          </a:effectRef>
+          <a:fontRef idx="minor">
+            <a:schemeClr val="lt1"/>
+          </a:fontRef>
+        </p:style>
+        <p:txBody>
+          <a:bodyPr rtlCol="0" anchor="ctr"/>
+          <a:lstStyle/>
+          <a:p>
+            <a:pPr algn="ctr"/>
+            <a:endParaRPr lang="en-US"/>
+          </a:p>
+        </p:txBody>
+      </p:sp>
+      <p:sp>
+        <p:nvSpPr>
+          <p:cNvPr id="27" name="Isosceles Triangle 26">
+            <a:extLst>
+              <a:ext uri="{FF2B5EF4-FFF2-40B4-BE49-F238E27FC236}">
+                <a16:creationId xmlns:a16="http://schemas.microsoft.com/office/drawing/2014/main" id="{909A5390-4D7B-423A-816F-7502463EC2C6}"/>
+              </a:ext>
+            </a:extLst>
+          </p:cNvPr>
+          <p:cNvSpPr/>
+          <p:nvPr/>
+        </p:nvSpPr>
+        <p:spPr>
+          <a:xfrm rot="5400000">
+            <a:off x="9789166" y="8458240"/>
+            <a:ext cx="155448" cy="155448"/>
+          </a:xfrm>
+          <a:prstGeom prst="triangle">
+            <a:avLst/>
+          </a:prstGeom>
+          <a:solidFill>
+            <a:schemeClr val="tx1"/>
+          </a:solidFill>
+          <a:ln>
+            <a:solidFill>
+              <a:schemeClr val="tx1"/>
+            </a:solidFill>
+          </a:ln>
+        </p:spPr>
+        <p:style>
+          <a:lnRef idx="2">
+            <a:schemeClr val="accent1">
+              <a:shade val="50000"/>
+            </a:schemeClr>
+          </a:lnRef>
+          <a:fillRef idx="1">
+            <a:schemeClr val="accent1"/>
+          </a:fillRef>
+          <a:effectRef idx="0">
+            <a:schemeClr val="accent1"/>
+          </a:effectRef>
+          <a:fontRef idx="minor">
+            <a:schemeClr val="lt1"/>
+          </a:fontRef>
+        </p:style>
+        <p:txBody>
+          <a:bodyPr rtlCol="0" anchor="ctr"/>
+          <a:lstStyle/>
+          <a:p>
+            <a:pPr algn="ctr"/>
+            <a:endParaRPr lang="en-US"/>
+          </a:p>
+        </p:txBody>
+      </p:sp>
+      <p:sp>
+        <p:nvSpPr>
+          <p:cNvPr id="29" name="Isosceles Triangle 28">
+            <a:extLst>
+              <a:ext uri="{FF2B5EF4-FFF2-40B4-BE49-F238E27FC236}">
+                <a16:creationId xmlns:a16="http://schemas.microsoft.com/office/drawing/2014/main" id="{CC544EA4-28D3-46F5-BAD0-9D356A16299E}"/>
+              </a:ext>
+            </a:extLst>
+          </p:cNvPr>
+          <p:cNvSpPr/>
+          <p:nvPr/>
+        </p:nvSpPr>
+        <p:spPr>
+          <a:xfrm rot="5400000">
+            <a:off x="9789166" y="8657422"/>
+            <a:ext cx="155448" cy="155448"/>
+          </a:xfrm>
+          <a:prstGeom prst="triangle">
+            <a:avLst/>
+          </a:prstGeom>
+          <a:solidFill>
+            <a:schemeClr val="tx1"/>
+          </a:solidFill>
+          <a:ln>
+            <a:solidFill>
+              <a:schemeClr val="tx1"/>
+            </a:solidFill>
+          </a:ln>
+        </p:spPr>
+        <p:style>
+          <a:lnRef idx="2">
+            <a:schemeClr val="accent1">
+              <a:shade val="50000"/>
+            </a:schemeClr>
+          </a:lnRef>
+          <a:fillRef idx="1">
+            <a:schemeClr val="accent1"/>
+          </a:fillRef>
+          <a:effectRef idx="0">
+            <a:schemeClr val="accent1"/>
+          </a:effectRef>
+          <a:fontRef idx="minor">
+            <a:schemeClr val="lt1"/>
+          </a:fontRef>
+        </p:style>
+        <p:txBody>
+          <a:bodyPr rtlCol="0" anchor="ctr"/>
+          <a:lstStyle/>
+          <a:p>
+            <a:pPr algn="ctr"/>
+            <a:endParaRPr lang="en-US"/>
+          </a:p>
+        </p:txBody>
+      </p:sp>
+      <p:sp>
+        <p:nvSpPr>
+          <p:cNvPr id="31" name="Isosceles Triangle 30">
+            <a:extLst>
+              <a:ext uri="{FF2B5EF4-FFF2-40B4-BE49-F238E27FC236}">
+                <a16:creationId xmlns:a16="http://schemas.microsoft.com/office/drawing/2014/main" id="{5FB4D46D-AE28-40CE-80E8-9D8F650675A3}"/>
+              </a:ext>
+            </a:extLst>
+          </p:cNvPr>
+          <p:cNvSpPr/>
+          <p:nvPr/>
+        </p:nvSpPr>
+        <p:spPr>
+          <a:xfrm rot="5400000">
+            <a:off x="9789166" y="8856604"/>
+            <a:ext cx="155448" cy="155448"/>
+          </a:xfrm>
+          <a:prstGeom prst="triangle">
+            <a:avLst/>
+          </a:prstGeom>
+          <a:solidFill>
+            <a:schemeClr val="tx1"/>
+          </a:solidFill>
+          <a:ln>
+            <a:solidFill>
+              <a:schemeClr val="tx1"/>
+            </a:solidFill>
+          </a:ln>
+        </p:spPr>
+        <p:style>
+          <a:lnRef idx="2">
+            <a:schemeClr val="accent1">
+              <a:shade val="50000"/>
+            </a:schemeClr>
+          </a:lnRef>
+          <a:fillRef idx="1">
+            <a:schemeClr val="accent1"/>
+          </a:fillRef>
+          <a:effectRef idx="0">
+            <a:schemeClr val="accent1"/>
+          </a:effectRef>
+          <a:fontRef idx="minor">
+            <a:schemeClr val="lt1"/>
+          </a:fontRef>
+        </p:style>
+        <p:txBody>
+          <a:bodyPr rtlCol="0" anchor="ctr"/>
+          <a:lstStyle/>
+          <a:p>
+            <a:pPr algn="ctr"/>
+            <a:endParaRPr lang="en-US"/>
+          </a:p>
+        </p:txBody>
+      </p:sp>
+      <p:sp>
+        <p:nvSpPr>
+          <p:cNvPr id="33" name="Isosceles Triangle 32">
+            <a:extLst>
+              <a:ext uri="{FF2B5EF4-FFF2-40B4-BE49-F238E27FC236}">
+                <a16:creationId xmlns:a16="http://schemas.microsoft.com/office/drawing/2014/main" id="{987E1B5A-2070-4CDA-8423-1FFD1877C74F}"/>
+              </a:ext>
+            </a:extLst>
+          </p:cNvPr>
+          <p:cNvSpPr/>
+          <p:nvPr/>
+        </p:nvSpPr>
+        <p:spPr>
+          <a:xfrm rot="5400000">
+            <a:off x="9789166" y="9057069"/>
+            <a:ext cx="155448" cy="155448"/>
+          </a:xfrm>
+          <a:prstGeom prst="triangle">
+            <a:avLst/>
+          </a:prstGeom>
+          <a:solidFill>
+            <a:schemeClr val="tx1"/>
+          </a:solidFill>
+          <a:ln>
+            <a:solidFill>
+              <a:schemeClr val="tx1"/>
+            </a:solidFill>
+          </a:ln>
+        </p:spPr>
+        <p:style>
+          <a:lnRef idx="2">
+            <a:schemeClr val="accent1">
+              <a:shade val="50000"/>
+            </a:schemeClr>
+          </a:lnRef>
+          <a:fillRef idx="1">
+            <a:schemeClr val="accent1"/>
+          </a:fillRef>
+          <a:effectRef idx="0">
+            <a:schemeClr val="accent1"/>
+          </a:effectRef>
+          <a:fontRef idx="minor">
+            <a:schemeClr val="lt1"/>
+          </a:fontRef>
+        </p:style>
+        <p:txBody>
+          <a:bodyPr rtlCol="0" anchor="ctr"/>
+          <a:lstStyle/>
+          <a:p>
+            <a:pPr algn="ctr"/>
+            <a:endParaRPr lang="en-US"/>
+          </a:p>
+        </p:txBody>
+      </p:sp>
+      <p:sp>
+        <p:nvSpPr>
+          <p:cNvPr id="9" name="Rectangle 8">
+            <a:extLst>
+              <a:ext uri="{FF2B5EF4-FFF2-40B4-BE49-F238E27FC236}">
+                <a16:creationId xmlns:a16="http://schemas.microsoft.com/office/drawing/2014/main" id="{7AEDB6B8-D78C-454D-A82B-020120B7B31F}"/>
+              </a:ext>
+            </a:extLst>
+          </p:cNvPr>
+          <p:cNvSpPr/>
+          <p:nvPr/>
+        </p:nvSpPr>
+        <p:spPr>
+          <a:xfrm>
+            <a:off x="9865330" y="10916230"/>
+            <a:ext cx="1497192" cy="204865"/>
           </a:xfrm>
           <a:prstGeom prst="rect">
             <a:avLst/>
@@ -13620,17 +14172,17 @@
                   <a:schemeClr val="tx1"/>
                 </a:solidFill>
               </a:rPr>
-              <a:t>Edit</a:t>
-            </a:r>
-          </a:p>
-        </p:txBody>
-      </p:sp>
-      <p:sp>
-        <p:nvSpPr>
-          <p:cNvPr id="17" name="Rectangle 16">
-            <a:extLst>
-              <a:ext uri="{FF2B5EF4-FFF2-40B4-BE49-F238E27FC236}">
-                <a16:creationId xmlns:a16="http://schemas.microsoft.com/office/drawing/2014/main" id="{B587BA7C-36D5-491D-8C38-6086B1108E01}"/>
+              <a:t>Enter Payment Info</a:t>
+            </a:r>
+          </a:p>
+        </p:txBody>
+      </p:sp>
+      <p:sp>
+        <p:nvSpPr>
+          <p:cNvPr id="35" name="Rectangle 34">
+            <a:extLst>
+              <a:ext uri="{FF2B5EF4-FFF2-40B4-BE49-F238E27FC236}">
+                <a16:creationId xmlns:a16="http://schemas.microsoft.com/office/drawing/2014/main" id="{0A66DFD8-6F2E-4175-A613-38C0A51572CE}"/>
               </a:ext>
             </a:extLst>
           </p:cNvPr>
@@ -13639,455 +14191,8 @@
         </p:nvSpPr>
         <p:spPr>
           <a:xfrm>
-            <a:off x="9067945" y="7727658"/>
-            <a:ext cx="3103110" cy="1941161"/>
-          </a:xfrm>
-          <a:prstGeom prst="rect">
-            <a:avLst/>
-          </a:prstGeom>
-          <a:noFill/>
-          <a:ln w="6350">
-            <a:solidFill>
-              <a:schemeClr val="tx1"/>
-            </a:solidFill>
-            <a:prstDash val="sysDot"/>
-          </a:ln>
-        </p:spPr>
-        <p:style>
-          <a:lnRef idx="2">
-            <a:schemeClr val="accent1">
-              <a:shade val="50000"/>
-            </a:schemeClr>
-          </a:lnRef>
-          <a:fillRef idx="1">
-            <a:schemeClr val="accent1"/>
-          </a:fillRef>
-          <a:effectRef idx="0">
-            <a:schemeClr val="accent1"/>
-          </a:effectRef>
-          <a:fontRef idx="minor">
-            <a:schemeClr val="lt1"/>
-          </a:fontRef>
-        </p:style>
-        <p:txBody>
-          <a:bodyPr rtlCol="0" anchor="ctr"/>
-          <a:lstStyle/>
-          <a:p>
-            <a:pPr algn="ctr"/>
-            <a:endParaRPr lang="en-US"/>
-          </a:p>
-        </p:txBody>
-      </p:sp>
-      <p:sp>
-        <p:nvSpPr>
-          <p:cNvPr id="19" name="TextBox 18">
-            <a:extLst>
-              <a:ext uri="{FF2B5EF4-FFF2-40B4-BE49-F238E27FC236}">
-                <a16:creationId xmlns:a16="http://schemas.microsoft.com/office/drawing/2014/main" id="{88C2EC57-0681-4706-B7E0-DE10CFD10D9C}"/>
-              </a:ext>
-            </a:extLst>
-          </p:cNvPr>
-          <p:cNvSpPr txBox="1"/>
-          <p:nvPr/>
-        </p:nvSpPr>
-        <p:spPr>
-          <a:xfrm>
-            <a:off x="8713482" y="7326734"/>
-            <a:ext cx="3806626" cy="307777"/>
-          </a:xfrm>
-          <a:prstGeom prst="rect">
-            <a:avLst/>
-          </a:prstGeom>
-          <a:noFill/>
-        </p:spPr>
-        <p:txBody>
-          <a:bodyPr wrap="square" rtlCol="0">
-            <a:spAutoFit/>
-          </a:bodyPr>
-          <a:lstStyle/>
-          <a:p>
-            <a:pPr algn="ctr"/>
-            <a:r>
-              <a:rPr lang="en-US" sz="1400" dirty="0">
-                <a:latin typeface="Arial Rounded MT Bold" panose="020B0604020202020204" pitchFamily="34" charset="0"/>
-                <a:cs typeface="Aharoni" panose="020B0604020202020204" pitchFamily="2" charset="-79"/>
-              </a:rPr>
-              <a:t>Music</a:t>
-            </a:r>
-          </a:p>
-        </p:txBody>
-      </p:sp>
-      <p:sp>
-        <p:nvSpPr>
-          <p:cNvPr id="23" name="TextBox 22">
-            <a:extLst>
-              <a:ext uri="{FF2B5EF4-FFF2-40B4-BE49-F238E27FC236}">
-                <a16:creationId xmlns:a16="http://schemas.microsoft.com/office/drawing/2014/main" id="{C276A30D-636C-4DEF-8DBD-7C39D7FF2BC7}"/>
-              </a:ext>
-            </a:extLst>
-          </p:cNvPr>
-          <p:cNvSpPr txBox="1"/>
-          <p:nvPr/>
-        </p:nvSpPr>
-        <p:spPr>
-          <a:xfrm>
-            <a:off x="10128841" y="8222534"/>
-            <a:ext cx="2059086" cy="1200329"/>
-          </a:xfrm>
-          <a:prstGeom prst="rect">
-            <a:avLst/>
-          </a:prstGeom>
-          <a:noFill/>
-        </p:spPr>
-        <p:txBody>
-          <a:bodyPr wrap="square" rtlCol="0">
-            <a:spAutoFit/>
-          </a:bodyPr>
-          <a:lstStyle/>
-          <a:p>
-            <a:r>
-              <a:rPr lang="en-US" sz="1200" dirty="0">
-                <a:latin typeface="Arial Rounded MT Bold" panose="020B0604020202020204" pitchFamily="34" charset="0"/>
-                <a:cs typeface="Aharoni" panose="020B0604020202020204" pitchFamily="2" charset="-79"/>
-              </a:rPr>
-              <a:t>Californication</a:t>
-            </a:r>
-          </a:p>
-          <a:p>
-            <a:r>
-              <a:rPr lang="en-US" sz="1200" dirty="0">
-                <a:latin typeface="Arial Rounded MT Bold" panose="020B0604020202020204" pitchFamily="34" charset="0"/>
-                <a:cs typeface="Aharoni" panose="020B0604020202020204" pitchFamily="2" charset="-79"/>
-              </a:rPr>
-              <a:t>Under the Bridge</a:t>
-            </a:r>
-          </a:p>
-          <a:p>
-            <a:r>
-              <a:rPr lang="en-US" sz="1200" dirty="0" err="1">
-                <a:latin typeface="Arial Rounded MT Bold" panose="020B0604020202020204" pitchFamily="34" charset="0"/>
-                <a:cs typeface="Aharoni" panose="020B0604020202020204" pitchFamily="2" charset="-79"/>
-              </a:rPr>
-              <a:t>Otherside</a:t>
-            </a:r>
-            <a:endParaRPr lang="en-US" sz="1200" dirty="0">
-              <a:latin typeface="Arial Rounded MT Bold" panose="020B0604020202020204" pitchFamily="34" charset="0"/>
-              <a:cs typeface="Aharoni" panose="020B0604020202020204" pitchFamily="2" charset="-79"/>
-            </a:endParaRPr>
-          </a:p>
-          <a:p>
-            <a:r>
-              <a:rPr lang="en-US" sz="1200" dirty="0">
-                <a:latin typeface="Arial Rounded MT Bold" panose="020B0604020202020204" pitchFamily="34" charset="0"/>
-                <a:cs typeface="Aharoni" panose="020B0604020202020204" pitchFamily="2" charset="-79"/>
-              </a:rPr>
-              <a:t>Give It Away</a:t>
-            </a:r>
-          </a:p>
-          <a:p>
-            <a:r>
-              <a:rPr lang="en-US" sz="1200" dirty="0">
-                <a:latin typeface="Arial Rounded MT Bold" panose="020B0604020202020204" pitchFamily="34" charset="0"/>
-                <a:cs typeface="Aharoni" panose="020B0604020202020204" pitchFamily="2" charset="-79"/>
-              </a:rPr>
-              <a:t>Dani California</a:t>
-            </a:r>
-          </a:p>
-          <a:p>
-            <a:pPr algn="ctr"/>
-            <a:endParaRPr lang="en-US" sz="1200" dirty="0">
-              <a:latin typeface="Arial Rounded MT Bold" panose="020B0604020202020204" pitchFamily="34" charset="0"/>
-              <a:cs typeface="Aharoni" panose="020B0604020202020204" pitchFamily="2" charset="-79"/>
-            </a:endParaRPr>
-          </a:p>
-        </p:txBody>
-      </p:sp>
-      <p:sp>
-        <p:nvSpPr>
-          <p:cNvPr id="25" name="Isosceles Triangle 24">
-            <a:extLst>
-              <a:ext uri="{FF2B5EF4-FFF2-40B4-BE49-F238E27FC236}">
-                <a16:creationId xmlns:a16="http://schemas.microsoft.com/office/drawing/2014/main" id="{6D7173BA-51BB-47D0-A47C-4B80CEBB962E}"/>
-              </a:ext>
-            </a:extLst>
-          </p:cNvPr>
-          <p:cNvSpPr/>
-          <p:nvPr/>
-        </p:nvSpPr>
-        <p:spPr>
-          <a:xfrm rot="5400000">
-            <a:off x="9789166" y="8259058"/>
-            <a:ext cx="155448" cy="155448"/>
-          </a:xfrm>
-          <a:prstGeom prst="triangle">
-            <a:avLst/>
-          </a:prstGeom>
-          <a:solidFill>
-            <a:schemeClr val="tx1"/>
-          </a:solidFill>
-          <a:ln>
-            <a:solidFill>
-              <a:schemeClr val="tx1"/>
-            </a:solidFill>
-          </a:ln>
-        </p:spPr>
-        <p:style>
-          <a:lnRef idx="2">
-            <a:schemeClr val="accent1">
-              <a:shade val="50000"/>
-            </a:schemeClr>
-          </a:lnRef>
-          <a:fillRef idx="1">
-            <a:schemeClr val="accent1"/>
-          </a:fillRef>
-          <a:effectRef idx="0">
-            <a:schemeClr val="accent1"/>
-          </a:effectRef>
-          <a:fontRef idx="minor">
-            <a:schemeClr val="lt1"/>
-          </a:fontRef>
-        </p:style>
-        <p:txBody>
-          <a:bodyPr rtlCol="0" anchor="ctr"/>
-          <a:lstStyle/>
-          <a:p>
-            <a:pPr algn="ctr"/>
-            <a:endParaRPr lang="en-US"/>
-          </a:p>
-        </p:txBody>
-      </p:sp>
-      <p:sp>
-        <p:nvSpPr>
-          <p:cNvPr id="27" name="Isosceles Triangle 26">
-            <a:extLst>
-              <a:ext uri="{FF2B5EF4-FFF2-40B4-BE49-F238E27FC236}">
-                <a16:creationId xmlns:a16="http://schemas.microsoft.com/office/drawing/2014/main" id="{909A5390-4D7B-423A-816F-7502463EC2C6}"/>
-              </a:ext>
-            </a:extLst>
-          </p:cNvPr>
-          <p:cNvSpPr/>
-          <p:nvPr/>
-        </p:nvSpPr>
-        <p:spPr>
-          <a:xfrm rot="5400000">
-            <a:off x="9789166" y="8458240"/>
-            <a:ext cx="155448" cy="155448"/>
-          </a:xfrm>
-          <a:prstGeom prst="triangle">
-            <a:avLst/>
-          </a:prstGeom>
-          <a:solidFill>
-            <a:schemeClr val="tx1"/>
-          </a:solidFill>
-          <a:ln>
-            <a:solidFill>
-              <a:schemeClr val="tx1"/>
-            </a:solidFill>
-          </a:ln>
-        </p:spPr>
-        <p:style>
-          <a:lnRef idx="2">
-            <a:schemeClr val="accent1">
-              <a:shade val="50000"/>
-            </a:schemeClr>
-          </a:lnRef>
-          <a:fillRef idx="1">
-            <a:schemeClr val="accent1"/>
-          </a:fillRef>
-          <a:effectRef idx="0">
-            <a:schemeClr val="accent1"/>
-          </a:effectRef>
-          <a:fontRef idx="minor">
-            <a:schemeClr val="lt1"/>
-          </a:fontRef>
-        </p:style>
-        <p:txBody>
-          <a:bodyPr rtlCol="0" anchor="ctr"/>
-          <a:lstStyle/>
-          <a:p>
-            <a:pPr algn="ctr"/>
-            <a:endParaRPr lang="en-US"/>
-          </a:p>
-        </p:txBody>
-      </p:sp>
-      <p:sp>
-        <p:nvSpPr>
-          <p:cNvPr id="29" name="Isosceles Triangle 28">
-            <a:extLst>
-              <a:ext uri="{FF2B5EF4-FFF2-40B4-BE49-F238E27FC236}">
-                <a16:creationId xmlns:a16="http://schemas.microsoft.com/office/drawing/2014/main" id="{CC544EA4-28D3-46F5-BAD0-9D356A16299E}"/>
-              </a:ext>
-            </a:extLst>
-          </p:cNvPr>
-          <p:cNvSpPr/>
-          <p:nvPr/>
-        </p:nvSpPr>
-        <p:spPr>
-          <a:xfrm rot="5400000">
-            <a:off x="9789166" y="8657422"/>
-            <a:ext cx="155448" cy="155448"/>
-          </a:xfrm>
-          <a:prstGeom prst="triangle">
-            <a:avLst/>
-          </a:prstGeom>
-          <a:solidFill>
-            <a:schemeClr val="tx1"/>
-          </a:solidFill>
-          <a:ln>
-            <a:solidFill>
-              <a:schemeClr val="tx1"/>
-            </a:solidFill>
-          </a:ln>
-        </p:spPr>
-        <p:style>
-          <a:lnRef idx="2">
-            <a:schemeClr val="accent1">
-              <a:shade val="50000"/>
-            </a:schemeClr>
-          </a:lnRef>
-          <a:fillRef idx="1">
-            <a:schemeClr val="accent1"/>
-          </a:fillRef>
-          <a:effectRef idx="0">
-            <a:schemeClr val="accent1"/>
-          </a:effectRef>
-          <a:fontRef idx="minor">
-            <a:schemeClr val="lt1"/>
-          </a:fontRef>
-        </p:style>
-        <p:txBody>
-          <a:bodyPr rtlCol="0" anchor="ctr"/>
-          <a:lstStyle/>
-          <a:p>
-            <a:pPr algn="ctr"/>
-            <a:endParaRPr lang="en-US"/>
-          </a:p>
-        </p:txBody>
-      </p:sp>
-      <p:sp>
-        <p:nvSpPr>
-          <p:cNvPr id="31" name="Isosceles Triangle 30">
-            <a:extLst>
-              <a:ext uri="{FF2B5EF4-FFF2-40B4-BE49-F238E27FC236}">
-                <a16:creationId xmlns:a16="http://schemas.microsoft.com/office/drawing/2014/main" id="{5FB4D46D-AE28-40CE-80E8-9D8F650675A3}"/>
-              </a:ext>
-            </a:extLst>
-          </p:cNvPr>
-          <p:cNvSpPr/>
-          <p:nvPr/>
-        </p:nvSpPr>
-        <p:spPr>
-          <a:xfrm rot="5400000">
-            <a:off x="9789166" y="8856604"/>
-            <a:ext cx="155448" cy="155448"/>
-          </a:xfrm>
-          <a:prstGeom prst="triangle">
-            <a:avLst/>
-          </a:prstGeom>
-          <a:solidFill>
-            <a:schemeClr val="tx1"/>
-          </a:solidFill>
-          <a:ln>
-            <a:solidFill>
-              <a:schemeClr val="tx1"/>
-            </a:solidFill>
-          </a:ln>
-        </p:spPr>
-        <p:style>
-          <a:lnRef idx="2">
-            <a:schemeClr val="accent1">
-              <a:shade val="50000"/>
-            </a:schemeClr>
-          </a:lnRef>
-          <a:fillRef idx="1">
-            <a:schemeClr val="accent1"/>
-          </a:fillRef>
-          <a:effectRef idx="0">
-            <a:schemeClr val="accent1"/>
-          </a:effectRef>
-          <a:fontRef idx="minor">
-            <a:schemeClr val="lt1"/>
-          </a:fontRef>
-        </p:style>
-        <p:txBody>
-          <a:bodyPr rtlCol="0" anchor="ctr"/>
-          <a:lstStyle/>
-          <a:p>
-            <a:pPr algn="ctr"/>
-            <a:endParaRPr lang="en-US"/>
-          </a:p>
-        </p:txBody>
-      </p:sp>
-      <p:sp>
-        <p:nvSpPr>
-          <p:cNvPr id="33" name="Isosceles Triangle 32">
-            <a:extLst>
-              <a:ext uri="{FF2B5EF4-FFF2-40B4-BE49-F238E27FC236}">
-                <a16:creationId xmlns:a16="http://schemas.microsoft.com/office/drawing/2014/main" id="{987E1B5A-2070-4CDA-8423-1FFD1877C74F}"/>
-              </a:ext>
-            </a:extLst>
-          </p:cNvPr>
-          <p:cNvSpPr/>
-          <p:nvPr/>
-        </p:nvSpPr>
-        <p:spPr>
-          <a:xfrm rot="5400000">
-            <a:off x="9789166" y="9057069"/>
-            <a:ext cx="155448" cy="155448"/>
-          </a:xfrm>
-          <a:prstGeom prst="triangle">
-            <a:avLst/>
-          </a:prstGeom>
-          <a:solidFill>
-            <a:schemeClr val="tx1"/>
-          </a:solidFill>
-          <a:ln>
-            <a:solidFill>
-              <a:schemeClr val="tx1"/>
-            </a:solidFill>
-          </a:ln>
-        </p:spPr>
-        <p:style>
-          <a:lnRef idx="2">
-            <a:schemeClr val="accent1">
-              <a:shade val="50000"/>
-            </a:schemeClr>
-          </a:lnRef>
-          <a:fillRef idx="1">
-            <a:schemeClr val="accent1"/>
-          </a:fillRef>
-          <a:effectRef idx="0">
-            <a:schemeClr val="accent1"/>
-          </a:effectRef>
-          <a:fontRef idx="minor">
-            <a:schemeClr val="lt1"/>
-          </a:fontRef>
-        </p:style>
-        <p:txBody>
-          <a:bodyPr rtlCol="0" anchor="ctr"/>
-          <a:lstStyle/>
-          <a:p>
-            <a:pPr algn="ctr"/>
-            <a:endParaRPr lang="en-US"/>
-          </a:p>
-        </p:txBody>
-      </p:sp>
-      <p:sp>
-        <p:nvSpPr>
-          <p:cNvPr id="9" name="Rectangle 8">
-            <a:extLst>
-              <a:ext uri="{FF2B5EF4-FFF2-40B4-BE49-F238E27FC236}">
-                <a16:creationId xmlns:a16="http://schemas.microsoft.com/office/drawing/2014/main" id="{7AEDB6B8-D78C-454D-A82B-020120B7B31F}"/>
-              </a:ext>
-            </a:extLst>
-          </p:cNvPr>
-          <p:cNvSpPr/>
-          <p:nvPr/>
-        </p:nvSpPr>
-        <p:spPr>
-          <a:xfrm>
-            <a:off x="9865330" y="10916230"/>
-            <a:ext cx="1497192" cy="204865"/>
+            <a:off x="5751189" y="9296491"/>
+            <a:ext cx="571791" cy="239675"/>
           </a:xfrm>
           <a:prstGeom prst="rect">
             <a:avLst/>
@@ -14128,17 +14233,17 @@
                   <a:schemeClr val="tx1"/>
                 </a:solidFill>
               </a:rPr>
-              <a:t>Enter Payment Info</a:t>
-            </a:r>
-          </a:p>
-        </p:txBody>
-      </p:sp>
-      <p:sp>
-        <p:nvSpPr>
-          <p:cNvPr id="35" name="Rectangle 34">
-            <a:extLst>
-              <a:ext uri="{FF2B5EF4-FFF2-40B4-BE49-F238E27FC236}">
-                <a16:creationId xmlns:a16="http://schemas.microsoft.com/office/drawing/2014/main" id="{0A66DFD8-6F2E-4175-A613-38C0A51572CE}"/>
+              <a:t>Edit</a:t>
+            </a:r>
+          </a:p>
+        </p:txBody>
+      </p:sp>
+      <p:sp>
+        <p:nvSpPr>
+          <p:cNvPr id="36" name="Rectangle 35">
+            <a:extLst>
+              <a:ext uri="{FF2B5EF4-FFF2-40B4-BE49-F238E27FC236}">
+                <a16:creationId xmlns:a16="http://schemas.microsoft.com/office/drawing/2014/main" id="{A44B0649-C4E7-4609-AA42-509E66B8C169}"/>
               </a:ext>
             </a:extLst>
           </p:cNvPr>
@@ -14147,8 +14252,8 @@
         </p:nvSpPr>
         <p:spPr>
           <a:xfrm>
-            <a:off x="5751189" y="9296491"/>
-            <a:ext cx="571791" cy="239675"/>
+            <a:off x="11187043" y="10261614"/>
+            <a:ext cx="925074" cy="239675"/>
           </a:xfrm>
           <a:prstGeom prst="rect">
             <a:avLst/>
@@ -14189,17 +14294,17 @@
                   <a:schemeClr val="tx1"/>
                 </a:solidFill>
               </a:rPr>
-              <a:t>Edit</a:t>
-            </a:r>
-          </a:p>
-        </p:txBody>
-      </p:sp>
-      <p:sp>
-        <p:nvSpPr>
-          <p:cNvPr id="36" name="Rectangle 35">
-            <a:extLst>
-              <a:ext uri="{FF2B5EF4-FFF2-40B4-BE49-F238E27FC236}">
-                <a16:creationId xmlns:a16="http://schemas.microsoft.com/office/drawing/2014/main" id="{A44B0649-C4E7-4609-AA42-509E66B8C169}"/>
+              <a:t>Edit Music</a:t>
+            </a:r>
+          </a:p>
+        </p:txBody>
+      </p:sp>
+      <p:sp>
+        <p:nvSpPr>
+          <p:cNvPr id="37" name="Rectangle 36">
+            <a:extLst>
+              <a:ext uri="{FF2B5EF4-FFF2-40B4-BE49-F238E27FC236}">
+                <a16:creationId xmlns:a16="http://schemas.microsoft.com/office/drawing/2014/main" id="{D28A131F-DB54-4797-B607-79CBC70911AE}"/>
               </a:ext>
             </a:extLst>
           </p:cNvPr>
@@ -14208,8 +14313,220 @@
         </p:nvSpPr>
         <p:spPr>
           <a:xfrm>
-            <a:off x="11482263" y="9337628"/>
-            <a:ext cx="571791" cy="239675"/>
+            <a:off x="3455099" y="10608015"/>
+            <a:ext cx="5090871" cy="867486"/>
+          </a:xfrm>
+          <a:prstGeom prst="rect">
+            <a:avLst/>
+          </a:prstGeom>
+          <a:noFill/>
+          <a:ln w="6350">
+            <a:solidFill>
+              <a:schemeClr val="tx1"/>
+            </a:solidFill>
+            <a:prstDash val="sysDot"/>
+          </a:ln>
+        </p:spPr>
+        <p:style>
+          <a:lnRef idx="2">
+            <a:schemeClr val="accent1">
+              <a:shade val="50000"/>
+            </a:schemeClr>
+          </a:lnRef>
+          <a:fillRef idx="1">
+            <a:schemeClr val="accent1"/>
+          </a:fillRef>
+          <a:effectRef idx="0">
+            <a:schemeClr val="accent1"/>
+          </a:effectRef>
+          <a:fontRef idx="minor">
+            <a:schemeClr val="lt1"/>
+          </a:fontRef>
+        </p:style>
+        <p:txBody>
+          <a:bodyPr rtlCol="0" anchor="ctr"/>
+          <a:lstStyle/>
+          <a:p>
+            <a:pPr algn="ctr"/>
+            <a:endParaRPr lang="en-US"/>
+          </a:p>
+        </p:txBody>
+      </p:sp>
+      <p:sp>
+        <p:nvSpPr>
+          <p:cNvPr id="38" name="Rectangle 37">
+            <a:extLst>
+              <a:ext uri="{FF2B5EF4-FFF2-40B4-BE49-F238E27FC236}">
+                <a16:creationId xmlns:a16="http://schemas.microsoft.com/office/drawing/2014/main" id="{96ACF22A-4169-4EA3-BAEA-2F7DFDBC7BE7}"/>
+              </a:ext>
+            </a:extLst>
+          </p:cNvPr>
+          <p:cNvSpPr/>
+          <p:nvPr/>
+        </p:nvSpPr>
+        <p:spPr>
+          <a:xfrm>
+            <a:off x="9067946" y="10684037"/>
+            <a:ext cx="3119982" cy="791464"/>
+          </a:xfrm>
+          <a:prstGeom prst="rect">
+            <a:avLst/>
+          </a:prstGeom>
+          <a:noFill/>
+          <a:ln w="6350">
+            <a:solidFill>
+              <a:schemeClr val="tx1"/>
+            </a:solidFill>
+            <a:prstDash val="sysDot"/>
+          </a:ln>
+        </p:spPr>
+        <p:style>
+          <a:lnRef idx="2">
+            <a:schemeClr val="accent1">
+              <a:shade val="50000"/>
+            </a:schemeClr>
+          </a:lnRef>
+          <a:fillRef idx="1">
+            <a:schemeClr val="accent1"/>
+          </a:fillRef>
+          <a:effectRef idx="0">
+            <a:schemeClr val="accent1"/>
+          </a:effectRef>
+          <a:fontRef idx="minor">
+            <a:schemeClr val="lt1"/>
+          </a:fontRef>
+        </p:style>
+        <p:txBody>
+          <a:bodyPr rtlCol="0" anchor="ctr"/>
+          <a:lstStyle/>
+          <a:p>
+            <a:pPr algn="ctr"/>
+            <a:endParaRPr lang="en-US"/>
+          </a:p>
+        </p:txBody>
+      </p:sp>
+      <p:sp>
+        <p:nvSpPr>
+          <p:cNvPr id="39" name="Rectangle 38">
+            <a:extLst>
+              <a:ext uri="{FF2B5EF4-FFF2-40B4-BE49-F238E27FC236}">
+                <a16:creationId xmlns:a16="http://schemas.microsoft.com/office/drawing/2014/main" id="{233647BC-DE7F-456B-A268-A63A882B9284}"/>
+              </a:ext>
+            </a:extLst>
+          </p:cNvPr>
+          <p:cNvSpPr/>
+          <p:nvPr/>
+        </p:nvSpPr>
+        <p:spPr>
+          <a:xfrm>
+            <a:off x="3455099" y="7758723"/>
+            <a:ext cx="5090871" cy="1910096"/>
+          </a:xfrm>
+          <a:prstGeom prst="rect">
+            <a:avLst/>
+          </a:prstGeom>
+          <a:noFill/>
+          <a:ln w="6350">
+            <a:solidFill>
+              <a:schemeClr val="tx1"/>
+            </a:solidFill>
+            <a:prstDash val="sysDot"/>
+          </a:ln>
+        </p:spPr>
+        <p:style>
+          <a:lnRef idx="2">
+            <a:schemeClr val="accent1">
+              <a:shade val="50000"/>
+            </a:schemeClr>
+          </a:lnRef>
+          <a:fillRef idx="1">
+            <a:schemeClr val="accent1"/>
+          </a:fillRef>
+          <a:effectRef idx="0">
+            <a:schemeClr val="accent1"/>
+          </a:effectRef>
+          <a:fontRef idx="minor">
+            <a:schemeClr val="lt1"/>
+          </a:fontRef>
+        </p:style>
+        <p:txBody>
+          <a:bodyPr rtlCol="0" anchor="ctr"/>
+          <a:lstStyle/>
+          <a:p>
+            <a:pPr algn="ctr"/>
+            <a:endParaRPr lang="en-US"/>
+          </a:p>
+        </p:txBody>
+      </p:sp>
+      <p:sp>
+        <p:nvSpPr>
+          <p:cNvPr id="40" name="Rectangle 39">
+            <a:extLst>
+              <a:ext uri="{FF2B5EF4-FFF2-40B4-BE49-F238E27FC236}">
+                <a16:creationId xmlns:a16="http://schemas.microsoft.com/office/drawing/2014/main" id="{58B6CF3C-CFB5-44F3-BD0D-0DA5924C2596}"/>
+              </a:ext>
+            </a:extLst>
+          </p:cNvPr>
+          <p:cNvSpPr/>
+          <p:nvPr/>
+        </p:nvSpPr>
+        <p:spPr>
+          <a:xfrm>
+            <a:off x="3470320" y="9752698"/>
+            <a:ext cx="5075649" cy="791464"/>
+          </a:xfrm>
+          <a:prstGeom prst="rect">
+            <a:avLst/>
+          </a:prstGeom>
+          <a:noFill/>
+          <a:ln w="6350">
+            <a:solidFill>
+              <a:schemeClr val="tx1"/>
+            </a:solidFill>
+            <a:prstDash val="sysDot"/>
+          </a:ln>
+        </p:spPr>
+        <p:style>
+          <a:lnRef idx="2">
+            <a:schemeClr val="accent1">
+              <a:shade val="50000"/>
+            </a:schemeClr>
+          </a:lnRef>
+          <a:fillRef idx="1">
+            <a:schemeClr val="accent1"/>
+          </a:fillRef>
+          <a:effectRef idx="0">
+            <a:schemeClr val="accent1"/>
+          </a:effectRef>
+          <a:fontRef idx="minor">
+            <a:schemeClr val="lt1"/>
+          </a:fontRef>
+        </p:style>
+        <p:txBody>
+          <a:bodyPr rtlCol="0" anchor="ctr"/>
+          <a:lstStyle/>
+          <a:p>
+            <a:pPr algn="ctr"/>
+            <a:endParaRPr lang="en-US" dirty="0"/>
+          </a:p>
+        </p:txBody>
+      </p:sp>
+      <p:sp>
+        <p:nvSpPr>
+          <p:cNvPr id="41" name="Rectangle 40">
+            <a:extLst>
+              <a:ext uri="{FF2B5EF4-FFF2-40B4-BE49-F238E27FC236}">
+                <a16:creationId xmlns:a16="http://schemas.microsoft.com/office/drawing/2014/main" id="{FE170BDB-35DF-4AA9-8856-41235A044171}"/>
+              </a:ext>
+            </a:extLst>
+          </p:cNvPr>
+          <p:cNvSpPr/>
+          <p:nvPr/>
+        </p:nvSpPr>
+        <p:spPr>
+          <a:xfrm>
+            <a:off x="3635934" y="10035150"/>
+            <a:ext cx="1497192" cy="204865"/>
           </a:xfrm>
           <a:prstGeom prst="rect">
             <a:avLst/>
@@ -14250,70 +14567,169 @@
                   <a:schemeClr val="tx1"/>
                 </a:solidFill>
               </a:rPr>
-              <a:t>Edit</a:t>
-            </a:r>
-          </a:p>
-        </p:txBody>
-      </p:sp>
-      <p:sp>
-        <p:nvSpPr>
-          <p:cNvPr id="37" name="Rectangle 36">
-            <a:extLst>
-              <a:ext uri="{FF2B5EF4-FFF2-40B4-BE49-F238E27FC236}">
-                <a16:creationId xmlns:a16="http://schemas.microsoft.com/office/drawing/2014/main" id="{D28A131F-DB54-4797-B607-79CBC70911AE}"/>
-              </a:ext>
-            </a:extLst>
-          </p:cNvPr>
-          <p:cNvSpPr/>
-          <p:nvPr/>
-        </p:nvSpPr>
-        <p:spPr>
-          <a:xfrm>
-            <a:off x="3455099" y="9776759"/>
-            <a:ext cx="5090871" cy="1698742"/>
-          </a:xfrm>
-          <a:prstGeom prst="rect">
-            <a:avLst/>
-          </a:prstGeom>
-          <a:noFill/>
-          <a:ln w="6350">
+              <a:t>Select Vibes</a:t>
+            </a:r>
+          </a:p>
+        </p:txBody>
+      </p:sp>
+      <p:pic>
+        <p:nvPicPr>
+          <p:cNvPr id="8" name="Picture 2" descr="How to make Previews in react-dropzone work with files other than images? -  Stack Overflow">
+            <a:extLst>
+              <a:ext uri="{FF2B5EF4-FFF2-40B4-BE49-F238E27FC236}">
+                <a16:creationId xmlns:a16="http://schemas.microsoft.com/office/drawing/2014/main" id="{F9FB350D-AFEC-4A84-94B4-847C31F2E18E}"/>
+              </a:ext>
+            </a:extLst>
+          </p:cNvPr>
+          <p:cNvPicPr>
+            <a:picLocks noChangeAspect="1" noChangeArrowheads="1"/>
+          </p:cNvPicPr>
+          <p:nvPr/>
+        </p:nvPicPr>
+        <p:blipFill rotWithShape="1">
+          <a:blip r:embed="rId4">
+            <a:extLst>
+              <a:ext uri="{28A0092B-C50C-407E-A947-70E740481C1C}">
+                <a14:useLocalDpi xmlns:a14="http://schemas.microsoft.com/office/drawing/2010/main" val="0"/>
+              </a:ext>
+            </a:extLst>
+          </a:blip>
+          <a:srcRect l="5422" t="14623" r="8856" b="37448"/>
+          <a:stretch/>
+        </p:blipFill>
+        <p:spPr bwMode="auto">
+          <a:xfrm>
+            <a:off x="4885946" y="8904670"/>
+            <a:ext cx="1912925" cy="648442"/>
+          </a:xfrm>
+          <a:prstGeom prst="rect">
+            <a:avLst/>
+          </a:prstGeom>
+          <a:noFill/>
+          <a:extLst>
+            <a:ext uri="{909E8E84-426E-40DD-AFC4-6F175D3DCCD1}">
+              <a14:hiddenFill xmlns:a14="http://schemas.microsoft.com/office/drawing/2010/main">
+                <a:solidFill>
+                  <a:srgbClr val="FFFFFF"/>
+                </a:solidFill>
+              </a14:hiddenFill>
+            </a:ext>
+          </a:extLst>
+        </p:spPr>
+      </p:pic>
+      <p:pic>
+        <p:nvPicPr>
+          <p:cNvPr id="13" name="Picture 12">
+            <a:extLst>
+              <a:ext uri="{FF2B5EF4-FFF2-40B4-BE49-F238E27FC236}">
+                <a16:creationId xmlns:a16="http://schemas.microsoft.com/office/drawing/2014/main" id="{56C286B0-48A6-47B6-93AE-36779AD8E10A}"/>
+              </a:ext>
+            </a:extLst>
+          </p:cNvPr>
+          <p:cNvPicPr>
+            <a:picLocks noChangeAspect="1"/>
+          </p:cNvPicPr>
+          <p:nvPr/>
+        </p:nvPicPr>
+        <p:blipFill>
+          <a:blip r:embed="rId5"/>
+          <a:stretch>
+            <a:fillRect/>
+          </a:stretch>
+        </p:blipFill>
+        <p:spPr>
+          <a:xfrm>
+            <a:off x="13456501" y="9212517"/>
+            <a:ext cx="1950369" cy="2184689"/>
+          </a:xfrm>
+          <a:prstGeom prst="rect">
+            <a:avLst/>
+          </a:prstGeom>
+        </p:spPr>
+      </p:pic>
+      <p:sp>
+        <p:nvSpPr>
+          <p:cNvPr id="71" name="TextBox 70">
+            <a:extLst>
+              <a:ext uri="{FF2B5EF4-FFF2-40B4-BE49-F238E27FC236}">
+                <a16:creationId xmlns:a16="http://schemas.microsoft.com/office/drawing/2014/main" id="{87C0CAA8-6020-4331-9081-FABC1A8E1A9A}"/>
+              </a:ext>
+            </a:extLst>
+          </p:cNvPr>
+          <p:cNvSpPr txBox="1"/>
+          <p:nvPr/>
+        </p:nvSpPr>
+        <p:spPr>
+          <a:xfrm>
+            <a:off x="13364986" y="8770026"/>
+            <a:ext cx="2448022" cy="430887"/>
+          </a:xfrm>
+          <a:prstGeom prst="rect">
+            <a:avLst/>
+          </a:prstGeom>
+          <a:noFill/>
+        </p:spPr>
+        <p:txBody>
+          <a:bodyPr wrap="square">
+            <a:spAutoFit/>
+          </a:bodyPr>
+          <a:lstStyle/>
+          <a:p>
+            <a:r>
+              <a:rPr lang="en-US" sz="1100" dirty="0"/>
+              <a:t>https://www.npmjs.com/package/react-multi-select-component</a:t>
+            </a:r>
+          </a:p>
+        </p:txBody>
+      </p:sp>
+      <p:cxnSp>
+        <p:nvCxnSpPr>
+          <p:cNvPr id="24" name="Straight Arrow Connector 23">
+            <a:extLst>
+              <a:ext uri="{FF2B5EF4-FFF2-40B4-BE49-F238E27FC236}">
+                <a16:creationId xmlns:a16="http://schemas.microsoft.com/office/drawing/2014/main" id="{AFEA1173-856B-4504-AAAC-5DA563EC631E}"/>
+              </a:ext>
+            </a:extLst>
+          </p:cNvPr>
+          <p:cNvCxnSpPr/>
+          <p:nvPr/>
+        </p:nvCxnSpPr>
+        <p:spPr>
+          <a:xfrm flipH="1">
+            <a:off x="11482263" y="10163175"/>
+            <a:ext cx="1882723" cy="0"/>
+          </a:xfrm>
+          <a:prstGeom prst="straightConnector1">
+            <a:avLst/>
+          </a:prstGeom>
+          <a:ln>
             <a:solidFill>
               <a:schemeClr val="tx1"/>
             </a:solidFill>
-            <a:prstDash val="sysDot"/>
+            <a:tailEnd type="triangle"/>
           </a:ln>
         </p:spPr>
         <p:style>
-          <a:lnRef idx="2">
-            <a:schemeClr val="accent1">
-              <a:shade val="50000"/>
-            </a:schemeClr>
+          <a:lnRef idx="1">
+            <a:schemeClr val="accent1"/>
           </a:lnRef>
-          <a:fillRef idx="1">
+          <a:fillRef idx="0">
             <a:schemeClr val="accent1"/>
           </a:fillRef>
           <a:effectRef idx="0">
             <a:schemeClr val="accent1"/>
           </a:effectRef>
           <a:fontRef idx="minor">
-            <a:schemeClr val="lt1"/>
+            <a:schemeClr val="tx1"/>
           </a:fontRef>
         </p:style>
-        <p:txBody>
-          <a:bodyPr rtlCol="0" anchor="ctr"/>
-          <a:lstStyle/>
-          <a:p>
-            <a:pPr algn="ctr"/>
-            <a:endParaRPr lang="en-US"/>
-          </a:p>
-        </p:txBody>
-      </p:sp>
-      <p:sp>
-        <p:nvSpPr>
-          <p:cNvPr id="38" name="Rectangle 37">
-            <a:extLst>
-              <a:ext uri="{FF2B5EF4-FFF2-40B4-BE49-F238E27FC236}">
-                <a16:creationId xmlns:a16="http://schemas.microsoft.com/office/drawing/2014/main" id="{96ACF22A-4169-4EA3-BAEA-2F7DFDBC7BE7}"/>
+      </p:cxnSp>
+      <p:sp>
+        <p:nvSpPr>
+          <p:cNvPr id="26" name="Rectangle 25">
+            <a:extLst>
+              <a:ext uri="{FF2B5EF4-FFF2-40B4-BE49-F238E27FC236}">
+                <a16:creationId xmlns:a16="http://schemas.microsoft.com/office/drawing/2014/main" id="{B636D2D3-53BD-41B1-A46E-2D50B4D98A87}"/>
               </a:ext>
             </a:extLst>
           </p:cNvPr>
@@ -14322,167 +14738,8 @@
         </p:nvSpPr>
         <p:spPr>
           <a:xfrm>
-            <a:off x="9067946" y="10684037"/>
-            <a:ext cx="3119982" cy="791464"/>
-          </a:xfrm>
-          <a:prstGeom prst="rect">
-            <a:avLst/>
-          </a:prstGeom>
-          <a:noFill/>
-          <a:ln w="6350">
-            <a:solidFill>
-              <a:schemeClr val="tx1"/>
-            </a:solidFill>
-            <a:prstDash val="sysDot"/>
-          </a:ln>
-        </p:spPr>
-        <p:style>
-          <a:lnRef idx="2">
-            <a:schemeClr val="accent1">
-              <a:shade val="50000"/>
-            </a:schemeClr>
-          </a:lnRef>
-          <a:fillRef idx="1">
-            <a:schemeClr val="accent1"/>
-          </a:fillRef>
-          <a:effectRef idx="0">
-            <a:schemeClr val="accent1"/>
-          </a:effectRef>
-          <a:fontRef idx="minor">
-            <a:schemeClr val="lt1"/>
-          </a:fontRef>
-        </p:style>
-        <p:txBody>
-          <a:bodyPr rtlCol="0" anchor="ctr"/>
-          <a:lstStyle/>
-          <a:p>
-            <a:pPr algn="ctr"/>
-            <a:endParaRPr lang="en-US"/>
-          </a:p>
-        </p:txBody>
-      </p:sp>
-      <p:sp>
-        <p:nvSpPr>
-          <p:cNvPr id="39" name="Rectangle 38">
-            <a:extLst>
-              <a:ext uri="{FF2B5EF4-FFF2-40B4-BE49-F238E27FC236}">
-                <a16:creationId xmlns:a16="http://schemas.microsoft.com/office/drawing/2014/main" id="{233647BC-DE7F-456B-A268-A63A882B9284}"/>
-              </a:ext>
-            </a:extLst>
-          </p:cNvPr>
-          <p:cNvSpPr/>
-          <p:nvPr/>
-        </p:nvSpPr>
-        <p:spPr>
-          <a:xfrm>
-            <a:off x="3455099" y="7758723"/>
-            <a:ext cx="5090871" cy="1910096"/>
-          </a:xfrm>
-          <a:prstGeom prst="rect">
-            <a:avLst/>
-          </a:prstGeom>
-          <a:noFill/>
-          <a:ln w="6350">
-            <a:solidFill>
-              <a:schemeClr val="tx1"/>
-            </a:solidFill>
-            <a:prstDash val="sysDot"/>
-          </a:ln>
-        </p:spPr>
-        <p:style>
-          <a:lnRef idx="2">
-            <a:schemeClr val="accent1">
-              <a:shade val="50000"/>
-            </a:schemeClr>
-          </a:lnRef>
-          <a:fillRef idx="1">
-            <a:schemeClr val="accent1"/>
-          </a:fillRef>
-          <a:effectRef idx="0">
-            <a:schemeClr val="accent1"/>
-          </a:effectRef>
-          <a:fontRef idx="minor">
-            <a:schemeClr val="lt1"/>
-          </a:fontRef>
-        </p:style>
-        <p:txBody>
-          <a:bodyPr rtlCol="0" anchor="ctr"/>
-          <a:lstStyle/>
-          <a:p>
-            <a:pPr algn="ctr"/>
-            <a:endParaRPr lang="en-US"/>
-          </a:p>
-        </p:txBody>
-      </p:sp>
-      <p:sp>
-        <p:nvSpPr>
-          <p:cNvPr id="40" name="Rectangle 39">
-            <a:extLst>
-              <a:ext uri="{FF2B5EF4-FFF2-40B4-BE49-F238E27FC236}">
-                <a16:creationId xmlns:a16="http://schemas.microsoft.com/office/drawing/2014/main" id="{58B6CF3C-CFB5-44F3-BD0D-0DA5924C2596}"/>
-              </a:ext>
-            </a:extLst>
-          </p:cNvPr>
-          <p:cNvSpPr/>
-          <p:nvPr/>
-        </p:nvSpPr>
-        <p:spPr>
-          <a:xfrm>
-            <a:off x="9077439" y="9781861"/>
-            <a:ext cx="3119982" cy="791464"/>
-          </a:xfrm>
-          <a:prstGeom prst="rect">
-            <a:avLst/>
-          </a:prstGeom>
-          <a:noFill/>
-          <a:ln w="6350">
-            <a:solidFill>
-              <a:schemeClr val="tx1"/>
-            </a:solidFill>
-            <a:prstDash val="sysDot"/>
-          </a:ln>
-        </p:spPr>
-        <p:style>
-          <a:lnRef idx="2">
-            <a:schemeClr val="accent1">
-              <a:shade val="50000"/>
-            </a:schemeClr>
-          </a:lnRef>
-          <a:fillRef idx="1">
-            <a:schemeClr val="accent1"/>
-          </a:fillRef>
-          <a:effectRef idx="0">
-            <a:schemeClr val="accent1"/>
-          </a:effectRef>
-          <a:fontRef idx="minor">
-            <a:schemeClr val="lt1"/>
-          </a:fontRef>
-        </p:style>
-        <p:txBody>
-          <a:bodyPr rtlCol="0" anchor="ctr"/>
-          <a:lstStyle/>
-          <a:p>
-            <a:pPr algn="ctr"/>
-            <a:endParaRPr lang="en-US"/>
-          </a:p>
-        </p:txBody>
-      </p:sp>
-      <p:sp>
-        <p:nvSpPr>
-          <p:cNvPr id="41" name="Rectangle 40">
-            <a:extLst>
-              <a:ext uri="{FF2B5EF4-FFF2-40B4-BE49-F238E27FC236}">
-                <a16:creationId xmlns:a16="http://schemas.microsoft.com/office/drawing/2014/main" id="{FE170BDB-35DF-4AA9-8856-41235A044171}"/>
-              </a:ext>
-            </a:extLst>
-          </p:cNvPr>
-          <p:cNvSpPr/>
-          <p:nvPr/>
-        </p:nvSpPr>
-        <p:spPr>
-          <a:xfrm>
-            <a:off x="9865330" y="10030075"/>
-            <a:ext cx="1497192" cy="204865"/>
+            <a:off x="5591591" y="9945044"/>
+            <a:ext cx="759543" cy="160981"/>
           </a:xfrm>
           <a:prstGeom prst="rect">
             <a:avLst/>
@@ -14523,7 +14780,365 @@
                   <a:schemeClr val="tx1"/>
                 </a:solidFill>
               </a:rPr>
-              <a:t>Select Vibes</a:t>
+              <a:t>Rock</a:t>
+            </a:r>
+          </a:p>
+        </p:txBody>
+      </p:sp>
+      <p:sp>
+        <p:nvSpPr>
+          <p:cNvPr id="28" name="Rectangle 27">
+            <a:extLst>
+              <a:ext uri="{FF2B5EF4-FFF2-40B4-BE49-F238E27FC236}">
+                <a16:creationId xmlns:a16="http://schemas.microsoft.com/office/drawing/2014/main" id="{770CD173-1C47-4F68-ABEF-32B03BF4C2BA}"/>
+              </a:ext>
+            </a:extLst>
+          </p:cNvPr>
+          <p:cNvSpPr/>
+          <p:nvPr/>
+        </p:nvSpPr>
+        <p:spPr>
+          <a:xfrm>
+            <a:off x="6478229" y="9945044"/>
+            <a:ext cx="759543" cy="160981"/>
+          </a:xfrm>
+          <a:prstGeom prst="rect">
+            <a:avLst/>
+          </a:prstGeom>
+          <a:solidFill>
+            <a:schemeClr val="bg1"/>
+          </a:solidFill>
+          <a:ln w="9525">
+            <a:solidFill>
+              <a:schemeClr val="tx1"/>
+            </a:solidFill>
+          </a:ln>
+        </p:spPr>
+        <p:style>
+          <a:lnRef idx="2">
+            <a:schemeClr val="accent1">
+              <a:shade val="50000"/>
+            </a:schemeClr>
+          </a:lnRef>
+          <a:fillRef idx="1">
+            <a:schemeClr val="accent1"/>
+          </a:fillRef>
+          <a:effectRef idx="0">
+            <a:schemeClr val="accent1"/>
+          </a:effectRef>
+          <a:fontRef idx="minor">
+            <a:schemeClr val="lt1"/>
+          </a:fontRef>
+        </p:style>
+        <p:txBody>
+          <a:bodyPr rtlCol="0" anchor="ctr"/>
+          <a:lstStyle/>
+          <a:p>
+            <a:pPr algn="ctr"/>
+            <a:r>
+              <a:rPr lang="en-US" sz="1200" dirty="0">
+                <a:solidFill>
+                  <a:schemeClr val="tx1"/>
+                </a:solidFill>
+              </a:rPr>
+              <a:t>Reggae</a:t>
+            </a:r>
+          </a:p>
+        </p:txBody>
+      </p:sp>
+      <p:sp>
+        <p:nvSpPr>
+          <p:cNvPr id="30" name="Rectangle 29">
+            <a:extLst>
+              <a:ext uri="{FF2B5EF4-FFF2-40B4-BE49-F238E27FC236}">
+                <a16:creationId xmlns:a16="http://schemas.microsoft.com/office/drawing/2014/main" id="{71A056CD-90A6-4151-B7BD-ED9E0870D9E9}"/>
+              </a:ext>
+            </a:extLst>
+          </p:cNvPr>
+          <p:cNvSpPr/>
+          <p:nvPr/>
+        </p:nvSpPr>
+        <p:spPr>
+          <a:xfrm>
+            <a:off x="7316358" y="9945044"/>
+            <a:ext cx="759543" cy="160981"/>
+          </a:xfrm>
+          <a:prstGeom prst="rect">
+            <a:avLst/>
+          </a:prstGeom>
+          <a:solidFill>
+            <a:schemeClr val="bg1"/>
+          </a:solidFill>
+          <a:ln w="9525">
+            <a:solidFill>
+              <a:schemeClr val="tx1"/>
+            </a:solidFill>
+          </a:ln>
+        </p:spPr>
+        <p:style>
+          <a:lnRef idx="2">
+            <a:schemeClr val="accent1">
+              <a:shade val="50000"/>
+            </a:schemeClr>
+          </a:lnRef>
+          <a:fillRef idx="1">
+            <a:schemeClr val="accent1"/>
+          </a:fillRef>
+          <a:effectRef idx="0">
+            <a:schemeClr val="accent1"/>
+          </a:effectRef>
+          <a:fontRef idx="minor">
+            <a:schemeClr val="lt1"/>
+          </a:fontRef>
+        </p:style>
+        <p:txBody>
+          <a:bodyPr rtlCol="0" anchor="ctr"/>
+          <a:lstStyle/>
+          <a:p>
+            <a:pPr algn="ctr"/>
+            <a:r>
+              <a:rPr lang="en-US" sz="1200" dirty="0">
+                <a:solidFill>
+                  <a:schemeClr val="tx1"/>
+                </a:solidFill>
+              </a:rPr>
+              <a:t>Jazz</a:t>
+            </a:r>
+          </a:p>
+        </p:txBody>
+      </p:sp>
+      <p:sp>
+        <p:nvSpPr>
+          <p:cNvPr id="34" name="Rectangle 33">
+            <a:extLst>
+              <a:ext uri="{FF2B5EF4-FFF2-40B4-BE49-F238E27FC236}">
+                <a16:creationId xmlns:a16="http://schemas.microsoft.com/office/drawing/2014/main" id="{D96384E3-4200-4F11-8302-734E8B3BF39C}"/>
+              </a:ext>
+            </a:extLst>
+          </p:cNvPr>
+          <p:cNvSpPr/>
+          <p:nvPr/>
+        </p:nvSpPr>
+        <p:spPr>
+          <a:xfrm>
+            <a:off x="5222920" y="9866998"/>
+            <a:ext cx="3273380" cy="562877"/>
+          </a:xfrm>
+          <a:prstGeom prst="rect">
+            <a:avLst/>
+          </a:prstGeom>
+          <a:noFill/>
+          <a:ln w="6350">
+            <a:solidFill>
+              <a:schemeClr val="tx1"/>
+            </a:solidFill>
+            <a:prstDash val="sysDot"/>
+          </a:ln>
+        </p:spPr>
+        <p:style>
+          <a:lnRef idx="2">
+            <a:schemeClr val="accent1">
+              <a:shade val="50000"/>
+            </a:schemeClr>
+          </a:lnRef>
+          <a:fillRef idx="1">
+            <a:schemeClr val="accent1"/>
+          </a:fillRef>
+          <a:effectRef idx="0">
+            <a:schemeClr val="accent1"/>
+          </a:effectRef>
+          <a:fontRef idx="minor">
+            <a:schemeClr val="lt1"/>
+          </a:fontRef>
+        </p:style>
+        <p:txBody>
+          <a:bodyPr rtlCol="0" anchor="ctr"/>
+          <a:lstStyle/>
+          <a:p>
+            <a:pPr algn="ctr"/>
+            <a:endParaRPr lang="en-US" dirty="0"/>
+          </a:p>
+        </p:txBody>
+      </p:sp>
+      <p:sp>
+        <p:nvSpPr>
+          <p:cNvPr id="42" name="Rectangle 41">
+            <a:extLst>
+              <a:ext uri="{FF2B5EF4-FFF2-40B4-BE49-F238E27FC236}">
+                <a16:creationId xmlns:a16="http://schemas.microsoft.com/office/drawing/2014/main" id="{8E4AF7E6-6F0F-471F-BE9B-D1901DACB8E1}"/>
+              </a:ext>
+            </a:extLst>
+          </p:cNvPr>
+          <p:cNvSpPr/>
+          <p:nvPr/>
+        </p:nvSpPr>
+        <p:spPr>
+          <a:xfrm>
+            <a:off x="5591591" y="10176759"/>
+            <a:ext cx="759543" cy="160981"/>
+          </a:xfrm>
+          <a:prstGeom prst="rect">
+            <a:avLst/>
+          </a:prstGeom>
+          <a:solidFill>
+            <a:schemeClr val="bg1"/>
+          </a:solidFill>
+          <a:ln w="9525">
+            <a:solidFill>
+              <a:schemeClr val="tx1"/>
+            </a:solidFill>
+          </a:ln>
+        </p:spPr>
+        <p:style>
+          <a:lnRef idx="2">
+            <a:schemeClr val="accent1">
+              <a:shade val="50000"/>
+            </a:schemeClr>
+          </a:lnRef>
+          <a:fillRef idx="1">
+            <a:schemeClr val="accent1"/>
+          </a:fillRef>
+          <a:effectRef idx="0">
+            <a:schemeClr val="accent1"/>
+          </a:effectRef>
+          <a:fontRef idx="minor">
+            <a:schemeClr val="lt1"/>
+          </a:fontRef>
+        </p:style>
+        <p:txBody>
+          <a:bodyPr rtlCol="0" anchor="ctr"/>
+          <a:lstStyle/>
+          <a:p>
+            <a:pPr algn="ctr"/>
+            <a:r>
+              <a:rPr lang="en-US" sz="1200" dirty="0">
+                <a:solidFill>
+                  <a:schemeClr val="tx1"/>
+                </a:solidFill>
+              </a:rPr>
+              <a:t>Rock</a:t>
+            </a:r>
+          </a:p>
+        </p:txBody>
+      </p:sp>
+      <p:sp>
+        <p:nvSpPr>
+          <p:cNvPr id="43" name="Rectangle 42">
+            <a:extLst>
+              <a:ext uri="{FF2B5EF4-FFF2-40B4-BE49-F238E27FC236}">
+                <a16:creationId xmlns:a16="http://schemas.microsoft.com/office/drawing/2014/main" id="{12A4D7EC-C348-4B29-8C27-7EE30C1BDA8F}"/>
+              </a:ext>
+            </a:extLst>
+          </p:cNvPr>
+          <p:cNvSpPr/>
+          <p:nvPr/>
+        </p:nvSpPr>
+        <p:spPr>
+          <a:xfrm>
+            <a:off x="6478229" y="10176759"/>
+            <a:ext cx="759543" cy="160981"/>
+          </a:xfrm>
+          <a:prstGeom prst="rect">
+            <a:avLst/>
+          </a:prstGeom>
+          <a:solidFill>
+            <a:schemeClr val="bg1"/>
+          </a:solidFill>
+          <a:ln w="9525">
+            <a:solidFill>
+              <a:schemeClr val="tx1"/>
+            </a:solidFill>
+          </a:ln>
+        </p:spPr>
+        <p:style>
+          <a:lnRef idx="2">
+            <a:schemeClr val="accent1">
+              <a:shade val="50000"/>
+            </a:schemeClr>
+          </a:lnRef>
+          <a:fillRef idx="1">
+            <a:schemeClr val="accent1"/>
+          </a:fillRef>
+          <a:effectRef idx="0">
+            <a:schemeClr val="accent1"/>
+          </a:effectRef>
+          <a:fontRef idx="minor">
+            <a:schemeClr val="lt1"/>
+          </a:fontRef>
+        </p:style>
+        <p:txBody>
+          <a:bodyPr rtlCol="0" anchor="ctr"/>
+          <a:lstStyle/>
+          <a:p>
+            <a:pPr algn="ctr"/>
+            <a:r>
+              <a:rPr lang="en-US" sz="1200" dirty="0">
+                <a:solidFill>
+                  <a:schemeClr val="tx1"/>
+                </a:solidFill>
+              </a:rPr>
+              <a:t>Reggae</a:t>
+            </a:r>
+          </a:p>
+        </p:txBody>
+      </p:sp>
+      <p:sp>
+        <p:nvSpPr>
+          <p:cNvPr id="44" name="Rectangle 43">
+            <a:extLst>
+              <a:ext uri="{FF2B5EF4-FFF2-40B4-BE49-F238E27FC236}">
+                <a16:creationId xmlns:a16="http://schemas.microsoft.com/office/drawing/2014/main" id="{E7E937A8-4C00-40EE-A5DF-659A5E6FF554}"/>
+              </a:ext>
+            </a:extLst>
+          </p:cNvPr>
+          <p:cNvSpPr/>
+          <p:nvPr/>
+        </p:nvSpPr>
+        <p:spPr>
+          <a:xfrm>
+            <a:off x="7316358" y="10176759"/>
+            <a:ext cx="759543" cy="160981"/>
+          </a:xfrm>
+          <a:prstGeom prst="rect">
+            <a:avLst/>
+          </a:prstGeom>
+          <a:solidFill>
+            <a:schemeClr val="bg1"/>
+          </a:solidFill>
+          <a:ln w="9525">
+            <a:solidFill>
+              <a:schemeClr val="tx1"/>
+            </a:solidFill>
+          </a:ln>
+        </p:spPr>
+        <p:style>
+          <a:lnRef idx="2">
+            <a:schemeClr val="accent1">
+              <a:shade val="50000"/>
+            </a:schemeClr>
+          </a:lnRef>
+          <a:fillRef idx="1">
+            <a:schemeClr val="accent1"/>
+          </a:fillRef>
+          <a:effectRef idx="0">
+            <a:schemeClr val="accent1"/>
+          </a:effectRef>
+          <a:fontRef idx="minor">
+            <a:schemeClr val="lt1"/>
+          </a:fontRef>
+        </p:style>
+        <p:txBody>
+          <a:bodyPr rtlCol="0" anchor="ctr"/>
+          <a:lstStyle/>
+          <a:p>
+            <a:pPr algn="ctr"/>
+            <a:r>
+              <a:rPr lang="en-US" sz="1200" dirty="0">
+                <a:solidFill>
+                  <a:schemeClr val="tx1"/>
+                </a:solidFill>
+              </a:rPr>
+              <a:t>Jazz</a:t>
             </a:r>
           </a:p>
         </p:txBody>
